--- a/powerpoint/gpio-abstractions.pptx
+++ b/powerpoint/gpio-abstractions.pptx
@@ -4016,23 +4016,28 @@
             <p:ph type="title"/>
           </p:nvPr>
         </p:nvSpPr>
-        <p:spPr/>
+        <p:spPr>
+          <a:xfrm>
+            <a:off x="755072" y="602554"/>
+            <a:ext cx="10515600" cy="1325563"/>
+          </a:xfrm>
+        </p:spPr>
         <p:txBody>
           <a:bodyPr>
-            <a:normAutofit/>
+            <a:noAutofit/>
           </a:bodyPr>
           <a:lstStyle/>
           <a:p>
             <a:r>
-              <a:rPr lang="nl-NL" dirty="0" err="1"/>
+              <a:rPr lang="nl-NL" sz="6000" b="1" dirty="0" err="1"/>
               <a:t>Let’s</a:t>
             </a:r>
             <a:r>
-              <a:rPr lang="nl-NL" dirty="0"/>
+              <a:rPr lang="nl-NL" sz="6000" b="1" dirty="0"/>
               <a:t> Blink a LED</a:t>
             </a:r>
             <a:br>
-              <a:rPr lang="nl-NL" dirty="0"/>
+              <a:rPr lang="nl-NL" sz="6000" dirty="0"/>
             </a:br>
             <a:r>
               <a:rPr lang="nl-NL" sz="2800" dirty="0"/>
@@ -4059,8 +4064,8 @@
         </p:nvSpPr>
         <p:spPr>
           <a:xfrm>
-            <a:off x="755073" y="3074234"/>
-            <a:ext cx="10515600" cy="2205326"/>
+            <a:off x="755072" y="3074233"/>
+            <a:ext cx="11270673" cy="3309825"/>
           </a:xfrm>
         </p:spPr>
         <p:txBody>
@@ -4087,7 +4092,7 @@
             </a:r>
             <a:r>
               <a:rPr lang="nl-NL" sz="2400" dirty="0"/>
-              <a:t> at HBO-ICT, Computer </a:t>
+              <a:t> Computer </a:t>
             </a:r>
             <a:r>
               <a:rPr lang="nl-NL" sz="2400" dirty="0" err="1"/>
@@ -4095,7 +4100,7 @@
             </a:r>
             <a:r>
               <a:rPr lang="nl-NL" sz="2400" dirty="0"/>
-              <a:t>, Utrecht, Netherlands</a:t>
+              <a:t>, HBO-ICT, Hogeschool Utrecht, Netherlands</a:t>
             </a:r>
           </a:p>
           <a:p>
@@ -4135,6 +4140,14 @@
             </a:r>
             <a:r>
               <a:rPr lang="nl-NL" sz="2400" dirty="0"/>
+              <a:t> </a:t>
+            </a:r>
+            <a:r>
+              <a:rPr lang="nl-NL" sz="2400" dirty="0" err="1"/>
+              <a:t>the</a:t>
+            </a:r>
+            <a:r>
+              <a:rPr lang="nl-NL" sz="2400" dirty="0"/>
               <a:t> embedded </a:t>
             </a:r>
             <a:r>
@@ -4147,7 +4160,7 @@
             </a:r>
             <a:r>
               <a:rPr lang="nl-NL" sz="2400" dirty="0" err="1"/>
-              <a:t>seem</a:t>
+              <a:t>worls</a:t>
             </a:r>
             <a:r>
               <a:rPr lang="nl-NL" sz="2400" dirty="0"/>
@@ -4155,7 +4168,7 @@
             </a:r>
             <a:r>
               <a:rPr lang="nl-NL" sz="2400" dirty="0" err="1"/>
-              <a:t>to</a:t>
+              <a:t>seem</a:t>
             </a:r>
             <a:r>
               <a:rPr lang="nl-NL" sz="2400" dirty="0"/>
@@ -4163,21 +4176,34 @@
             </a:r>
             <a:r>
               <a:rPr lang="nl-NL" sz="2400" dirty="0" err="1"/>
-              <a:t>disagree</a:t>
+              <a:t>to</a:t>
             </a:r>
             <a:r>
               <a:rPr lang="nl-NL" sz="2400" dirty="0"/>
-              <a:t>…)</a:t>
-            </a:r>
-          </a:p>
-          <a:p>
-            <a:r>
-              <a:rPr lang="nl-NL" sz="2400" dirty="0">
-                <a:hlinkClick r:id="rId2"/>
-              </a:rPr>
-              <a:t>www.github.com/wovo/talk-gpio-abstractions</a:t>
-            </a:r>
-            <a:endParaRPr lang="nl-NL" sz="2400" dirty="0"/>
+              <a:t> </a:t>
+            </a:r>
+            <a:r>
+              <a:rPr lang="nl-NL" sz="2400" dirty="0" err="1"/>
+              <a:t>need</a:t>
+            </a:r>
+            <a:r>
+              <a:rPr lang="nl-NL" sz="2400" dirty="0"/>
+              <a:t> </a:t>
+            </a:r>
+            <a:r>
+              <a:rPr lang="nl-NL" sz="2400" dirty="0" err="1"/>
+              <a:t>convincing</a:t>
+            </a:r>
+            <a:r>
+              <a:rPr lang="nl-NL" sz="2400" dirty="0"/>
+              <a:t>)</a:t>
+            </a:r>
+          </a:p>
+          <a:p>
+            <a:r>
+              <a:rPr lang="nl-NL" sz="2400" dirty="0"/>
+              <a:t>Code, sheets etc. at www.github.com/wovo/talk-gpio-abstractions</a:t>
+            </a:r>
           </a:p>
           <a:p>
             <a:r>
@@ -4250,7 +4276,7 @@
             <p:nvPr/>
           </p:nvPicPr>
           <p:blipFill>
-            <a:blip r:embed="rId3"/>
+            <a:blip r:embed="rId2"/>
             <a:stretch>
               <a:fillRect/>
             </a:stretch>
@@ -4280,7 +4306,7 @@
             <p:nvPr/>
           </p:nvPicPr>
           <p:blipFill>
-            <a:blip r:embed="rId4"/>
+            <a:blip r:embed="rId3"/>
             <a:stretch>
               <a:fillRect/>
             </a:stretch>
@@ -4659,6 +4685,141 @@
           </a:p>
         </p:txBody>
       </p:sp>
+      <p:sp>
+        <p:nvSpPr>
+          <p:cNvPr id="11" name="Slide Number Placeholder 5">
+            <a:extLst>
+              <a:ext uri="{FF2B5EF4-FFF2-40B4-BE49-F238E27FC236}">
+                <a16:creationId xmlns:a16="http://schemas.microsoft.com/office/drawing/2014/main" id="{E75F642D-E7E3-4531-9EEB-39D35E189E07}"/>
+              </a:ext>
+            </a:extLst>
+          </p:cNvPr>
+          <p:cNvSpPr txBox="1">
+            <a:spLocks/>
+          </p:cNvSpPr>
+          <p:nvPr/>
+        </p:nvSpPr>
+        <p:spPr>
+          <a:xfrm>
+            <a:off x="9162675" y="6384059"/>
+            <a:ext cx="2743200" cy="365125"/>
+          </a:xfrm>
+          <a:prstGeom prst="rect">
+            <a:avLst/>
+          </a:prstGeom>
+        </p:spPr>
+        <p:txBody>
+          <a:bodyPr vert="horz" lIns="91440" tIns="45720" rIns="91440" bIns="45720" rtlCol="0" anchor="ctr"/>
+          <a:lstStyle>
+            <a:defPPr>
+              <a:defRPr lang="nl-NL"/>
+            </a:defPPr>
+            <a:lvl1pPr marL="0" algn="r" defTabSz="914400" rtl="0" eaLnBrk="1" latinLnBrk="0" hangingPunct="1">
+              <a:defRPr sz="1200" kern="1200">
+                <a:solidFill>
+                  <a:schemeClr val="tx1">
+                    <a:tint val="75000"/>
+                  </a:schemeClr>
+                </a:solidFill>
+                <a:latin typeface="+mn-lt"/>
+                <a:ea typeface="+mn-ea"/>
+                <a:cs typeface="+mn-cs"/>
+              </a:defRPr>
+            </a:lvl1pPr>
+            <a:lvl2pPr marL="457200" algn="l" defTabSz="914400" rtl="0" eaLnBrk="1" latinLnBrk="0" hangingPunct="1">
+              <a:defRPr sz="1800" kern="1200">
+                <a:solidFill>
+                  <a:schemeClr val="tx1"/>
+                </a:solidFill>
+                <a:latin typeface="+mn-lt"/>
+                <a:ea typeface="+mn-ea"/>
+                <a:cs typeface="+mn-cs"/>
+              </a:defRPr>
+            </a:lvl2pPr>
+            <a:lvl3pPr marL="914400" algn="l" defTabSz="914400" rtl="0" eaLnBrk="1" latinLnBrk="0" hangingPunct="1">
+              <a:defRPr sz="1800" kern="1200">
+                <a:solidFill>
+                  <a:schemeClr val="tx1"/>
+                </a:solidFill>
+                <a:latin typeface="+mn-lt"/>
+                <a:ea typeface="+mn-ea"/>
+                <a:cs typeface="+mn-cs"/>
+              </a:defRPr>
+            </a:lvl3pPr>
+            <a:lvl4pPr marL="1371600" algn="l" defTabSz="914400" rtl="0" eaLnBrk="1" latinLnBrk="0" hangingPunct="1">
+              <a:defRPr sz="1800" kern="1200">
+                <a:solidFill>
+                  <a:schemeClr val="tx1"/>
+                </a:solidFill>
+                <a:latin typeface="+mn-lt"/>
+                <a:ea typeface="+mn-ea"/>
+                <a:cs typeface="+mn-cs"/>
+              </a:defRPr>
+            </a:lvl4pPr>
+            <a:lvl5pPr marL="1828800" algn="l" defTabSz="914400" rtl="0" eaLnBrk="1" latinLnBrk="0" hangingPunct="1">
+              <a:defRPr sz="1800" kern="1200">
+                <a:solidFill>
+                  <a:schemeClr val="tx1"/>
+                </a:solidFill>
+                <a:latin typeface="+mn-lt"/>
+                <a:ea typeface="+mn-ea"/>
+                <a:cs typeface="+mn-cs"/>
+              </a:defRPr>
+            </a:lvl5pPr>
+            <a:lvl6pPr marL="2286000" algn="l" defTabSz="914400" rtl="0" eaLnBrk="1" latinLnBrk="0" hangingPunct="1">
+              <a:defRPr sz="1800" kern="1200">
+                <a:solidFill>
+                  <a:schemeClr val="tx1"/>
+                </a:solidFill>
+                <a:latin typeface="+mn-lt"/>
+                <a:ea typeface="+mn-ea"/>
+                <a:cs typeface="+mn-cs"/>
+              </a:defRPr>
+            </a:lvl6pPr>
+            <a:lvl7pPr marL="2743200" algn="l" defTabSz="914400" rtl="0" eaLnBrk="1" latinLnBrk="0" hangingPunct="1">
+              <a:defRPr sz="1800" kern="1200">
+                <a:solidFill>
+                  <a:schemeClr val="tx1"/>
+                </a:solidFill>
+                <a:latin typeface="+mn-lt"/>
+                <a:ea typeface="+mn-ea"/>
+                <a:cs typeface="+mn-cs"/>
+              </a:defRPr>
+            </a:lvl7pPr>
+            <a:lvl8pPr marL="3200400" algn="l" defTabSz="914400" rtl="0" eaLnBrk="1" latinLnBrk="0" hangingPunct="1">
+              <a:defRPr sz="1800" kern="1200">
+                <a:solidFill>
+                  <a:schemeClr val="tx1"/>
+                </a:solidFill>
+                <a:latin typeface="+mn-lt"/>
+                <a:ea typeface="+mn-ea"/>
+                <a:cs typeface="+mn-cs"/>
+              </a:defRPr>
+            </a:lvl8pPr>
+            <a:lvl9pPr marL="3657600" algn="l" defTabSz="914400" rtl="0" eaLnBrk="1" latinLnBrk="0" hangingPunct="1">
+              <a:defRPr sz="1800" kern="1200">
+                <a:solidFill>
+                  <a:schemeClr val="tx1"/>
+                </a:solidFill>
+                <a:latin typeface="+mn-lt"/>
+                <a:ea typeface="+mn-ea"/>
+                <a:cs typeface="+mn-cs"/>
+              </a:defRPr>
+            </a:lvl9pPr>
+          </a:lstStyle>
+          <a:p>
+            <a:fld id="{117E512A-7775-4EA3-AB06-35D1DA2F9E89}" type="slidenum">
+              <a:rPr lang="nl-NL" smtClean="0"/>
+              <a:pPr/>
+              <a:t>1</a:t>
+            </a:fld>
+            <a:r>
+              <a:rPr lang="nl-NL" dirty="0"/>
+              <a:t>/23</a:t>
+            </a:r>
+          </a:p>
+        </p:txBody>
+      </p:sp>
     </p:spTree>
     <p:extLst>
       <p:ext uri="{BB962C8B-B14F-4D97-AF65-F5344CB8AC3E}">
@@ -4771,7 +4932,15 @@
           <a:p>
             <a:r>
               <a:rPr lang="nl-NL" dirty="0"/>
-              <a:t>Beware: int on </a:t>
+              <a:t>Beware: </a:t>
+            </a:r>
+            <a:r>
+              <a:rPr lang="nl-NL" dirty="0" err="1"/>
+              <a:t>the</a:t>
+            </a:r>
+            <a:r>
+              <a:rPr lang="nl-NL" dirty="0"/>
+              <a:t> int type on </a:t>
             </a:r>
             <a:r>
               <a:rPr lang="nl-NL" dirty="0" err="1"/>
@@ -4792,8 +4961,12 @@
           </a:p>
           <a:p>
             <a:r>
-              <a:rPr lang="nl-NL" dirty="0"/>
-              <a:t>Loop must </a:t>
+              <a:rPr lang="nl-NL" dirty="0" err="1"/>
+              <a:t>There</a:t>
+            </a:r>
+            <a:r>
+              <a:rPr lang="nl-NL" dirty="0"/>
+              <a:t> must </a:t>
             </a:r>
             <a:r>
               <a:rPr lang="nl-NL" dirty="0" err="1"/>
@@ -4847,7 +5020,34 @@
               <a:rPr lang="nl-NL" dirty="0" err="1"/>
               <a:t>away</a:t>
             </a:r>
-            <a:endParaRPr lang="nl-NL" dirty="0"/>
+            <a:r>
+              <a:rPr lang="nl-NL" dirty="0"/>
+              <a:t> (in </a:t>
+            </a:r>
+            <a:r>
+              <a:rPr lang="nl-NL" dirty="0" err="1"/>
+              <a:t>this</a:t>
+            </a:r>
+            <a:r>
+              <a:rPr lang="nl-NL" dirty="0"/>
+              <a:t> case </a:t>
+            </a:r>
+            <a:r>
+              <a:rPr lang="nl-NL" dirty="0" err="1"/>
+              <a:t>the</a:t>
+            </a:r>
+            <a:r>
+              <a:rPr lang="nl-NL" dirty="0"/>
+              <a:t> </a:t>
+            </a:r>
+            <a:r>
+              <a:rPr lang="nl-NL" dirty="0" err="1"/>
+              <a:t>asm</a:t>
+            </a:r>
+            <a:r>
+              <a:rPr lang="nl-NL" dirty="0"/>
+              <a:t>( “nop” ) )</a:t>
+            </a:r>
           </a:p>
           <a:p>
             <a:endParaRPr lang="nl-NL" dirty="0"/>
@@ -4995,6 +5195,141 @@
               <a:latin typeface="Courier New" panose="02070309020205020404" pitchFamily="49" charset="0"/>
               <a:cs typeface="Courier New" panose="02070309020205020404" pitchFamily="49" charset="0"/>
             </a:endParaRPr>
+          </a:p>
+        </p:txBody>
+      </p:sp>
+      <p:sp>
+        <p:nvSpPr>
+          <p:cNvPr id="5" name="Slide Number Placeholder 5">
+            <a:extLst>
+              <a:ext uri="{FF2B5EF4-FFF2-40B4-BE49-F238E27FC236}">
+                <a16:creationId xmlns:a16="http://schemas.microsoft.com/office/drawing/2014/main" id="{CBC1F753-9DCE-4100-BDCD-B770FFB5EF32}"/>
+              </a:ext>
+            </a:extLst>
+          </p:cNvPr>
+          <p:cNvSpPr txBox="1">
+            <a:spLocks/>
+          </p:cNvSpPr>
+          <p:nvPr/>
+        </p:nvSpPr>
+        <p:spPr>
+          <a:xfrm>
+            <a:off x="9162675" y="6384059"/>
+            <a:ext cx="2743200" cy="365125"/>
+          </a:xfrm>
+          <a:prstGeom prst="rect">
+            <a:avLst/>
+          </a:prstGeom>
+        </p:spPr>
+        <p:txBody>
+          <a:bodyPr vert="horz" lIns="91440" tIns="45720" rIns="91440" bIns="45720" rtlCol="0" anchor="ctr"/>
+          <a:lstStyle>
+            <a:defPPr>
+              <a:defRPr lang="nl-NL"/>
+            </a:defPPr>
+            <a:lvl1pPr marL="0" algn="r" defTabSz="914400" rtl="0" eaLnBrk="1" latinLnBrk="0" hangingPunct="1">
+              <a:defRPr sz="1200" kern="1200">
+                <a:solidFill>
+                  <a:schemeClr val="tx1">
+                    <a:tint val="75000"/>
+                  </a:schemeClr>
+                </a:solidFill>
+                <a:latin typeface="+mn-lt"/>
+                <a:ea typeface="+mn-ea"/>
+                <a:cs typeface="+mn-cs"/>
+              </a:defRPr>
+            </a:lvl1pPr>
+            <a:lvl2pPr marL="457200" algn="l" defTabSz="914400" rtl="0" eaLnBrk="1" latinLnBrk="0" hangingPunct="1">
+              <a:defRPr sz="1800" kern="1200">
+                <a:solidFill>
+                  <a:schemeClr val="tx1"/>
+                </a:solidFill>
+                <a:latin typeface="+mn-lt"/>
+                <a:ea typeface="+mn-ea"/>
+                <a:cs typeface="+mn-cs"/>
+              </a:defRPr>
+            </a:lvl2pPr>
+            <a:lvl3pPr marL="914400" algn="l" defTabSz="914400" rtl="0" eaLnBrk="1" latinLnBrk="0" hangingPunct="1">
+              <a:defRPr sz="1800" kern="1200">
+                <a:solidFill>
+                  <a:schemeClr val="tx1"/>
+                </a:solidFill>
+                <a:latin typeface="+mn-lt"/>
+                <a:ea typeface="+mn-ea"/>
+                <a:cs typeface="+mn-cs"/>
+              </a:defRPr>
+            </a:lvl3pPr>
+            <a:lvl4pPr marL="1371600" algn="l" defTabSz="914400" rtl="0" eaLnBrk="1" latinLnBrk="0" hangingPunct="1">
+              <a:defRPr sz="1800" kern="1200">
+                <a:solidFill>
+                  <a:schemeClr val="tx1"/>
+                </a:solidFill>
+                <a:latin typeface="+mn-lt"/>
+                <a:ea typeface="+mn-ea"/>
+                <a:cs typeface="+mn-cs"/>
+              </a:defRPr>
+            </a:lvl4pPr>
+            <a:lvl5pPr marL="1828800" algn="l" defTabSz="914400" rtl="0" eaLnBrk="1" latinLnBrk="0" hangingPunct="1">
+              <a:defRPr sz="1800" kern="1200">
+                <a:solidFill>
+                  <a:schemeClr val="tx1"/>
+                </a:solidFill>
+                <a:latin typeface="+mn-lt"/>
+                <a:ea typeface="+mn-ea"/>
+                <a:cs typeface="+mn-cs"/>
+              </a:defRPr>
+            </a:lvl5pPr>
+            <a:lvl6pPr marL="2286000" algn="l" defTabSz="914400" rtl="0" eaLnBrk="1" latinLnBrk="0" hangingPunct="1">
+              <a:defRPr sz="1800" kern="1200">
+                <a:solidFill>
+                  <a:schemeClr val="tx1"/>
+                </a:solidFill>
+                <a:latin typeface="+mn-lt"/>
+                <a:ea typeface="+mn-ea"/>
+                <a:cs typeface="+mn-cs"/>
+              </a:defRPr>
+            </a:lvl6pPr>
+            <a:lvl7pPr marL="2743200" algn="l" defTabSz="914400" rtl="0" eaLnBrk="1" latinLnBrk="0" hangingPunct="1">
+              <a:defRPr sz="1800" kern="1200">
+                <a:solidFill>
+                  <a:schemeClr val="tx1"/>
+                </a:solidFill>
+                <a:latin typeface="+mn-lt"/>
+                <a:ea typeface="+mn-ea"/>
+                <a:cs typeface="+mn-cs"/>
+              </a:defRPr>
+            </a:lvl7pPr>
+            <a:lvl8pPr marL="3200400" algn="l" defTabSz="914400" rtl="0" eaLnBrk="1" latinLnBrk="0" hangingPunct="1">
+              <a:defRPr sz="1800" kern="1200">
+                <a:solidFill>
+                  <a:schemeClr val="tx1"/>
+                </a:solidFill>
+                <a:latin typeface="+mn-lt"/>
+                <a:ea typeface="+mn-ea"/>
+                <a:cs typeface="+mn-cs"/>
+              </a:defRPr>
+            </a:lvl8pPr>
+            <a:lvl9pPr marL="3657600" algn="l" defTabSz="914400" rtl="0" eaLnBrk="1" latinLnBrk="0" hangingPunct="1">
+              <a:defRPr sz="1800" kern="1200">
+                <a:solidFill>
+                  <a:schemeClr val="tx1"/>
+                </a:solidFill>
+                <a:latin typeface="+mn-lt"/>
+                <a:ea typeface="+mn-ea"/>
+                <a:cs typeface="+mn-cs"/>
+              </a:defRPr>
+            </a:lvl9pPr>
+          </a:lstStyle>
+          <a:p>
+            <a:fld id="{117E512A-7775-4EA3-AB06-35D1DA2F9E89}" type="slidenum">
+              <a:rPr lang="nl-NL" smtClean="0"/>
+              <a:pPr/>
+              <a:t>10</a:t>
+            </a:fld>
+            <a:r>
+              <a:rPr lang="nl-NL" dirty="0"/>
+              <a:t>/23</a:t>
+            </a:r>
           </a:p>
         </p:txBody>
       </p:sp>
@@ -5459,6 +5794,141 @@
               <a:latin typeface="Courier New" panose="02070309020205020404" pitchFamily="49" charset="0"/>
               <a:cs typeface="Courier New" panose="02070309020205020404" pitchFamily="49" charset="0"/>
             </a:endParaRPr>
+          </a:p>
+        </p:txBody>
+      </p:sp>
+      <p:sp>
+        <p:nvSpPr>
+          <p:cNvPr id="5" name="Slide Number Placeholder 5">
+            <a:extLst>
+              <a:ext uri="{FF2B5EF4-FFF2-40B4-BE49-F238E27FC236}">
+                <a16:creationId xmlns:a16="http://schemas.microsoft.com/office/drawing/2014/main" id="{46147B93-1898-47AD-A143-BDE536E6FE8C}"/>
+              </a:ext>
+            </a:extLst>
+          </p:cNvPr>
+          <p:cNvSpPr txBox="1">
+            <a:spLocks/>
+          </p:cNvSpPr>
+          <p:nvPr/>
+        </p:nvSpPr>
+        <p:spPr>
+          <a:xfrm>
+            <a:off x="9162675" y="6384059"/>
+            <a:ext cx="2743200" cy="365125"/>
+          </a:xfrm>
+          <a:prstGeom prst="rect">
+            <a:avLst/>
+          </a:prstGeom>
+        </p:spPr>
+        <p:txBody>
+          <a:bodyPr vert="horz" lIns="91440" tIns="45720" rIns="91440" bIns="45720" rtlCol="0" anchor="ctr"/>
+          <a:lstStyle>
+            <a:defPPr>
+              <a:defRPr lang="nl-NL"/>
+            </a:defPPr>
+            <a:lvl1pPr marL="0" algn="r" defTabSz="914400" rtl="0" eaLnBrk="1" latinLnBrk="0" hangingPunct="1">
+              <a:defRPr sz="1200" kern="1200">
+                <a:solidFill>
+                  <a:schemeClr val="tx1">
+                    <a:tint val="75000"/>
+                  </a:schemeClr>
+                </a:solidFill>
+                <a:latin typeface="+mn-lt"/>
+                <a:ea typeface="+mn-ea"/>
+                <a:cs typeface="+mn-cs"/>
+              </a:defRPr>
+            </a:lvl1pPr>
+            <a:lvl2pPr marL="457200" algn="l" defTabSz="914400" rtl="0" eaLnBrk="1" latinLnBrk="0" hangingPunct="1">
+              <a:defRPr sz="1800" kern="1200">
+                <a:solidFill>
+                  <a:schemeClr val="tx1"/>
+                </a:solidFill>
+                <a:latin typeface="+mn-lt"/>
+                <a:ea typeface="+mn-ea"/>
+                <a:cs typeface="+mn-cs"/>
+              </a:defRPr>
+            </a:lvl2pPr>
+            <a:lvl3pPr marL="914400" algn="l" defTabSz="914400" rtl="0" eaLnBrk="1" latinLnBrk="0" hangingPunct="1">
+              <a:defRPr sz="1800" kern="1200">
+                <a:solidFill>
+                  <a:schemeClr val="tx1"/>
+                </a:solidFill>
+                <a:latin typeface="+mn-lt"/>
+                <a:ea typeface="+mn-ea"/>
+                <a:cs typeface="+mn-cs"/>
+              </a:defRPr>
+            </a:lvl3pPr>
+            <a:lvl4pPr marL="1371600" algn="l" defTabSz="914400" rtl="0" eaLnBrk="1" latinLnBrk="0" hangingPunct="1">
+              <a:defRPr sz="1800" kern="1200">
+                <a:solidFill>
+                  <a:schemeClr val="tx1"/>
+                </a:solidFill>
+                <a:latin typeface="+mn-lt"/>
+                <a:ea typeface="+mn-ea"/>
+                <a:cs typeface="+mn-cs"/>
+              </a:defRPr>
+            </a:lvl4pPr>
+            <a:lvl5pPr marL="1828800" algn="l" defTabSz="914400" rtl="0" eaLnBrk="1" latinLnBrk="0" hangingPunct="1">
+              <a:defRPr sz="1800" kern="1200">
+                <a:solidFill>
+                  <a:schemeClr val="tx1"/>
+                </a:solidFill>
+                <a:latin typeface="+mn-lt"/>
+                <a:ea typeface="+mn-ea"/>
+                <a:cs typeface="+mn-cs"/>
+              </a:defRPr>
+            </a:lvl5pPr>
+            <a:lvl6pPr marL="2286000" algn="l" defTabSz="914400" rtl="0" eaLnBrk="1" latinLnBrk="0" hangingPunct="1">
+              <a:defRPr sz="1800" kern="1200">
+                <a:solidFill>
+                  <a:schemeClr val="tx1"/>
+                </a:solidFill>
+                <a:latin typeface="+mn-lt"/>
+                <a:ea typeface="+mn-ea"/>
+                <a:cs typeface="+mn-cs"/>
+              </a:defRPr>
+            </a:lvl6pPr>
+            <a:lvl7pPr marL="2743200" algn="l" defTabSz="914400" rtl="0" eaLnBrk="1" latinLnBrk="0" hangingPunct="1">
+              <a:defRPr sz="1800" kern="1200">
+                <a:solidFill>
+                  <a:schemeClr val="tx1"/>
+                </a:solidFill>
+                <a:latin typeface="+mn-lt"/>
+                <a:ea typeface="+mn-ea"/>
+                <a:cs typeface="+mn-cs"/>
+              </a:defRPr>
+            </a:lvl7pPr>
+            <a:lvl8pPr marL="3200400" algn="l" defTabSz="914400" rtl="0" eaLnBrk="1" latinLnBrk="0" hangingPunct="1">
+              <a:defRPr sz="1800" kern="1200">
+                <a:solidFill>
+                  <a:schemeClr val="tx1"/>
+                </a:solidFill>
+                <a:latin typeface="+mn-lt"/>
+                <a:ea typeface="+mn-ea"/>
+                <a:cs typeface="+mn-cs"/>
+              </a:defRPr>
+            </a:lvl8pPr>
+            <a:lvl9pPr marL="3657600" algn="l" defTabSz="914400" rtl="0" eaLnBrk="1" latinLnBrk="0" hangingPunct="1">
+              <a:defRPr sz="1800" kern="1200">
+                <a:solidFill>
+                  <a:schemeClr val="tx1"/>
+                </a:solidFill>
+                <a:latin typeface="+mn-lt"/>
+                <a:ea typeface="+mn-ea"/>
+                <a:cs typeface="+mn-cs"/>
+              </a:defRPr>
+            </a:lvl9pPr>
+          </a:lstStyle>
+          <a:p>
+            <a:fld id="{117E512A-7775-4EA3-AB06-35D1DA2F9E89}" type="slidenum">
+              <a:rPr lang="nl-NL" smtClean="0"/>
+              <a:pPr/>
+              <a:t>11</a:t>
+            </a:fld>
+            <a:r>
+              <a:rPr lang="nl-NL" dirty="0"/>
+              <a:t>/23</a:t>
+            </a:r>
           </a:p>
         </p:txBody>
       </p:sp>
@@ -5601,7 +6071,10 @@
           </a:p>
           <a:p>
             <a:r>
-              <a:rPr lang="en-US" sz="1600" dirty="0">
+              <a:rPr lang="en-US" sz="1600" b="1" dirty="0">
+                <a:solidFill>
+                  <a:srgbClr val="7030A0"/>
+                </a:solidFill>
                 <a:latin typeface="Courier New" panose="02070309020205020404" pitchFamily="49" charset="0"/>
                 <a:cs typeface="Courier New" panose="02070309020205020404" pitchFamily="49" charset="0"/>
               </a:rPr>
@@ -5610,7 +6083,10 @@
           </a:p>
           <a:p>
             <a:r>
-              <a:rPr lang="en-US" sz="1600" dirty="0">
+              <a:rPr lang="en-US" sz="1600" b="1" dirty="0">
+                <a:solidFill>
+                  <a:srgbClr val="7030A0"/>
+                </a:solidFill>
                 <a:latin typeface="Courier New" panose="02070309020205020404" pitchFamily="49" charset="0"/>
                 <a:cs typeface="Courier New" panose="02070309020205020404" pitchFamily="49" charset="0"/>
               </a:rPr>
@@ -5907,6 +6383,141 @@
               <a:latin typeface="Courier New" panose="02070309020205020404" pitchFamily="49" charset="0"/>
               <a:cs typeface="Courier New" panose="02070309020205020404" pitchFamily="49" charset="0"/>
             </a:endParaRPr>
+          </a:p>
+        </p:txBody>
+      </p:sp>
+      <p:sp>
+        <p:nvSpPr>
+          <p:cNvPr id="5" name="Slide Number Placeholder 5">
+            <a:extLst>
+              <a:ext uri="{FF2B5EF4-FFF2-40B4-BE49-F238E27FC236}">
+                <a16:creationId xmlns:a16="http://schemas.microsoft.com/office/drawing/2014/main" id="{A1EBF164-E520-4D26-A47F-A56EFC2E8F38}"/>
+              </a:ext>
+            </a:extLst>
+          </p:cNvPr>
+          <p:cNvSpPr txBox="1">
+            <a:spLocks/>
+          </p:cNvSpPr>
+          <p:nvPr/>
+        </p:nvSpPr>
+        <p:spPr>
+          <a:xfrm>
+            <a:off x="9162675" y="6384059"/>
+            <a:ext cx="2743200" cy="365125"/>
+          </a:xfrm>
+          <a:prstGeom prst="rect">
+            <a:avLst/>
+          </a:prstGeom>
+        </p:spPr>
+        <p:txBody>
+          <a:bodyPr vert="horz" lIns="91440" tIns="45720" rIns="91440" bIns="45720" rtlCol="0" anchor="ctr"/>
+          <a:lstStyle>
+            <a:defPPr>
+              <a:defRPr lang="nl-NL"/>
+            </a:defPPr>
+            <a:lvl1pPr marL="0" algn="r" defTabSz="914400" rtl="0" eaLnBrk="1" latinLnBrk="0" hangingPunct="1">
+              <a:defRPr sz="1200" kern="1200">
+                <a:solidFill>
+                  <a:schemeClr val="tx1">
+                    <a:tint val="75000"/>
+                  </a:schemeClr>
+                </a:solidFill>
+                <a:latin typeface="+mn-lt"/>
+                <a:ea typeface="+mn-ea"/>
+                <a:cs typeface="+mn-cs"/>
+              </a:defRPr>
+            </a:lvl1pPr>
+            <a:lvl2pPr marL="457200" algn="l" defTabSz="914400" rtl="0" eaLnBrk="1" latinLnBrk="0" hangingPunct="1">
+              <a:defRPr sz="1800" kern="1200">
+                <a:solidFill>
+                  <a:schemeClr val="tx1"/>
+                </a:solidFill>
+                <a:latin typeface="+mn-lt"/>
+                <a:ea typeface="+mn-ea"/>
+                <a:cs typeface="+mn-cs"/>
+              </a:defRPr>
+            </a:lvl2pPr>
+            <a:lvl3pPr marL="914400" algn="l" defTabSz="914400" rtl="0" eaLnBrk="1" latinLnBrk="0" hangingPunct="1">
+              <a:defRPr sz="1800" kern="1200">
+                <a:solidFill>
+                  <a:schemeClr val="tx1"/>
+                </a:solidFill>
+                <a:latin typeface="+mn-lt"/>
+                <a:ea typeface="+mn-ea"/>
+                <a:cs typeface="+mn-cs"/>
+              </a:defRPr>
+            </a:lvl3pPr>
+            <a:lvl4pPr marL="1371600" algn="l" defTabSz="914400" rtl="0" eaLnBrk="1" latinLnBrk="0" hangingPunct="1">
+              <a:defRPr sz="1800" kern="1200">
+                <a:solidFill>
+                  <a:schemeClr val="tx1"/>
+                </a:solidFill>
+                <a:latin typeface="+mn-lt"/>
+                <a:ea typeface="+mn-ea"/>
+                <a:cs typeface="+mn-cs"/>
+              </a:defRPr>
+            </a:lvl4pPr>
+            <a:lvl5pPr marL="1828800" algn="l" defTabSz="914400" rtl="0" eaLnBrk="1" latinLnBrk="0" hangingPunct="1">
+              <a:defRPr sz="1800" kern="1200">
+                <a:solidFill>
+                  <a:schemeClr val="tx1"/>
+                </a:solidFill>
+                <a:latin typeface="+mn-lt"/>
+                <a:ea typeface="+mn-ea"/>
+                <a:cs typeface="+mn-cs"/>
+              </a:defRPr>
+            </a:lvl5pPr>
+            <a:lvl6pPr marL="2286000" algn="l" defTabSz="914400" rtl="0" eaLnBrk="1" latinLnBrk="0" hangingPunct="1">
+              <a:defRPr sz="1800" kern="1200">
+                <a:solidFill>
+                  <a:schemeClr val="tx1"/>
+                </a:solidFill>
+                <a:latin typeface="+mn-lt"/>
+                <a:ea typeface="+mn-ea"/>
+                <a:cs typeface="+mn-cs"/>
+              </a:defRPr>
+            </a:lvl6pPr>
+            <a:lvl7pPr marL="2743200" algn="l" defTabSz="914400" rtl="0" eaLnBrk="1" latinLnBrk="0" hangingPunct="1">
+              <a:defRPr sz="1800" kern="1200">
+                <a:solidFill>
+                  <a:schemeClr val="tx1"/>
+                </a:solidFill>
+                <a:latin typeface="+mn-lt"/>
+                <a:ea typeface="+mn-ea"/>
+                <a:cs typeface="+mn-cs"/>
+              </a:defRPr>
+            </a:lvl7pPr>
+            <a:lvl8pPr marL="3200400" algn="l" defTabSz="914400" rtl="0" eaLnBrk="1" latinLnBrk="0" hangingPunct="1">
+              <a:defRPr sz="1800" kern="1200">
+                <a:solidFill>
+                  <a:schemeClr val="tx1"/>
+                </a:solidFill>
+                <a:latin typeface="+mn-lt"/>
+                <a:ea typeface="+mn-ea"/>
+                <a:cs typeface="+mn-cs"/>
+              </a:defRPr>
+            </a:lvl8pPr>
+            <a:lvl9pPr marL="3657600" algn="l" defTabSz="914400" rtl="0" eaLnBrk="1" latinLnBrk="0" hangingPunct="1">
+              <a:defRPr sz="1800" kern="1200">
+                <a:solidFill>
+                  <a:schemeClr val="tx1"/>
+                </a:solidFill>
+                <a:latin typeface="+mn-lt"/>
+                <a:ea typeface="+mn-ea"/>
+                <a:cs typeface="+mn-cs"/>
+              </a:defRPr>
+            </a:lvl9pPr>
+          </a:lstStyle>
+          <a:p>
+            <a:fld id="{117E512A-7775-4EA3-AB06-35D1DA2F9E89}" type="slidenum">
+              <a:rPr lang="nl-NL" smtClean="0"/>
+              <a:pPr/>
+              <a:t>12</a:t>
+            </a:fld>
+            <a:r>
+              <a:rPr lang="nl-NL" dirty="0"/>
+              <a:t>/23</a:t>
+            </a:r>
           </a:p>
         </p:txBody>
       </p:sp>
@@ -6043,35 +6654,50 @@
           </a:p>
           <a:p>
             <a:r>
-              <a:rPr lang="en-US" sz="1600" dirty="0">
+              <a:rPr lang="en-US" sz="1600" b="1" dirty="0">
+                <a:solidFill>
+                  <a:srgbClr val="7030A0"/>
+                </a:solidFill>
                 <a:latin typeface="Courier New" panose="02070309020205020404" pitchFamily="49" charset="0"/>
                 <a:cs typeface="Courier New" panose="02070309020205020404" pitchFamily="49" charset="0"/>
               </a:rPr>
               <a:t>#include "</a:t>
             </a:r>
             <a:r>
-              <a:rPr lang="en-US" sz="1600" dirty="0" err="1">
+              <a:rPr lang="en-US" sz="1600" b="1" dirty="0" err="1">
+                <a:solidFill>
+                  <a:srgbClr val="7030A0"/>
+                </a:solidFill>
                 <a:latin typeface="Courier New" panose="02070309020205020404" pitchFamily="49" charset="0"/>
                 <a:cs typeface="Courier New" panose="02070309020205020404" pitchFamily="49" charset="0"/>
               </a:rPr>
               <a:t>avr</a:t>
             </a:r>
             <a:r>
-              <a:rPr lang="en-US" sz="1600" dirty="0">
+              <a:rPr lang="en-US" sz="1600" b="1" dirty="0">
+                <a:solidFill>
+                  <a:srgbClr val="7030A0"/>
+                </a:solidFill>
                 <a:latin typeface="Courier New" panose="02070309020205020404" pitchFamily="49" charset="0"/>
                 <a:cs typeface="Courier New" panose="02070309020205020404" pitchFamily="49" charset="0"/>
               </a:rPr>
               <a:t>/</a:t>
             </a:r>
             <a:r>
-              <a:rPr lang="en-US" sz="1600" dirty="0" err="1">
+              <a:rPr lang="en-US" sz="1600" b="1" dirty="0" err="1">
+                <a:solidFill>
+                  <a:srgbClr val="7030A0"/>
+                </a:solidFill>
                 <a:latin typeface="Courier New" panose="02070309020205020404" pitchFamily="49" charset="0"/>
                 <a:cs typeface="Courier New" panose="02070309020205020404" pitchFamily="49" charset="0"/>
               </a:rPr>
               <a:t>io.h</a:t>
             </a:r>
             <a:r>
-              <a:rPr lang="en-US" sz="1600" dirty="0">
+              <a:rPr lang="en-US" sz="1600" b="1" dirty="0">
+                <a:solidFill>
+                  <a:srgbClr val="7030A0"/>
+                </a:solidFill>
                 <a:latin typeface="Courier New" panose="02070309020205020404" pitchFamily="49" charset="0"/>
                 <a:cs typeface="Courier New" panose="02070309020205020404" pitchFamily="49" charset="0"/>
               </a:rPr>
@@ -6108,7 +6734,41 @@
                 <a:latin typeface="Courier New" panose="02070309020205020404" pitchFamily="49" charset="0"/>
                 <a:cs typeface="Courier New" panose="02070309020205020404" pitchFamily="49" charset="0"/>
               </a:rPr>
-              <a:t>   DDRB = DDRB | ( 0b01 &lt;&lt; 5 );</a:t>
+              <a:t>   </a:t>
+            </a:r>
+            <a:r>
+              <a:rPr lang="en-US" sz="1600" b="1" dirty="0">
+                <a:solidFill>
+                  <a:srgbClr val="7030A0"/>
+                </a:solidFill>
+                <a:latin typeface="Courier New" panose="02070309020205020404" pitchFamily="49" charset="0"/>
+                <a:cs typeface="Courier New" panose="02070309020205020404" pitchFamily="49" charset="0"/>
+              </a:rPr>
+              <a:t>DDRB</a:t>
+            </a:r>
+            <a:r>
+              <a:rPr lang="en-US" sz="1600" dirty="0">
+                <a:latin typeface="Courier New" panose="02070309020205020404" pitchFamily="49" charset="0"/>
+                <a:cs typeface="Courier New" panose="02070309020205020404" pitchFamily="49" charset="0"/>
+              </a:rPr>
+              <a:t> = </a:t>
+            </a:r>
+            <a:r>
+              <a:rPr lang="en-US" sz="1600" b="1" dirty="0">
+                <a:solidFill>
+                  <a:srgbClr val="7030A0"/>
+                </a:solidFill>
+                <a:latin typeface="Courier New" panose="02070309020205020404" pitchFamily="49" charset="0"/>
+                <a:cs typeface="Courier New" panose="02070309020205020404" pitchFamily="49" charset="0"/>
+              </a:rPr>
+              <a:t>DDRB</a:t>
+            </a:r>
+            <a:r>
+              <a:rPr lang="en-US" sz="1600" dirty="0">
+                <a:latin typeface="Courier New" panose="02070309020205020404" pitchFamily="49" charset="0"/>
+                <a:cs typeface="Courier New" panose="02070309020205020404" pitchFamily="49" charset="0"/>
+              </a:rPr>
+              <a:t> | ( 0b01 &lt;&lt; 5 );</a:t>
             </a:r>
           </a:p>
           <a:p>
@@ -6141,17 +6801,51 @@
                 <a:latin typeface="Courier New" panose="02070309020205020404" pitchFamily="49" charset="0"/>
                 <a:cs typeface="Courier New" panose="02070309020205020404" pitchFamily="49" charset="0"/>
               </a:rPr>
-              <a:t>      PORTB = PORTB | ( 0b01 &lt;&lt; 5 );</a:t>
-            </a:r>
-          </a:p>
-          <a:p>
-            <a:r>
-              <a:rPr lang="en-US" sz="1600" dirty="0">
-                <a:latin typeface="Courier New" panose="02070309020205020404" pitchFamily="49" charset="0"/>
-                <a:cs typeface="Courier New" panose="02070309020205020404" pitchFamily="49" charset="0"/>
-              </a:rPr>
               <a:t>      </a:t>
             </a:r>
+            <a:r>
+              <a:rPr lang="en-US" sz="1600" b="1" dirty="0">
+                <a:solidFill>
+                  <a:srgbClr val="7030A0"/>
+                </a:solidFill>
+                <a:latin typeface="Courier New" panose="02070309020205020404" pitchFamily="49" charset="0"/>
+                <a:cs typeface="Courier New" panose="02070309020205020404" pitchFamily="49" charset="0"/>
+              </a:rPr>
+              <a:t>PORTB</a:t>
+            </a:r>
+            <a:r>
+              <a:rPr lang="en-US" sz="1600" dirty="0">
+                <a:latin typeface="Courier New" panose="02070309020205020404" pitchFamily="49" charset="0"/>
+                <a:cs typeface="Courier New" panose="02070309020205020404" pitchFamily="49" charset="0"/>
+              </a:rPr>
+              <a:t> = </a:t>
+            </a:r>
+            <a:r>
+              <a:rPr lang="en-US" sz="1600" b="1" dirty="0">
+                <a:solidFill>
+                  <a:srgbClr val="7030A0"/>
+                </a:solidFill>
+                <a:latin typeface="Courier New" panose="02070309020205020404" pitchFamily="49" charset="0"/>
+                <a:cs typeface="Courier New" panose="02070309020205020404" pitchFamily="49" charset="0"/>
+              </a:rPr>
+              <a:t>PORTB</a:t>
+            </a:r>
+            <a:r>
+              <a:rPr lang="en-US" sz="1600" dirty="0">
+                <a:latin typeface="Courier New" panose="02070309020205020404" pitchFamily="49" charset="0"/>
+                <a:cs typeface="Courier New" panose="02070309020205020404" pitchFamily="49" charset="0"/>
+              </a:rPr>
+              <a:t> | ( 0b01 &lt;&lt; 5 );</a:t>
+            </a:r>
+          </a:p>
+          <a:p>
+            <a:r>
+              <a:rPr lang="en-US" sz="1600" dirty="0">
+                <a:latin typeface="Courier New" panose="02070309020205020404" pitchFamily="49" charset="0"/>
+                <a:cs typeface="Courier New" panose="02070309020205020404" pitchFamily="49" charset="0"/>
+              </a:rPr>
+              <a:t>      </a:t>
+            </a:r>
           </a:p>
           <a:p>
             <a:r>
@@ -6247,7 +6941,41 @@
                 <a:latin typeface="Courier New" panose="02070309020205020404" pitchFamily="49" charset="0"/>
                 <a:cs typeface="Courier New" panose="02070309020205020404" pitchFamily="49" charset="0"/>
               </a:rPr>
-              <a:t>      PORTB = PORTB &amp; ~( 0b01 &lt;&lt; 5 );</a:t>
+              <a:t>      </a:t>
+            </a:r>
+            <a:r>
+              <a:rPr lang="en-US" sz="1600" b="1" dirty="0">
+                <a:solidFill>
+                  <a:srgbClr val="7030A0"/>
+                </a:solidFill>
+                <a:latin typeface="Courier New" panose="02070309020205020404" pitchFamily="49" charset="0"/>
+                <a:cs typeface="Courier New" panose="02070309020205020404" pitchFamily="49" charset="0"/>
+              </a:rPr>
+              <a:t>PORTB</a:t>
+            </a:r>
+            <a:r>
+              <a:rPr lang="en-US" sz="1600" dirty="0">
+                <a:latin typeface="Courier New" panose="02070309020205020404" pitchFamily="49" charset="0"/>
+                <a:cs typeface="Courier New" panose="02070309020205020404" pitchFamily="49" charset="0"/>
+              </a:rPr>
+              <a:t> = </a:t>
+            </a:r>
+            <a:r>
+              <a:rPr lang="en-US" sz="1600" b="1" dirty="0">
+                <a:solidFill>
+                  <a:srgbClr val="7030A0"/>
+                </a:solidFill>
+                <a:latin typeface="Courier New" panose="02070309020205020404" pitchFamily="49" charset="0"/>
+                <a:cs typeface="Courier New" panose="02070309020205020404" pitchFamily="49" charset="0"/>
+              </a:rPr>
+              <a:t>PORTB</a:t>
+            </a:r>
+            <a:r>
+              <a:rPr lang="en-US" sz="1600" dirty="0">
+                <a:latin typeface="Courier New" panose="02070309020205020404" pitchFamily="49" charset="0"/>
+                <a:cs typeface="Courier New" panose="02070309020205020404" pitchFamily="49" charset="0"/>
+              </a:rPr>
+              <a:t> &amp; ~( 0b01 &lt;&lt; 5 );</a:t>
             </a:r>
           </a:p>
           <a:p>
@@ -6368,6 +7096,215 @@
               <a:latin typeface="Courier New" panose="02070309020205020404" pitchFamily="49" charset="0"/>
               <a:cs typeface="Courier New" panose="02070309020205020404" pitchFamily="49" charset="0"/>
             </a:endParaRPr>
+          </a:p>
+        </p:txBody>
+      </p:sp>
+      <p:sp>
+        <p:nvSpPr>
+          <p:cNvPr id="5" name="Slide Number Placeholder 5">
+            <a:extLst>
+              <a:ext uri="{FF2B5EF4-FFF2-40B4-BE49-F238E27FC236}">
+                <a16:creationId xmlns:a16="http://schemas.microsoft.com/office/drawing/2014/main" id="{A7D444D9-4747-402E-B02A-0627B7E6999F}"/>
+              </a:ext>
+            </a:extLst>
+          </p:cNvPr>
+          <p:cNvSpPr txBox="1">
+            <a:spLocks/>
+          </p:cNvSpPr>
+          <p:nvPr/>
+        </p:nvSpPr>
+        <p:spPr>
+          <a:xfrm>
+            <a:off x="9162675" y="6384059"/>
+            <a:ext cx="2743200" cy="365125"/>
+          </a:xfrm>
+          <a:prstGeom prst="rect">
+            <a:avLst/>
+          </a:prstGeom>
+        </p:spPr>
+        <p:txBody>
+          <a:bodyPr vert="horz" lIns="91440" tIns="45720" rIns="91440" bIns="45720" rtlCol="0" anchor="ctr"/>
+          <a:lstStyle>
+            <a:defPPr>
+              <a:defRPr lang="nl-NL"/>
+            </a:defPPr>
+            <a:lvl1pPr marL="0" algn="r" defTabSz="914400" rtl="0" eaLnBrk="1" latinLnBrk="0" hangingPunct="1">
+              <a:defRPr sz="1200" kern="1200">
+                <a:solidFill>
+                  <a:schemeClr val="tx1">
+                    <a:tint val="75000"/>
+                  </a:schemeClr>
+                </a:solidFill>
+                <a:latin typeface="+mn-lt"/>
+                <a:ea typeface="+mn-ea"/>
+                <a:cs typeface="+mn-cs"/>
+              </a:defRPr>
+            </a:lvl1pPr>
+            <a:lvl2pPr marL="457200" algn="l" defTabSz="914400" rtl="0" eaLnBrk="1" latinLnBrk="0" hangingPunct="1">
+              <a:defRPr sz="1800" kern="1200">
+                <a:solidFill>
+                  <a:schemeClr val="tx1"/>
+                </a:solidFill>
+                <a:latin typeface="+mn-lt"/>
+                <a:ea typeface="+mn-ea"/>
+                <a:cs typeface="+mn-cs"/>
+              </a:defRPr>
+            </a:lvl2pPr>
+            <a:lvl3pPr marL="914400" algn="l" defTabSz="914400" rtl="0" eaLnBrk="1" latinLnBrk="0" hangingPunct="1">
+              <a:defRPr sz="1800" kern="1200">
+                <a:solidFill>
+                  <a:schemeClr val="tx1"/>
+                </a:solidFill>
+                <a:latin typeface="+mn-lt"/>
+                <a:ea typeface="+mn-ea"/>
+                <a:cs typeface="+mn-cs"/>
+              </a:defRPr>
+            </a:lvl3pPr>
+            <a:lvl4pPr marL="1371600" algn="l" defTabSz="914400" rtl="0" eaLnBrk="1" latinLnBrk="0" hangingPunct="1">
+              <a:defRPr sz="1800" kern="1200">
+                <a:solidFill>
+                  <a:schemeClr val="tx1"/>
+                </a:solidFill>
+                <a:latin typeface="+mn-lt"/>
+                <a:ea typeface="+mn-ea"/>
+                <a:cs typeface="+mn-cs"/>
+              </a:defRPr>
+            </a:lvl4pPr>
+            <a:lvl5pPr marL="1828800" algn="l" defTabSz="914400" rtl="0" eaLnBrk="1" latinLnBrk="0" hangingPunct="1">
+              <a:defRPr sz="1800" kern="1200">
+                <a:solidFill>
+                  <a:schemeClr val="tx1"/>
+                </a:solidFill>
+                <a:latin typeface="+mn-lt"/>
+                <a:ea typeface="+mn-ea"/>
+                <a:cs typeface="+mn-cs"/>
+              </a:defRPr>
+            </a:lvl5pPr>
+            <a:lvl6pPr marL="2286000" algn="l" defTabSz="914400" rtl="0" eaLnBrk="1" latinLnBrk="0" hangingPunct="1">
+              <a:defRPr sz="1800" kern="1200">
+                <a:solidFill>
+                  <a:schemeClr val="tx1"/>
+                </a:solidFill>
+                <a:latin typeface="+mn-lt"/>
+                <a:ea typeface="+mn-ea"/>
+                <a:cs typeface="+mn-cs"/>
+              </a:defRPr>
+            </a:lvl6pPr>
+            <a:lvl7pPr marL="2743200" algn="l" defTabSz="914400" rtl="0" eaLnBrk="1" latinLnBrk="0" hangingPunct="1">
+              <a:defRPr sz="1800" kern="1200">
+                <a:solidFill>
+                  <a:schemeClr val="tx1"/>
+                </a:solidFill>
+                <a:latin typeface="+mn-lt"/>
+                <a:ea typeface="+mn-ea"/>
+                <a:cs typeface="+mn-cs"/>
+              </a:defRPr>
+            </a:lvl7pPr>
+            <a:lvl8pPr marL="3200400" algn="l" defTabSz="914400" rtl="0" eaLnBrk="1" latinLnBrk="0" hangingPunct="1">
+              <a:defRPr sz="1800" kern="1200">
+                <a:solidFill>
+                  <a:schemeClr val="tx1"/>
+                </a:solidFill>
+                <a:latin typeface="+mn-lt"/>
+                <a:ea typeface="+mn-ea"/>
+                <a:cs typeface="+mn-cs"/>
+              </a:defRPr>
+            </a:lvl8pPr>
+            <a:lvl9pPr marL="3657600" algn="l" defTabSz="914400" rtl="0" eaLnBrk="1" latinLnBrk="0" hangingPunct="1">
+              <a:defRPr sz="1800" kern="1200">
+                <a:solidFill>
+                  <a:schemeClr val="tx1"/>
+                </a:solidFill>
+                <a:latin typeface="+mn-lt"/>
+                <a:ea typeface="+mn-ea"/>
+                <a:cs typeface="+mn-cs"/>
+              </a:defRPr>
+            </a:lvl9pPr>
+          </a:lstStyle>
+          <a:p>
+            <a:fld id="{117E512A-7775-4EA3-AB06-35D1DA2F9E89}" type="slidenum">
+              <a:rPr lang="nl-NL" smtClean="0"/>
+              <a:pPr/>
+              <a:t>13</a:t>
+            </a:fld>
+            <a:r>
+              <a:rPr lang="nl-NL" dirty="0"/>
+              <a:t>/23</a:t>
+            </a:r>
+          </a:p>
+        </p:txBody>
+      </p:sp>
+      <p:sp>
+        <p:nvSpPr>
+          <p:cNvPr id="6" name="Content Placeholder 2">
+            <a:extLst>
+              <a:ext uri="{FF2B5EF4-FFF2-40B4-BE49-F238E27FC236}">
+                <a16:creationId xmlns:a16="http://schemas.microsoft.com/office/drawing/2014/main" id="{829D79FA-6EFB-4B48-975F-7520A887B69D}"/>
+              </a:ext>
+            </a:extLst>
+          </p:cNvPr>
+          <p:cNvSpPr>
+            <a:spLocks noGrp="1"/>
+          </p:cNvSpPr>
+          <p:nvPr>
+            <p:ph idx="1"/>
+          </p:nvPr>
+        </p:nvSpPr>
+        <p:spPr>
+          <a:xfrm>
+            <a:off x="966117" y="6245420"/>
+            <a:ext cx="10515600" cy="477153"/>
+          </a:xfrm>
+        </p:spPr>
+        <p:txBody>
+          <a:bodyPr>
+            <a:normAutofit/>
+          </a:bodyPr>
+          <a:lstStyle/>
+          <a:p>
+            <a:pPr marL="0" indent="0">
+              <a:buNone/>
+            </a:pPr>
+            <a:r>
+              <a:rPr lang="nl-NL" dirty="0" err="1"/>
+              <a:t>Who</a:t>
+            </a:r>
+            <a:r>
+              <a:rPr lang="nl-NL" dirty="0"/>
+              <a:t> wants </a:t>
+            </a:r>
+            <a:r>
+              <a:rPr lang="nl-NL" dirty="0" err="1"/>
+              <a:t>to</a:t>
+            </a:r>
+            <a:r>
+              <a:rPr lang="nl-NL" dirty="0"/>
+              <a:t> type in </a:t>
+            </a:r>
+            <a:r>
+              <a:rPr lang="nl-NL" dirty="0" err="1"/>
+              <a:t>all</a:t>
+            </a:r>
+            <a:r>
+              <a:rPr lang="nl-NL" dirty="0"/>
+              <a:t> </a:t>
+            </a:r>
+            <a:r>
+              <a:rPr lang="nl-NL" dirty="0" err="1"/>
+              <a:t>those</a:t>
+            </a:r>
+            <a:r>
+              <a:rPr lang="nl-NL" dirty="0"/>
+              <a:t> </a:t>
+            </a:r>
+            <a:r>
+              <a:rPr lang="nl-NL" dirty="0" err="1"/>
+              <a:t>addresses</a:t>
+            </a:r>
+            <a:r>
+              <a:rPr lang="nl-NL" dirty="0"/>
+              <a:t>?</a:t>
+            </a:r>
           </a:p>
         </p:txBody>
       </p:sp>
@@ -6508,6 +7445,10 @@
             <a:endParaRPr lang="nl-NL" dirty="0"/>
           </a:p>
           <a:p>
+            <a:pPr marL="514350" indent="-514350">
+              <a:buFont typeface="+mj-lt"/>
+              <a:buAutoNum type="arabicPeriod"/>
+            </a:pPr>
             <a:r>
               <a:rPr lang="nl-NL" dirty="0"/>
               <a:t>As a </a:t>
@@ -6527,6 +7468,10 @@
             <a:endParaRPr lang="nl-NL" dirty="0"/>
           </a:p>
           <a:p>
+            <a:pPr marL="514350" indent="-514350">
+              <a:buFont typeface="+mj-lt"/>
+              <a:buAutoNum type="arabicPeriod"/>
+            </a:pPr>
             <a:r>
               <a:rPr lang="nl-NL" dirty="0"/>
               <a:t>As </a:t>
@@ -6581,6 +7526,10 @@
             </a:r>
           </a:p>
           <a:p>
+            <a:pPr marL="514350" indent="-514350">
+              <a:buFont typeface="+mj-lt"/>
+              <a:buAutoNum type="arabicPeriod"/>
+            </a:pPr>
             <a:r>
               <a:rPr lang="nl-NL" dirty="0"/>
               <a:t>As </a:t>
@@ -6595,6 +7544,10 @@
             </a:r>
           </a:p>
           <a:p>
+            <a:pPr marL="514350" indent="-514350">
+              <a:buFont typeface="+mj-lt"/>
+              <a:buAutoNum type="arabicPeriod"/>
+            </a:pPr>
             <a:r>
               <a:rPr lang="nl-NL" dirty="0"/>
               <a:t>As a class (</a:t>
@@ -6614,6 +7567,141 @@
             <a:r>
               <a:rPr lang="nl-NL" dirty="0"/>
               <a:t>!)</a:t>
+            </a:r>
+          </a:p>
+        </p:txBody>
+      </p:sp>
+      <p:sp>
+        <p:nvSpPr>
+          <p:cNvPr id="4" name="Slide Number Placeholder 5">
+            <a:extLst>
+              <a:ext uri="{FF2B5EF4-FFF2-40B4-BE49-F238E27FC236}">
+                <a16:creationId xmlns:a16="http://schemas.microsoft.com/office/drawing/2014/main" id="{567326FA-DC59-417F-8F4B-86E1A6F599E9}"/>
+              </a:ext>
+            </a:extLst>
+          </p:cNvPr>
+          <p:cNvSpPr txBox="1">
+            <a:spLocks/>
+          </p:cNvSpPr>
+          <p:nvPr/>
+        </p:nvSpPr>
+        <p:spPr>
+          <a:xfrm>
+            <a:off x="9162675" y="6384059"/>
+            <a:ext cx="2743200" cy="365125"/>
+          </a:xfrm>
+          <a:prstGeom prst="rect">
+            <a:avLst/>
+          </a:prstGeom>
+        </p:spPr>
+        <p:txBody>
+          <a:bodyPr vert="horz" lIns="91440" tIns="45720" rIns="91440" bIns="45720" rtlCol="0" anchor="ctr"/>
+          <a:lstStyle>
+            <a:defPPr>
+              <a:defRPr lang="nl-NL"/>
+            </a:defPPr>
+            <a:lvl1pPr marL="0" algn="r" defTabSz="914400" rtl="0" eaLnBrk="1" latinLnBrk="0" hangingPunct="1">
+              <a:defRPr sz="1200" kern="1200">
+                <a:solidFill>
+                  <a:schemeClr val="tx1">
+                    <a:tint val="75000"/>
+                  </a:schemeClr>
+                </a:solidFill>
+                <a:latin typeface="+mn-lt"/>
+                <a:ea typeface="+mn-ea"/>
+                <a:cs typeface="+mn-cs"/>
+              </a:defRPr>
+            </a:lvl1pPr>
+            <a:lvl2pPr marL="457200" algn="l" defTabSz="914400" rtl="0" eaLnBrk="1" latinLnBrk="0" hangingPunct="1">
+              <a:defRPr sz="1800" kern="1200">
+                <a:solidFill>
+                  <a:schemeClr val="tx1"/>
+                </a:solidFill>
+                <a:latin typeface="+mn-lt"/>
+                <a:ea typeface="+mn-ea"/>
+                <a:cs typeface="+mn-cs"/>
+              </a:defRPr>
+            </a:lvl2pPr>
+            <a:lvl3pPr marL="914400" algn="l" defTabSz="914400" rtl="0" eaLnBrk="1" latinLnBrk="0" hangingPunct="1">
+              <a:defRPr sz="1800" kern="1200">
+                <a:solidFill>
+                  <a:schemeClr val="tx1"/>
+                </a:solidFill>
+                <a:latin typeface="+mn-lt"/>
+                <a:ea typeface="+mn-ea"/>
+                <a:cs typeface="+mn-cs"/>
+              </a:defRPr>
+            </a:lvl3pPr>
+            <a:lvl4pPr marL="1371600" algn="l" defTabSz="914400" rtl="0" eaLnBrk="1" latinLnBrk="0" hangingPunct="1">
+              <a:defRPr sz="1800" kern="1200">
+                <a:solidFill>
+                  <a:schemeClr val="tx1"/>
+                </a:solidFill>
+                <a:latin typeface="+mn-lt"/>
+                <a:ea typeface="+mn-ea"/>
+                <a:cs typeface="+mn-cs"/>
+              </a:defRPr>
+            </a:lvl4pPr>
+            <a:lvl5pPr marL="1828800" algn="l" defTabSz="914400" rtl="0" eaLnBrk="1" latinLnBrk="0" hangingPunct="1">
+              <a:defRPr sz="1800" kern="1200">
+                <a:solidFill>
+                  <a:schemeClr val="tx1"/>
+                </a:solidFill>
+                <a:latin typeface="+mn-lt"/>
+                <a:ea typeface="+mn-ea"/>
+                <a:cs typeface="+mn-cs"/>
+              </a:defRPr>
+            </a:lvl5pPr>
+            <a:lvl6pPr marL="2286000" algn="l" defTabSz="914400" rtl="0" eaLnBrk="1" latinLnBrk="0" hangingPunct="1">
+              <a:defRPr sz="1800" kern="1200">
+                <a:solidFill>
+                  <a:schemeClr val="tx1"/>
+                </a:solidFill>
+                <a:latin typeface="+mn-lt"/>
+                <a:ea typeface="+mn-ea"/>
+                <a:cs typeface="+mn-cs"/>
+              </a:defRPr>
+            </a:lvl6pPr>
+            <a:lvl7pPr marL="2743200" algn="l" defTabSz="914400" rtl="0" eaLnBrk="1" latinLnBrk="0" hangingPunct="1">
+              <a:defRPr sz="1800" kern="1200">
+                <a:solidFill>
+                  <a:schemeClr val="tx1"/>
+                </a:solidFill>
+                <a:latin typeface="+mn-lt"/>
+                <a:ea typeface="+mn-ea"/>
+                <a:cs typeface="+mn-cs"/>
+              </a:defRPr>
+            </a:lvl7pPr>
+            <a:lvl8pPr marL="3200400" algn="l" defTabSz="914400" rtl="0" eaLnBrk="1" latinLnBrk="0" hangingPunct="1">
+              <a:defRPr sz="1800" kern="1200">
+                <a:solidFill>
+                  <a:schemeClr val="tx1"/>
+                </a:solidFill>
+                <a:latin typeface="+mn-lt"/>
+                <a:ea typeface="+mn-ea"/>
+                <a:cs typeface="+mn-cs"/>
+              </a:defRPr>
+            </a:lvl8pPr>
+            <a:lvl9pPr marL="3657600" algn="l" defTabSz="914400" rtl="0" eaLnBrk="1" latinLnBrk="0" hangingPunct="1">
+              <a:defRPr sz="1800" kern="1200">
+                <a:solidFill>
+                  <a:schemeClr val="tx1"/>
+                </a:solidFill>
+                <a:latin typeface="+mn-lt"/>
+                <a:ea typeface="+mn-ea"/>
+                <a:cs typeface="+mn-cs"/>
+              </a:defRPr>
+            </a:lvl9pPr>
+          </a:lstStyle>
+          <a:p>
+            <a:fld id="{117E512A-7775-4EA3-AB06-35D1DA2F9E89}" type="slidenum">
+              <a:rPr lang="nl-NL" smtClean="0"/>
+              <a:pPr/>
+              <a:t>14</a:t>
+            </a:fld>
+            <a:r>
+              <a:rPr lang="nl-NL" dirty="0"/>
+              <a:t>/23</a:t>
             </a:r>
           </a:p>
         </p:txBody>
@@ -7165,6 +8253,141 @@
           </a:p>
         </p:txBody>
       </p:sp>
+      <p:sp>
+        <p:nvSpPr>
+          <p:cNvPr id="6" name="Slide Number Placeholder 5">
+            <a:extLst>
+              <a:ext uri="{FF2B5EF4-FFF2-40B4-BE49-F238E27FC236}">
+                <a16:creationId xmlns:a16="http://schemas.microsoft.com/office/drawing/2014/main" id="{0323866B-BE33-4716-8FCF-0C9912A0C8C3}"/>
+              </a:ext>
+            </a:extLst>
+          </p:cNvPr>
+          <p:cNvSpPr txBox="1">
+            <a:spLocks/>
+          </p:cNvSpPr>
+          <p:nvPr/>
+        </p:nvSpPr>
+        <p:spPr>
+          <a:xfrm>
+            <a:off x="9162675" y="6384059"/>
+            <a:ext cx="2743200" cy="365125"/>
+          </a:xfrm>
+          <a:prstGeom prst="rect">
+            <a:avLst/>
+          </a:prstGeom>
+        </p:spPr>
+        <p:txBody>
+          <a:bodyPr vert="horz" lIns="91440" tIns="45720" rIns="91440" bIns="45720" rtlCol="0" anchor="ctr"/>
+          <a:lstStyle>
+            <a:defPPr>
+              <a:defRPr lang="nl-NL"/>
+            </a:defPPr>
+            <a:lvl1pPr marL="0" algn="r" defTabSz="914400" rtl="0" eaLnBrk="1" latinLnBrk="0" hangingPunct="1">
+              <a:defRPr sz="1200" kern="1200">
+                <a:solidFill>
+                  <a:schemeClr val="tx1">
+                    <a:tint val="75000"/>
+                  </a:schemeClr>
+                </a:solidFill>
+                <a:latin typeface="+mn-lt"/>
+                <a:ea typeface="+mn-ea"/>
+                <a:cs typeface="+mn-cs"/>
+              </a:defRPr>
+            </a:lvl1pPr>
+            <a:lvl2pPr marL="457200" algn="l" defTabSz="914400" rtl="0" eaLnBrk="1" latinLnBrk="0" hangingPunct="1">
+              <a:defRPr sz="1800" kern="1200">
+                <a:solidFill>
+                  <a:schemeClr val="tx1"/>
+                </a:solidFill>
+                <a:latin typeface="+mn-lt"/>
+                <a:ea typeface="+mn-ea"/>
+                <a:cs typeface="+mn-cs"/>
+              </a:defRPr>
+            </a:lvl2pPr>
+            <a:lvl3pPr marL="914400" algn="l" defTabSz="914400" rtl="0" eaLnBrk="1" latinLnBrk="0" hangingPunct="1">
+              <a:defRPr sz="1800" kern="1200">
+                <a:solidFill>
+                  <a:schemeClr val="tx1"/>
+                </a:solidFill>
+                <a:latin typeface="+mn-lt"/>
+                <a:ea typeface="+mn-ea"/>
+                <a:cs typeface="+mn-cs"/>
+              </a:defRPr>
+            </a:lvl3pPr>
+            <a:lvl4pPr marL="1371600" algn="l" defTabSz="914400" rtl="0" eaLnBrk="1" latinLnBrk="0" hangingPunct="1">
+              <a:defRPr sz="1800" kern="1200">
+                <a:solidFill>
+                  <a:schemeClr val="tx1"/>
+                </a:solidFill>
+                <a:latin typeface="+mn-lt"/>
+                <a:ea typeface="+mn-ea"/>
+                <a:cs typeface="+mn-cs"/>
+              </a:defRPr>
+            </a:lvl4pPr>
+            <a:lvl5pPr marL="1828800" algn="l" defTabSz="914400" rtl="0" eaLnBrk="1" latinLnBrk="0" hangingPunct="1">
+              <a:defRPr sz="1800" kern="1200">
+                <a:solidFill>
+                  <a:schemeClr val="tx1"/>
+                </a:solidFill>
+                <a:latin typeface="+mn-lt"/>
+                <a:ea typeface="+mn-ea"/>
+                <a:cs typeface="+mn-cs"/>
+              </a:defRPr>
+            </a:lvl5pPr>
+            <a:lvl6pPr marL="2286000" algn="l" defTabSz="914400" rtl="0" eaLnBrk="1" latinLnBrk="0" hangingPunct="1">
+              <a:defRPr sz="1800" kern="1200">
+                <a:solidFill>
+                  <a:schemeClr val="tx1"/>
+                </a:solidFill>
+                <a:latin typeface="+mn-lt"/>
+                <a:ea typeface="+mn-ea"/>
+                <a:cs typeface="+mn-cs"/>
+              </a:defRPr>
+            </a:lvl6pPr>
+            <a:lvl7pPr marL="2743200" algn="l" defTabSz="914400" rtl="0" eaLnBrk="1" latinLnBrk="0" hangingPunct="1">
+              <a:defRPr sz="1800" kern="1200">
+                <a:solidFill>
+                  <a:schemeClr val="tx1"/>
+                </a:solidFill>
+                <a:latin typeface="+mn-lt"/>
+                <a:ea typeface="+mn-ea"/>
+                <a:cs typeface="+mn-cs"/>
+              </a:defRPr>
+            </a:lvl7pPr>
+            <a:lvl8pPr marL="3200400" algn="l" defTabSz="914400" rtl="0" eaLnBrk="1" latinLnBrk="0" hangingPunct="1">
+              <a:defRPr sz="1800" kern="1200">
+                <a:solidFill>
+                  <a:schemeClr val="tx1"/>
+                </a:solidFill>
+                <a:latin typeface="+mn-lt"/>
+                <a:ea typeface="+mn-ea"/>
+                <a:cs typeface="+mn-cs"/>
+              </a:defRPr>
+            </a:lvl8pPr>
+            <a:lvl9pPr marL="3657600" algn="l" defTabSz="914400" rtl="0" eaLnBrk="1" latinLnBrk="0" hangingPunct="1">
+              <a:defRPr sz="1800" kern="1200">
+                <a:solidFill>
+                  <a:schemeClr val="tx1"/>
+                </a:solidFill>
+                <a:latin typeface="+mn-lt"/>
+                <a:ea typeface="+mn-ea"/>
+                <a:cs typeface="+mn-cs"/>
+              </a:defRPr>
+            </a:lvl9pPr>
+          </a:lstStyle>
+          <a:p>
+            <a:fld id="{117E512A-7775-4EA3-AB06-35D1DA2F9E89}" type="slidenum">
+              <a:rPr lang="nl-NL" smtClean="0"/>
+              <a:pPr/>
+              <a:t>15</a:t>
+            </a:fld>
+            <a:r>
+              <a:rPr lang="nl-NL" dirty="0"/>
+              <a:t>/23</a:t>
+            </a:r>
+          </a:p>
+        </p:txBody>
+      </p:sp>
     </p:spTree>
     <p:extLst>
       <p:ext uri="{BB962C8B-B14F-4D97-AF65-F5344CB8AC3E}">
@@ -7712,6 +8935,141 @@
             <a:r>
               <a:rPr lang="nl-NL" dirty="0"/>
               <a:t>)</a:t>
+            </a:r>
+          </a:p>
+        </p:txBody>
+      </p:sp>
+      <p:sp>
+        <p:nvSpPr>
+          <p:cNvPr id="6" name="Slide Number Placeholder 5">
+            <a:extLst>
+              <a:ext uri="{FF2B5EF4-FFF2-40B4-BE49-F238E27FC236}">
+                <a16:creationId xmlns:a16="http://schemas.microsoft.com/office/drawing/2014/main" id="{F29D30EB-A474-4A2E-AFCE-94AEABAD70E9}"/>
+              </a:ext>
+            </a:extLst>
+          </p:cNvPr>
+          <p:cNvSpPr txBox="1">
+            <a:spLocks/>
+          </p:cNvSpPr>
+          <p:nvPr/>
+        </p:nvSpPr>
+        <p:spPr>
+          <a:xfrm>
+            <a:off x="9162675" y="6384059"/>
+            <a:ext cx="2743200" cy="365125"/>
+          </a:xfrm>
+          <a:prstGeom prst="rect">
+            <a:avLst/>
+          </a:prstGeom>
+        </p:spPr>
+        <p:txBody>
+          <a:bodyPr vert="horz" lIns="91440" tIns="45720" rIns="91440" bIns="45720" rtlCol="0" anchor="ctr"/>
+          <a:lstStyle>
+            <a:defPPr>
+              <a:defRPr lang="nl-NL"/>
+            </a:defPPr>
+            <a:lvl1pPr marL="0" algn="r" defTabSz="914400" rtl="0" eaLnBrk="1" latinLnBrk="0" hangingPunct="1">
+              <a:defRPr sz="1200" kern="1200">
+                <a:solidFill>
+                  <a:schemeClr val="tx1">
+                    <a:tint val="75000"/>
+                  </a:schemeClr>
+                </a:solidFill>
+                <a:latin typeface="+mn-lt"/>
+                <a:ea typeface="+mn-ea"/>
+                <a:cs typeface="+mn-cs"/>
+              </a:defRPr>
+            </a:lvl1pPr>
+            <a:lvl2pPr marL="457200" algn="l" defTabSz="914400" rtl="0" eaLnBrk="1" latinLnBrk="0" hangingPunct="1">
+              <a:defRPr sz="1800" kern="1200">
+                <a:solidFill>
+                  <a:schemeClr val="tx1"/>
+                </a:solidFill>
+                <a:latin typeface="+mn-lt"/>
+                <a:ea typeface="+mn-ea"/>
+                <a:cs typeface="+mn-cs"/>
+              </a:defRPr>
+            </a:lvl2pPr>
+            <a:lvl3pPr marL="914400" algn="l" defTabSz="914400" rtl="0" eaLnBrk="1" latinLnBrk="0" hangingPunct="1">
+              <a:defRPr sz="1800" kern="1200">
+                <a:solidFill>
+                  <a:schemeClr val="tx1"/>
+                </a:solidFill>
+                <a:latin typeface="+mn-lt"/>
+                <a:ea typeface="+mn-ea"/>
+                <a:cs typeface="+mn-cs"/>
+              </a:defRPr>
+            </a:lvl3pPr>
+            <a:lvl4pPr marL="1371600" algn="l" defTabSz="914400" rtl="0" eaLnBrk="1" latinLnBrk="0" hangingPunct="1">
+              <a:defRPr sz="1800" kern="1200">
+                <a:solidFill>
+                  <a:schemeClr val="tx1"/>
+                </a:solidFill>
+                <a:latin typeface="+mn-lt"/>
+                <a:ea typeface="+mn-ea"/>
+                <a:cs typeface="+mn-cs"/>
+              </a:defRPr>
+            </a:lvl4pPr>
+            <a:lvl5pPr marL="1828800" algn="l" defTabSz="914400" rtl="0" eaLnBrk="1" latinLnBrk="0" hangingPunct="1">
+              <a:defRPr sz="1800" kern="1200">
+                <a:solidFill>
+                  <a:schemeClr val="tx1"/>
+                </a:solidFill>
+                <a:latin typeface="+mn-lt"/>
+                <a:ea typeface="+mn-ea"/>
+                <a:cs typeface="+mn-cs"/>
+              </a:defRPr>
+            </a:lvl5pPr>
+            <a:lvl6pPr marL="2286000" algn="l" defTabSz="914400" rtl="0" eaLnBrk="1" latinLnBrk="0" hangingPunct="1">
+              <a:defRPr sz="1800" kern="1200">
+                <a:solidFill>
+                  <a:schemeClr val="tx1"/>
+                </a:solidFill>
+                <a:latin typeface="+mn-lt"/>
+                <a:ea typeface="+mn-ea"/>
+                <a:cs typeface="+mn-cs"/>
+              </a:defRPr>
+            </a:lvl6pPr>
+            <a:lvl7pPr marL="2743200" algn="l" defTabSz="914400" rtl="0" eaLnBrk="1" latinLnBrk="0" hangingPunct="1">
+              <a:defRPr sz="1800" kern="1200">
+                <a:solidFill>
+                  <a:schemeClr val="tx1"/>
+                </a:solidFill>
+                <a:latin typeface="+mn-lt"/>
+                <a:ea typeface="+mn-ea"/>
+                <a:cs typeface="+mn-cs"/>
+              </a:defRPr>
+            </a:lvl7pPr>
+            <a:lvl8pPr marL="3200400" algn="l" defTabSz="914400" rtl="0" eaLnBrk="1" latinLnBrk="0" hangingPunct="1">
+              <a:defRPr sz="1800" kern="1200">
+                <a:solidFill>
+                  <a:schemeClr val="tx1"/>
+                </a:solidFill>
+                <a:latin typeface="+mn-lt"/>
+                <a:ea typeface="+mn-ea"/>
+                <a:cs typeface="+mn-cs"/>
+              </a:defRPr>
+            </a:lvl8pPr>
+            <a:lvl9pPr marL="3657600" algn="l" defTabSz="914400" rtl="0" eaLnBrk="1" latinLnBrk="0" hangingPunct="1">
+              <a:defRPr sz="1800" kern="1200">
+                <a:solidFill>
+                  <a:schemeClr val="tx1"/>
+                </a:solidFill>
+                <a:latin typeface="+mn-lt"/>
+                <a:ea typeface="+mn-ea"/>
+                <a:cs typeface="+mn-cs"/>
+              </a:defRPr>
+            </a:lvl9pPr>
+          </a:lstStyle>
+          <a:p>
+            <a:fld id="{117E512A-7775-4EA3-AB06-35D1DA2F9E89}" type="slidenum">
+              <a:rPr lang="nl-NL" smtClean="0"/>
+              <a:pPr/>
+              <a:t>16</a:t>
+            </a:fld>
+            <a:r>
+              <a:rPr lang="nl-NL" dirty="0"/>
+              <a:t>/23</a:t>
             </a:r>
           </a:p>
         </p:txBody>
@@ -8443,6 +9801,141 @@
           </a:p>
         </p:txBody>
       </p:sp>
+      <p:sp>
+        <p:nvSpPr>
+          <p:cNvPr id="5" name="Slide Number Placeholder 5">
+            <a:extLst>
+              <a:ext uri="{FF2B5EF4-FFF2-40B4-BE49-F238E27FC236}">
+                <a16:creationId xmlns:a16="http://schemas.microsoft.com/office/drawing/2014/main" id="{CEB405C2-1765-4FC3-BE73-1184E670A9CF}"/>
+              </a:ext>
+            </a:extLst>
+          </p:cNvPr>
+          <p:cNvSpPr txBox="1">
+            <a:spLocks/>
+          </p:cNvSpPr>
+          <p:nvPr/>
+        </p:nvSpPr>
+        <p:spPr>
+          <a:xfrm>
+            <a:off x="9162675" y="6384059"/>
+            <a:ext cx="2743200" cy="365125"/>
+          </a:xfrm>
+          <a:prstGeom prst="rect">
+            <a:avLst/>
+          </a:prstGeom>
+        </p:spPr>
+        <p:txBody>
+          <a:bodyPr vert="horz" lIns="91440" tIns="45720" rIns="91440" bIns="45720" rtlCol="0" anchor="ctr"/>
+          <a:lstStyle>
+            <a:defPPr>
+              <a:defRPr lang="nl-NL"/>
+            </a:defPPr>
+            <a:lvl1pPr marL="0" algn="r" defTabSz="914400" rtl="0" eaLnBrk="1" latinLnBrk="0" hangingPunct="1">
+              <a:defRPr sz="1200" kern="1200">
+                <a:solidFill>
+                  <a:schemeClr val="tx1">
+                    <a:tint val="75000"/>
+                  </a:schemeClr>
+                </a:solidFill>
+                <a:latin typeface="+mn-lt"/>
+                <a:ea typeface="+mn-ea"/>
+                <a:cs typeface="+mn-cs"/>
+              </a:defRPr>
+            </a:lvl1pPr>
+            <a:lvl2pPr marL="457200" algn="l" defTabSz="914400" rtl="0" eaLnBrk="1" latinLnBrk="0" hangingPunct="1">
+              <a:defRPr sz="1800" kern="1200">
+                <a:solidFill>
+                  <a:schemeClr val="tx1"/>
+                </a:solidFill>
+                <a:latin typeface="+mn-lt"/>
+                <a:ea typeface="+mn-ea"/>
+                <a:cs typeface="+mn-cs"/>
+              </a:defRPr>
+            </a:lvl2pPr>
+            <a:lvl3pPr marL="914400" algn="l" defTabSz="914400" rtl="0" eaLnBrk="1" latinLnBrk="0" hangingPunct="1">
+              <a:defRPr sz="1800" kern="1200">
+                <a:solidFill>
+                  <a:schemeClr val="tx1"/>
+                </a:solidFill>
+                <a:latin typeface="+mn-lt"/>
+                <a:ea typeface="+mn-ea"/>
+                <a:cs typeface="+mn-cs"/>
+              </a:defRPr>
+            </a:lvl3pPr>
+            <a:lvl4pPr marL="1371600" algn="l" defTabSz="914400" rtl="0" eaLnBrk="1" latinLnBrk="0" hangingPunct="1">
+              <a:defRPr sz="1800" kern="1200">
+                <a:solidFill>
+                  <a:schemeClr val="tx1"/>
+                </a:solidFill>
+                <a:latin typeface="+mn-lt"/>
+                <a:ea typeface="+mn-ea"/>
+                <a:cs typeface="+mn-cs"/>
+              </a:defRPr>
+            </a:lvl4pPr>
+            <a:lvl5pPr marL="1828800" algn="l" defTabSz="914400" rtl="0" eaLnBrk="1" latinLnBrk="0" hangingPunct="1">
+              <a:defRPr sz="1800" kern="1200">
+                <a:solidFill>
+                  <a:schemeClr val="tx1"/>
+                </a:solidFill>
+                <a:latin typeface="+mn-lt"/>
+                <a:ea typeface="+mn-ea"/>
+                <a:cs typeface="+mn-cs"/>
+              </a:defRPr>
+            </a:lvl5pPr>
+            <a:lvl6pPr marL="2286000" algn="l" defTabSz="914400" rtl="0" eaLnBrk="1" latinLnBrk="0" hangingPunct="1">
+              <a:defRPr sz="1800" kern="1200">
+                <a:solidFill>
+                  <a:schemeClr val="tx1"/>
+                </a:solidFill>
+                <a:latin typeface="+mn-lt"/>
+                <a:ea typeface="+mn-ea"/>
+                <a:cs typeface="+mn-cs"/>
+              </a:defRPr>
+            </a:lvl6pPr>
+            <a:lvl7pPr marL="2743200" algn="l" defTabSz="914400" rtl="0" eaLnBrk="1" latinLnBrk="0" hangingPunct="1">
+              <a:defRPr sz="1800" kern="1200">
+                <a:solidFill>
+                  <a:schemeClr val="tx1"/>
+                </a:solidFill>
+                <a:latin typeface="+mn-lt"/>
+                <a:ea typeface="+mn-ea"/>
+                <a:cs typeface="+mn-cs"/>
+              </a:defRPr>
+            </a:lvl7pPr>
+            <a:lvl8pPr marL="3200400" algn="l" defTabSz="914400" rtl="0" eaLnBrk="1" latinLnBrk="0" hangingPunct="1">
+              <a:defRPr sz="1800" kern="1200">
+                <a:solidFill>
+                  <a:schemeClr val="tx1"/>
+                </a:solidFill>
+                <a:latin typeface="+mn-lt"/>
+                <a:ea typeface="+mn-ea"/>
+                <a:cs typeface="+mn-cs"/>
+              </a:defRPr>
+            </a:lvl8pPr>
+            <a:lvl9pPr marL="3657600" algn="l" defTabSz="914400" rtl="0" eaLnBrk="1" latinLnBrk="0" hangingPunct="1">
+              <a:defRPr sz="1800" kern="1200">
+                <a:solidFill>
+                  <a:schemeClr val="tx1"/>
+                </a:solidFill>
+                <a:latin typeface="+mn-lt"/>
+                <a:ea typeface="+mn-ea"/>
+                <a:cs typeface="+mn-cs"/>
+              </a:defRPr>
+            </a:lvl9pPr>
+          </a:lstStyle>
+          <a:p>
+            <a:fld id="{117E512A-7775-4EA3-AB06-35D1DA2F9E89}" type="slidenum">
+              <a:rPr lang="nl-NL" smtClean="0"/>
+              <a:pPr/>
+              <a:t>17</a:t>
+            </a:fld>
+            <a:r>
+              <a:rPr lang="nl-NL" dirty="0"/>
+              <a:t>/23</a:t>
+            </a:r>
+          </a:p>
+        </p:txBody>
+      </p:sp>
     </p:spTree>
     <p:extLst>
       <p:ext uri="{BB962C8B-B14F-4D97-AF65-F5344CB8AC3E}">
@@ -8955,6 +10448,141 @@
             <a:r>
               <a:rPr lang="nl-NL" dirty="0"/>
               <a:t> C)</a:t>
+            </a:r>
+          </a:p>
+        </p:txBody>
+      </p:sp>
+      <p:sp>
+        <p:nvSpPr>
+          <p:cNvPr id="6" name="Slide Number Placeholder 5">
+            <a:extLst>
+              <a:ext uri="{FF2B5EF4-FFF2-40B4-BE49-F238E27FC236}">
+                <a16:creationId xmlns:a16="http://schemas.microsoft.com/office/drawing/2014/main" id="{56378286-67DE-4BEA-A19A-2879DCFB346B}"/>
+              </a:ext>
+            </a:extLst>
+          </p:cNvPr>
+          <p:cNvSpPr txBox="1">
+            <a:spLocks/>
+          </p:cNvSpPr>
+          <p:nvPr/>
+        </p:nvSpPr>
+        <p:spPr>
+          <a:xfrm>
+            <a:off x="9162675" y="6384059"/>
+            <a:ext cx="2743200" cy="365125"/>
+          </a:xfrm>
+          <a:prstGeom prst="rect">
+            <a:avLst/>
+          </a:prstGeom>
+        </p:spPr>
+        <p:txBody>
+          <a:bodyPr vert="horz" lIns="91440" tIns="45720" rIns="91440" bIns="45720" rtlCol="0" anchor="ctr"/>
+          <a:lstStyle>
+            <a:defPPr>
+              <a:defRPr lang="nl-NL"/>
+            </a:defPPr>
+            <a:lvl1pPr marL="0" algn="r" defTabSz="914400" rtl="0" eaLnBrk="1" latinLnBrk="0" hangingPunct="1">
+              <a:defRPr sz="1200" kern="1200">
+                <a:solidFill>
+                  <a:schemeClr val="tx1">
+                    <a:tint val="75000"/>
+                  </a:schemeClr>
+                </a:solidFill>
+                <a:latin typeface="+mn-lt"/>
+                <a:ea typeface="+mn-ea"/>
+                <a:cs typeface="+mn-cs"/>
+              </a:defRPr>
+            </a:lvl1pPr>
+            <a:lvl2pPr marL="457200" algn="l" defTabSz="914400" rtl="0" eaLnBrk="1" latinLnBrk="0" hangingPunct="1">
+              <a:defRPr sz="1800" kern="1200">
+                <a:solidFill>
+                  <a:schemeClr val="tx1"/>
+                </a:solidFill>
+                <a:latin typeface="+mn-lt"/>
+                <a:ea typeface="+mn-ea"/>
+                <a:cs typeface="+mn-cs"/>
+              </a:defRPr>
+            </a:lvl2pPr>
+            <a:lvl3pPr marL="914400" algn="l" defTabSz="914400" rtl="0" eaLnBrk="1" latinLnBrk="0" hangingPunct="1">
+              <a:defRPr sz="1800" kern="1200">
+                <a:solidFill>
+                  <a:schemeClr val="tx1"/>
+                </a:solidFill>
+                <a:latin typeface="+mn-lt"/>
+                <a:ea typeface="+mn-ea"/>
+                <a:cs typeface="+mn-cs"/>
+              </a:defRPr>
+            </a:lvl3pPr>
+            <a:lvl4pPr marL="1371600" algn="l" defTabSz="914400" rtl="0" eaLnBrk="1" latinLnBrk="0" hangingPunct="1">
+              <a:defRPr sz="1800" kern="1200">
+                <a:solidFill>
+                  <a:schemeClr val="tx1"/>
+                </a:solidFill>
+                <a:latin typeface="+mn-lt"/>
+                <a:ea typeface="+mn-ea"/>
+                <a:cs typeface="+mn-cs"/>
+              </a:defRPr>
+            </a:lvl4pPr>
+            <a:lvl5pPr marL="1828800" algn="l" defTabSz="914400" rtl="0" eaLnBrk="1" latinLnBrk="0" hangingPunct="1">
+              <a:defRPr sz="1800" kern="1200">
+                <a:solidFill>
+                  <a:schemeClr val="tx1"/>
+                </a:solidFill>
+                <a:latin typeface="+mn-lt"/>
+                <a:ea typeface="+mn-ea"/>
+                <a:cs typeface="+mn-cs"/>
+              </a:defRPr>
+            </a:lvl5pPr>
+            <a:lvl6pPr marL="2286000" algn="l" defTabSz="914400" rtl="0" eaLnBrk="1" latinLnBrk="0" hangingPunct="1">
+              <a:defRPr sz="1800" kern="1200">
+                <a:solidFill>
+                  <a:schemeClr val="tx1"/>
+                </a:solidFill>
+                <a:latin typeface="+mn-lt"/>
+                <a:ea typeface="+mn-ea"/>
+                <a:cs typeface="+mn-cs"/>
+              </a:defRPr>
+            </a:lvl6pPr>
+            <a:lvl7pPr marL="2743200" algn="l" defTabSz="914400" rtl="0" eaLnBrk="1" latinLnBrk="0" hangingPunct="1">
+              <a:defRPr sz="1800" kern="1200">
+                <a:solidFill>
+                  <a:schemeClr val="tx1"/>
+                </a:solidFill>
+                <a:latin typeface="+mn-lt"/>
+                <a:ea typeface="+mn-ea"/>
+                <a:cs typeface="+mn-cs"/>
+              </a:defRPr>
+            </a:lvl7pPr>
+            <a:lvl8pPr marL="3200400" algn="l" defTabSz="914400" rtl="0" eaLnBrk="1" latinLnBrk="0" hangingPunct="1">
+              <a:defRPr sz="1800" kern="1200">
+                <a:solidFill>
+                  <a:schemeClr val="tx1"/>
+                </a:solidFill>
+                <a:latin typeface="+mn-lt"/>
+                <a:ea typeface="+mn-ea"/>
+                <a:cs typeface="+mn-cs"/>
+              </a:defRPr>
+            </a:lvl8pPr>
+            <a:lvl9pPr marL="3657600" algn="l" defTabSz="914400" rtl="0" eaLnBrk="1" latinLnBrk="0" hangingPunct="1">
+              <a:defRPr sz="1800" kern="1200">
+                <a:solidFill>
+                  <a:schemeClr val="tx1"/>
+                </a:solidFill>
+                <a:latin typeface="+mn-lt"/>
+                <a:ea typeface="+mn-ea"/>
+                <a:cs typeface="+mn-cs"/>
+              </a:defRPr>
+            </a:lvl9pPr>
+          </a:lstStyle>
+          <a:p>
+            <a:fld id="{117E512A-7775-4EA3-AB06-35D1DA2F9E89}" type="slidenum">
+              <a:rPr lang="nl-NL" smtClean="0"/>
+              <a:pPr/>
+              <a:t>18</a:t>
+            </a:fld>
+            <a:r>
+              <a:rPr lang="nl-NL" dirty="0"/>
+              <a:t>/23</a:t>
             </a:r>
           </a:p>
         </p:txBody>
@@ -9547,6 +11175,141 @@
           </a:p>
         </p:txBody>
       </p:sp>
+      <p:sp>
+        <p:nvSpPr>
+          <p:cNvPr id="5" name="Slide Number Placeholder 5">
+            <a:extLst>
+              <a:ext uri="{FF2B5EF4-FFF2-40B4-BE49-F238E27FC236}">
+                <a16:creationId xmlns:a16="http://schemas.microsoft.com/office/drawing/2014/main" id="{3BBB5FED-5341-4CA0-ABCE-1E5542614BCA}"/>
+              </a:ext>
+            </a:extLst>
+          </p:cNvPr>
+          <p:cNvSpPr txBox="1">
+            <a:spLocks/>
+          </p:cNvSpPr>
+          <p:nvPr/>
+        </p:nvSpPr>
+        <p:spPr>
+          <a:xfrm>
+            <a:off x="9162675" y="6384059"/>
+            <a:ext cx="2743200" cy="365125"/>
+          </a:xfrm>
+          <a:prstGeom prst="rect">
+            <a:avLst/>
+          </a:prstGeom>
+        </p:spPr>
+        <p:txBody>
+          <a:bodyPr vert="horz" lIns="91440" tIns="45720" rIns="91440" bIns="45720" rtlCol="0" anchor="ctr"/>
+          <a:lstStyle>
+            <a:defPPr>
+              <a:defRPr lang="nl-NL"/>
+            </a:defPPr>
+            <a:lvl1pPr marL="0" algn="r" defTabSz="914400" rtl="0" eaLnBrk="1" latinLnBrk="0" hangingPunct="1">
+              <a:defRPr sz="1200" kern="1200">
+                <a:solidFill>
+                  <a:schemeClr val="tx1">
+                    <a:tint val="75000"/>
+                  </a:schemeClr>
+                </a:solidFill>
+                <a:latin typeface="+mn-lt"/>
+                <a:ea typeface="+mn-ea"/>
+                <a:cs typeface="+mn-cs"/>
+              </a:defRPr>
+            </a:lvl1pPr>
+            <a:lvl2pPr marL="457200" algn="l" defTabSz="914400" rtl="0" eaLnBrk="1" latinLnBrk="0" hangingPunct="1">
+              <a:defRPr sz="1800" kern="1200">
+                <a:solidFill>
+                  <a:schemeClr val="tx1"/>
+                </a:solidFill>
+                <a:latin typeface="+mn-lt"/>
+                <a:ea typeface="+mn-ea"/>
+                <a:cs typeface="+mn-cs"/>
+              </a:defRPr>
+            </a:lvl2pPr>
+            <a:lvl3pPr marL="914400" algn="l" defTabSz="914400" rtl="0" eaLnBrk="1" latinLnBrk="0" hangingPunct="1">
+              <a:defRPr sz="1800" kern="1200">
+                <a:solidFill>
+                  <a:schemeClr val="tx1"/>
+                </a:solidFill>
+                <a:latin typeface="+mn-lt"/>
+                <a:ea typeface="+mn-ea"/>
+                <a:cs typeface="+mn-cs"/>
+              </a:defRPr>
+            </a:lvl3pPr>
+            <a:lvl4pPr marL="1371600" algn="l" defTabSz="914400" rtl="0" eaLnBrk="1" latinLnBrk="0" hangingPunct="1">
+              <a:defRPr sz="1800" kern="1200">
+                <a:solidFill>
+                  <a:schemeClr val="tx1"/>
+                </a:solidFill>
+                <a:latin typeface="+mn-lt"/>
+                <a:ea typeface="+mn-ea"/>
+                <a:cs typeface="+mn-cs"/>
+              </a:defRPr>
+            </a:lvl4pPr>
+            <a:lvl5pPr marL="1828800" algn="l" defTabSz="914400" rtl="0" eaLnBrk="1" latinLnBrk="0" hangingPunct="1">
+              <a:defRPr sz="1800" kern="1200">
+                <a:solidFill>
+                  <a:schemeClr val="tx1"/>
+                </a:solidFill>
+                <a:latin typeface="+mn-lt"/>
+                <a:ea typeface="+mn-ea"/>
+                <a:cs typeface="+mn-cs"/>
+              </a:defRPr>
+            </a:lvl5pPr>
+            <a:lvl6pPr marL="2286000" algn="l" defTabSz="914400" rtl="0" eaLnBrk="1" latinLnBrk="0" hangingPunct="1">
+              <a:defRPr sz="1800" kern="1200">
+                <a:solidFill>
+                  <a:schemeClr val="tx1"/>
+                </a:solidFill>
+                <a:latin typeface="+mn-lt"/>
+                <a:ea typeface="+mn-ea"/>
+                <a:cs typeface="+mn-cs"/>
+              </a:defRPr>
+            </a:lvl6pPr>
+            <a:lvl7pPr marL="2743200" algn="l" defTabSz="914400" rtl="0" eaLnBrk="1" latinLnBrk="0" hangingPunct="1">
+              <a:defRPr sz="1800" kern="1200">
+                <a:solidFill>
+                  <a:schemeClr val="tx1"/>
+                </a:solidFill>
+                <a:latin typeface="+mn-lt"/>
+                <a:ea typeface="+mn-ea"/>
+                <a:cs typeface="+mn-cs"/>
+              </a:defRPr>
+            </a:lvl7pPr>
+            <a:lvl8pPr marL="3200400" algn="l" defTabSz="914400" rtl="0" eaLnBrk="1" latinLnBrk="0" hangingPunct="1">
+              <a:defRPr sz="1800" kern="1200">
+                <a:solidFill>
+                  <a:schemeClr val="tx1"/>
+                </a:solidFill>
+                <a:latin typeface="+mn-lt"/>
+                <a:ea typeface="+mn-ea"/>
+                <a:cs typeface="+mn-cs"/>
+              </a:defRPr>
+            </a:lvl8pPr>
+            <a:lvl9pPr marL="3657600" algn="l" defTabSz="914400" rtl="0" eaLnBrk="1" latinLnBrk="0" hangingPunct="1">
+              <a:defRPr sz="1800" kern="1200">
+                <a:solidFill>
+                  <a:schemeClr val="tx1"/>
+                </a:solidFill>
+                <a:latin typeface="+mn-lt"/>
+                <a:ea typeface="+mn-ea"/>
+                <a:cs typeface="+mn-cs"/>
+              </a:defRPr>
+            </a:lvl9pPr>
+          </a:lstStyle>
+          <a:p>
+            <a:fld id="{117E512A-7775-4EA3-AB06-35D1DA2F9E89}" type="slidenum">
+              <a:rPr lang="nl-NL" smtClean="0"/>
+              <a:pPr/>
+              <a:t>19</a:t>
+            </a:fld>
+            <a:r>
+              <a:rPr lang="nl-NL" dirty="0"/>
+              <a:t>/23</a:t>
+            </a:r>
+          </a:p>
+        </p:txBody>
+      </p:sp>
     </p:spTree>
     <p:extLst>
       <p:ext uri="{BB962C8B-B14F-4D97-AF65-F5344CB8AC3E}">
@@ -9688,6 +11451,14 @@
             </a:r>
             <a:r>
               <a:rPr lang="nl-NL" dirty="0" err="1"/>
+              <a:t>that</a:t>
+            </a:r>
+            <a:r>
+              <a:rPr lang="nl-NL" dirty="0"/>
+              <a:t> is: </a:t>
+            </a:r>
+            <a:r>
+              <a:rPr lang="nl-NL" dirty="0" err="1"/>
               <a:t>how</a:t>
             </a:r>
             <a:r>
@@ -9761,6 +11532,141 @@
           </a:extLst>
         </p:spPr>
       </p:pic>
+      <p:sp>
+        <p:nvSpPr>
+          <p:cNvPr id="5" name="Slide Number Placeholder 5">
+            <a:extLst>
+              <a:ext uri="{FF2B5EF4-FFF2-40B4-BE49-F238E27FC236}">
+                <a16:creationId xmlns:a16="http://schemas.microsoft.com/office/drawing/2014/main" id="{87A401C6-AB90-4738-A83B-F4A2C1EBBEC8}"/>
+              </a:ext>
+            </a:extLst>
+          </p:cNvPr>
+          <p:cNvSpPr txBox="1">
+            <a:spLocks/>
+          </p:cNvSpPr>
+          <p:nvPr/>
+        </p:nvSpPr>
+        <p:spPr>
+          <a:xfrm>
+            <a:off x="9162675" y="6384059"/>
+            <a:ext cx="2743200" cy="365125"/>
+          </a:xfrm>
+          <a:prstGeom prst="rect">
+            <a:avLst/>
+          </a:prstGeom>
+        </p:spPr>
+        <p:txBody>
+          <a:bodyPr vert="horz" lIns="91440" tIns="45720" rIns="91440" bIns="45720" rtlCol="0" anchor="ctr"/>
+          <a:lstStyle>
+            <a:defPPr>
+              <a:defRPr lang="nl-NL"/>
+            </a:defPPr>
+            <a:lvl1pPr marL="0" algn="r" defTabSz="914400" rtl="0" eaLnBrk="1" latinLnBrk="0" hangingPunct="1">
+              <a:defRPr sz="1200" kern="1200">
+                <a:solidFill>
+                  <a:schemeClr val="tx1">
+                    <a:tint val="75000"/>
+                  </a:schemeClr>
+                </a:solidFill>
+                <a:latin typeface="+mn-lt"/>
+                <a:ea typeface="+mn-ea"/>
+                <a:cs typeface="+mn-cs"/>
+              </a:defRPr>
+            </a:lvl1pPr>
+            <a:lvl2pPr marL="457200" algn="l" defTabSz="914400" rtl="0" eaLnBrk="1" latinLnBrk="0" hangingPunct="1">
+              <a:defRPr sz="1800" kern="1200">
+                <a:solidFill>
+                  <a:schemeClr val="tx1"/>
+                </a:solidFill>
+                <a:latin typeface="+mn-lt"/>
+                <a:ea typeface="+mn-ea"/>
+                <a:cs typeface="+mn-cs"/>
+              </a:defRPr>
+            </a:lvl2pPr>
+            <a:lvl3pPr marL="914400" algn="l" defTabSz="914400" rtl="0" eaLnBrk="1" latinLnBrk="0" hangingPunct="1">
+              <a:defRPr sz="1800" kern="1200">
+                <a:solidFill>
+                  <a:schemeClr val="tx1"/>
+                </a:solidFill>
+                <a:latin typeface="+mn-lt"/>
+                <a:ea typeface="+mn-ea"/>
+                <a:cs typeface="+mn-cs"/>
+              </a:defRPr>
+            </a:lvl3pPr>
+            <a:lvl4pPr marL="1371600" algn="l" defTabSz="914400" rtl="0" eaLnBrk="1" latinLnBrk="0" hangingPunct="1">
+              <a:defRPr sz="1800" kern="1200">
+                <a:solidFill>
+                  <a:schemeClr val="tx1"/>
+                </a:solidFill>
+                <a:latin typeface="+mn-lt"/>
+                <a:ea typeface="+mn-ea"/>
+                <a:cs typeface="+mn-cs"/>
+              </a:defRPr>
+            </a:lvl4pPr>
+            <a:lvl5pPr marL="1828800" algn="l" defTabSz="914400" rtl="0" eaLnBrk="1" latinLnBrk="0" hangingPunct="1">
+              <a:defRPr sz="1800" kern="1200">
+                <a:solidFill>
+                  <a:schemeClr val="tx1"/>
+                </a:solidFill>
+                <a:latin typeface="+mn-lt"/>
+                <a:ea typeface="+mn-ea"/>
+                <a:cs typeface="+mn-cs"/>
+              </a:defRPr>
+            </a:lvl5pPr>
+            <a:lvl6pPr marL="2286000" algn="l" defTabSz="914400" rtl="0" eaLnBrk="1" latinLnBrk="0" hangingPunct="1">
+              <a:defRPr sz="1800" kern="1200">
+                <a:solidFill>
+                  <a:schemeClr val="tx1"/>
+                </a:solidFill>
+                <a:latin typeface="+mn-lt"/>
+                <a:ea typeface="+mn-ea"/>
+                <a:cs typeface="+mn-cs"/>
+              </a:defRPr>
+            </a:lvl6pPr>
+            <a:lvl7pPr marL="2743200" algn="l" defTabSz="914400" rtl="0" eaLnBrk="1" latinLnBrk="0" hangingPunct="1">
+              <a:defRPr sz="1800" kern="1200">
+                <a:solidFill>
+                  <a:schemeClr val="tx1"/>
+                </a:solidFill>
+                <a:latin typeface="+mn-lt"/>
+                <a:ea typeface="+mn-ea"/>
+                <a:cs typeface="+mn-cs"/>
+              </a:defRPr>
+            </a:lvl7pPr>
+            <a:lvl8pPr marL="3200400" algn="l" defTabSz="914400" rtl="0" eaLnBrk="1" latinLnBrk="0" hangingPunct="1">
+              <a:defRPr sz="1800" kern="1200">
+                <a:solidFill>
+                  <a:schemeClr val="tx1"/>
+                </a:solidFill>
+                <a:latin typeface="+mn-lt"/>
+                <a:ea typeface="+mn-ea"/>
+                <a:cs typeface="+mn-cs"/>
+              </a:defRPr>
+            </a:lvl8pPr>
+            <a:lvl9pPr marL="3657600" algn="l" defTabSz="914400" rtl="0" eaLnBrk="1" latinLnBrk="0" hangingPunct="1">
+              <a:defRPr sz="1800" kern="1200">
+                <a:solidFill>
+                  <a:schemeClr val="tx1"/>
+                </a:solidFill>
+                <a:latin typeface="+mn-lt"/>
+                <a:ea typeface="+mn-ea"/>
+                <a:cs typeface="+mn-cs"/>
+              </a:defRPr>
+            </a:lvl9pPr>
+          </a:lstStyle>
+          <a:p>
+            <a:fld id="{117E512A-7775-4EA3-AB06-35D1DA2F9E89}" type="slidenum">
+              <a:rPr lang="nl-NL" smtClean="0"/>
+              <a:pPr/>
+              <a:t>2</a:t>
+            </a:fld>
+            <a:r>
+              <a:rPr lang="nl-NL" dirty="0"/>
+              <a:t>/23</a:t>
+            </a:r>
+          </a:p>
+        </p:txBody>
+      </p:sp>
     </p:spTree>
     <p:extLst>
       <p:ext uri="{BB962C8B-B14F-4D97-AF65-F5344CB8AC3E}">
@@ -10185,6 +12091,205 @@
               <a:latin typeface="Courier New" panose="02070309020205020404" pitchFamily="49" charset="0"/>
               <a:cs typeface="Courier New" panose="02070309020205020404" pitchFamily="49" charset="0"/>
             </a:endParaRPr>
+          </a:p>
+        </p:txBody>
+      </p:sp>
+      <p:sp>
+        <p:nvSpPr>
+          <p:cNvPr id="5" name="Slide Number Placeholder 5">
+            <a:extLst>
+              <a:ext uri="{FF2B5EF4-FFF2-40B4-BE49-F238E27FC236}">
+                <a16:creationId xmlns:a16="http://schemas.microsoft.com/office/drawing/2014/main" id="{7756DBA5-F7DA-4A99-82D4-A0FD7F366AD7}"/>
+              </a:ext>
+            </a:extLst>
+          </p:cNvPr>
+          <p:cNvSpPr txBox="1">
+            <a:spLocks/>
+          </p:cNvSpPr>
+          <p:nvPr/>
+        </p:nvSpPr>
+        <p:spPr>
+          <a:xfrm>
+            <a:off x="9162675" y="6384059"/>
+            <a:ext cx="2743200" cy="365125"/>
+          </a:xfrm>
+          <a:prstGeom prst="rect">
+            <a:avLst/>
+          </a:prstGeom>
+        </p:spPr>
+        <p:txBody>
+          <a:bodyPr vert="horz" lIns="91440" tIns="45720" rIns="91440" bIns="45720" rtlCol="0" anchor="ctr"/>
+          <a:lstStyle>
+            <a:defPPr>
+              <a:defRPr lang="nl-NL"/>
+            </a:defPPr>
+            <a:lvl1pPr marL="0" algn="r" defTabSz="914400" rtl="0" eaLnBrk="1" latinLnBrk="0" hangingPunct="1">
+              <a:defRPr sz="1200" kern="1200">
+                <a:solidFill>
+                  <a:schemeClr val="tx1">
+                    <a:tint val="75000"/>
+                  </a:schemeClr>
+                </a:solidFill>
+                <a:latin typeface="+mn-lt"/>
+                <a:ea typeface="+mn-ea"/>
+                <a:cs typeface="+mn-cs"/>
+              </a:defRPr>
+            </a:lvl1pPr>
+            <a:lvl2pPr marL="457200" algn="l" defTabSz="914400" rtl="0" eaLnBrk="1" latinLnBrk="0" hangingPunct="1">
+              <a:defRPr sz="1800" kern="1200">
+                <a:solidFill>
+                  <a:schemeClr val="tx1"/>
+                </a:solidFill>
+                <a:latin typeface="+mn-lt"/>
+                <a:ea typeface="+mn-ea"/>
+                <a:cs typeface="+mn-cs"/>
+              </a:defRPr>
+            </a:lvl2pPr>
+            <a:lvl3pPr marL="914400" algn="l" defTabSz="914400" rtl="0" eaLnBrk="1" latinLnBrk="0" hangingPunct="1">
+              <a:defRPr sz="1800" kern="1200">
+                <a:solidFill>
+                  <a:schemeClr val="tx1"/>
+                </a:solidFill>
+                <a:latin typeface="+mn-lt"/>
+                <a:ea typeface="+mn-ea"/>
+                <a:cs typeface="+mn-cs"/>
+              </a:defRPr>
+            </a:lvl3pPr>
+            <a:lvl4pPr marL="1371600" algn="l" defTabSz="914400" rtl="0" eaLnBrk="1" latinLnBrk="0" hangingPunct="1">
+              <a:defRPr sz="1800" kern="1200">
+                <a:solidFill>
+                  <a:schemeClr val="tx1"/>
+                </a:solidFill>
+                <a:latin typeface="+mn-lt"/>
+                <a:ea typeface="+mn-ea"/>
+                <a:cs typeface="+mn-cs"/>
+              </a:defRPr>
+            </a:lvl4pPr>
+            <a:lvl5pPr marL="1828800" algn="l" defTabSz="914400" rtl="0" eaLnBrk="1" latinLnBrk="0" hangingPunct="1">
+              <a:defRPr sz="1800" kern="1200">
+                <a:solidFill>
+                  <a:schemeClr val="tx1"/>
+                </a:solidFill>
+                <a:latin typeface="+mn-lt"/>
+                <a:ea typeface="+mn-ea"/>
+                <a:cs typeface="+mn-cs"/>
+              </a:defRPr>
+            </a:lvl5pPr>
+            <a:lvl6pPr marL="2286000" algn="l" defTabSz="914400" rtl="0" eaLnBrk="1" latinLnBrk="0" hangingPunct="1">
+              <a:defRPr sz="1800" kern="1200">
+                <a:solidFill>
+                  <a:schemeClr val="tx1"/>
+                </a:solidFill>
+                <a:latin typeface="+mn-lt"/>
+                <a:ea typeface="+mn-ea"/>
+                <a:cs typeface="+mn-cs"/>
+              </a:defRPr>
+            </a:lvl6pPr>
+            <a:lvl7pPr marL="2743200" algn="l" defTabSz="914400" rtl="0" eaLnBrk="1" latinLnBrk="0" hangingPunct="1">
+              <a:defRPr sz="1800" kern="1200">
+                <a:solidFill>
+                  <a:schemeClr val="tx1"/>
+                </a:solidFill>
+                <a:latin typeface="+mn-lt"/>
+                <a:ea typeface="+mn-ea"/>
+                <a:cs typeface="+mn-cs"/>
+              </a:defRPr>
+            </a:lvl7pPr>
+            <a:lvl8pPr marL="3200400" algn="l" defTabSz="914400" rtl="0" eaLnBrk="1" latinLnBrk="0" hangingPunct="1">
+              <a:defRPr sz="1800" kern="1200">
+                <a:solidFill>
+                  <a:schemeClr val="tx1"/>
+                </a:solidFill>
+                <a:latin typeface="+mn-lt"/>
+                <a:ea typeface="+mn-ea"/>
+                <a:cs typeface="+mn-cs"/>
+              </a:defRPr>
+            </a:lvl8pPr>
+            <a:lvl9pPr marL="3657600" algn="l" defTabSz="914400" rtl="0" eaLnBrk="1" latinLnBrk="0" hangingPunct="1">
+              <a:defRPr sz="1800" kern="1200">
+                <a:solidFill>
+                  <a:schemeClr val="tx1"/>
+                </a:solidFill>
+                <a:latin typeface="+mn-lt"/>
+                <a:ea typeface="+mn-ea"/>
+                <a:cs typeface="+mn-cs"/>
+              </a:defRPr>
+            </a:lvl9pPr>
+          </a:lstStyle>
+          <a:p>
+            <a:fld id="{117E512A-7775-4EA3-AB06-35D1DA2F9E89}" type="slidenum">
+              <a:rPr lang="nl-NL" smtClean="0"/>
+              <a:pPr/>
+              <a:t>20</a:t>
+            </a:fld>
+            <a:r>
+              <a:rPr lang="nl-NL" dirty="0"/>
+              <a:t>/23</a:t>
+            </a:r>
+          </a:p>
+        </p:txBody>
+      </p:sp>
+      <p:sp>
+        <p:nvSpPr>
+          <p:cNvPr id="6" name="Content Placeholder 2">
+            <a:extLst>
+              <a:ext uri="{FF2B5EF4-FFF2-40B4-BE49-F238E27FC236}">
+                <a16:creationId xmlns:a16="http://schemas.microsoft.com/office/drawing/2014/main" id="{46B313D5-883D-46EB-B68E-B06B49CD1BC8}"/>
+              </a:ext>
+            </a:extLst>
+          </p:cNvPr>
+          <p:cNvSpPr>
+            <a:spLocks noGrp="1"/>
+          </p:cNvSpPr>
+          <p:nvPr>
+            <p:ph idx="1"/>
+          </p:nvPr>
+        </p:nvSpPr>
+        <p:spPr>
+          <a:xfrm>
+            <a:off x="966117" y="6245420"/>
+            <a:ext cx="10515600" cy="477153"/>
+          </a:xfrm>
+        </p:spPr>
+        <p:txBody>
+          <a:bodyPr/>
+          <a:lstStyle/>
+          <a:p>
+            <a:pPr marL="0" indent="0">
+              <a:buNone/>
+            </a:pPr>
+            <a:r>
+              <a:rPr lang="nl-NL" dirty="0" err="1"/>
+              <a:t>Much</a:t>
+            </a:r>
+            <a:r>
+              <a:rPr lang="nl-NL" dirty="0"/>
+              <a:t> like </a:t>
+            </a:r>
+            <a:r>
+              <a:rPr lang="nl-NL" dirty="0" err="1"/>
+              <a:t>an</a:t>
+            </a:r>
+            <a:r>
+              <a:rPr lang="nl-NL" dirty="0"/>
+              <a:t> object, but </a:t>
+            </a:r>
+            <a:r>
+              <a:rPr lang="nl-NL" dirty="0" err="1"/>
+              <a:t>everything</a:t>
+            </a:r>
+            <a:r>
+              <a:rPr lang="nl-NL" dirty="0"/>
+              <a:t> is </a:t>
+            </a:r>
+            <a:r>
+              <a:rPr lang="nl-NL" dirty="0" err="1"/>
+              <a:t>static</a:t>
+            </a:r>
+            <a:r>
+              <a:rPr lang="nl-NL" dirty="0"/>
+              <a:t>.</a:t>
+            </a:r>
           </a:p>
         </p:txBody>
       </p:sp>
@@ -10510,6 +12615,23 @@
                 <a:latin typeface="Courier New" panose="02070309020205020404" pitchFamily="49" charset="0"/>
                 <a:cs typeface="Courier New" panose="02070309020205020404" pitchFamily="49" charset="0"/>
               </a:rPr>
+              <a:t> </a:t>
+            </a:r>
+            <a:r>
+              <a:rPr lang="en-US" sz="1400" b="1" dirty="0">
+                <a:solidFill>
+                  <a:srgbClr val="7030A0"/>
+                </a:solidFill>
+                <a:latin typeface="Courier New" panose="02070309020205020404" pitchFamily="49" charset="0"/>
+                <a:cs typeface="Courier New" panose="02070309020205020404" pitchFamily="49" charset="0"/>
+              </a:rPr>
+              <a:t>inline</a:t>
+            </a:r>
+            <a:r>
+              <a:rPr lang="en-US" sz="1400" dirty="0">
+                <a:latin typeface="Courier New" panose="02070309020205020404" pitchFamily="49" charset="0"/>
+                <a:cs typeface="Courier New" panose="02070309020205020404" pitchFamily="49" charset="0"/>
+              </a:rPr>
               <a:t> void </a:t>
             </a:r>
             <a:r>
@@ -10616,7 +12738,24 @@
                 <a:latin typeface="Courier New" panose="02070309020205020404" pitchFamily="49" charset="0"/>
                 <a:cs typeface="Courier New" panose="02070309020205020404" pitchFamily="49" charset="0"/>
               </a:rPr>
-              <a:t> void write( bool value ){</a:t>
+              <a:t> </a:t>
+            </a:r>
+            <a:r>
+              <a:rPr lang="en-US" sz="1400" b="1" dirty="0">
+                <a:solidFill>
+                  <a:srgbClr val="7030A0"/>
+                </a:solidFill>
+                <a:latin typeface="Courier New" panose="02070309020205020404" pitchFamily="49" charset="0"/>
+                <a:cs typeface="Courier New" panose="02070309020205020404" pitchFamily="49" charset="0"/>
+              </a:rPr>
+              <a:t>inline </a:t>
+            </a:r>
+            <a:r>
+              <a:rPr lang="en-US" sz="1400" dirty="0">
+                <a:latin typeface="Courier New" panose="02070309020205020404" pitchFamily="49" charset="0"/>
+                <a:cs typeface="Courier New" panose="02070309020205020404" pitchFamily="49" charset="0"/>
+              </a:rPr>
+              <a:t>void write( bool value ){</a:t>
             </a:r>
           </a:p>
           <a:p>
@@ -10827,6 +12966,141 @@
               <a:latin typeface="Courier New" panose="02070309020205020404" pitchFamily="49" charset="0"/>
               <a:cs typeface="Courier New" panose="02070309020205020404" pitchFamily="49" charset="0"/>
             </a:endParaRPr>
+          </a:p>
+        </p:txBody>
+      </p:sp>
+      <p:sp>
+        <p:nvSpPr>
+          <p:cNvPr id="5" name="Slide Number Placeholder 5">
+            <a:extLst>
+              <a:ext uri="{FF2B5EF4-FFF2-40B4-BE49-F238E27FC236}">
+                <a16:creationId xmlns:a16="http://schemas.microsoft.com/office/drawing/2014/main" id="{7C0CF2FA-0E26-418B-9000-80FAA3B37A54}"/>
+              </a:ext>
+            </a:extLst>
+          </p:cNvPr>
+          <p:cNvSpPr txBox="1">
+            <a:spLocks/>
+          </p:cNvSpPr>
+          <p:nvPr/>
+        </p:nvSpPr>
+        <p:spPr>
+          <a:xfrm>
+            <a:off x="9162675" y="6384059"/>
+            <a:ext cx="2743200" cy="365125"/>
+          </a:xfrm>
+          <a:prstGeom prst="rect">
+            <a:avLst/>
+          </a:prstGeom>
+        </p:spPr>
+        <p:txBody>
+          <a:bodyPr vert="horz" lIns="91440" tIns="45720" rIns="91440" bIns="45720" rtlCol="0" anchor="ctr"/>
+          <a:lstStyle>
+            <a:defPPr>
+              <a:defRPr lang="nl-NL"/>
+            </a:defPPr>
+            <a:lvl1pPr marL="0" algn="r" defTabSz="914400" rtl="0" eaLnBrk="1" latinLnBrk="0" hangingPunct="1">
+              <a:defRPr sz="1200" kern="1200">
+                <a:solidFill>
+                  <a:schemeClr val="tx1">
+                    <a:tint val="75000"/>
+                  </a:schemeClr>
+                </a:solidFill>
+                <a:latin typeface="+mn-lt"/>
+                <a:ea typeface="+mn-ea"/>
+                <a:cs typeface="+mn-cs"/>
+              </a:defRPr>
+            </a:lvl1pPr>
+            <a:lvl2pPr marL="457200" algn="l" defTabSz="914400" rtl="0" eaLnBrk="1" latinLnBrk="0" hangingPunct="1">
+              <a:defRPr sz="1800" kern="1200">
+                <a:solidFill>
+                  <a:schemeClr val="tx1"/>
+                </a:solidFill>
+                <a:latin typeface="+mn-lt"/>
+                <a:ea typeface="+mn-ea"/>
+                <a:cs typeface="+mn-cs"/>
+              </a:defRPr>
+            </a:lvl2pPr>
+            <a:lvl3pPr marL="914400" algn="l" defTabSz="914400" rtl="0" eaLnBrk="1" latinLnBrk="0" hangingPunct="1">
+              <a:defRPr sz="1800" kern="1200">
+                <a:solidFill>
+                  <a:schemeClr val="tx1"/>
+                </a:solidFill>
+                <a:latin typeface="+mn-lt"/>
+                <a:ea typeface="+mn-ea"/>
+                <a:cs typeface="+mn-cs"/>
+              </a:defRPr>
+            </a:lvl3pPr>
+            <a:lvl4pPr marL="1371600" algn="l" defTabSz="914400" rtl="0" eaLnBrk="1" latinLnBrk="0" hangingPunct="1">
+              <a:defRPr sz="1800" kern="1200">
+                <a:solidFill>
+                  <a:schemeClr val="tx1"/>
+                </a:solidFill>
+                <a:latin typeface="+mn-lt"/>
+                <a:ea typeface="+mn-ea"/>
+                <a:cs typeface="+mn-cs"/>
+              </a:defRPr>
+            </a:lvl4pPr>
+            <a:lvl5pPr marL="1828800" algn="l" defTabSz="914400" rtl="0" eaLnBrk="1" latinLnBrk="0" hangingPunct="1">
+              <a:defRPr sz="1800" kern="1200">
+                <a:solidFill>
+                  <a:schemeClr val="tx1"/>
+                </a:solidFill>
+                <a:latin typeface="+mn-lt"/>
+                <a:ea typeface="+mn-ea"/>
+                <a:cs typeface="+mn-cs"/>
+              </a:defRPr>
+            </a:lvl5pPr>
+            <a:lvl6pPr marL="2286000" algn="l" defTabSz="914400" rtl="0" eaLnBrk="1" latinLnBrk="0" hangingPunct="1">
+              <a:defRPr sz="1800" kern="1200">
+                <a:solidFill>
+                  <a:schemeClr val="tx1"/>
+                </a:solidFill>
+                <a:latin typeface="+mn-lt"/>
+                <a:ea typeface="+mn-ea"/>
+                <a:cs typeface="+mn-cs"/>
+              </a:defRPr>
+            </a:lvl6pPr>
+            <a:lvl7pPr marL="2743200" algn="l" defTabSz="914400" rtl="0" eaLnBrk="1" latinLnBrk="0" hangingPunct="1">
+              <a:defRPr sz="1800" kern="1200">
+                <a:solidFill>
+                  <a:schemeClr val="tx1"/>
+                </a:solidFill>
+                <a:latin typeface="+mn-lt"/>
+                <a:ea typeface="+mn-ea"/>
+                <a:cs typeface="+mn-cs"/>
+              </a:defRPr>
+            </a:lvl7pPr>
+            <a:lvl8pPr marL="3200400" algn="l" defTabSz="914400" rtl="0" eaLnBrk="1" latinLnBrk="0" hangingPunct="1">
+              <a:defRPr sz="1800" kern="1200">
+                <a:solidFill>
+                  <a:schemeClr val="tx1"/>
+                </a:solidFill>
+                <a:latin typeface="+mn-lt"/>
+                <a:ea typeface="+mn-ea"/>
+                <a:cs typeface="+mn-cs"/>
+              </a:defRPr>
+            </a:lvl8pPr>
+            <a:lvl9pPr marL="3657600" algn="l" defTabSz="914400" rtl="0" eaLnBrk="1" latinLnBrk="0" hangingPunct="1">
+              <a:defRPr sz="1800" kern="1200">
+                <a:solidFill>
+                  <a:schemeClr val="tx1"/>
+                </a:solidFill>
+                <a:latin typeface="+mn-lt"/>
+                <a:ea typeface="+mn-ea"/>
+                <a:cs typeface="+mn-cs"/>
+              </a:defRPr>
+            </a:lvl9pPr>
+          </a:lstStyle>
+          <a:p>
+            <a:fld id="{117E512A-7775-4EA3-AB06-35D1DA2F9E89}" type="slidenum">
+              <a:rPr lang="nl-NL" smtClean="0"/>
+              <a:pPr/>
+              <a:t>21</a:t>
+            </a:fld>
+            <a:r>
+              <a:rPr lang="nl-NL" dirty="0"/>
+              <a:t>/23</a:t>
+            </a:r>
           </a:p>
         </p:txBody>
       </p:sp>
@@ -10914,14 +13188,14 @@
           <p:nvPr>
             <p:extLst>
               <p:ext uri="{D42A27DB-BD31-4B8C-83A1-F6EECF244321}">
-                <p14:modId xmlns:p14="http://schemas.microsoft.com/office/powerpoint/2010/main" val="3987667499"/>
+                <p14:modId xmlns:p14="http://schemas.microsoft.com/office/powerpoint/2010/main" val="1950096547"/>
               </p:ext>
             </p:extLst>
           </p:nvPr>
         </p:nvGraphicFramePr>
         <p:xfrm>
-          <a:off x="602693" y="1626044"/>
-          <a:ext cx="11098075" cy="4471385"/>
+          <a:off x="330535" y="1207624"/>
+          <a:ext cx="11279574" cy="4280220"/>
         </p:xfrm>
         <a:graphic>
           <a:graphicData uri="http://schemas.openxmlformats.org/drawingml/2006/table">
@@ -10930,57 +13204,64 @@
                 <a:tableStyleId>{5C22544A-7EE6-4342-B048-85BDC9FD1C3A}</a:tableStyleId>
               </a:tblPr>
               <a:tblGrid>
-                <a:gridCol w="1277616">
+                <a:gridCol w="1132762">
                   <a:extLst>
                     <a:ext uri="{9D8B030D-6E8A-4147-A177-3AD203B41FA5}">
                       <a16:colId xmlns:a16="http://schemas.microsoft.com/office/drawing/2014/main" val="1483432228"/>
                     </a:ext>
                   </a:extLst>
                 </a:gridCol>
-                <a:gridCol w="1116943">
+                <a:gridCol w="990307">
                   <a:extLst>
                     <a:ext uri="{9D8B030D-6E8A-4147-A177-3AD203B41FA5}">
                       <a16:colId xmlns:a16="http://schemas.microsoft.com/office/drawing/2014/main" val="2561776561"/>
                     </a:ext>
                   </a:extLst>
                 </a:gridCol>
-                <a:gridCol w="1316399">
+                <a:gridCol w="1167147">
                   <a:extLst>
                     <a:ext uri="{9D8B030D-6E8A-4147-A177-3AD203B41FA5}">
                       <a16:colId xmlns:a16="http://schemas.microsoft.com/office/drawing/2014/main" val="4150781641"/>
                     </a:ext>
                   </a:extLst>
                 </a:gridCol>
-                <a:gridCol w="3844928">
+                <a:gridCol w="3038667">
                   <a:extLst>
                     <a:ext uri="{9D8B030D-6E8A-4147-A177-3AD203B41FA5}">
                       <a16:colId xmlns:a16="http://schemas.microsoft.com/office/drawing/2014/main" val="3692811487"/>
                     </a:ext>
                   </a:extLst>
                 </a:gridCol>
-                <a:gridCol w="1429304">
+                <a:gridCol w="1209964">
                   <a:extLst>
                     <a:ext uri="{9D8B030D-6E8A-4147-A177-3AD203B41FA5}">
                       <a16:colId xmlns:a16="http://schemas.microsoft.com/office/drawing/2014/main" val="1606734157"/>
                     </a:ext>
                   </a:extLst>
                 </a:gridCol>
-                <a:gridCol w="1118587">
+                <a:gridCol w="1246909">
                   <a:extLst>
                     <a:ext uri="{9D8B030D-6E8A-4147-A177-3AD203B41FA5}">
                       <a16:colId xmlns:a16="http://schemas.microsoft.com/office/drawing/2014/main" val="1008365491"/>
                     </a:ext>
                   </a:extLst>
                 </a:gridCol>
-                <a:gridCol w="994298">
+                <a:gridCol w="1219200">
                   <a:extLst>
                     <a:ext uri="{9D8B030D-6E8A-4147-A177-3AD203B41FA5}">
                       <a16:colId xmlns:a16="http://schemas.microsoft.com/office/drawing/2014/main" val="1542136971"/>
                     </a:ext>
                   </a:extLst>
                 </a:gridCol>
+                <a:gridCol w="1274618">
+                  <a:extLst>
+                    <a:ext uri="{9D8B030D-6E8A-4147-A177-3AD203B41FA5}">
+                      <a16:colId xmlns:a16="http://schemas.microsoft.com/office/drawing/2014/main" val="3235842392"/>
+                    </a:ext>
+                  </a:extLst>
+                </a:gridCol>
               </a:tblGrid>
-              <a:tr h="1074342">
+              <a:tr h="1020737">
                 <a:tc>
                   <a:txBody>
                     <a:bodyPr/>
@@ -11087,13 +13368,30 @@
                   </a:txBody>
                   <a:tcPr/>
                 </a:tc>
+                <a:tc>
+                  <a:txBody>
+                    <a:bodyPr/>
+                    <a:lstStyle/>
+                    <a:p>
+                      <a:r>
+                        <a:rPr lang="nl-NL" dirty="0" err="1"/>
+                        <a:t>Dangling</a:t>
+                      </a:r>
+                      <a:r>
+                        <a:rPr lang="nl-NL" dirty="0"/>
+                        <a:t> ref risk</a:t>
+                      </a:r>
+                    </a:p>
+                  </a:txBody>
+                  <a:tcPr/>
+                </a:tc>
                 <a:extLst>
                   <a:ext uri="{0D108BD9-81ED-4DB2-BD59-A6C34878D82A}">
                     <a16:rowId xmlns:a16="http://schemas.microsoft.com/office/drawing/2014/main" val="1217489147"/>
                   </a:ext>
                 </a:extLst>
               </a:tr>
-              <a:tr h="930581">
+              <a:tr h="884149">
                 <a:tc>
                   <a:txBody>
                     <a:bodyPr/>
@@ -11218,13 +13516,26 @@
                   </a:txBody>
                   <a:tcPr/>
                 </a:tc>
+                <a:tc>
+                  <a:txBody>
+                    <a:bodyPr/>
+                    <a:lstStyle/>
+                    <a:p>
+                      <a:r>
+                        <a:rPr lang="nl-NL" dirty="0"/>
+                        <a:t>No</a:t>
+                      </a:r>
+                    </a:p>
+                  </a:txBody>
+                  <a:tcPr/>
+                </a:tc>
                 <a:extLst>
                   <a:ext uri="{0D108BD9-81ED-4DB2-BD59-A6C34878D82A}">
                     <a16:rowId xmlns:a16="http://schemas.microsoft.com/office/drawing/2014/main" val="1674785704"/>
                   </a:ext>
                 </a:extLst>
               </a:tr>
-              <a:tr h="435705">
+              <a:tr h="608143">
                 <a:tc>
                   <a:txBody>
                     <a:bodyPr/>
@@ -11328,13 +13639,26 @@
                   </a:txBody>
                   <a:tcPr/>
                 </a:tc>
+                <a:tc>
+                  <a:txBody>
+                    <a:bodyPr/>
+                    <a:lstStyle/>
+                    <a:p>
+                      <a:r>
+                        <a:rPr lang="nl-NL" dirty="0"/>
+                        <a:t>No</a:t>
+                      </a:r>
+                    </a:p>
+                  </a:txBody>
+                  <a:tcPr/>
+                </a:tc>
                 <a:extLst>
                   <a:ext uri="{0D108BD9-81ED-4DB2-BD59-A6C34878D82A}">
                     <a16:rowId xmlns:a16="http://schemas.microsoft.com/office/drawing/2014/main" val="1348439786"/>
                   </a:ext>
                 </a:extLst>
               </a:tr>
-              <a:tr h="752040">
+              <a:tr h="714517">
                 <a:tc>
                   <a:txBody>
                     <a:bodyPr/>
@@ -11439,13 +13763,26 @@
                   </a:txBody>
                   <a:tcPr/>
                 </a:tc>
+                <a:tc>
+                  <a:txBody>
+                    <a:bodyPr/>
+                    <a:lstStyle/>
+                    <a:p>
+                      <a:r>
+                        <a:rPr lang="nl-NL" dirty="0"/>
+                        <a:t>Yes</a:t>
+                      </a:r>
+                    </a:p>
+                  </a:txBody>
+                  <a:tcPr/>
+                </a:tc>
                 <a:extLst>
                   <a:ext uri="{0D108BD9-81ED-4DB2-BD59-A6C34878D82A}">
                     <a16:rowId xmlns:a16="http://schemas.microsoft.com/office/drawing/2014/main" val="507360337"/>
                   </a:ext>
                 </a:extLst>
               </a:tr>
-              <a:tr h="1074342">
+              <a:tr h="1020737">
                 <a:tc>
                   <a:txBody>
                     <a:bodyPr/>
@@ -11565,6 +13902,19 @@
                   </a:txBody>
                   <a:tcPr/>
                 </a:tc>
+                <a:tc>
+                  <a:txBody>
+                    <a:bodyPr/>
+                    <a:lstStyle/>
+                    <a:p>
+                      <a:r>
+                        <a:rPr lang="nl-NL" dirty="0"/>
+                        <a:t>No</a:t>
+                      </a:r>
+                    </a:p>
+                  </a:txBody>
+                  <a:tcPr/>
+                </a:tc>
                 <a:extLst>
                   <a:ext uri="{0D108BD9-81ED-4DB2-BD59-A6C34878D82A}">
                     <a16:rowId xmlns:a16="http://schemas.microsoft.com/office/drawing/2014/main" val="3078466298"/>
@@ -11575,6 +13925,241 @@
           </a:graphicData>
         </a:graphic>
       </p:graphicFrame>
+      <p:sp>
+        <p:nvSpPr>
+          <p:cNvPr id="4" name="Slide Number Placeholder 5">
+            <a:extLst>
+              <a:ext uri="{FF2B5EF4-FFF2-40B4-BE49-F238E27FC236}">
+                <a16:creationId xmlns:a16="http://schemas.microsoft.com/office/drawing/2014/main" id="{9A3EFB49-3BCF-4C49-92E0-DFB0DDA10156}"/>
+              </a:ext>
+            </a:extLst>
+          </p:cNvPr>
+          <p:cNvSpPr txBox="1">
+            <a:spLocks/>
+          </p:cNvSpPr>
+          <p:nvPr/>
+        </p:nvSpPr>
+        <p:spPr>
+          <a:xfrm>
+            <a:off x="9162675" y="6384059"/>
+            <a:ext cx="2743200" cy="365125"/>
+          </a:xfrm>
+          <a:prstGeom prst="rect">
+            <a:avLst/>
+          </a:prstGeom>
+        </p:spPr>
+        <p:txBody>
+          <a:bodyPr vert="horz" lIns="91440" tIns="45720" rIns="91440" bIns="45720" rtlCol="0" anchor="ctr"/>
+          <a:lstStyle>
+            <a:defPPr>
+              <a:defRPr lang="nl-NL"/>
+            </a:defPPr>
+            <a:lvl1pPr marL="0" algn="r" defTabSz="914400" rtl="0" eaLnBrk="1" latinLnBrk="0" hangingPunct="1">
+              <a:defRPr sz="1200" kern="1200">
+                <a:solidFill>
+                  <a:schemeClr val="tx1">
+                    <a:tint val="75000"/>
+                  </a:schemeClr>
+                </a:solidFill>
+                <a:latin typeface="+mn-lt"/>
+                <a:ea typeface="+mn-ea"/>
+                <a:cs typeface="+mn-cs"/>
+              </a:defRPr>
+            </a:lvl1pPr>
+            <a:lvl2pPr marL="457200" algn="l" defTabSz="914400" rtl="0" eaLnBrk="1" latinLnBrk="0" hangingPunct="1">
+              <a:defRPr sz="1800" kern="1200">
+                <a:solidFill>
+                  <a:schemeClr val="tx1"/>
+                </a:solidFill>
+                <a:latin typeface="+mn-lt"/>
+                <a:ea typeface="+mn-ea"/>
+                <a:cs typeface="+mn-cs"/>
+              </a:defRPr>
+            </a:lvl2pPr>
+            <a:lvl3pPr marL="914400" algn="l" defTabSz="914400" rtl="0" eaLnBrk="1" latinLnBrk="0" hangingPunct="1">
+              <a:defRPr sz="1800" kern="1200">
+                <a:solidFill>
+                  <a:schemeClr val="tx1"/>
+                </a:solidFill>
+                <a:latin typeface="+mn-lt"/>
+                <a:ea typeface="+mn-ea"/>
+                <a:cs typeface="+mn-cs"/>
+              </a:defRPr>
+            </a:lvl3pPr>
+            <a:lvl4pPr marL="1371600" algn="l" defTabSz="914400" rtl="0" eaLnBrk="1" latinLnBrk="0" hangingPunct="1">
+              <a:defRPr sz="1800" kern="1200">
+                <a:solidFill>
+                  <a:schemeClr val="tx1"/>
+                </a:solidFill>
+                <a:latin typeface="+mn-lt"/>
+                <a:ea typeface="+mn-ea"/>
+                <a:cs typeface="+mn-cs"/>
+              </a:defRPr>
+            </a:lvl4pPr>
+            <a:lvl5pPr marL="1828800" algn="l" defTabSz="914400" rtl="0" eaLnBrk="1" latinLnBrk="0" hangingPunct="1">
+              <a:defRPr sz="1800" kern="1200">
+                <a:solidFill>
+                  <a:schemeClr val="tx1"/>
+                </a:solidFill>
+                <a:latin typeface="+mn-lt"/>
+                <a:ea typeface="+mn-ea"/>
+                <a:cs typeface="+mn-cs"/>
+              </a:defRPr>
+            </a:lvl5pPr>
+            <a:lvl6pPr marL="2286000" algn="l" defTabSz="914400" rtl="0" eaLnBrk="1" latinLnBrk="0" hangingPunct="1">
+              <a:defRPr sz="1800" kern="1200">
+                <a:solidFill>
+                  <a:schemeClr val="tx1"/>
+                </a:solidFill>
+                <a:latin typeface="+mn-lt"/>
+                <a:ea typeface="+mn-ea"/>
+                <a:cs typeface="+mn-cs"/>
+              </a:defRPr>
+            </a:lvl6pPr>
+            <a:lvl7pPr marL="2743200" algn="l" defTabSz="914400" rtl="0" eaLnBrk="1" latinLnBrk="0" hangingPunct="1">
+              <a:defRPr sz="1800" kern="1200">
+                <a:solidFill>
+                  <a:schemeClr val="tx1"/>
+                </a:solidFill>
+                <a:latin typeface="+mn-lt"/>
+                <a:ea typeface="+mn-ea"/>
+                <a:cs typeface="+mn-cs"/>
+              </a:defRPr>
+            </a:lvl7pPr>
+            <a:lvl8pPr marL="3200400" algn="l" defTabSz="914400" rtl="0" eaLnBrk="1" latinLnBrk="0" hangingPunct="1">
+              <a:defRPr sz="1800" kern="1200">
+                <a:solidFill>
+                  <a:schemeClr val="tx1"/>
+                </a:solidFill>
+                <a:latin typeface="+mn-lt"/>
+                <a:ea typeface="+mn-ea"/>
+                <a:cs typeface="+mn-cs"/>
+              </a:defRPr>
+            </a:lvl8pPr>
+            <a:lvl9pPr marL="3657600" algn="l" defTabSz="914400" rtl="0" eaLnBrk="1" latinLnBrk="0" hangingPunct="1">
+              <a:defRPr sz="1800" kern="1200">
+                <a:solidFill>
+                  <a:schemeClr val="tx1"/>
+                </a:solidFill>
+                <a:latin typeface="+mn-lt"/>
+                <a:ea typeface="+mn-ea"/>
+                <a:cs typeface="+mn-cs"/>
+              </a:defRPr>
+            </a:lvl9pPr>
+          </a:lstStyle>
+          <a:p>
+            <a:fld id="{117E512A-7775-4EA3-AB06-35D1DA2F9E89}" type="slidenum">
+              <a:rPr lang="nl-NL" smtClean="0"/>
+              <a:pPr/>
+              <a:t>22</a:t>
+            </a:fld>
+            <a:r>
+              <a:rPr lang="nl-NL" dirty="0"/>
+              <a:t>/23</a:t>
+            </a:r>
+          </a:p>
+        </p:txBody>
+      </p:sp>
+      <p:sp>
+        <p:nvSpPr>
+          <p:cNvPr id="6" name="Content Placeholder 2">
+            <a:extLst>
+              <a:ext uri="{FF2B5EF4-FFF2-40B4-BE49-F238E27FC236}">
+                <a16:creationId xmlns:a16="http://schemas.microsoft.com/office/drawing/2014/main" id="{CE1AC114-CF00-4FFB-8F51-8922F805B9E5}"/>
+              </a:ext>
+            </a:extLst>
+          </p:cNvPr>
+          <p:cNvSpPr>
+            <a:spLocks noGrp="1"/>
+          </p:cNvSpPr>
+          <p:nvPr>
+            <p:ph idx="1"/>
+          </p:nvPr>
+        </p:nvSpPr>
+        <p:spPr>
+          <a:xfrm>
+            <a:off x="966117" y="5786582"/>
+            <a:ext cx="10515600" cy="935991"/>
+          </a:xfrm>
+        </p:spPr>
+        <p:txBody>
+          <a:bodyPr>
+            <a:normAutofit lnSpcReduction="10000"/>
+          </a:bodyPr>
+          <a:lstStyle/>
+          <a:p>
+            <a:pPr marL="0" indent="0">
+              <a:buNone/>
+            </a:pPr>
+            <a:r>
+              <a:rPr lang="nl-NL" dirty="0"/>
+              <a:t>* Depends on </a:t>
+            </a:r>
+            <a:r>
+              <a:rPr lang="nl-NL" dirty="0" err="1"/>
+              <a:t>the</a:t>
+            </a:r>
+            <a:r>
+              <a:rPr lang="nl-NL" dirty="0"/>
+              <a:t> macro </a:t>
+            </a:r>
+            <a:r>
+              <a:rPr lang="nl-NL" dirty="0" err="1"/>
+              <a:t>abstraction</a:t>
+            </a:r>
+            <a:endParaRPr lang="nl-NL" dirty="0"/>
+          </a:p>
+          <a:p>
+            <a:pPr marL="0" indent="0">
+              <a:buNone/>
+            </a:pPr>
+            <a:r>
+              <a:rPr lang="nl-NL" dirty="0"/>
+              <a:t>* LTO </a:t>
+            </a:r>
+            <a:r>
+              <a:rPr lang="nl-NL" dirty="0" err="1"/>
+              <a:t>might</a:t>
+            </a:r>
+            <a:r>
+              <a:rPr lang="nl-NL" dirty="0"/>
+              <a:t> or </a:t>
+            </a:r>
+            <a:r>
+              <a:rPr lang="nl-NL" dirty="0" err="1"/>
+              <a:t>might</a:t>
+            </a:r>
+            <a:r>
+              <a:rPr lang="nl-NL" dirty="0"/>
+              <a:t> </a:t>
+            </a:r>
+            <a:r>
+              <a:rPr lang="nl-NL" dirty="0" err="1"/>
+              <a:t>not</a:t>
+            </a:r>
+            <a:r>
+              <a:rPr lang="nl-NL" dirty="0"/>
+              <a:t> change </a:t>
+            </a:r>
+            <a:r>
+              <a:rPr lang="nl-NL" dirty="0" err="1"/>
+              <a:t>the</a:t>
+            </a:r>
+            <a:r>
+              <a:rPr lang="nl-NL" dirty="0"/>
+              <a:t> </a:t>
+            </a:r>
+            <a:r>
+              <a:rPr lang="nl-NL" dirty="0" err="1"/>
+              <a:t>figures</a:t>
+            </a:r>
+            <a:r>
+              <a:rPr lang="nl-NL" dirty="0"/>
+              <a:t>.</a:t>
+            </a:r>
+          </a:p>
+        </p:txBody>
+      </p:sp>
     </p:spTree>
     <p:extLst>
       <p:ext uri="{BB962C8B-B14F-4D97-AF65-F5344CB8AC3E}">
@@ -11696,6 +14281,141 @@
           </a:extLst>
         </p:spPr>
       </p:pic>
+      <p:sp>
+        <p:nvSpPr>
+          <p:cNvPr id="4" name="Slide Number Placeholder 5">
+            <a:extLst>
+              <a:ext uri="{FF2B5EF4-FFF2-40B4-BE49-F238E27FC236}">
+                <a16:creationId xmlns:a16="http://schemas.microsoft.com/office/drawing/2014/main" id="{828A69DA-F5D8-4132-819D-C29A646D48C7}"/>
+              </a:ext>
+            </a:extLst>
+          </p:cNvPr>
+          <p:cNvSpPr txBox="1">
+            <a:spLocks/>
+          </p:cNvSpPr>
+          <p:nvPr/>
+        </p:nvSpPr>
+        <p:spPr>
+          <a:xfrm>
+            <a:off x="9162675" y="6384059"/>
+            <a:ext cx="2743200" cy="365125"/>
+          </a:xfrm>
+          <a:prstGeom prst="rect">
+            <a:avLst/>
+          </a:prstGeom>
+        </p:spPr>
+        <p:txBody>
+          <a:bodyPr vert="horz" lIns="91440" tIns="45720" rIns="91440" bIns="45720" rtlCol="0" anchor="ctr"/>
+          <a:lstStyle>
+            <a:defPPr>
+              <a:defRPr lang="nl-NL"/>
+            </a:defPPr>
+            <a:lvl1pPr marL="0" algn="r" defTabSz="914400" rtl="0" eaLnBrk="1" latinLnBrk="0" hangingPunct="1">
+              <a:defRPr sz="1200" kern="1200">
+                <a:solidFill>
+                  <a:schemeClr val="tx1">
+                    <a:tint val="75000"/>
+                  </a:schemeClr>
+                </a:solidFill>
+                <a:latin typeface="+mn-lt"/>
+                <a:ea typeface="+mn-ea"/>
+                <a:cs typeface="+mn-cs"/>
+              </a:defRPr>
+            </a:lvl1pPr>
+            <a:lvl2pPr marL="457200" algn="l" defTabSz="914400" rtl="0" eaLnBrk="1" latinLnBrk="0" hangingPunct="1">
+              <a:defRPr sz="1800" kern="1200">
+                <a:solidFill>
+                  <a:schemeClr val="tx1"/>
+                </a:solidFill>
+                <a:latin typeface="+mn-lt"/>
+                <a:ea typeface="+mn-ea"/>
+                <a:cs typeface="+mn-cs"/>
+              </a:defRPr>
+            </a:lvl2pPr>
+            <a:lvl3pPr marL="914400" algn="l" defTabSz="914400" rtl="0" eaLnBrk="1" latinLnBrk="0" hangingPunct="1">
+              <a:defRPr sz="1800" kern="1200">
+                <a:solidFill>
+                  <a:schemeClr val="tx1"/>
+                </a:solidFill>
+                <a:latin typeface="+mn-lt"/>
+                <a:ea typeface="+mn-ea"/>
+                <a:cs typeface="+mn-cs"/>
+              </a:defRPr>
+            </a:lvl3pPr>
+            <a:lvl4pPr marL="1371600" algn="l" defTabSz="914400" rtl="0" eaLnBrk="1" latinLnBrk="0" hangingPunct="1">
+              <a:defRPr sz="1800" kern="1200">
+                <a:solidFill>
+                  <a:schemeClr val="tx1"/>
+                </a:solidFill>
+                <a:latin typeface="+mn-lt"/>
+                <a:ea typeface="+mn-ea"/>
+                <a:cs typeface="+mn-cs"/>
+              </a:defRPr>
+            </a:lvl4pPr>
+            <a:lvl5pPr marL="1828800" algn="l" defTabSz="914400" rtl="0" eaLnBrk="1" latinLnBrk="0" hangingPunct="1">
+              <a:defRPr sz="1800" kern="1200">
+                <a:solidFill>
+                  <a:schemeClr val="tx1"/>
+                </a:solidFill>
+                <a:latin typeface="+mn-lt"/>
+                <a:ea typeface="+mn-ea"/>
+                <a:cs typeface="+mn-cs"/>
+              </a:defRPr>
+            </a:lvl5pPr>
+            <a:lvl6pPr marL="2286000" algn="l" defTabSz="914400" rtl="0" eaLnBrk="1" latinLnBrk="0" hangingPunct="1">
+              <a:defRPr sz="1800" kern="1200">
+                <a:solidFill>
+                  <a:schemeClr val="tx1"/>
+                </a:solidFill>
+                <a:latin typeface="+mn-lt"/>
+                <a:ea typeface="+mn-ea"/>
+                <a:cs typeface="+mn-cs"/>
+              </a:defRPr>
+            </a:lvl6pPr>
+            <a:lvl7pPr marL="2743200" algn="l" defTabSz="914400" rtl="0" eaLnBrk="1" latinLnBrk="0" hangingPunct="1">
+              <a:defRPr sz="1800" kern="1200">
+                <a:solidFill>
+                  <a:schemeClr val="tx1"/>
+                </a:solidFill>
+                <a:latin typeface="+mn-lt"/>
+                <a:ea typeface="+mn-ea"/>
+                <a:cs typeface="+mn-cs"/>
+              </a:defRPr>
+            </a:lvl7pPr>
+            <a:lvl8pPr marL="3200400" algn="l" defTabSz="914400" rtl="0" eaLnBrk="1" latinLnBrk="0" hangingPunct="1">
+              <a:defRPr sz="1800" kern="1200">
+                <a:solidFill>
+                  <a:schemeClr val="tx1"/>
+                </a:solidFill>
+                <a:latin typeface="+mn-lt"/>
+                <a:ea typeface="+mn-ea"/>
+                <a:cs typeface="+mn-cs"/>
+              </a:defRPr>
+            </a:lvl8pPr>
+            <a:lvl9pPr marL="3657600" algn="l" defTabSz="914400" rtl="0" eaLnBrk="1" latinLnBrk="0" hangingPunct="1">
+              <a:defRPr sz="1800" kern="1200">
+                <a:solidFill>
+                  <a:schemeClr val="tx1"/>
+                </a:solidFill>
+                <a:latin typeface="+mn-lt"/>
+                <a:ea typeface="+mn-ea"/>
+                <a:cs typeface="+mn-cs"/>
+              </a:defRPr>
+            </a:lvl9pPr>
+          </a:lstStyle>
+          <a:p>
+            <a:fld id="{117E512A-7775-4EA3-AB06-35D1DA2F9E89}" type="slidenum">
+              <a:rPr lang="nl-NL" smtClean="0"/>
+              <a:pPr/>
+              <a:t>23</a:t>
+            </a:fld>
+            <a:r>
+              <a:rPr lang="nl-NL" dirty="0"/>
+              <a:t>/23</a:t>
+            </a:r>
+          </a:p>
+        </p:txBody>
+      </p:sp>
     </p:spTree>
     <p:extLst>
       <p:ext uri="{BB962C8B-B14F-4D97-AF65-F5344CB8AC3E}">
@@ -12239,6 +14959,171 @@
           </a:graphicData>
         </a:graphic>
       </p:graphicFrame>
+      <p:sp>
+        <p:nvSpPr>
+          <p:cNvPr id="5" name="Slide Number Placeholder 5">
+            <a:extLst>
+              <a:ext uri="{FF2B5EF4-FFF2-40B4-BE49-F238E27FC236}">
+                <a16:creationId xmlns:a16="http://schemas.microsoft.com/office/drawing/2014/main" id="{2DC625E3-9784-43D8-AB6A-23619B4D1FE2}"/>
+              </a:ext>
+            </a:extLst>
+          </p:cNvPr>
+          <p:cNvSpPr txBox="1">
+            <a:spLocks/>
+          </p:cNvSpPr>
+          <p:nvPr/>
+        </p:nvSpPr>
+        <p:spPr>
+          <a:xfrm>
+            <a:off x="9162675" y="6384059"/>
+            <a:ext cx="2743200" cy="365125"/>
+          </a:xfrm>
+          <a:prstGeom prst="rect">
+            <a:avLst/>
+          </a:prstGeom>
+        </p:spPr>
+        <p:txBody>
+          <a:bodyPr vert="horz" lIns="91440" tIns="45720" rIns="91440" bIns="45720" rtlCol="0" anchor="ctr"/>
+          <a:lstStyle>
+            <a:defPPr>
+              <a:defRPr lang="nl-NL"/>
+            </a:defPPr>
+            <a:lvl1pPr marL="0" algn="r" defTabSz="914400" rtl="0" eaLnBrk="1" latinLnBrk="0" hangingPunct="1">
+              <a:defRPr sz="1200" kern="1200">
+                <a:solidFill>
+                  <a:schemeClr val="tx1">
+                    <a:tint val="75000"/>
+                  </a:schemeClr>
+                </a:solidFill>
+                <a:latin typeface="+mn-lt"/>
+                <a:ea typeface="+mn-ea"/>
+                <a:cs typeface="+mn-cs"/>
+              </a:defRPr>
+            </a:lvl1pPr>
+            <a:lvl2pPr marL="457200" algn="l" defTabSz="914400" rtl="0" eaLnBrk="1" latinLnBrk="0" hangingPunct="1">
+              <a:defRPr sz="1800" kern="1200">
+                <a:solidFill>
+                  <a:schemeClr val="tx1"/>
+                </a:solidFill>
+                <a:latin typeface="+mn-lt"/>
+                <a:ea typeface="+mn-ea"/>
+                <a:cs typeface="+mn-cs"/>
+              </a:defRPr>
+            </a:lvl2pPr>
+            <a:lvl3pPr marL="914400" algn="l" defTabSz="914400" rtl="0" eaLnBrk="1" latinLnBrk="0" hangingPunct="1">
+              <a:defRPr sz="1800" kern="1200">
+                <a:solidFill>
+                  <a:schemeClr val="tx1"/>
+                </a:solidFill>
+                <a:latin typeface="+mn-lt"/>
+                <a:ea typeface="+mn-ea"/>
+                <a:cs typeface="+mn-cs"/>
+              </a:defRPr>
+            </a:lvl3pPr>
+            <a:lvl4pPr marL="1371600" algn="l" defTabSz="914400" rtl="0" eaLnBrk="1" latinLnBrk="0" hangingPunct="1">
+              <a:defRPr sz="1800" kern="1200">
+                <a:solidFill>
+                  <a:schemeClr val="tx1"/>
+                </a:solidFill>
+                <a:latin typeface="+mn-lt"/>
+                <a:ea typeface="+mn-ea"/>
+                <a:cs typeface="+mn-cs"/>
+              </a:defRPr>
+            </a:lvl4pPr>
+            <a:lvl5pPr marL="1828800" algn="l" defTabSz="914400" rtl="0" eaLnBrk="1" latinLnBrk="0" hangingPunct="1">
+              <a:defRPr sz="1800" kern="1200">
+                <a:solidFill>
+                  <a:schemeClr val="tx1"/>
+                </a:solidFill>
+                <a:latin typeface="+mn-lt"/>
+                <a:ea typeface="+mn-ea"/>
+                <a:cs typeface="+mn-cs"/>
+              </a:defRPr>
+            </a:lvl5pPr>
+            <a:lvl6pPr marL="2286000" algn="l" defTabSz="914400" rtl="0" eaLnBrk="1" latinLnBrk="0" hangingPunct="1">
+              <a:defRPr sz="1800" kern="1200">
+                <a:solidFill>
+                  <a:schemeClr val="tx1"/>
+                </a:solidFill>
+                <a:latin typeface="+mn-lt"/>
+                <a:ea typeface="+mn-ea"/>
+                <a:cs typeface="+mn-cs"/>
+              </a:defRPr>
+            </a:lvl6pPr>
+            <a:lvl7pPr marL="2743200" algn="l" defTabSz="914400" rtl="0" eaLnBrk="1" latinLnBrk="0" hangingPunct="1">
+              <a:defRPr sz="1800" kern="1200">
+                <a:solidFill>
+                  <a:schemeClr val="tx1"/>
+                </a:solidFill>
+                <a:latin typeface="+mn-lt"/>
+                <a:ea typeface="+mn-ea"/>
+                <a:cs typeface="+mn-cs"/>
+              </a:defRPr>
+            </a:lvl7pPr>
+            <a:lvl8pPr marL="3200400" algn="l" defTabSz="914400" rtl="0" eaLnBrk="1" latinLnBrk="0" hangingPunct="1">
+              <a:defRPr sz="1800" kern="1200">
+                <a:solidFill>
+                  <a:schemeClr val="tx1"/>
+                </a:solidFill>
+                <a:latin typeface="+mn-lt"/>
+                <a:ea typeface="+mn-ea"/>
+                <a:cs typeface="+mn-cs"/>
+              </a:defRPr>
+            </a:lvl8pPr>
+            <a:lvl9pPr marL="3657600" algn="l" defTabSz="914400" rtl="0" eaLnBrk="1" latinLnBrk="0" hangingPunct="1">
+              <a:defRPr sz="1800" kern="1200">
+                <a:solidFill>
+                  <a:schemeClr val="tx1"/>
+                </a:solidFill>
+                <a:latin typeface="+mn-lt"/>
+                <a:ea typeface="+mn-ea"/>
+                <a:cs typeface="+mn-cs"/>
+              </a:defRPr>
+            </a:lvl9pPr>
+          </a:lstStyle>
+          <a:p>
+            <a:fld id="{117E512A-7775-4EA3-AB06-35D1DA2F9E89}" type="slidenum">
+              <a:rPr lang="nl-NL" smtClean="0"/>
+              <a:pPr/>
+              <a:t>3</a:t>
+            </a:fld>
+            <a:r>
+              <a:rPr lang="nl-NL" dirty="0"/>
+              <a:t>/23</a:t>
+            </a:r>
+          </a:p>
+        </p:txBody>
+      </p:sp>
+      <p:pic>
+        <p:nvPicPr>
+          <p:cNvPr id="7" name="Picture 6">
+            <a:extLst>
+              <a:ext uri="{FF2B5EF4-FFF2-40B4-BE49-F238E27FC236}">
+                <a16:creationId xmlns:a16="http://schemas.microsoft.com/office/drawing/2014/main" id="{7EEDAE1E-AA3C-44E1-A47B-CF781B047756}"/>
+              </a:ext>
+            </a:extLst>
+          </p:cNvPr>
+          <p:cNvPicPr>
+            <a:picLocks noChangeAspect="1"/>
+          </p:cNvPicPr>
+          <p:nvPr/>
+        </p:nvPicPr>
+        <p:blipFill>
+          <a:blip r:embed="rId2"/>
+          <a:stretch>
+            <a:fillRect/>
+          </a:stretch>
+        </p:blipFill>
+        <p:spPr>
+          <a:xfrm>
+            <a:off x="9870440" y="274797"/>
+            <a:ext cx="1483360" cy="1483360"/>
+          </a:xfrm>
+          <a:prstGeom prst="rect">
+            <a:avLst/>
+          </a:prstGeom>
+        </p:spPr>
+      </p:pic>
     </p:spTree>
     <p:extLst>
       <p:ext uri="{BB962C8B-B14F-4D97-AF65-F5344CB8AC3E}">
@@ -12757,6 +15642,141 @@
           </a:fontRef>
         </p:style>
       </p:cxnSp>
+      <p:sp>
+        <p:nvSpPr>
+          <p:cNvPr id="10" name="Slide Number Placeholder 5">
+            <a:extLst>
+              <a:ext uri="{FF2B5EF4-FFF2-40B4-BE49-F238E27FC236}">
+                <a16:creationId xmlns:a16="http://schemas.microsoft.com/office/drawing/2014/main" id="{15A1F4A8-2956-435B-85DD-B7FB59C95238}"/>
+              </a:ext>
+            </a:extLst>
+          </p:cNvPr>
+          <p:cNvSpPr txBox="1">
+            <a:spLocks/>
+          </p:cNvSpPr>
+          <p:nvPr/>
+        </p:nvSpPr>
+        <p:spPr>
+          <a:xfrm>
+            <a:off x="9162675" y="6384059"/>
+            <a:ext cx="2743200" cy="365125"/>
+          </a:xfrm>
+          <a:prstGeom prst="rect">
+            <a:avLst/>
+          </a:prstGeom>
+        </p:spPr>
+        <p:txBody>
+          <a:bodyPr vert="horz" lIns="91440" tIns="45720" rIns="91440" bIns="45720" rtlCol="0" anchor="ctr"/>
+          <a:lstStyle>
+            <a:defPPr>
+              <a:defRPr lang="nl-NL"/>
+            </a:defPPr>
+            <a:lvl1pPr marL="0" algn="r" defTabSz="914400" rtl="0" eaLnBrk="1" latinLnBrk="0" hangingPunct="1">
+              <a:defRPr sz="1200" kern="1200">
+                <a:solidFill>
+                  <a:schemeClr val="tx1">
+                    <a:tint val="75000"/>
+                  </a:schemeClr>
+                </a:solidFill>
+                <a:latin typeface="+mn-lt"/>
+                <a:ea typeface="+mn-ea"/>
+                <a:cs typeface="+mn-cs"/>
+              </a:defRPr>
+            </a:lvl1pPr>
+            <a:lvl2pPr marL="457200" algn="l" defTabSz="914400" rtl="0" eaLnBrk="1" latinLnBrk="0" hangingPunct="1">
+              <a:defRPr sz="1800" kern="1200">
+                <a:solidFill>
+                  <a:schemeClr val="tx1"/>
+                </a:solidFill>
+                <a:latin typeface="+mn-lt"/>
+                <a:ea typeface="+mn-ea"/>
+                <a:cs typeface="+mn-cs"/>
+              </a:defRPr>
+            </a:lvl2pPr>
+            <a:lvl3pPr marL="914400" algn="l" defTabSz="914400" rtl="0" eaLnBrk="1" latinLnBrk="0" hangingPunct="1">
+              <a:defRPr sz="1800" kern="1200">
+                <a:solidFill>
+                  <a:schemeClr val="tx1"/>
+                </a:solidFill>
+                <a:latin typeface="+mn-lt"/>
+                <a:ea typeface="+mn-ea"/>
+                <a:cs typeface="+mn-cs"/>
+              </a:defRPr>
+            </a:lvl3pPr>
+            <a:lvl4pPr marL="1371600" algn="l" defTabSz="914400" rtl="0" eaLnBrk="1" latinLnBrk="0" hangingPunct="1">
+              <a:defRPr sz="1800" kern="1200">
+                <a:solidFill>
+                  <a:schemeClr val="tx1"/>
+                </a:solidFill>
+                <a:latin typeface="+mn-lt"/>
+                <a:ea typeface="+mn-ea"/>
+                <a:cs typeface="+mn-cs"/>
+              </a:defRPr>
+            </a:lvl4pPr>
+            <a:lvl5pPr marL="1828800" algn="l" defTabSz="914400" rtl="0" eaLnBrk="1" latinLnBrk="0" hangingPunct="1">
+              <a:defRPr sz="1800" kern="1200">
+                <a:solidFill>
+                  <a:schemeClr val="tx1"/>
+                </a:solidFill>
+                <a:latin typeface="+mn-lt"/>
+                <a:ea typeface="+mn-ea"/>
+                <a:cs typeface="+mn-cs"/>
+              </a:defRPr>
+            </a:lvl5pPr>
+            <a:lvl6pPr marL="2286000" algn="l" defTabSz="914400" rtl="0" eaLnBrk="1" latinLnBrk="0" hangingPunct="1">
+              <a:defRPr sz="1800" kern="1200">
+                <a:solidFill>
+                  <a:schemeClr val="tx1"/>
+                </a:solidFill>
+                <a:latin typeface="+mn-lt"/>
+                <a:ea typeface="+mn-ea"/>
+                <a:cs typeface="+mn-cs"/>
+              </a:defRPr>
+            </a:lvl6pPr>
+            <a:lvl7pPr marL="2743200" algn="l" defTabSz="914400" rtl="0" eaLnBrk="1" latinLnBrk="0" hangingPunct="1">
+              <a:defRPr sz="1800" kern="1200">
+                <a:solidFill>
+                  <a:schemeClr val="tx1"/>
+                </a:solidFill>
+                <a:latin typeface="+mn-lt"/>
+                <a:ea typeface="+mn-ea"/>
+                <a:cs typeface="+mn-cs"/>
+              </a:defRPr>
+            </a:lvl7pPr>
+            <a:lvl8pPr marL="3200400" algn="l" defTabSz="914400" rtl="0" eaLnBrk="1" latinLnBrk="0" hangingPunct="1">
+              <a:defRPr sz="1800" kern="1200">
+                <a:solidFill>
+                  <a:schemeClr val="tx1"/>
+                </a:solidFill>
+                <a:latin typeface="+mn-lt"/>
+                <a:ea typeface="+mn-ea"/>
+                <a:cs typeface="+mn-cs"/>
+              </a:defRPr>
+            </a:lvl8pPr>
+            <a:lvl9pPr marL="3657600" algn="l" defTabSz="914400" rtl="0" eaLnBrk="1" latinLnBrk="0" hangingPunct="1">
+              <a:defRPr sz="1800" kern="1200">
+                <a:solidFill>
+                  <a:schemeClr val="tx1"/>
+                </a:solidFill>
+                <a:latin typeface="+mn-lt"/>
+                <a:ea typeface="+mn-ea"/>
+                <a:cs typeface="+mn-cs"/>
+              </a:defRPr>
+            </a:lvl9pPr>
+          </a:lstStyle>
+          <a:p>
+            <a:fld id="{117E512A-7775-4EA3-AB06-35D1DA2F9E89}" type="slidenum">
+              <a:rPr lang="nl-NL" smtClean="0"/>
+              <a:pPr/>
+              <a:t>4</a:t>
+            </a:fld>
+            <a:r>
+              <a:rPr lang="nl-NL" dirty="0"/>
+              <a:t>/23</a:t>
+            </a:r>
+          </a:p>
+        </p:txBody>
+      </p:sp>
     </p:spTree>
     <p:extLst>
       <p:ext uri="{BB962C8B-B14F-4D97-AF65-F5344CB8AC3E}">
@@ -12891,7 +15911,23 @@
             </a:r>
             <a:r>
               <a:rPr lang="nl-NL" dirty="0"/>
-              <a:t> Microchip</a:t>
+              <a:t> Microchip (</a:t>
+            </a:r>
+            <a:r>
+              <a:rPr lang="nl-NL" dirty="0" err="1"/>
+              <a:t>imagine</a:t>
+            </a:r>
+            <a:r>
+              <a:rPr lang="nl-NL" dirty="0"/>
+              <a:t> Pepsi </a:t>
+            </a:r>
+            <a:r>
+              <a:rPr lang="nl-NL" dirty="0" err="1"/>
+              <a:t>buying</a:t>
+            </a:r>
+            <a:r>
+              <a:rPr lang="nl-NL" dirty="0"/>
+              <a:t> Coca Cola)</a:t>
             </a:r>
           </a:p>
           <a:p>
@@ -13127,154 +16163,310 @@
           </a:p>
         </p:txBody>
       </p:sp>
-      <p:pic>
-        <p:nvPicPr>
-          <p:cNvPr id="1026" name="Picture 2" descr="Arduino - ArduinoBoardUnoSMD">
+      <p:grpSp>
+        <p:nvGrpSpPr>
+          <p:cNvPr id="4" name="Group 3">
             <a:extLst>
               <a:ext uri="{FF2B5EF4-FFF2-40B4-BE49-F238E27FC236}">
-                <a16:creationId xmlns:a16="http://schemas.microsoft.com/office/drawing/2014/main" id="{BE7E9ACC-4807-4C5D-BE54-EA2EFCEBEDF1}"/>
+                <a16:creationId xmlns:a16="http://schemas.microsoft.com/office/drawing/2014/main" id="{E346F59B-75BF-4895-BD65-AAF72CB864F1}"/>
               </a:ext>
             </a:extLst>
           </p:cNvPr>
-          <p:cNvPicPr>
-            <a:picLocks noChangeAspect="1" noChangeArrowheads="1"/>
-          </p:cNvPicPr>
+          <p:cNvGrpSpPr/>
           <p:nvPr/>
-        </p:nvPicPr>
-        <p:blipFill>
-          <a:blip r:embed="rId2">
+        </p:nvGrpSpPr>
+        <p:grpSpPr>
+          <a:xfrm>
+            <a:off x="8064773" y="365125"/>
+            <a:ext cx="3841102" cy="3001187"/>
+            <a:chOff x="6642171" y="190094"/>
+            <a:chExt cx="3841102" cy="3001187"/>
+          </a:xfrm>
+        </p:grpSpPr>
+        <p:pic>
+          <p:nvPicPr>
+            <p:cNvPr id="1026" name="Picture 2" descr="Arduino - ArduinoBoardUnoSMD">
+              <a:extLst>
+                <a:ext uri="{FF2B5EF4-FFF2-40B4-BE49-F238E27FC236}">
+                  <a16:creationId xmlns:a16="http://schemas.microsoft.com/office/drawing/2014/main" id="{BE7E9ACC-4807-4C5D-BE54-EA2EFCEBEDF1}"/>
+                </a:ext>
+              </a:extLst>
+            </p:cNvPr>
+            <p:cNvPicPr>
+              <a:picLocks noChangeAspect="1" noChangeArrowheads="1"/>
+            </p:cNvPicPr>
+            <p:nvPr/>
+          </p:nvPicPr>
+          <p:blipFill>
+            <a:blip r:embed="rId2">
+              <a:extLst>
+                <a:ext uri="{28A0092B-C50C-407E-A947-70E740481C1C}">
+                  <a14:useLocalDpi xmlns:a14="http://schemas.microsoft.com/office/drawing/2010/main" val="0"/>
+                </a:ext>
+              </a:extLst>
+            </a:blip>
+            <a:srcRect/>
+            <a:stretch>
+              <a:fillRect/>
+            </a:stretch>
+          </p:blipFill>
+          <p:spPr bwMode="auto">
+            <a:xfrm>
+              <a:off x="6642171" y="190094"/>
+              <a:ext cx="3841102" cy="3001187"/>
+            </a:xfrm>
+            <a:prstGeom prst="rect">
+              <a:avLst/>
+            </a:prstGeom>
+            <a:noFill/>
             <a:extLst>
-              <a:ext uri="{28A0092B-C50C-407E-A947-70E740481C1C}">
-                <a14:useLocalDpi xmlns:a14="http://schemas.microsoft.com/office/drawing/2010/main" val="0"/>
+              <a:ext uri="{909E8E84-426E-40DD-AFC4-6F175D3DCCD1}">
+                <a14:hiddenFill xmlns:a14="http://schemas.microsoft.com/office/drawing/2010/main">
+                  <a:solidFill>
+                    <a:srgbClr val="FFFFFF"/>
+                  </a:solidFill>
+                </a14:hiddenFill>
               </a:ext>
             </a:extLst>
-          </a:blip>
-          <a:srcRect/>
-          <a:stretch>
-            <a:fillRect/>
-          </a:stretch>
-        </p:blipFill>
-        <p:spPr bwMode="auto">
+          </p:spPr>
+        </p:pic>
+        <p:sp>
+          <p:nvSpPr>
+            <p:cNvPr id="5" name="Oval 4">
+              <a:extLst>
+                <a:ext uri="{FF2B5EF4-FFF2-40B4-BE49-F238E27FC236}">
+                  <a16:creationId xmlns:a16="http://schemas.microsoft.com/office/drawing/2014/main" id="{EF3AC1FF-C0E9-41CE-A510-98CF332FBA32}"/>
+                </a:ext>
+              </a:extLst>
+            </p:cNvPr>
+            <p:cNvSpPr/>
+            <p:nvPr/>
+          </p:nvSpPr>
+          <p:spPr>
+            <a:xfrm>
+              <a:off x="8864242" y="1847232"/>
+              <a:ext cx="778522" cy="691973"/>
+            </a:xfrm>
+            <a:prstGeom prst="ellipse">
+              <a:avLst/>
+            </a:prstGeom>
+            <a:noFill/>
+            <a:ln w="53975">
+              <a:solidFill>
+                <a:srgbClr val="FF0000"/>
+              </a:solidFill>
+            </a:ln>
+          </p:spPr>
+          <p:style>
+            <a:lnRef idx="2">
+              <a:schemeClr val="accent1">
+                <a:shade val="50000"/>
+              </a:schemeClr>
+            </a:lnRef>
+            <a:fillRef idx="1">
+              <a:schemeClr val="accent1"/>
+            </a:fillRef>
+            <a:effectRef idx="0">
+              <a:schemeClr val="accent1"/>
+            </a:effectRef>
+            <a:fontRef idx="minor">
+              <a:schemeClr val="lt1"/>
+            </a:fontRef>
+          </p:style>
+          <p:txBody>
+            <a:bodyPr rtlCol="0" anchor="ctr"/>
+            <a:lstStyle/>
+            <a:p>
+              <a:pPr algn="ctr"/>
+              <a:endParaRPr lang="nl-NL"/>
+            </a:p>
+          </p:txBody>
+        </p:sp>
+        <p:sp>
+          <p:nvSpPr>
+            <p:cNvPr id="6" name="Oval 5">
+              <a:extLst>
+                <a:ext uri="{FF2B5EF4-FFF2-40B4-BE49-F238E27FC236}">
+                  <a16:creationId xmlns:a16="http://schemas.microsoft.com/office/drawing/2014/main" id="{763344C5-9858-4EF0-BDFE-C82C39E4187D}"/>
+                </a:ext>
+              </a:extLst>
+            </p:cNvPr>
+            <p:cNvSpPr/>
+            <p:nvPr/>
+          </p:nvSpPr>
+          <p:spPr>
+            <a:xfrm>
+              <a:off x="8042205" y="680661"/>
+              <a:ext cx="667685" cy="618082"/>
+            </a:xfrm>
+            <a:prstGeom prst="ellipse">
+              <a:avLst/>
+            </a:prstGeom>
+            <a:noFill/>
+            <a:ln w="53975">
+              <a:solidFill>
+                <a:srgbClr val="FF0000"/>
+              </a:solidFill>
+            </a:ln>
+          </p:spPr>
+          <p:style>
+            <a:lnRef idx="2">
+              <a:schemeClr val="accent1">
+                <a:shade val="50000"/>
+              </a:schemeClr>
+            </a:lnRef>
+            <a:fillRef idx="1">
+              <a:schemeClr val="accent1"/>
+            </a:fillRef>
+            <a:effectRef idx="0">
+              <a:schemeClr val="accent1"/>
+            </a:effectRef>
+            <a:fontRef idx="minor">
+              <a:schemeClr val="lt1"/>
+            </a:fontRef>
+          </p:style>
+          <p:txBody>
+            <a:bodyPr rtlCol="0" anchor="ctr"/>
+            <a:lstStyle/>
+            <a:p>
+              <a:pPr algn="ctr"/>
+              <a:endParaRPr lang="nl-NL"/>
+            </a:p>
+          </p:txBody>
+        </p:sp>
+      </p:grpSp>
+      <p:sp>
+        <p:nvSpPr>
+          <p:cNvPr id="7" name="Slide Number Placeholder 5">
+            <a:extLst>
+              <a:ext uri="{FF2B5EF4-FFF2-40B4-BE49-F238E27FC236}">
+                <a16:creationId xmlns:a16="http://schemas.microsoft.com/office/drawing/2014/main" id="{5D675B58-4BBE-4EB9-8448-712C0620D68B}"/>
+              </a:ext>
+            </a:extLst>
+          </p:cNvPr>
+          <p:cNvSpPr txBox="1">
+            <a:spLocks/>
+          </p:cNvSpPr>
+          <p:nvPr/>
+        </p:nvSpPr>
+        <p:spPr>
           <a:xfrm>
-            <a:off x="6642171" y="190094"/>
-            <a:ext cx="3841102" cy="3001187"/>
+            <a:off x="9162675" y="6384059"/>
+            <a:ext cx="2743200" cy="365125"/>
           </a:xfrm>
           <a:prstGeom prst="rect">
             <a:avLst/>
           </a:prstGeom>
-          <a:noFill/>
-          <a:extLst>
-            <a:ext uri="{909E8E84-426E-40DD-AFC4-6F175D3DCCD1}">
-              <a14:hiddenFill xmlns:a14="http://schemas.microsoft.com/office/drawing/2010/main">
-                <a:solidFill>
-                  <a:srgbClr val="FFFFFF"/>
-                </a:solidFill>
-              </a14:hiddenFill>
-            </a:ext>
-          </a:extLst>
         </p:spPr>
-      </p:pic>
-      <p:sp>
-        <p:nvSpPr>
-          <p:cNvPr id="5" name="Oval 4">
-            <a:extLst>
-              <a:ext uri="{FF2B5EF4-FFF2-40B4-BE49-F238E27FC236}">
-                <a16:creationId xmlns:a16="http://schemas.microsoft.com/office/drawing/2014/main" id="{EF3AC1FF-C0E9-41CE-A510-98CF332FBA32}"/>
-              </a:ext>
-            </a:extLst>
-          </p:cNvPr>
-          <p:cNvSpPr/>
-          <p:nvPr/>
-        </p:nvSpPr>
-        <p:spPr>
-          <a:xfrm>
-            <a:off x="8864242" y="1847232"/>
-            <a:ext cx="778522" cy="691973"/>
-          </a:xfrm>
-          <a:prstGeom prst="ellipse">
-            <a:avLst/>
-          </a:prstGeom>
-          <a:noFill/>
-          <a:ln w="53975">
-            <a:solidFill>
-              <a:srgbClr val="FF0000"/>
-            </a:solidFill>
-          </a:ln>
-        </p:spPr>
-        <p:style>
-          <a:lnRef idx="2">
-            <a:schemeClr val="accent1">
-              <a:shade val="50000"/>
-            </a:schemeClr>
-          </a:lnRef>
-          <a:fillRef idx="1">
-            <a:schemeClr val="accent1"/>
-          </a:fillRef>
-          <a:effectRef idx="0">
-            <a:schemeClr val="accent1"/>
-          </a:effectRef>
-          <a:fontRef idx="minor">
-            <a:schemeClr val="lt1"/>
-          </a:fontRef>
-        </p:style>
         <p:txBody>
-          <a:bodyPr rtlCol="0" anchor="ctr"/>
-          <a:lstStyle/>
-          <a:p>
-            <a:pPr algn="ctr"/>
-            <a:endParaRPr lang="nl-NL"/>
-          </a:p>
-        </p:txBody>
-      </p:sp>
-      <p:sp>
-        <p:nvSpPr>
-          <p:cNvPr id="6" name="Oval 5">
-            <a:extLst>
-              <a:ext uri="{FF2B5EF4-FFF2-40B4-BE49-F238E27FC236}">
-                <a16:creationId xmlns:a16="http://schemas.microsoft.com/office/drawing/2014/main" id="{763344C5-9858-4EF0-BDFE-C82C39E4187D}"/>
-              </a:ext>
-            </a:extLst>
-          </p:cNvPr>
-          <p:cNvSpPr/>
-          <p:nvPr/>
-        </p:nvSpPr>
-        <p:spPr>
-          <a:xfrm>
-            <a:off x="8042205" y="680661"/>
-            <a:ext cx="667685" cy="618082"/>
-          </a:xfrm>
-          <a:prstGeom prst="ellipse">
-            <a:avLst/>
-          </a:prstGeom>
-          <a:noFill/>
-          <a:ln w="53975">
-            <a:solidFill>
-              <a:srgbClr val="FF0000"/>
-            </a:solidFill>
-          </a:ln>
-        </p:spPr>
-        <p:style>
-          <a:lnRef idx="2">
-            <a:schemeClr val="accent1">
-              <a:shade val="50000"/>
-            </a:schemeClr>
-          </a:lnRef>
-          <a:fillRef idx="1">
-            <a:schemeClr val="accent1"/>
-          </a:fillRef>
-          <a:effectRef idx="0">
-            <a:schemeClr val="accent1"/>
-          </a:effectRef>
-          <a:fontRef idx="minor">
-            <a:schemeClr val="lt1"/>
-          </a:fontRef>
-        </p:style>
-        <p:txBody>
-          <a:bodyPr rtlCol="0" anchor="ctr"/>
-          <a:lstStyle/>
-          <a:p>
-            <a:pPr algn="ctr"/>
-            <a:endParaRPr lang="nl-NL"/>
+          <a:bodyPr vert="horz" lIns="91440" tIns="45720" rIns="91440" bIns="45720" rtlCol="0" anchor="ctr"/>
+          <a:lstStyle>
+            <a:defPPr>
+              <a:defRPr lang="nl-NL"/>
+            </a:defPPr>
+            <a:lvl1pPr marL="0" algn="r" defTabSz="914400" rtl="0" eaLnBrk="1" latinLnBrk="0" hangingPunct="1">
+              <a:defRPr sz="1200" kern="1200">
+                <a:solidFill>
+                  <a:schemeClr val="tx1">
+                    <a:tint val="75000"/>
+                  </a:schemeClr>
+                </a:solidFill>
+                <a:latin typeface="+mn-lt"/>
+                <a:ea typeface="+mn-ea"/>
+                <a:cs typeface="+mn-cs"/>
+              </a:defRPr>
+            </a:lvl1pPr>
+            <a:lvl2pPr marL="457200" algn="l" defTabSz="914400" rtl="0" eaLnBrk="1" latinLnBrk="0" hangingPunct="1">
+              <a:defRPr sz="1800" kern="1200">
+                <a:solidFill>
+                  <a:schemeClr val="tx1"/>
+                </a:solidFill>
+                <a:latin typeface="+mn-lt"/>
+                <a:ea typeface="+mn-ea"/>
+                <a:cs typeface="+mn-cs"/>
+              </a:defRPr>
+            </a:lvl2pPr>
+            <a:lvl3pPr marL="914400" algn="l" defTabSz="914400" rtl="0" eaLnBrk="1" latinLnBrk="0" hangingPunct="1">
+              <a:defRPr sz="1800" kern="1200">
+                <a:solidFill>
+                  <a:schemeClr val="tx1"/>
+                </a:solidFill>
+                <a:latin typeface="+mn-lt"/>
+                <a:ea typeface="+mn-ea"/>
+                <a:cs typeface="+mn-cs"/>
+              </a:defRPr>
+            </a:lvl3pPr>
+            <a:lvl4pPr marL="1371600" algn="l" defTabSz="914400" rtl="0" eaLnBrk="1" latinLnBrk="0" hangingPunct="1">
+              <a:defRPr sz="1800" kern="1200">
+                <a:solidFill>
+                  <a:schemeClr val="tx1"/>
+                </a:solidFill>
+                <a:latin typeface="+mn-lt"/>
+                <a:ea typeface="+mn-ea"/>
+                <a:cs typeface="+mn-cs"/>
+              </a:defRPr>
+            </a:lvl4pPr>
+            <a:lvl5pPr marL="1828800" algn="l" defTabSz="914400" rtl="0" eaLnBrk="1" latinLnBrk="0" hangingPunct="1">
+              <a:defRPr sz="1800" kern="1200">
+                <a:solidFill>
+                  <a:schemeClr val="tx1"/>
+                </a:solidFill>
+                <a:latin typeface="+mn-lt"/>
+                <a:ea typeface="+mn-ea"/>
+                <a:cs typeface="+mn-cs"/>
+              </a:defRPr>
+            </a:lvl5pPr>
+            <a:lvl6pPr marL="2286000" algn="l" defTabSz="914400" rtl="0" eaLnBrk="1" latinLnBrk="0" hangingPunct="1">
+              <a:defRPr sz="1800" kern="1200">
+                <a:solidFill>
+                  <a:schemeClr val="tx1"/>
+                </a:solidFill>
+                <a:latin typeface="+mn-lt"/>
+                <a:ea typeface="+mn-ea"/>
+                <a:cs typeface="+mn-cs"/>
+              </a:defRPr>
+            </a:lvl6pPr>
+            <a:lvl7pPr marL="2743200" algn="l" defTabSz="914400" rtl="0" eaLnBrk="1" latinLnBrk="0" hangingPunct="1">
+              <a:defRPr sz="1800" kern="1200">
+                <a:solidFill>
+                  <a:schemeClr val="tx1"/>
+                </a:solidFill>
+                <a:latin typeface="+mn-lt"/>
+                <a:ea typeface="+mn-ea"/>
+                <a:cs typeface="+mn-cs"/>
+              </a:defRPr>
+            </a:lvl7pPr>
+            <a:lvl8pPr marL="3200400" algn="l" defTabSz="914400" rtl="0" eaLnBrk="1" latinLnBrk="0" hangingPunct="1">
+              <a:defRPr sz="1800" kern="1200">
+                <a:solidFill>
+                  <a:schemeClr val="tx1"/>
+                </a:solidFill>
+                <a:latin typeface="+mn-lt"/>
+                <a:ea typeface="+mn-ea"/>
+                <a:cs typeface="+mn-cs"/>
+              </a:defRPr>
+            </a:lvl8pPr>
+            <a:lvl9pPr marL="3657600" algn="l" defTabSz="914400" rtl="0" eaLnBrk="1" latinLnBrk="0" hangingPunct="1">
+              <a:defRPr sz="1800" kern="1200">
+                <a:solidFill>
+                  <a:schemeClr val="tx1"/>
+                </a:solidFill>
+                <a:latin typeface="+mn-lt"/>
+                <a:ea typeface="+mn-ea"/>
+                <a:cs typeface="+mn-cs"/>
+              </a:defRPr>
+            </a:lvl9pPr>
+          </a:lstStyle>
+          <a:p>
+            <a:fld id="{117E512A-7775-4EA3-AB06-35D1DA2F9E89}" type="slidenum">
+              <a:rPr lang="nl-NL" smtClean="0"/>
+              <a:pPr/>
+              <a:t>5</a:t>
+            </a:fld>
+            <a:r>
+              <a:rPr lang="nl-NL" dirty="0"/>
+              <a:t>/23</a:t>
+            </a:r>
           </a:p>
         </p:txBody>
       </p:sp>
@@ -13670,6 +16862,141 @@
               <a:buNone/>
             </a:pPr>
             <a:endParaRPr lang="nl-NL" dirty="0"/>
+          </a:p>
+        </p:txBody>
+      </p:sp>
+      <p:sp>
+        <p:nvSpPr>
+          <p:cNvPr id="10" name="Slide Number Placeholder 5">
+            <a:extLst>
+              <a:ext uri="{FF2B5EF4-FFF2-40B4-BE49-F238E27FC236}">
+                <a16:creationId xmlns:a16="http://schemas.microsoft.com/office/drawing/2014/main" id="{36CBC00E-BEDC-4D98-8D14-2DF3F43A26C6}"/>
+              </a:ext>
+            </a:extLst>
+          </p:cNvPr>
+          <p:cNvSpPr txBox="1">
+            <a:spLocks/>
+          </p:cNvSpPr>
+          <p:nvPr/>
+        </p:nvSpPr>
+        <p:spPr>
+          <a:xfrm>
+            <a:off x="9162675" y="6384059"/>
+            <a:ext cx="2743200" cy="365125"/>
+          </a:xfrm>
+          <a:prstGeom prst="rect">
+            <a:avLst/>
+          </a:prstGeom>
+        </p:spPr>
+        <p:txBody>
+          <a:bodyPr vert="horz" lIns="91440" tIns="45720" rIns="91440" bIns="45720" rtlCol="0" anchor="ctr"/>
+          <a:lstStyle>
+            <a:defPPr>
+              <a:defRPr lang="nl-NL"/>
+            </a:defPPr>
+            <a:lvl1pPr marL="0" algn="r" defTabSz="914400" rtl="0" eaLnBrk="1" latinLnBrk="0" hangingPunct="1">
+              <a:defRPr sz="1200" kern="1200">
+                <a:solidFill>
+                  <a:schemeClr val="tx1">
+                    <a:tint val="75000"/>
+                  </a:schemeClr>
+                </a:solidFill>
+                <a:latin typeface="+mn-lt"/>
+                <a:ea typeface="+mn-ea"/>
+                <a:cs typeface="+mn-cs"/>
+              </a:defRPr>
+            </a:lvl1pPr>
+            <a:lvl2pPr marL="457200" algn="l" defTabSz="914400" rtl="0" eaLnBrk="1" latinLnBrk="0" hangingPunct="1">
+              <a:defRPr sz="1800" kern="1200">
+                <a:solidFill>
+                  <a:schemeClr val="tx1"/>
+                </a:solidFill>
+                <a:latin typeface="+mn-lt"/>
+                <a:ea typeface="+mn-ea"/>
+                <a:cs typeface="+mn-cs"/>
+              </a:defRPr>
+            </a:lvl2pPr>
+            <a:lvl3pPr marL="914400" algn="l" defTabSz="914400" rtl="0" eaLnBrk="1" latinLnBrk="0" hangingPunct="1">
+              <a:defRPr sz="1800" kern="1200">
+                <a:solidFill>
+                  <a:schemeClr val="tx1"/>
+                </a:solidFill>
+                <a:latin typeface="+mn-lt"/>
+                <a:ea typeface="+mn-ea"/>
+                <a:cs typeface="+mn-cs"/>
+              </a:defRPr>
+            </a:lvl3pPr>
+            <a:lvl4pPr marL="1371600" algn="l" defTabSz="914400" rtl="0" eaLnBrk="1" latinLnBrk="0" hangingPunct="1">
+              <a:defRPr sz="1800" kern="1200">
+                <a:solidFill>
+                  <a:schemeClr val="tx1"/>
+                </a:solidFill>
+                <a:latin typeface="+mn-lt"/>
+                <a:ea typeface="+mn-ea"/>
+                <a:cs typeface="+mn-cs"/>
+              </a:defRPr>
+            </a:lvl4pPr>
+            <a:lvl5pPr marL="1828800" algn="l" defTabSz="914400" rtl="0" eaLnBrk="1" latinLnBrk="0" hangingPunct="1">
+              <a:defRPr sz="1800" kern="1200">
+                <a:solidFill>
+                  <a:schemeClr val="tx1"/>
+                </a:solidFill>
+                <a:latin typeface="+mn-lt"/>
+                <a:ea typeface="+mn-ea"/>
+                <a:cs typeface="+mn-cs"/>
+              </a:defRPr>
+            </a:lvl5pPr>
+            <a:lvl6pPr marL="2286000" algn="l" defTabSz="914400" rtl="0" eaLnBrk="1" latinLnBrk="0" hangingPunct="1">
+              <a:defRPr sz="1800" kern="1200">
+                <a:solidFill>
+                  <a:schemeClr val="tx1"/>
+                </a:solidFill>
+                <a:latin typeface="+mn-lt"/>
+                <a:ea typeface="+mn-ea"/>
+                <a:cs typeface="+mn-cs"/>
+              </a:defRPr>
+            </a:lvl6pPr>
+            <a:lvl7pPr marL="2743200" algn="l" defTabSz="914400" rtl="0" eaLnBrk="1" latinLnBrk="0" hangingPunct="1">
+              <a:defRPr sz="1800" kern="1200">
+                <a:solidFill>
+                  <a:schemeClr val="tx1"/>
+                </a:solidFill>
+                <a:latin typeface="+mn-lt"/>
+                <a:ea typeface="+mn-ea"/>
+                <a:cs typeface="+mn-cs"/>
+              </a:defRPr>
+            </a:lvl7pPr>
+            <a:lvl8pPr marL="3200400" algn="l" defTabSz="914400" rtl="0" eaLnBrk="1" latinLnBrk="0" hangingPunct="1">
+              <a:defRPr sz="1800" kern="1200">
+                <a:solidFill>
+                  <a:schemeClr val="tx1"/>
+                </a:solidFill>
+                <a:latin typeface="+mn-lt"/>
+                <a:ea typeface="+mn-ea"/>
+                <a:cs typeface="+mn-cs"/>
+              </a:defRPr>
+            </a:lvl8pPr>
+            <a:lvl9pPr marL="3657600" algn="l" defTabSz="914400" rtl="0" eaLnBrk="1" latinLnBrk="0" hangingPunct="1">
+              <a:defRPr sz="1800" kern="1200">
+                <a:solidFill>
+                  <a:schemeClr val="tx1"/>
+                </a:solidFill>
+                <a:latin typeface="+mn-lt"/>
+                <a:ea typeface="+mn-ea"/>
+                <a:cs typeface="+mn-cs"/>
+              </a:defRPr>
+            </a:lvl9pPr>
+          </a:lstStyle>
+          <a:p>
+            <a:fld id="{117E512A-7775-4EA3-AB06-35D1DA2F9E89}" type="slidenum">
+              <a:rPr lang="nl-NL" smtClean="0"/>
+              <a:pPr/>
+              <a:t>6</a:t>
+            </a:fld>
+            <a:r>
+              <a:rPr lang="nl-NL" dirty="0"/>
+              <a:t>/23</a:t>
+            </a:r>
           </a:p>
         </p:txBody>
       </p:sp>
@@ -14071,6 +17398,141 @@
           </a:p>
         </p:txBody>
       </p:sp>
+      <p:sp>
+        <p:nvSpPr>
+          <p:cNvPr id="14" name="Slide Number Placeholder 5">
+            <a:extLst>
+              <a:ext uri="{FF2B5EF4-FFF2-40B4-BE49-F238E27FC236}">
+                <a16:creationId xmlns:a16="http://schemas.microsoft.com/office/drawing/2014/main" id="{D6894330-3264-4858-81A4-46AEC5FAF818}"/>
+              </a:ext>
+            </a:extLst>
+          </p:cNvPr>
+          <p:cNvSpPr txBox="1">
+            <a:spLocks/>
+          </p:cNvSpPr>
+          <p:nvPr/>
+        </p:nvSpPr>
+        <p:spPr>
+          <a:xfrm>
+            <a:off x="9162675" y="6384059"/>
+            <a:ext cx="2743200" cy="365125"/>
+          </a:xfrm>
+          <a:prstGeom prst="rect">
+            <a:avLst/>
+          </a:prstGeom>
+        </p:spPr>
+        <p:txBody>
+          <a:bodyPr vert="horz" lIns="91440" tIns="45720" rIns="91440" bIns="45720" rtlCol="0" anchor="ctr"/>
+          <a:lstStyle>
+            <a:defPPr>
+              <a:defRPr lang="nl-NL"/>
+            </a:defPPr>
+            <a:lvl1pPr marL="0" algn="r" defTabSz="914400" rtl="0" eaLnBrk="1" latinLnBrk="0" hangingPunct="1">
+              <a:defRPr sz="1200" kern="1200">
+                <a:solidFill>
+                  <a:schemeClr val="tx1">
+                    <a:tint val="75000"/>
+                  </a:schemeClr>
+                </a:solidFill>
+                <a:latin typeface="+mn-lt"/>
+                <a:ea typeface="+mn-ea"/>
+                <a:cs typeface="+mn-cs"/>
+              </a:defRPr>
+            </a:lvl1pPr>
+            <a:lvl2pPr marL="457200" algn="l" defTabSz="914400" rtl="0" eaLnBrk="1" latinLnBrk="0" hangingPunct="1">
+              <a:defRPr sz="1800" kern="1200">
+                <a:solidFill>
+                  <a:schemeClr val="tx1"/>
+                </a:solidFill>
+                <a:latin typeface="+mn-lt"/>
+                <a:ea typeface="+mn-ea"/>
+                <a:cs typeface="+mn-cs"/>
+              </a:defRPr>
+            </a:lvl2pPr>
+            <a:lvl3pPr marL="914400" algn="l" defTabSz="914400" rtl="0" eaLnBrk="1" latinLnBrk="0" hangingPunct="1">
+              <a:defRPr sz="1800" kern="1200">
+                <a:solidFill>
+                  <a:schemeClr val="tx1"/>
+                </a:solidFill>
+                <a:latin typeface="+mn-lt"/>
+                <a:ea typeface="+mn-ea"/>
+                <a:cs typeface="+mn-cs"/>
+              </a:defRPr>
+            </a:lvl3pPr>
+            <a:lvl4pPr marL="1371600" algn="l" defTabSz="914400" rtl="0" eaLnBrk="1" latinLnBrk="0" hangingPunct="1">
+              <a:defRPr sz="1800" kern="1200">
+                <a:solidFill>
+                  <a:schemeClr val="tx1"/>
+                </a:solidFill>
+                <a:latin typeface="+mn-lt"/>
+                <a:ea typeface="+mn-ea"/>
+                <a:cs typeface="+mn-cs"/>
+              </a:defRPr>
+            </a:lvl4pPr>
+            <a:lvl5pPr marL="1828800" algn="l" defTabSz="914400" rtl="0" eaLnBrk="1" latinLnBrk="0" hangingPunct="1">
+              <a:defRPr sz="1800" kern="1200">
+                <a:solidFill>
+                  <a:schemeClr val="tx1"/>
+                </a:solidFill>
+                <a:latin typeface="+mn-lt"/>
+                <a:ea typeface="+mn-ea"/>
+                <a:cs typeface="+mn-cs"/>
+              </a:defRPr>
+            </a:lvl5pPr>
+            <a:lvl6pPr marL="2286000" algn="l" defTabSz="914400" rtl="0" eaLnBrk="1" latinLnBrk="0" hangingPunct="1">
+              <a:defRPr sz="1800" kern="1200">
+                <a:solidFill>
+                  <a:schemeClr val="tx1"/>
+                </a:solidFill>
+                <a:latin typeface="+mn-lt"/>
+                <a:ea typeface="+mn-ea"/>
+                <a:cs typeface="+mn-cs"/>
+              </a:defRPr>
+            </a:lvl6pPr>
+            <a:lvl7pPr marL="2743200" algn="l" defTabSz="914400" rtl="0" eaLnBrk="1" latinLnBrk="0" hangingPunct="1">
+              <a:defRPr sz="1800" kern="1200">
+                <a:solidFill>
+                  <a:schemeClr val="tx1"/>
+                </a:solidFill>
+                <a:latin typeface="+mn-lt"/>
+                <a:ea typeface="+mn-ea"/>
+                <a:cs typeface="+mn-cs"/>
+              </a:defRPr>
+            </a:lvl7pPr>
+            <a:lvl8pPr marL="3200400" algn="l" defTabSz="914400" rtl="0" eaLnBrk="1" latinLnBrk="0" hangingPunct="1">
+              <a:defRPr sz="1800" kern="1200">
+                <a:solidFill>
+                  <a:schemeClr val="tx1"/>
+                </a:solidFill>
+                <a:latin typeface="+mn-lt"/>
+                <a:ea typeface="+mn-ea"/>
+                <a:cs typeface="+mn-cs"/>
+              </a:defRPr>
+            </a:lvl8pPr>
+            <a:lvl9pPr marL="3657600" algn="l" defTabSz="914400" rtl="0" eaLnBrk="1" latinLnBrk="0" hangingPunct="1">
+              <a:defRPr sz="1800" kern="1200">
+                <a:solidFill>
+                  <a:schemeClr val="tx1"/>
+                </a:solidFill>
+                <a:latin typeface="+mn-lt"/>
+                <a:ea typeface="+mn-ea"/>
+                <a:cs typeface="+mn-cs"/>
+              </a:defRPr>
+            </a:lvl9pPr>
+          </a:lstStyle>
+          <a:p>
+            <a:fld id="{117E512A-7775-4EA3-AB06-35D1DA2F9E89}" type="slidenum">
+              <a:rPr lang="nl-NL" smtClean="0"/>
+              <a:pPr/>
+              <a:t>7</a:t>
+            </a:fld>
+            <a:r>
+              <a:rPr lang="nl-NL" dirty="0"/>
+              <a:t>/23</a:t>
+            </a:r>
+          </a:p>
+        </p:txBody>
+      </p:sp>
     </p:spTree>
     <p:extLst>
       <p:ext uri="{BB962C8B-B14F-4D97-AF65-F5344CB8AC3E}">
@@ -14498,6 +17960,141 @@
                 <a:cs typeface="Courier New" panose="02070309020205020404" pitchFamily="49" charset="0"/>
               </a:rPr>
               <a:t> uint8_t * &gt;( 0x25 );</a:t>
+            </a:r>
+          </a:p>
+        </p:txBody>
+      </p:sp>
+      <p:sp>
+        <p:nvSpPr>
+          <p:cNvPr id="5" name="Slide Number Placeholder 5">
+            <a:extLst>
+              <a:ext uri="{FF2B5EF4-FFF2-40B4-BE49-F238E27FC236}">
+                <a16:creationId xmlns:a16="http://schemas.microsoft.com/office/drawing/2014/main" id="{FE9D9CEB-8FE2-479C-8293-036623A848EA}"/>
+              </a:ext>
+            </a:extLst>
+          </p:cNvPr>
+          <p:cNvSpPr txBox="1">
+            <a:spLocks/>
+          </p:cNvSpPr>
+          <p:nvPr/>
+        </p:nvSpPr>
+        <p:spPr>
+          <a:xfrm>
+            <a:off x="9162675" y="6384059"/>
+            <a:ext cx="2743200" cy="365125"/>
+          </a:xfrm>
+          <a:prstGeom prst="rect">
+            <a:avLst/>
+          </a:prstGeom>
+        </p:spPr>
+        <p:txBody>
+          <a:bodyPr vert="horz" lIns="91440" tIns="45720" rIns="91440" bIns="45720" rtlCol="0" anchor="ctr"/>
+          <a:lstStyle>
+            <a:defPPr>
+              <a:defRPr lang="nl-NL"/>
+            </a:defPPr>
+            <a:lvl1pPr marL="0" algn="r" defTabSz="914400" rtl="0" eaLnBrk="1" latinLnBrk="0" hangingPunct="1">
+              <a:defRPr sz="1200" kern="1200">
+                <a:solidFill>
+                  <a:schemeClr val="tx1">
+                    <a:tint val="75000"/>
+                  </a:schemeClr>
+                </a:solidFill>
+                <a:latin typeface="+mn-lt"/>
+                <a:ea typeface="+mn-ea"/>
+                <a:cs typeface="+mn-cs"/>
+              </a:defRPr>
+            </a:lvl1pPr>
+            <a:lvl2pPr marL="457200" algn="l" defTabSz="914400" rtl="0" eaLnBrk="1" latinLnBrk="0" hangingPunct="1">
+              <a:defRPr sz="1800" kern="1200">
+                <a:solidFill>
+                  <a:schemeClr val="tx1"/>
+                </a:solidFill>
+                <a:latin typeface="+mn-lt"/>
+                <a:ea typeface="+mn-ea"/>
+                <a:cs typeface="+mn-cs"/>
+              </a:defRPr>
+            </a:lvl2pPr>
+            <a:lvl3pPr marL="914400" algn="l" defTabSz="914400" rtl="0" eaLnBrk="1" latinLnBrk="0" hangingPunct="1">
+              <a:defRPr sz="1800" kern="1200">
+                <a:solidFill>
+                  <a:schemeClr val="tx1"/>
+                </a:solidFill>
+                <a:latin typeface="+mn-lt"/>
+                <a:ea typeface="+mn-ea"/>
+                <a:cs typeface="+mn-cs"/>
+              </a:defRPr>
+            </a:lvl3pPr>
+            <a:lvl4pPr marL="1371600" algn="l" defTabSz="914400" rtl="0" eaLnBrk="1" latinLnBrk="0" hangingPunct="1">
+              <a:defRPr sz="1800" kern="1200">
+                <a:solidFill>
+                  <a:schemeClr val="tx1"/>
+                </a:solidFill>
+                <a:latin typeface="+mn-lt"/>
+                <a:ea typeface="+mn-ea"/>
+                <a:cs typeface="+mn-cs"/>
+              </a:defRPr>
+            </a:lvl4pPr>
+            <a:lvl5pPr marL="1828800" algn="l" defTabSz="914400" rtl="0" eaLnBrk="1" latinLnBrk="0" hangingPunct="1">
+              <a:defRPr sz="1800" kern="1200">
+                <a:solidFill>
+                  <a:schemeClr val="tx1"/>
+                </a:solidFill>
+                <a:latin typeface="+mn-lt"/>
+                <a:ea typeface="+mn-ea"/>
+                <a:cs typeface="+mn-cs"/>
+              </a:defRPr>
+            </a:lvl5pPr>
+            <a:lvl6pPr marL="2286000" algn="l" defTabSz="914400" rtl="0" eaLnBrk="1" latinLnBrk="0" hangingPunct="1">
+              <a:defRPr sz="1800" kern="1200">
+                <a:solidFill>
+                  <a:schemeClr val="tx1"/>
+                </a:solidFill>
+                <a:latin typeface="+mn-lt"/>
+                <a:ea typeface="+mn-ea"/>
+                <a:cs typeface="+mn-cs"/>
+              </a:defRPr>
+            </a:lvl6pPr>
+            <a:lvl7pPr marL="2743200" algn="l" defTabSz="914400" rtl="0" eaLnBrk="1" latinLnBrk="0" hangingPunct="1">
+              <a:defRPr sz="1800" kern="1200">
+                <a:solidFill>
+                  <a:schemeClr val="tx1"/>
+                </a:solidFill>
+                <a:latin typeface="+mn-lt"/>
+                <a:ea typeface="+mn-ea"/>
+                <a:cs typeface="+mn-cs"/>
+              </a:defRPr>
+            </a:lvl7pPr>
+            <a:lvl8pPr marL="3200400" algn="l" defTabSz="914400" rtl="0" eaLnBrk="1" latinLnBrk="0" hangingPunct="1">
+              <a:defRPr sz="1800" kern="1200">
+                <a:solidFill>
+                  <a:schemeClr val="tx1"/>
+                </a:solidFill>
+                <a:latin typeface="+mn-lt"/>
+                <a:ea typeface="+mn-ea"/>
+                <a:cs typeface="+mn-cs"/>
+              </a:defRPr>
+            </a:lvl8pPr>
+            <a:lvl9pPr marL="3657600" algn="l" defTabSz="914400" rtl="0" eaLnBrk="1" latinLnBrk="0" hangingPunct="1">
+              <a:defRPr sz="1800" kern="1200">
+                <a:solidFill>
+                  <a:schemeClr val="tx1"/>
+                </a:solidFill>
+                <a:latin typeface="+mn-lt"/>
+                <a:ea typeface="+mn-ea"/>
+                <a:cs typeface="+mn-cs"/>
+              </a:defRPr>
+            </a:lvl9pPr>
+          </a:lstStyle>
+          <a:p>
+            <a:fld id="{117E512A-7775-4EA3-AB06-35D1DA2F9E89}" type="slidenum">
+              <a:rPr lang="nl-NL" smtClean="0"/>
+              <a:pPr/>
+              <a:t>8</a:t>
+            </a:fld>
+            <a:r>
+              <a:rPr lang="nl-NL" dirty="0"/>
+              <a:t>/23</a:t>
             </a:r>
           </a:p>
         </p:txBody>
@@ -14816,6 +18413,141 @@
                 <a:cs typeface="Courier New" panose="02070309020205020404" pitchFamily="49" charset="0"/>
               </a:rPr>
               <a:t>      *PORTB = *PORTB &amp; ~ ( 0b01 &lt;&lt; 5 );</a:t>
+            </a:r>
+          </a:p>
+        </p:txBody>
+      </p:sp>
+      <p:sp>
+        <p:nvSpPr>
+          <p:cNvPr id="5" name="Slide Number Placeholder 5">
+            <a:extLst>
+              <a:ext uri="{FF2B5EF4-FFF2-40B4-BE49-F238E27FC236}">
+                <a16:creationId xmlns:a16="http://schemas.microsoft.com/office/drawing/2014/main" id="{38297163-F657-4A0A-801F-64ECA48D88B4}"/>
+              </a:ext>
+            </a:extLst>
+          </p:cNvPr>
+          <p:cNvSpPr txBox="1">
+            <a:spLocks/>
+          </p:cNvSpPr>
+          <p:nvPr/>
+        </p:nvSpPr>
+        <p:spPr>
+          <a:xfrm>
+            <a:off x="9162675" y="6384059"/>
+            <a:ext cx="2743200" cy="365125"/>
+          </a:xfrm>
+          <a:prstGeom prst="rect">
+            <a:avLst/>
+          </a:prstGeom>
+        </p:spPr>
+        <p:txBody>
+          <a:bodyPr vert="horz" lIns="91440" tIns="45720" rIns="91440" bIns="45720" rtlCol="0" anchor="ctr"/>
+          <a:lstStyle>
+            <a:defPPr>
+              <a:defRPr lang="nl-NL"/>
+            </a:defPPr>
+            <a:lvl1pPr marL="0" algn="r" defTabSz="914400" rtl="0" eaLnBrk="1" latinLnBrk="0" hangingPunct="1">
+              <a:defRPr sz="1200" kern="1200">
+                <a:solidFill>
+                  <a:schemeClr val="tx1">
+                    <a:tint val="75000"/>
+                  </a:schemeClr>
+                </a:solidFill>
+                <a:latin typeface="+mn-lt"/>
+                <a:ea typeface="+mn-ea"/>
+                <a:cs typeface="+mn-cs"/>
+              </a:defRPr>
+            </a:lvl1pPr>
+            <a:lvl2pPr marL="457200" algn="l" defTabSz="914400" rtl="0" eaLnBrk="1" latinLnBrk="0" hangingPunct="1">
+              <a:defRPr sz="1800" kern="1200">
+                <a:solidFill>
+                  <a:schemeClr val="tx1"/>
+                </a:solidFill>
+                <a:latin typeface="+mn-lt"/>
+                <a:ea typeface="+mn-ea"/>
+                <a:cs typeface="+mn-cs"/>
+              </a:defRPr>
+            </a:lvl2pPr>
+            <a:lvl3pPr marL="914400" algn="l" defTabSz="914400" rtl="0" eaLnBrk="1" latinLnBrk="0" hangingPunct="1">
+              <a:defRPr sz="1800" kern="1200">
+                <a:solidFill>
+                  <a:schemeClr val="tx1"/>
+                </a:solidFill>
+                <a:latin typeface="+mn-lt"/>
+                <a:ea typeface="+mn-ea"/>
+                <a:cs typeface="+mn-cs"/>
+              </a:defRPr>
+            </a:lvl3pPr>
+            <a:lvl4pPr marL="1371600" algn="l" defTabSz="914400" rtl="0" eaLnBrk="1" latinLnBrk="0" hangingPunct="1">
+              <a:defRPr sz="1800" kern="1200">
+                <a:solidFill>
+                  <a:schemeClr val="tx1"/>
+                </a:solidFill>
+                <a:latin typeface="+mn-lt"/>
+                <a:ea typeface="+mn-ea"/>
+                <a:cs typeface="+mn-cs"/>
+              </a:defRPr>
+            </a:lvl4pPr>
+            <a:lvl5pPr marL="1828800" algn="l" defTabSz="914400" rtl="0" eaLnBrk="1" latinLnBrk="0" hangingPunct="1">
+              <a:defRPr sz="1800" kern="1200">
+                <a:solidFill>
+                  <a:schemeClr val="tx1"/>
+                </a:solidFill>
+                <a:latin typeface="+mn-lt"/>
+                <a:ea typeface="+mn-ea"/>
+                <a:cs typeface="+mn-cs"/>
+              </a:defRPr>
+            </a:lvl5pPr>
+            <a:lvl6pPr marL="2286000" algn="l" defTabSz="914400" rtl="0" eaLnBrk="1" latinLnBrk="0" hangingPunct="1">
+              <a:defRPr sz="1800" kern="1200">
+                <a:solidFill>
+                  <a:schemeClr val="tx1"/>
+                </a:solidFill>
+                <a:latin typeface="+mn-lt"/>
+                <a:ea typeface="+mn-ea"/>
+                <a:cs typeface="+mn-cs"/>
+              </a:defRPr>
+            </a:lvl6pPr>
+            <a:lvl7pPr marL="2743200" algn="l" defTabSz="914400" rtl="0" eaLnBrk="1" latinLnBrk="0" hangingPunct="1">
+              <a:defRPr sz="1800" kern="1200">
+                <a:solidFill>
+                  <a:schemeClr val="tx1"/>
+                </a:solidFill>
+                <a:latin typeface="+mn-lt"/>
+                <a:ea typeface="+mn-ea"/>
+                <a:cs typeface="+mn-cs"/>
+              </a:defRPr>
+            </a:lvl7pPr>
+            <a:lvl8pPr marL="3200400" algn="l" defTabSz="914400" rtl="0" eaLnBrk="1" latinLnBrk="0" hangingPunct="1">
+              <a:defRPr sz="1800" kern="1200">
+                <a:solidFill>
+                  <a:schemeClr val="tx1"/>
+                </a:solidFill>
+                <a:latin typeface="+mn-lt"/>
+                <a:ea typeface="+mn-ea"/>
+                <a:cs typeface="+mn-cs"/>
+              </a:defRPr>
+            </a:lvl8pPr>
+            <a:lvl9pPr marL="3657600" algn="l" defTabSz="914400" rtl="0" eaLnBrk="1" latinLnBrk="0" hangingPunct="1">
+              <a:defRPr sz="1800" kern="1200">
+                <a:solidFill>
+                  <a:schemeClr val="tx1"/>
+                </a:solidFill>
+                <a:latin typeface="+mn-lt"/>
+                <a:ea typeface="+mn-ea"/>
+                <a:cs typeface="+mn-cs"/>
+              </a:defRPr>
+            </a:lvl9pPr>
+          </a:lstStyle>
+          <a:p>
+            <a:fld id="{117E512A-7775-4EA3-AB06-35D1DA2F9E89}" type="slidenum">
+              <a:rPr lang="nl-NL" smtClean="0"/>
+              <a:pPr/>
+              <a:t>9</a:t>
+            </a:fld>
+            <a:r>
+              <a:rPr lang="nl-NL" dirty="0"/>
+              <a:t>/23</a:t>
             </a:r>
           </a:p>
         </p:txBody>

--- a/powerpoint/gpio-abstractions.pptx
+++ b/powerpoint/gpio-abstractions.pptx
@@ -11663,6 +11663,305 @@
             <a:r>
               <a:rPr lang="nl-NL" dirty="0"/>
               <a:t>/23</a:t>
+            </a:r>
+          </a:p>
+        </p:txBody>
+      </p:sp>
+      <p:sp>
+        <p:nvSpPr>
+          <p:cNvPr id="6" name="Content Placeholder 2">
+            <a:extLst>
+              <a:ext uri="{FF2B5EF4-FFF2-40B4-BE49-F238E27FC236}">
+                <a16:creationId xmlns:a16="http://schemas.microsoft.com/office/drawing/2014/main" id="{36BEBB2A-2A3D-4AF9-87AB-C2483F080599}"/>
+              </a:ext>
+            </a:extLst>
+          </p:cNvPr>
+          <p:cNvSpPr txBox="1">
+            <a:spLocks/>
+          </p:cNvSpPr>
+          <p:nvPr/>
+        </p:nvSpPr>
+        <p:spPr>
+          <a:xfrm>
+            <a:off x="966117" y="5929746"/>
+            <a:ext cx="10515600" cy="792828"/>
+          </a:xfrm>
+          <a:prstGeom prst="rect">
+            <a:avLst/>
+          </a:prstGeom>
+        </p:spPr>
+        <p:txBody>
+          <a:bodyPr vert="horz" lIns="91440" tIns="45720" rIns="91440" bIns="45720" rtlCol="0">
+            <a:normAutofit fontScale="92500" lnSpcReduction="10000"/>
+          </a:bodyPr>
+          <a:lstStyle>
+            <a:lvl1pPr marL="228600" indent="-228600" algn="l" defTabSz="914400" rtl="0" eaLnBrk="1" latinLnBrk="0" hangingPunct="1">
+              <a:lnSpc>
+                <a:spcPct val="90000"/>
+              </a:lnSpc>
+              <a:spcBef>
+                <a:spcPts val="1000"/>
+              </a:spcBef>
+              <a:buFont typeface="Arial" panose="020B0604020202020204" pitchFamily="34" charset="0"/>
+              <a:buChar char="•"/>
+              <a:defRPr sz="2800" kern="1200">
+                <a:solidFill>
+                  <a:schemeClr val="tx1"/>
+                </a:solidFill>
+                <a:latin typeface="+mn-lt"/>
+                <a:ea typeface="+mn-ea"/>
+                <a:cs typeface="+mn-cs"/>
+              </a:defRPr>
+            </a:lvl1pPr>
+            <a:lvl2pPr marL="685800" indent="-228600" algn="l" defTabSz="914400" rtl="0" eaLnBrk="1" latinLnBrk="0" hangingPunct="1">
+              <a:lnSpc>
+                <a:spcPct val="90000"/>
+              </a:lnSpc>
+              <a:spcBef>
+                <a:spcPts val="500"/>
+              </a:spcBef>
+              <a:buFont typeface="Arial" panose="020B0604020202020204" pitchFamily="34" charset="0"/>
+              <a:buChar char="•"/>
+              <a:defRPr sz="2400" kern="1200">
+                <a:solidFill>
+                  <a:schemeClr val="tx1"/>
+                </a:solidFill>
+                <a:latin typeface="+mn-lt"/>
+                <a:ea typeface="+mn-ea"/>
+                <a:cs typeface="+mn-cs"/>
+              </a:defRPr>
+            </a:lvl2pPr>
+            <a:lvl3pPr marL="1143000" indent="-228600" algn="l" defTabSz="914400" rtl="0" eaLnBrk="1" latinLnBrk="0" hangingPunct="1">
+              <a:lnSpc>
+                <a:spcPct val="90000"/>
+              </a:lnSpc>
+              <a:spcBef>
+                <a:spcPts val="500"/>
+              </a:spcBef>
+              <a:buFont typeface="Arial" panose="020B0604020202020204" pitchFamily="34" charset="0"/>
+              <a:buChar char="•"/>
+              <a:defRPr sz="2000" kern="1200">
+                <a:solidFill>
+                  <a:schemeClr val="tx1"/>
+                </a:solidFill>
+                <a:latin typeface="+mn-lt"/>
+                <a:ea typeface="+mn-ea"/>
+                <a:cs typeface="+mn-cs"/>
+              </a:defRPr>
+            </a:lvl3pPr>
+            <a:lvl4pPr marL="1600200" indent="-228600" algn="l" defTabSz="914400" rtl="0" eaLnBrk="1" latinLnBrk="0" hangingPunct="1">
+              <a:lnSpc>
+                <a:spcPct val="90000"/>
+              </a:lnSpc>
+              <a:spcBef>
+                <a:spcPts val="500"/>
+              </a:spcBef>
+              <a:buFont typeface="Arial" panose="020B0604020202020204" pitchFamily="34" charset="0"/>
+              <a:buChar char="•"/>
+              <a:defRPr sz="1800" kern="1200">
+                <a:solidFill>
+                  <a:schemeClr val="tx1"/>
+                </a:solidFill>
+                <a:latin typeface="+mn-lt"/>
+                <a:ea typeface="+mn-ea"/>
+                <a:cs typeface="+mn-cs"/>
+              </a:defRPr>
+            </a:lvl4pPr>
+            <a:lvl5pPr marL="2057400" indent="-228600" algn="l" defTabSz="914400" rtl="0" eaLnBrk="1" latinLnBrk="0" hangingPunct="1">
+              <a:lnSpc>
+                <a:spcPct val="90000"/>
+              </a:lnSpc>
+              <a:spcBef>
+                <a:spcPts val="500"/>
+              </a:spcBef>
+              <a:buFont typeface="Arial" panose="020B0604020202020204" pitchFamily="34" charset="0"/>
+              <a:buChar char="•"/>
+              <a:defRPr sz="1800" kern="1200">
+                <a:solidFill>
+                  <a:schemeClr val="tx1"/>
+                </a:solidFill>
+                <a:latin typeface="+mn-lt"/>
+                <a:ea typeface="+mn-ea"/>
+                <a:cs typeface="+mn-cs"/>
+              </a:defRPr>
+            </a:lvl5pPr>
+            <a:lvl6pPr marL="2514600" indent="-228600" algn="l" defTabSz="914400" rtl="0" eaLnBrk="1" latinLnBrk="0" hangingPunct="1">
+              <a:lnSpc>
+                <a:spcPct val="90000"/>
+              </a:lnSpc>
+              <a:spcBef>
+                <a:spcPts val="500"/>
+              </a:spcBef>
+              <a:buFont typeface="Arial" panose="020B0604020202020204" pitchFamily="34" charset="0"/>
+              <a:buChar char="•"/>
+              <a:defRPr sz="1800" kern="1200">
+                <a:solidFill>
+                  <a:schemeClr val="tx1"/>
+                </a:solidFill>
+                <a:latin typeface="+mn-lt"/>
+                <a:ea typeface="+mn-ea"/>
+                <a:cs typeface="+mn-cs"/>
+              </a:defRPr>
+            </a:lvl6pPr>
+            <a:lvl7pPr marL="2971800" indent="-228600" algn="l" defTabSz="914400" rtl="0" eaLnBrk="1" latinLnBrk="0" hangingPunct="1">
+              <a:lnSpc>
+                <a:spcPct val="90000"/>
+              </a:lnSpc>
+              <a:spcBef>
+                <a:spcPts val="500"/>
+              </a:spcBef>
+              <a:buFont typeface="Arial" panose="020B0604020202020204" pitchFamily="34" charset="0"/>
+              <a:buChar char="•"/>
+              <a:defRPr sz="1800" kern="1200">
+                <a:solidFill>
+                  <a:schemeClr val="tx1"/>
+                </a:solidFill>
+                <a:latin typeface="+mn-lt"/>
+                <a:ea typeface="+mn-ea"/>
+                <a:cs typeface="+mn-cs"/>
+              </a:defRPr>
+            </a:lvl7pPr>
+            <a:lvl8pPr marL="3429000" indent="-228600" algn="l" defTabSz="914400" rtl="0" eaLnBrk="1" latinLnBrk="0" hangingPunct="1">
+              <a:lnSpc>
+                <a:spcPct val="90000"/>
+              </a:lnSpc>
+              <a:spcBef>
+                <a:spcPts val="500"/>
+              </a:spcBef>
+              <a:buFont typeface="Arial" panose="020B0604020202020204" pitchFamily="34" charset="0"/>
+              <a:buChar char="•"/>
+              <a:defRPr sz="1800" kern="1200">
+                <a:solidFill>
+                  <a:schemeClr val="tx1"/>
+                </a:solidFill>
+                <a:latin typeface="+mn-lt"/>
+                <a:ea typeface="+mn-ea"/>
+                <a:cs typeface="+mn-cs"/>
+              </a:defRPr>
+            </a:lvl8pPr>
+            <a:lvl9pPr marL="3886200" indent="-228600" algn="l" defTabSz="914400" rtl="0" eaLnBrk="1" latinLnBrk="0" hangingPunct="1">
+              <a:lnSpc>
+                <a:spcPct val="90000"/>
+              </a:lnSpc>
+              <a:spcBef>
+                <a:spcPts val="500"/>
+              </a:spcBef>
+              <a:buFont typeface="Arial" panose="020B0604020202020204" pitchFamily="34" charset="0"/>
+              <a:buChar char="•"/>
+              <a:defRPr sz="1800" kern="1200">
+                <a:solidFill>
+                  <a:schemeClr val="tx1"/>
+                </a:solidFill>
+                <a:latin typeface="+mn-lt"/>
+                <a:ea typeface="+mn-ea"/>
+                <a:cs typeface="+mn-cs"/>
+              </a:defRPr>
+            </a:lvl9pPr>
+          </a:lstStyle>
+          <a:p>
+            <a:pPr marL="0" indent="0">
+              <a:buFont typeface="Arial" panose="020B0604020202020204" pitchFamily="34" charset="0"/>
+              <a:buNone/>
+            </a:pPr>
+            <a:r>
+              <a:rPr lang="nl-NL" dirty="0"/>
+              <a:t>A LED is a Light Emitting Diode, a </a:t>
+            </a:r>
+            <a:r>
+              <a:rPr lang="nl-NL" dirty="0" err="1"/>
+              <a:t>thingy</a:t>
+            </a:r>
+            <a:r>
+              <a:rPr lang="nl-NL" dirty="0"/>
+              <a:t> </a:t>
+            </a:r>
+            <a:r>
+              <a:rPr lang="nl-NL" dirty="0" err="1"/>
+              <a:t>that</a:t>
+            </a:r>
+            <a:r>
+              <a:rPr lang="nl-NL" dirty="0"/>
+              <a:t> </a:t>
+            </a:r>
+            <a:r>
+              <a:rPr lang="nl-NL" dirty="0" err="1"/>
+              <a:t>lights</a:t>
+            </a:r>
+            <a:r>
+              <a:rPr lang="nl-NL" dirty="0"/>
+              <a:t> up </a:t>
+            </a:r>
+            <a:r>
+              <a:rPr lang="nl-NL" dirty="0" err="1"/>
+              <a:t>if</a:t>
+            </a:r>
+            <a:r>
+              <a:rPr lang="nl-NL" dirty="0"/>
+              <a:t> </a:t>
+            </a:r>
+            <a:r>
+              <a:rPr lang="nl-NL" dirty="0" err="1"/>
+              <a:t>you</a:t>
+            </a:r>
+            <a:r>
+              <a:rPr lang="nl-NL" dirty="0"/>
+              <a:t> pass </a:t>
+            </a:r>
+            <a:r>
+              <a:rPr lang="nl-NL" dirty="0" err="1"/>
+              <a:t>the</a:t>
+            </a:r>
+            <a:r>
+              <a:rPr lang="nl-NL" dirty="0"/>
+              <a:t> right </a:t>
+            </a:r>
+            <a:r>
+              <a:rPr lang="nl-NL" dirty="0" err="1"/>
+              <a:t>amount</a:t>
+            </a:r>
+            <a:r>
+              <a:rPr lang="nl-NL" dirty="0"/>
+              <a:t> of </a:t>
+            </a:r>
+            <a:r>
+              <a:rPr lang="nl-NL" dirty="0" err="1"/>
+              <a:t>current</a:t>
+            </a:r>
+            <a:r>
+              <a:rPr lang="nl-NL" dirty="0"/>
+              <a:t> </a:t>
+            </a:r>
+            <a:r>
+              <a:rPr lang="nl-NL" dirty="0" err="1"/>
+              <a:t>through</a:t>
+            </a:r>
+            <a:r>
+              <a:rPr lang="nl-NL" dirty="0"/>
+              <a:t> </a:t>
+            </a:r>
+            <a:r>
+              <a:rPr lang="nl-NL" dirty="0" err="1"/>
+              <a:t>it</a:t>
+            </a:r>
+            <a:r>
+              <a:rPr lang="nl-NL" dirty="0"/>
+              <a:t> in </a:t>
+            </a:r>
+            <a:r>
+              <a:rPr lang="nl-NL" dirty="0" err="1"/>
+              <a:t>the</a:t>
+            </a:r>
+            <a:r>
+              <a:rPr lang="nl-NL" dirty="0"/>
+              <a:t> right </a:t>
+            </a:r>
+            <a:r>
+              <a:rPr lang="nl-NL" dirty="0" err="1"/>
+              <a:t>direction</a:t>
+            </a:r>
+            <a:r>
+              <a:rPr lang="nl-NL" dirty="0"/>
+              <a:t>.</a:t>
             </a:r>
           </a:p>
         </p:txBody>
@@ -15181,7 +15480,7 @@
             </a:r>
             <a:r>
               <a:rPr lang="nl-NL" dirty="0"/>
-              <a:t> is a GPIO?</a:t>
+              <a:t> is a GPIO pin?</a:t>
             </a:r>
           </a:p>
         </p:txBody>
@@ -15777,6 +16076,129 @@
           </a:p>
         </p:txBody>
       </p:sp>
+      <p:sp>
+        <p:nvSpPr>
+          <p:cNvPr id="12" name="TextBox 11">
+            <a:extLst>
+              <a:ext uri="{FF2B5EF4-FFF2-40B4-BE49-F238E27FC236}">
+                <a16:creationId xmlns:a16="http://schemas.microsoft.com/office/drawing/2014/main" id="{FF3B81D9-64A3-44D1-BB90-ADD855FF310B}"/>
+              </a:ext>
+            </a:extLst>
+          </p:cNvPr>
+          <p:cNvSpPr txBox="1"/>
+          <p:nvPr/>
+        </p:nvSpPr>
+        <p:spPr>
+          <a:xfrm>
+            <a:off x="10185005" y="2321735"/>
+            <a:ext cx="2160037" cy="923330"/>
+          </a:xfrm>
+          <a:prstGeom prst="rect">
+            <a:avLst/>
+          </a:prstGeom>
+          <a:noFill/>
+        </p:spPr>
+        <p:txBody>
+          <a:bodyPr wrap="square" rtlCol="0">
+            <a:spAutoFit/>
+          </a:bodyPr>
+          <a:lstStyle/>
+          <a:p>
+            <a:r>
+              <a:rPr lang="nl-NL" dirty="0" err="1"/>
+              <a:t>Connects</a:t>
+            </a:r>
+            <a:r>
+              <a:rPr lang="nl-NL" dirty="0"/>
+              <a:t> </a:t>
+            </a:r>
+            <a:r>
+              <a:rPr lang="nl-NL" dirty="0" err="1"/>
+              <a:t>to</a:t>
+            </a:r>
+            <a:r>
+              <a:rPr lang="nl-NL" dirty="0"/>
+              <a:t> </a:t>
+            </a:r>
+            <a:r>
+              <a:rPr lang="nl-NL" dirty="0" err="1"/>
+              <a:t>the</a:t>
+            </a:r>
+            <a:r>
+              <a:rPr lang="nl-NL" dirty="0"/>
+              <a:t> </a:t>
+            </a:r>
+            <a:r>
+              <a:rPr lang="nl-NL" dirty="0" err="1"/>
+              <a:t>world</a:t>
+            </a:r>
+            <a:r>
+              <a:rPr lang="nl-NL" dirty="0"/>
+              <a:t> </a:t>
+            </a:r>
+            <a:r>
+              <a:rPr lang="nl-NL" dirty="0" err="1"/>
+              <a:t>outside</a:t>
+            </a:r>
+            <a:r>
+              <a:rPr lang="nl-NL" dirty="0"/>
+              <a:t> </a:t>
+            </a:r>
+            <a:r>
+              <a:rPr lang="nl-NL" dirty="0" err="1"/>
+              <a:t>the</a:t>
+            </a:r>
+            <a:r>
+              <a:rPr lang="nl-NL" dirty="0"/>
+              <a:t> micro-controller</a:t>
+            </a:r>
+          </a:p>
+        </p:txBody>
+      </p:sp>
+      <p:cxnSp>
+        <p:nvCxnSpPr>
+          <p:cNvPr id="13" name="Straight Arrow Connector 12">
+            <a:extLst>
+              <a:ext uri="{FF2B5EF4-FFF2-40B4-BE49-F238E27FC236}">
+                <a16:creationId xmlns:a16="http://schemas.microsoft.com/office/drawing/2014/main" id="{2BA7341A-1D2D-4EEF-BB1D-9103BFF97ABE}"/>
+              </a:ext>
+            </a:extLst>
+          </p:cNvPr>
+          <p:cNvCxnSpPr>
+            <a:cxnSpLocks/>
+          </p:cNvCxnSpPr>
+          <p:nvPr/>
+        </p:nvCxnSpPr>
+        <p:spPr>
+          <a:xfrm flipH="1">
+            <a:off x="10344727" y="3234111"/>
+            <a:ext cx="857257" cy="1753525"/>
+          </a:xfrm>
+          <a:prstGeom prst="straightConnector1">
+            <a:avLst/>
+          </a:prstGeom>
+          <a:ln w="47625">
+            <a:solidFill>
+              <a:srgbClr val="FF0000"/>
+            </a:solidFill>
+            <a:tailEnd type="triangle"/>
+          </a:ln>
+        </p:spPr>
+        <p:style>
+          <a:lnRef idx="1">
+            <a:schemeClr val="accent1"/>
+          </a:lnRef>
+          <a:fillRef idx="0">
+            <a:schemeClr val="accent1"/>
+          </a:fillRef>
+          <a:effectRef idx="0">
+            <a:schemeClr val="accent1"/>
+          </a:effectRef>
+          <a:fontRef idx="minor">
+            <a:schemeClr val="tx1"/>
+          </a:fontRef>
+        </p:style>
+      </p:cxnSp>
     </p:spTree>
     <p:extLst>
       <p:ext uri="{BB962C8B-B14F-4D97-AF65-F5344CB8AC3E}">
@@ -17626,8 +18048,15 @@
           <a:p>
             <a:r>
               <a:rPr lang="nl-NL" dirty="0"/>
-              <a:t>LED at PORT B, pin 5</a:t>
-            </a:r>
+              <a:t>LED at PORT B, pin 5 </a:t>
+            </a:r>
+            <a:r>
+              <a:rPr lang="nl-NL" dirty="0">
+                <a:sym typeface="Wingdings" panose="05000000000000000000" pitchFamily="2" charset="2"/>
+              </a:rPr>
+              <a:t> DDRB, PORTB, bit 5</a:t>
+            </a:r>
+            <a:endParaRPr lang="nl-NL" dirty="0"/>
           </a:p>
           <a:p>
             <a:r>
@@ -17697,6 +18126,32 @@
               <a:t>volatile</a:t>
             </a:r>
             <a:endParaRPr lang="nl-NL" dirty="0"/>
+          </a:p>
+          <a:p>
+            <a:r>
+              <a:rPr lang="nl-NL" dirty="0" err="1"/>
+              <a:t>By</a:t>
+            </a:r>
+            <a:r>
+              <a:rPr lang="nl-NL" dirty="0"/>
+              <a:t> </a:t>
+            </a:r>
+            <a:r>
+              <a:rPr lang="nl-NL" dirty="0" err="1"/>
+              <a:t>the</a:t>
+            </a:r>
+            <a:r>
+              <a:rPr lang="nl-NL" dirty="0"/>
+              <a:t> C++ standard, </a:t>
+            </a:r>
+            <a:r>
+              <a:rPr lang="nl-NL" dirty="0" err="1"/>
+              <a:t>this</a:t>
+            </a:r>
+            <a:r>
+              <a:rPr lang="nl-NL" dirty="0"/>
+              <a:t> is UB *</a:t>
+            </a:r>
           </a:p>
           <a:p>
             <a:pPr marL="0" indent="0">
@@ -17720,7 +18175,7 @@
         </p:nvSpPr>
         <p:spPr>
           <a:xfrm>
-            <a:off x="1525412" y="4194831"/>
+            <a:off x="1266794" y="4333834"/>
             <a:ext cx="8478982" cy="1323439"/>
           </a:xfrm>
           <a:prstGeom prst="rect">
@@ -18095,6 +18550,273 @@
             <a:r>
               <a:rPr lang="nl-NL" dirty="0"/>
               <a:t>/23</a:t>
+            </a:r>
+          </a:p>
+        </p:txBody>
+      </p:sp>
+      <p:sp>
+        <p:nvSpPr>
+          <p:cNvPr id="6" name="Content Placeholder 2">
+            <a:extLst>
+              <a:ext uri="{FF2B5EF4-FFF2-40B4-BE49-F238E27FC236}">
+                <a16:creationId xmlns:a16="http://schemas.microsoft.com/office/drawing/2014/main" id="{E4006A1E-4336-42EE-9EDD-3A29192E0F6E}"/>
+              </a:ext>
+            </a:extLst>
+          </p:cNvPr>
+          <p:cNvSpPr txBox="1">
+            <a:spLocks/>
+          </p:cNvSpPr>
+          <p:nvPr/>
+        </p:nvSpPr>
+        <p:spPr>
+          <a:xfrm>
+            <a:off x="966117" y="6245420"/>
+            <a:ext cx="10515600" cy="477153"/>
+          </a:xfrm>
+          <a:prstGeom prst="rect">
+            <a:avLst/>
+          </a:prstGeom>
+        </p:spPr>
+        <p:txBody>
+          <a:bodyPr vert="horz" lIns="91440" tIns="45720" rIns="91440" bIns="45720" rtlCol="0">
+            <a:normAutofit/>
+          </a:bodyPr>
+          <a:lstStyle>
+            <a:lvl1pPr marL="228600" indent="-228600" algn="l" defTabSz="914400" rtl="0" eaLnBrk="1" latinLnBrk="0" hangingPunct="1">
+              <a:lnSpc>
+                <a:spcPct val="90000"/>
+              </a:lnSpc>
+              <a:spcBef>
+                <a:spcPts val="1000"/>
+              </a:spcBef>
+              <a:buFont typeface="Arial" panose="020B0604020202020204" pitchFamily="34" charset="0"/>
+              <a:buChar char="•"/>
+              <a:defRPr sz="2800" kern="1200">
+                <a:solidFill>
+                  <a:schemeClr val="tx1"/>
+                </a:solidFill>
+                <a:latin typeface="+mn-lt"/>
+                <a:ea typeface="+mn-ea"/>
+                <a:cs typeface="+mn-cs"/>
+              </a:defRPr>
+            </a:lvl1pPr>
+            <a:lvl2pPr marL="685800" indent="-228600" algn="l" defTabSz="914400" rtl="0" eaLnBrk="1" latinLnBrk="0" hangingPunct="1">
+              <a:lnSpc>
+                <a:spcPct val="90000"/>
+              </a:lnSpc>
+              <a:spcBef>
+                <a:spcPts val="500"/>
+              </a:spcBef>
+              <a:buFont typeface="Arial" panose="020B0604020202020204" pitchFamily="34" charset="0"/>
+              <a:buChar char="•"/>
+              <a:defRPr sz="2400" kern="1200">
+                <a:solidFill>
+                  <a:schemeClr val="tx1"/>
+                </a:solidFill>
+                <a:latin typeface="+mn-lt"/>
+                <a:ea typeface="+mn-ea"/>
+                <a:cs typeface="+mn-cs"/>
+              </a:defRPr>
+            </a:lvl2pPr>
+            <a:lvl3pPr marL="1143000" indent="-228600" algn="l" defTabSz="914400" rtl="0" eaLnBrk="1" latinLnBrk="0" hangingPunct="1">
+              <a:lnSpc>
+                <a:spcPct val="90000"/>
+              </a:lnSpc>
+              <a:spcBef>
+                <a:spcPts val="500"/>
+              </a:spcBef>
+              <a:buFont typeface="Arial" panose="020B0604020202020204" pitchFamily="34" charset="0"/>
+              <a:buChar char="•"/>
+              <a:defRPr sz="2000" kern="1200">
+                <a:solidFill>
+                  <a:schemeClr val="tx1"/>
+                </a:solidFill>
+                <a:latin typeface="+mn-lt"/>
+                <a:ea typeface="+mn-ea"/>
+                <a:cs typeface="+mn-cs"/>
+              </a:defRPr>
+            </a:lvl3pPr>
+            <a:lvl4pPr marL="1600200" indent="-228600" algn="l" defTabSz="914400" rtl="0" eaLnBrk="1" latinLnBrk="0" hangingPunct="1">
+              <a:lnSpc>
+                <a:spcPct val="90000"/>
+              </a:lnSpc>
+              <a:spcBef>
+                <a:spcPts val="500"/>
+              </a:spcBef>
+              <a:buFont typeface="Arial" panose="020B0604020202020204" pitchFamily="34" charset="0"/>
+              <a:buChar char="•"/>
+              <a:defRPr sz="1800" kern="1200">
+                <a:solidFill>
+                  <a:schemeClr val="tx1"/>
+                </a:solidFill>
+                <a:latin typeface="+mn-lt"/>
+                <a:ea typeface="+mn-ea"/>
+                <a:cs typeface="+mn-cs"/>
+              </a:defRPr>
+            </a:lvl4pPr>
+            <a:lvl5pPr marL="2057400" indent="-228600" algn="l" defTabSz="914400" rtl="0" eaLnBrk="1" latinLnBrk="0" hangingPunct="1">
+              <a:lnSpc>
+                <a:spcPct val="90000"/>
+              </a:lnSpc>
+              <a:spcBef>
+                <a:spcPts val="500"/>
+              </a:spcBef>
+              <a:buFont typeface="Arial" panose="020B0604020202020204" pitchFamily="34" charset="0"/>
+              <a:buChar char="•"/>
+              <a:defRPr sz="1800" kern="1200">
+                <a:solidFill>
+                  <a:schemeClr val="tx1"/>
+                </a:solidFill>
+                <a:latin typeface="+mn-lt"/>
+                <a:ea typeface="+mn-ea"/>
+                <a:cs typeface="+mn-cs"/>
+              </a:defRPr>
+            </a:lvl5pPr>
+            <a:lvl6pPr marL="2514600" indent="-228600" algn="l" defTabSz="914400" rtl="0" eaLnBrk="1" latinLnBrk="0" hangingPunct="1">
+              <a:lnSpc>
+                <a:spcPct val="90000"/>
+              </a:lnSpc>
+              <a:spcBef>
+                <a:spcPts val="500"/>
+              </a:spcBef>
+              <a:buFont typeface="Arial" panose="020B0604020202020204" pitchFamily="34" charset="0"/>
+              <a:buChar char="•"/>
+              <a:defRPr sz="1800" kern="1200">
+                <a:solidFill>
+                  <a:schemeClr val="tx1"/>
+                </a:solidFill>
+                <a:latin typeface="+mn-lt"/>
+                <a:ea typeface="+mn-ea"/>
+                <a:cs typeface="+mn-cs"/>
+              </a:defRPr>
+            </a:lvl6pPr>
+            <a:lvl7pPr marL="2971800" indent="-228600" algn="l" defTabSz="914400" rtl="0" eaLnBrk="1" latinLnBrk="0" hangingPunct="1">
+              <a:lnSpc>
+                <a:spcPct val="90000"/>
+              </a:lnSpc>
+              <a:spcBef>
+                <a:spcPts val="500"/>
+              </a:spcBef>
+              <a:buFont typeface="Arial" panose="020B0604020202020204" pitchFamily="34" charset="0"/>
+              <a:buChar char="•"/>
+              <a:defRPr sz="1800" kern="1200">
+                <a:solidFill>
+                  <a:schemeClr val="tx1"/>
+                </a:solidFill>
+                <a:latin typeface="+mn-lt"/>
+                <a:ea typeface="+mn-ea"/>
+                <a:cs typeface="+mn-cs"/>
+              </a:defRPr>
+            </a:lvl7pPr>
+            <a:lvl8pPr marL="3429000" indent="-228600" algn="l" defTabSz="914400" rtl="0" eaLnBrk="1" latinLnBrk="0" hangingPunct="1">
+              <a:lnSpc>
+                <a:spcPct val="90000"/>
+              </a:lnSpc>
+              <a:spcBef>
+                <a:spcPts val="500"/>
+              </a:spcBef>
+              <a:buFont typeface="Arial" panose="020B0604020202020204" pitchFamily="34" charset="0"/>
+              <a:buChar char="•"/>
+              <a:defRPr sz="1800" kern="1200">
+                <a:solidFill>
+                  <a:schemeClr val="tx1"/>
+                </a:solidFill>
+                <a:latin typeface="+mn-lt"/>
+                <a:ea typeface="+mn-ea"/>
+                <a:cs typeface="+mn-cs"/>
+              </a:defRPr>
+            </a:lvl8pPr>
+            <a:lvl9pPr marL="3886200" indent="-228600" algn="l" defTabSz="914400" rtl="0" eaLnBrk="1" latinLnBrk="0" hangingPunct="1">
+              <a:lnSpc>
+                <a:spcPct val="90000"/>
+              </a:lnSpc>
+              <a:spcBef>
+                <a:spcPts val="500"/>
+              </a:spcBef>
+              <a:buFont typeface="Arial" panose="020B0604020202020204" pitchFamily="34" charset="0"/>
+              <a:buChar char="•"/>
+              <a:defRPr sz="1800" kern="1200">
+                <a:solidFill>
+                  <a:schemeClr val="tx1"/>
+                </a:solidFill>
+                <a:latin typeface="+mn-lt"/>
+                <a:ea typeface="+mn-ea"/>
+                <a:cs typeface="+mn-cs"/>
+              </a:defRPr>
+            </a:lvl9pPr>
+          </a:lstStyle>
+          <a:p>
+            <a:pPr marL="0" indent="0">
+              <a:buFont typeface="Arial" panose="020B0604020202020204" pitchFamily="34" charset="0"/>
+              <a:buNone/>
+            </a:pPr>
+            <a:r>
+              <a:rPr lang="nl-NL" dirty="0"/>
+              <a:t>* </a:t>
+            </a:r>
+            <a:r>
+              <a:rPr lang="nl-NL" dirty="0" err="1"/>
+              <a:t>Luckily</a:t>
+            </a:r>
+            <a:r>
+              <a:rPr lang="nl-NL" dirty="0"/>
+              <a:t> </a:t>
+            </a:r>
+            <a:r>
+              <a:rPr lang="nl-NL" dirty="0" err="1"/>
+              <a:t>the</a:t>
+            </a:r>
+            <a:r>
+              <a:rPr lang="nl-NL" dirty="0"/>
+              <a:t> </a:t>
+            </a:r>
+            <a:r>
+              <a:rPr lang="nl-NL" dirty="0" err="1"/>
+              <a:t>toolchains</a:t>
+            </a:r>
+            <a:r>
+              <a:rPr lang="nl-NL" dirty="0"/>
+              <a:t> </a:t>
+            </a:r>
+            <a:r>
+              <a:rPr lang="nl-NL" dirty="0" err="1"/>
+              <a:t>choose</a:t>
+            </a:r>
+            <a:r>
+              <a:rPr lang="nl-NL" dirty="0"/>
+              <a:t> </a:t>
+            </a:r>
+            <a:r>
+              <a:rPr lang="nl-NL" dirty="0" err="1"/>
+              <a:t>to</a:t>
+            </a:r>
+            <a:r>
+              <a:rPr lang="nl-NL" dirty="0"/>
+              <a:t> do </a:t>
+            </a:r>
+            <a:r>
+              <a:rPr lang="nl-NL" dirty="0" err="1"/>
+              <a:t>the</a:t>
+            </a:r>
+            <a:r>
+              <a:rPr lang="nl-NL" dirty="0"/>
+              <a:t> </a:t>
+            </a:r>
+            <a:r>
+              <a:rPr lang="nl-NL" dirty="0" err="1"/>
+              <a:t>reasonable</a:t>
+            </a:r>
+            <a:r>
+              <a:rPr lang="nl-NL" dirty="0"/>
+              <a:t> </a:t>
+            </a:r>
+            <a:r>
+              <a:rPr lang="nl-NL" dirty="0" err="1"/>
+              <a:t>thing</a:t>
+            </a:r>
+            <a:r>
+              <a:rPr lang="nl-NL" dirty="0"/>
+              <a:t>.</a:t>
             </a:r>
           </a:p>
         </p:txBody>
@@ -18279,15 +19001,15 @@
             </a:r>
             <a:r>
               <a:rPr lang="nl-NL" dirty="0"/>
-              <a:t> ( |= operator ) </a:t>
-            </a:r>
-            <a:r>
-              <a:rPr lang="nl-NL" dirty="0" err="1"/>
-              <a:t>to</a:t>
-            </a:r>
-            <a:r>
-              <a:rPr lang="nl-NL" dirty="0"/>
-              <a:t> a </a:t>
+              <a:t> ( |= </a:t>
+            </a:r>
+            <a:r>
+              <a:rPr lang="nl-NL" dirty="0" err="1"/>
+              <a:t>and</a:t>
+            </a:r>
+            <a:r>
+              <a:rPr lang="nl-NL" dirty="0"/>
+              <a:t> &amp;= operators ) on a </a:t>
             </a:r>
             <a:r>
               <a:rPr lang="nl-NL" dirty="0" err="1"/>
@@ -18327,7 +19049,7 @@
             </a:r>
             <a:r>
               <a:rPr lang="nl-NL" dirty="0"/>
-              <a:t> in C++23…)</a:t>
+              <a:t> in C++23: p2327r0.pdf)</a:t>
             </a:r>
           </a:p>
           <a:p>

--- a/powerpoint/gpio-abstractions.pptx
+++ b/powerpoint/gpio-abstractions.pptx
@@ -4064,8 +4064,8 @@
         </p:nvSpPr>
         <p:spPr>
           <a:xfrm>
-            <a:off x="755072" y="3074233"/>
-            <a:ext cx="11270673" cy="3309825"/>
+            <a:off x="581892" y="3074233"/>
+            <a:ext cx="11443854" cy="3309825"/>
           </a:xfrm>
         </p:spPr>
         <p:txBody>
@@ -4160,7 +4160,7 @@
             </a:r>
             <a:r>
               <a:rPr lang="nl-NL" sz="2400" dirty="0" err="1"/>
-              <a:t>worls</a:t>
+              <a:t>worlds</a:t>
             </a:r>
             <a:r>
               <a:rPr lang="nl-NL" sz="2400" dirty="0"/>
@@ -7550,23 +7550,15 @@
             </a:pPr>
             <a:r>
               <a:rPr lang="nl-NL" dirty="0"/>
-              <a:t>As a class (</a:t>
-            </a:r>
-            <a:r>
-              <a:rPr lang="nl-NL" dirty="0" err="1"/>
-              <a:t>Objects</a:t>
-            </a:r>
-            <a:r>
-              <a:rPr lang="nl-NL" dirty="0"/>
-              <a:t>? No </a:t>
-            </a:r>
-            <a:r>
-              <a:rPr lang="nl-NL" dirty="0" err="1"/>
-              <a:t>Thanks</a:t>
-            </a:r>
-            <a:r>
-              <a:rPr lang="nl-NL" dirty="0"/>
-              <a:t>!)</a:t>
+              <a:t>As </a:t>
+            </a:r>
+            <a:r>
+              <a:rPr lang="nl-NL" dirty="0" err="1"/>
+              <a:t>an</a:t>
+            </a:r>
+            <a:r>
+              <a:rPr lang="nl-NL" dirty="0"/>
+              <a:t> NTTP (Non Type Template Parameter)</a:t>
             </a:r>
           </a:p>
         </p:txBody>
@@ -9785,7 +9777,7 @@
           </a:p>
           <a:p>
             <a:r>
-              <a:rPr lang="en-US" sz="1400" b="1" dirty="0">
+              <a:rPr lang="en-US" sz="1400" dirty="0">
                 <a:solidFill>
                   <a:srgbClr val="7030A0"/>
                 </a:solidFill>
@@ -10352,7 +10344,7 @@
                 <a:latin typeface="Courier New" panose="02070309020205020404" pitchFamily="49" charset="0"/>
                 <a:cs typeface="Courier New" panose="02070309020205020404" pitchFamily="49" charset="0"/>
               </a:rPr>
-              <a:t>led = gpio( pin::b5 );</a:t>
+              <a:t>led = gpio_atmega328( pin::b5 );</a:t>
             </a:r>
           </a:p>
           <a:p>
@@ -10679,8 +10671,8 @@
         </p:nvSpPr>
         <p:spPr>
           <a:xfrm>
-            <a:off x="966117" y="1197018"/>
-            <a:ext cx="8478982" cy="5262979"/>
+            <a:off x="938407" y="1080296"/>
+            <a:ext cx="10154465" cy="5693866"/>
           </a:xfrm>
           <a:prstGeom prst="rect">
             <a:avLst/>
@@ -10699,22 +10691,127 @@
           <a:lstStyle/>
           <a:p>
             <a:r>
-              <a:rPr lang="en-US" sz="1600" dirty="0">
-                <a:latin typeface="Courier New" panose="02070309020205020404" pitchFamily="49" charset="0"/>
-                <a:cs typeface="Courier New" panose="02070309020205020404" pitchFamily="49" charset="0"/>
-              </a:rPr>
-              <a:t>class gpio {</a:t>
-            </a:r>
-          </a:p>
-          <a:p>
-            <a:endParaRPr lang="en-US" sz="1600" dirty="0">
+              <a:rPr lang="en-US" sz="1400" dirty="0">
+                <a:latin typeface="Courier New" panose="02070309020205020404" pitchFamily="49" charset="0"/>
+                <a:cs typeface="Courier New" panose="02070309020205020404" pitchFamily="49" charset="0"/>
+              </a:rPr>
+              <a:t>class </a:t>
+            </a:r>
+            <a:r>
+              <a:rPr lang="en-US" sz="1400" b="1" dirty="0">
+                <a:solidFill>
+                  <a:srgbClr val="7030A0"/>
+                </a:solidFill>
+                <a:latin typeface="Courier New" panose="02070309020205020404" pitchFamily="49" charset="0"/>
+                <a:cs typeface="Courier New" panose="02070309020205020404" pitchFamily="49" charset="0"/>
+              </a:rPr>
+              <a:t>gpio</a:t>
+            </a:r>
+            <a:r>
+              <a:rPr lang="en-US" sz="1400" dirty="0">
+                <a:latin typeface="Courier New" panose="02070309020205020404" pitchFamily="49" charset="0"/>
+                <a:cs typeface="Courier New" panose="02070309020205020404" pitchFamily="49" charset="0"/>
+              </a:rPr>
+              <a:t> {</a:t>
+            </a:r>
+          </a:p>
+          <a:p>
+            <a:r>
+              <a:rPr lang="en-US" sz="1400" dirty="0">
+                <a:latin typeface="Courier New" panose="02070309020205020404" pitchFamily="49" charset="0"/>
+                <a:cs typeface="Courier New" panose="02070309020205020404" pitchFamily="49" charset="0"/>
+              </a:rPr>
+              <a:t>public:   </a:t>
+            </a:r>
+          </a:p>
+          <a:p>
+            <a:r>
+              <a:rPr lang="en-US" sz="1400" b="1" dirty="0">
+                <a:solidFill>
+                  <a:srgbClr val="7030A0"/>
+                </a:solidFill>
+                <a:latin typeface="Courier New" panose="02070309020205020404" pitchFamily="49" charset="0"/>
+                <a:cs typeface="Courier New" panose="02070309020205020404" pitchFamily="49" charset="0"/>
+              </a:rPr>
+              <a:t>   virtual void </a:t>
+            </a:r>
+            <a:r>
+              <a:rPr lang="en-US" sz="1400" b="1" dirty="0" err="1">
+                <a:solidFill>
+                  <a:srgbClr val="7030A0"/>
+                </a:solidFill>
+                <a:latin typeface="Courier New" panose="02070309020205020404" pitchFamily="49" charset="0"/>
+                <a:cs typeface="Courier New" panose="02070309020205020404" pitchFamily="49" charset="0"/>
+              </a:rPr>
+              <a:t>mode_output</a:t>
+            </a:r>
+            <a:r>
+              <a:rPr lang="en-US" sz="1400" b="1" dirty="0">
+                <a:solidFill>
+                  <a:srgbClr val="7030A0"/>
+                </a:solidFill>
+                <a:latin typeface="Courier New" panose="02070309020205020404" pitchFamily="49" charset="0"/>
+                <a:cs typeface="Courier New" panose="02070309020205020404" pitchFamily="49" charset="0"/>
+              </a:rPr>
+              <a:t>() = 0;</a:t>
+            </a:r>
+          </a:p>
+          <a:p>
+            <a:r>
+              <a:rPr lang="en-US" sz="1400" b="1" dirty="0">
+                <a:solidFill>
+                  <a:srgbClr val="7030A0"/>
+                </a:solidFill>
+                <a:latin typeface="Courier New" panose="02070309020205020404" pitchFamily="49" charset="0"/>
+                <a:cs typeface="Courier New" panose="02070309020205020404" pitchFamily="49" charset="0"/>
+              </a:rPr>
+              <a:t>   virtual void write( bool value ) = 0;</a:t>
+            </a:r>
+          </a:p>
+          <a:p>
+            <a:r>
+              <a:rPr lang="en-US" sz="1400" dirty="0">
+                <a:latin typeface="Courier New" panose="02070309020205020404" pitchFamily="49" charset="0"/>
+                <a:cs typeface="Courier New" panose="02070309020205020404" pitchFamily="49" charset="0"/>
+              </a:rPr>
+              <a:t>};</a:t>
+            </a:r>
+          </a:p>
+          <a:p>
+            <a:endParaRPr lang="en-US" sz="1400" dirty="0">
               <a:latin typeface="Courier New" panose="02070309020205020404" pitchFamily="49" charset="0"/>
               <a:cs typeface="Courier New" panose="02070309020205020404" pitchFamily="49" charset="0"/>
             </a:endParaRPr>
           </a:p>
           <a:p>
             <a:r>
-              <a:rPr lang="en-US" sz="1600" dirty="0">
+              <a:rPr lang="en-US" sz="1400" dirty="0">
+                <a:latin typeface="Courier New" panose="02070309020205020404" pitchFamily="49" charset="0"/>
+                <a:cs typeface="Courier New" panose="02070309020205020404" pitchFamily="49" charset="0"/>
+              </a:rPr>
+              <a:t>class </a:t>
+            </a:r>
+            <a:r>
+              <a:rPr lang="en-US" sz="1400" b="1" dirty="0">
+                <a:solidFill>
+                  <a:srgbClr val="7030A0"/>
+                </a:solidFill>
+                <a:latin typeface="Courier New" panose="02070309020205020404" pitchFamily="49" charset="0"/>
+                <a:cs typeface="Courier New" panose="02070309020205020404" pitchFamily="49" charset="0"/>
+              </a:rPr>
+              <a:t>atmega328_gpio : public gpio </a:t>
+            </a:r>
+            <a:r>
+              <a:rPr lang="en-US" sz="1400" dirty="0">
+                <a:latin typeface="Courier New" panose="02070309020205020404" pitchFamily="49" charset="0"/>
+                <a:cs typeface="Courier New" panose="02070309020205020404" pitchFamily="49" charset="0"/>
+              </a:rPr>
+              <a:t>{</a:t>
+            </a:r>
+          </a:p>
+          <a:p>
+            <a:r>
+              <a:rPr lang="en-US" sz="1400" dirty="0">
                 <a:latin typeface="Courier New" panose="02070309020205020404" pitchFamily="49" charset="0"/>
                 <a:cs typeface="Courier New" panose="02070309020205020404" pitchFamily="49" charset="0"/>
               </a:rPr>
@@ -10723,40 +10820,30 @@
           </a:p>
           <a:p>
             <a:r>
-              <a:rPr lang="en-US" sz="1600" dirty="0">
+              <a:rPr lang="en-US" sz="1400" dirty="0">
                 <a:latin typeface="Courier New" panose="02070309020205020404" pitchFamily="49" charset="0"/>
                 <a:cs typeface="Courier New" panose="02070309020205020404" pitchFamily="49" charset="0"/>
               </a:rPr>
               <a:t>   const </a:t>
             </a:r>
             <a:r>
-              <a:rPr lang="en-US" sz="1600" dirty="0" err="1">
+              <a:rPr lang="en-US" sz="1400" dirty="0" err="1">
                 <a:latin typeface="Courier New" panose="02070309020205020404" pitchFamily="49" charset="0"/>
                 <a:cs typeface="Courier New" panose="02070309020205020404" pitchFamily="49" charset="0"/>
               </a:rPr>
               <a:t>single_pin_info</a:t>
             </a:r>
             <a:r>
-              <a:rPr lang="en-US" sz="1600" dirty="0">
-                <a:latin typeface="Courier New" panose="02070309020205020404" pitchFamily="49" charset="0"/>
-                <a:cs typeface="Courier New" panose="02070309020205020404" pitchFamily="49" charset="0"/>
-              </a:rPr>
-              <a:t> </a:t>
-            </a:r>
-            <a:r>
-              <a:rPr lang="en-US" sz="1600" b="1" dirty="0">
-                <a:solidFill>
-                  <a:srgbClr val="7030A0"/>
-                </a:solidFill>
-                <a:latin typeface="Courier New" panose="02070309020205020404" pitchFamily="49" charset="0"/>
-                <a:cs typeface="Courier New" panose="02070309020205020404" pitchFamily="49" charset="0"/>
-              </a:rPr>
-              <a:t>&amp; info;</a:t>
-            </a:r>
-          </a:p>
-          <a:p>
-            <a:r>
-              <a:rPr lang="en-US" sz="1600" dirty="0">
+              <a:rPr lang="en-US" sz="1400" dirty="0">
+                <a:latin typeface="Courier New" panose="02070309020205020404" pitchFamily="49" charset="0"/>
+                <a:cs typeface="Courier New" panose="02070309020205020404" pitchFamily="49" charset="0"/>
+              </a:rPr>
+              <a:t> &amp; info;</a:t>
+            </a:r>
+          </a:p>
+          <a:p>
+            <a:r>
+              <a:rPr lang="en-US" sz="1400" dirty="0">
                 <a:latin typeface="Courier New" panose="02070309020205020404" pitchFamily="49" charset="0"/>
                 <a:cs typeface="Courier New" panose="02070309020205020404" pitchFamily="49" charset="0"/>
               </a:rPr>
@@ -10765,7 +10852,7 @@
           </a:p>
           <a:p>
             <a:r>
-              <a:rPr lang="en-US" sz="1600" dirty="0">
+              <a:rPr lang="en-US" sz="1400" dirty="0">
                 <a:latin typeface="Courier New" panose="02070309020205020404" pitchFamily="49" charset="0"/>
                 <a:cs typeface="Courier New" panose="02070309020205020404" pitchFamily="49" charset="0"/>
               </a:rPr>
@@ -10774,90 +10861,44 @@
           </a:p>
           <a:p>
             <a:r>
-              <a:rPr lang="en-US" sz="1600" dirty="0">
-                <a:latin typeface="Courier New" panose="02070309020205020404" pitchFamily="49" charset="0"/>
-                <a:cs typeface="Courier New" panose="02070309020205020404" pitchFamily="49" charset="0"/>
-              </a:rPr>
-              <a:t>   gpio( </a:t>
-            </a:r>
-            <a:r>
-              <a:rPr lang="en-US" sz="1600" b="1" dirty="0">
-                <a:solidFill>
-                  <a:srgbClr val="7030A0"/>
-                </a:solidFill>
-                <a:latin typeface="Courier New" panose="02070309020205020404" pitchFamily="49" charset="0"/>
-                <a:cs typeface="Courier New" panose="02070309020205020404" pitchFamily="49" charset="0"/>
-              </a:rPr>
-              <a:t>pin p</a:t>
-            </a:r>
-            <a:r>
-              <a:rPr lang="en-US" sz="1600" dirty="0">
-                <a:latin typeface="Courier New" panose="02070309020205020404" pitchFamily="49" charset="0"/>
-                <a:cs typeface="Courier New" panose="02070309020205020404" pitchFamily="49" charset="0"/>
-              </a:rPr>
-              <a:t> ): </a:t>
-            </a:r>
-            <a:r>
-              <a:rPr lang="en-US" sz="1600" b="1" dirty="0">
-                <a:solidFill>
-                  <a:srgbClr val="7030A0"/>
-                </a:solidFill>
-                <a:latin typeface="Courier New" panose="02070309020205020404" pitchFamily="49" charset="0"/>
-                <a:cs typeface="Courier New" panose="02070309020205020404" pitchFamily="49" charset="0"/>
-              </a:rPr>
-              <a:t>info( </a:t>
-            </a:r>
-            <a:r>
-              <a:rPr lang="en-US" sz="1600" b="1" dirty="0" err="1">
-                <a:solidFill>
-                  <a:srgbClr val="7030A0"/>
-                </a:solidFill>
+              <a:rPr lang="en-US" sz="1400" dirty="0">
+                <a:latin typeface="Courier New" panose="02070309020205020404" pitchFamily="49" charset="0"/>
+                <a:cs typeface="Courier New" panose="02070309020205020404" pitchFamily="49" charset="0"/>
+              </a:rPr>
+              <a:t>   atmega328_gpio( pin p ): info( </a:t>
+            </a:r>
+            <a:r>
+              <a:rPr lang="en-US" sz="1400" dirty="0" err="1">
                 <a:latin typeface="Courier New" panose="02070309020205020404" pitchFamily="49" charset="0"/>
                 <a:cs typeface="Courier New" panose="02070309020205020404" pitchFamily="49" charset="0"/>
               </a:rPr>
               <a:t>pin_info</a:t>
             </a:r>
             <a:r>
-              <a:rPr lang="en-US" sz="1600" b="1" dirty="0">
-                <a:solidFill>
-                  <a:srgbClr val="7030A0"/>
-                </a:solidFill>
+              <a:rPr lang="en-US" sz="1400" dirty="0">
                 <a:latin typeface="Courier New" panose="02070309020205020404" pitchFamily="49" charset="0"/>
                 <a:cs typeface="Courier New" panose="02070309020205020404" pitchFamily="49" charset="0"/>
               </a:rPr>
               <a:t>[ </a:t>
             </a:r>
             <a:r>
-              <a:rPr lang="en-US" sz="1600" b="1" dirty="0" err="1">
-                <a:solidFill>
-                  <a:srgbClr val="7030A0"/>
-                </a:solidFill>
+              <a:rPr lang="en-US" sz="1400" dirty="0" err="1">
                 <a:latin typeface="Courier New" panose="02070309020205020404" pitchFamily="49" charset="0"/>
                 <a:cs typeface="Courier New" panose="02070309020205020404" pitchFamily="49" charset="0"/>
               </a:rPr>
               <a:t>static_cast</a:t>
             </a:r>
             <a:r>
-              <a:rPr lang="en-US" sz="1600" b="1" dirty="0">
-                <a:solidFill>
-                  <a:srgbClr val="7030A0"/>
-                </a:solidFill>
-                <a:latin typeface="Courier New" panose="02070309020205020404" pitchFamily="49" charset="0"/>
-                <a:cs typeface="Courier New" panose="02070309020205020404" pitchFamily="49" charset="0"/>
-              </a:rPr>
-              <a:t>&lt; int &gt;( p ) ] ) </a:t>
-            </a:r>
-            <a:r>
-              <a:rPr lang="en-US" sz="1600" dirty="0">
-                <a:latin typeface="Courier New" panose="02070309020205020404" pitchFamily="49" charset="0"/>
-                <a:cs typeface="Courier New" panose="02070309020205020404" pitchFamily="49" charset="0"/>
-              </a:rPr>
-              <a:t>{}</a:t>
-            </a:r>
-          </a:p>
-          <a:p>
-            <a:r>
-              <a:rPr lang="en-US" sz="1600" dirty="0">
+              <a:rPr lang="en-US" sz="1400" dirty="0">
+                <a:latin typeface="Courier New" panose="02070309020205020404" pitchFamily="49" charset="0"/>
+                <a:cs typeface="Courier New" panose="02070309020205020404" pitchFamily="49" charset="0"/>
+              </a:rPr>
+              <a:t>&lt; int &gt;( p ) ] ) {}</a:t>
+            </a:r>
+          </a:p>
+          <a:p>
+            <a:r>
+              <a:rPr lang="en-US" sz="1400" dirty="0">
                 <a:latin typeface="Courier New" panose="02070309020205020404" pitchFamily="49" charset="0"/>
                 <a:cs typeface="Courier New" panose="02070309020205020404" pitchFamily="49" charset="0"/>
               </a:rPr>
@@ -10866,90 +10907,72 @@
           </a:p>
           <a:p>
             <a:r>
-              <a:rPr lang="en-US" sz="1600" dirty="0">
+              <a:rPr lang="en-US" sz="1400" dirty="0">
                 <a:latin typeface="Courier New" panose="02070309020205020404" pitchFamily="49" charset="0"/>
                 <a:cs typeface="Courier New" panose="02070309020205020404" pitchFamily="49" charset="0"/>
               </a:rPr>
               <a:t>   void </a:t>
             </a:r>
             <a:r>
-              <a:rPr lang="en-US" sz="1600" dirty="0" err="1">
+              <a:rPr lang="en-US" sz="1400" dirty="0" err="1">
                 <a:latin typeface="Courier New" panose="02070309020205020404" pitchFamily="49" charset="0"/>
                 <a:cs typeface="Courier New" panose="02070309020205020404" pitchFamily="49" charset="0"/>
               </a:rPr>
               <a:t>mode_output</a:t>
             </a:r>
             <a:r>
-              <a:rPr lang="en-US" sz="1600" dirty="0">
-                <a:latin typeface="Courier New" panose="02070309020205020404" pitchFamily="49" charset="0"/>
-                <a:cs typeface="Courier New" panose="02070309020205020404" pitchFamily="49" charset="0"/>
-              </a:rPr>
-              <a:t>() {</a:t>
-            </a:r>
-          </a:p>
-          <a:p>
-            <a:r>
-              <a:rPr lang="en-US" sz="1600" dirty="0">
+              <a:rPr lang="en-US" sz="1400" dirty="0">
+                <a:latin typeface="Courier New" panose="02070309020205020404" pitchFamily="49" charset="0"/>
+                <a:cs typeface="Courier New" panose="02070309020205020404" pitchFamily="49" charset="0"/>
+              </a:rPr>
+              <a:t>() override {</a:t>
+            </a:r>
+          </a:p>
+          <a:p>
+            <a:r>
+              <a:rPr lang="en-US" sz="1400" dirty="0">
                 <a:latin typeface="Courier New" panose="02070309020205020404" pitchFamily="49" charset="0"/>
                 <a:cs typeface="Courier New" panose="02070309020205020404" pitchFamily="49" charset="0"/>
               </a:rPr>
               <a:t>      </a:t>
             </a:r>
             <a:r>
-              <a:rPr lang="en-US" sz="1600" b="1" dirty="0" err="1">
-                <a:solidFill>
-                  <a:srgbClr val="7030A0"/>
-                </a:solidFill>
+              <a:rPr lang="en-US" sz="1400" dirty="0" err="1">
                 <a:latin typeface="Courier New" panose="02070309020205020404" pitchFamily="49" charset="0"/>
                 <a:cs typeface="Courier New" panose="02070309020205020404" pitchFamily="49" charset="0"/>
               </a:rPr>
               <a:t>info.direction</a:t>
             </a:r>
             <a:r>
-              <a:rPr lang="en-US" sz="1600" b="1" dirty="0">
-                <a:solidFill>
-                  <a:srgbClr val="7030A0"/>
-                </a:solidFill>
+              <a:rPr lang="en-US" sz="1400" dirty="0">
                 <a:latin typeface="Courier New" panose="02070309020205020404" pitchFamily="49" charset="0"/>
                 <a:cs typeface="Courier New" panose="02070309020205020404" pitchFamily="49" charset="0"/>
               </a:rPr>
               <a:t> = </a:t>
             </a:r>
             <a:r>
-              <a:rPr lang="en-US" sz="1600" b="1" dirty="0" err="1">
-                <a:solidFill>
-                  <a:srgbClr val="7030A0"/>
-                </a:solidFill>
+              <a:rPr lang="en-US" sz="1400" dirty="0" err="1">
                 <a:latin typeface="Courier New" panose="02070309020205020404" pitchFamily="49" charset="0"/>
                 <a:cs typeface="Courier New" panose="02070309020205020404" pitchFamily="49" charset="0"/>
               </a:rPr>
               <a:t>info.direction</a:t>
             </a:r>
             <a:r>
-              <a:rPr lang="en-US" sz="1600" b="1" dirty="0">
-                <a:solidFill>
-                  <a:srgbClr val="7030A0"/>
-                </a:solidFill>
+              <a:rPr lang="en-US" sz="1400" dirty="0">
                 <a:latin typeface="Courier New" panose="02070309020205020404" pitchFamily="49" charset="0"/>
                 <a:cs typeface="Courier New" panose="02070309020205020404" pitchFamily="49" charset="0"/>
               </a:rPr>
               <a:t> | </a:t>
             </a:r>
             <a:r>
-              <a:rPr lang="en-US" sz="1600" b="1" dirty="0" err="1">
-                <a:solidFill>
-                  <a:srgbClr val="7030A0"/>
-                </a:solidFill>
+              <a:rPr lang="en-US" sz="1400" dirty="0" err="1">
                 <a:latin typeface="Courier New" panose="02070309020205020404" pitchFamily="49" charset="0"/>
                 <a:cs typeface="Courier New" panose="02070309020205020404" pitchFamily="49" charset="0"/>
               </a:rPr>
               <a:t>info.mask</a:t>
             </a:r>
             <a:r>
-              <a:rPr lang="en-US" sz="1600" b="1" dirty="0">
-                <a:solidFill>
-                  <a:srgbClr val="7030A0"/>
-                </a:solidFill>
+              <a:rPr lang="en-US" sz="1400" dirty="0">
                 <a:latin typeface="Courier New" panose="02070309020205020404" pitchFamily="49" charset="0"/>
                 <a:cs typeface="Courier New" panose="02070309020205020404" pitchFamily="49" charset="0"/>
               </a:rPr>
@@ -10958,7 +10981,7 @@
           </a:p>
           <a:p>
             <a:r>
-              <a:rPr lang="en-US" sz="1600" dirty="0">
+              <a:rPr lang="en-US" sz="1400" dirty="0">
                 <a:latin typeface="Courier New" panose="02070309020205020404" pitchFamily="49" charset="0"/>
                 <a:cs typeface="Courier New" panose="02070309020205020404" pitchFamily="49" charset="0"/>
               </a:rPr>
@@ -10966,92 +10989,74 @@
             </a:r>
           </a:p>
           <a:p>
-            <a:endParaRPr lang="en-US" sz="1600" dirty="0">
+            <a:endParaRPr lang="en-US" sz="1400" dirty="0">
               <a:latin typeface="Courier New" panose="02070309020205020404" pitchFamily="49" charset="0"/>
               <a:cs typeface="Courier New" panose="02070309020205020404" pitchFamily="49" charset="0"/>
             </a:endParaRPr>
           </a:p>
           <a:p>
             <a:r>
-              <a:rPr lang="en-US" sz="1600" dirty="0">
-                <a:latin typeface="Courier New" panose="02070309020205020404" pitchFamily="49" charset="0"/>
-                <a:cs typeface="Courier New" panose="02070309020205020404" pitchFamily="49" charset="0"/>
-              </a:rPr>
-              <a:t>   void write( bool value ){</a:t>
-            </a:r>
-          </a:p>
-          <a:p>
-            <a:r>
-              <a:rPr lang="en-US" sz="1600" dirty="0">
-                <a:latin typeface="Courier New" panose="02070309020205020404" pitchFamily="49" charset="0"/>
-                <a:cs typeface="Courier New" panose="02070309020205020404" pitchFamily="49" charset="0"/>
-              </a:rPr>
-              <a:t>      if( value ){</a:t>
-            </a:r>
-          </a:p>
-          <a:p>
-            <a:r>
-              <a:rPr lang="en-US" sz="1600" dirty="0">
+              <a:rPr lang="en-US" sz="1400" dirty="0">
+                <a:latin typeface="Courier New" panose="02070309020205020404" pitchFamily="49" charset="0"/>
+                <a:cs typeface="Courier New" panose="02070309020205020404" pitchFamily="49" charset="0"/>
+              </a:rPr>
+              <a:t>   void write( bool value ) override {</a:t>
+            </a:r>
+          </a:p>
+          <a:p>
+            <a:r>
+              <a:rPr lang="en-US" sz="1400" dirty="0">
+                <a:latin typeface="Courier New" panose="02070309020205020404" pitchFamily="49" charset="0"/>
+                <a:cs typeface="Courier New" panose="02070309020205020404" pitchFamily="49" charset="0"/>
+              </a:rPr>
+              <a:t>      if( value ){ </a:t>
+            </a:r>
+          </a:p>
+          <a:p>
+            <a:r>
+              <a:rPr lang="en-US" sz="1400" dirty="0">
                 <a:latin typeface="Courier New" panose="02070309020205020404" pitchFamily="49" charset="0"/>
                 <a:cs typeface="Courier New" panose="02070309020205020404" pitchFamily="49" charset="0"/>
               </a:rPr>
               <a:t>         </a:t>
             </a:r>
             <a:r>
-              <a:rPr lang="en-US" sz="1600" b="1" dirty="0" err="1">
-                <a:solidFill>
-                  <a:srgbClr val="7030A0"/>
-                </a:solidFill>
+              <a:rPr lang="en-US" sz="1400" dirty="0" err="1">
                 <a:latin typeface="Courier New" panose="02070309020205020404" pitchFamily="49" charset="0"/>
                 <a:cs typeface="Courier New" panose="02070309020205020404" pitchFamily="49" charset="0"/>
               </a:rPr>
               <a:t>info.data</a:t>
             </a:r>
             <a:r>
-              <a:rPr lang="en-US" sz="1600" b="1" dirty="0">
-                <a:solidFill>
-                  <a:srgbClr val="7030A0"/>
-                </a:solidFill>
+              <a:rPr lang="en-US" sz="1400" dirty="0">
                 <a:latin typeface="Courier New" panose="02070309020205020404" pitchFamily="49" charset="0"/>
                 <a:cs typeface="Courier New" panose="02070309020205020404" pitchFamily="49" charset="0"/>
               </a:rPr>
               <a:t> = </a:t>
             </a:r>
             <a:r>
-              <a:rPr lang="en-US" sz="1600" b="1" dirty="0" err="1">
-                <a:solidFill>
-                  <a:srgbClr val="7030A0"/>
-                </a:solidFill>
+              <a:rPr lang="en-US" sz="1400" dirty="0" err="1">
                 <a:latin typeface="Courier New" panose="02070309020205020404" pitchFamily="49" charset="0"/>
                 <a:cs typeface="Courier New" panose="02070309020205020404" pitchFamily="49" charset="0"/>
               </a:rPr>
               <a:t>info.data</a:t>
             </a:r>
             <a:r>
-              <a:rPr lang="en-US" sz="1600" b="1" dirty="0">
-                <a:solidFill>
-                  <a:srgbClr val="7030A0"/>
-                </a:solidFill>
+              <a:rPr lang="en-US" sz="1400" dirty="0">
                 <a:latin typeface="Courier New" panose="02070309020205020404" pitchFamily="49" charset="0"/>
                 <a:cs typeface="Courier New" panose="02070309020205020404" pitchFamily="49" charset="0"/>
               </a:rPr>
               <a:t> | </a:t>
             </a:r>
             <a:r>
-              <a:rPr lang="en-US" sz="1600" b="1" dirty="0" err="1">
-                <a:solidFill>
-                  <a:srgbClr val="7030A0"/>
-                </a:solidFill>
+              <a:rPr lang="en-US" sz="1400" dirty="0" err="1">
                 <a:latin typeface="Courier New" panose="02070309020205020404" pitchFamily="49" charset="0"/>
                 <a:cs typeface="Courier New" panose="02070309020205020404" pitchFamily="49" charset="0"/>
               </a:rPr>
               <a:t>info.mask</a:t>
             </a:r>
             <a:r>
-              <a:rPr lang="en-US" sz="1600" b="1" dirty="0">
-                <a:solidFill>
-                  <a:srgbClr val="7030A0"/>
-                </a:solidFill>
+              <a:rPr lang="en-US" sz="1400" dirty="0">
                 <a:latin typeface="Courier New" panose="02070309020205020404" pitchFamily="49" charset="0"/>
                 <a:cs typeface="Courier New" panose="02070309020205020404" pitchFamily="49" charset="0"/>
               </a:rPr>
@@ -11060,76 +11065,58 @@
           </a:p>
           <a:p>
             <a:r>
-              <a:rPr lang="en-US" sz="1600" dirty="0">
-                <a:latin typeface="Courier New" panose="02070309020205020404" pitchFamily="49" charset="0"/>
-                <a:cs typeface="Courier New" panose="02070309020205020404" pitchFamily="49" charset="0"/>
-              </a:rPr>
-              <a:t>      } else {</a:t>
-            </a:r>
-          </a:p>
-          <a:p>
-            <a:r>
-              <a:rPr lang="en-US" sz="1600" dirty="0">
+              <a:rPr lang="en-US" sz="1400" dirty="0">
+                <a:latin typeface="Courier New" panose="02070309020205020404" pitchFamily="49" charset="0"/>
+                <a:cs typeface="Courier New" panose="02070309020205020404" pitchFamily="49" charset="0"/>
+              </a:rPr>
+              <a:t>      } else { </a:t>
+            </a:r>
+          </a:p>
+          <a:p>
+            <a:r>
+              <a:rPr lang="en-US" sz="1400" dirty="0">
                 <a:latin typeface="Courier New" panose="02070309020205020404" pitchFamily="49" charset="0"/>
                 <a:cs typeface="Courier New" panose="02070309020205020404" pitchFamily="49" charset="0"/>
               </a:rPr>
               <a:t>         </a:t>
             </a:r>
             <a:r>
-              <a:rPr lang="en-US" sz="1600" b="1" dirty="0" err="1">
-                <a:solidFill>
-                  <a:srgbClr val="7030A0"/>
-                </a:solidFill>
+              <a:rPr lang="en-US" sz="1400" dirty="0" err="1">
                 <a:latin typeface="Courier New" panose="02070309020205020404" pitchFamily="49" charset="0"/>
                 <a:cs typeface="Courier New" panose="02070309020205020404" pitchFamily="49" charset="0"/>
               </a:rPr>
               <a:t>info.data</a:t>
             </a:r>
             <a:r>
-              <a:rPr lang="en-US" sz="1600" b="1" dirty="0">
-                <a:solidFill>
-                  <a:srgbClr val="7030A0"/>
-                </a:solidFill>
+              <a:rPr lang="en-US" sz="1400" dirty="0">
                 <a:latin typeface="Courier New" panose="02070309020205020404" pitchFamily="49" charset="0"/>
                 <a:cs typeface="Courier New" panose="02070309020205020404" pitchFamily="49" charset="0"/>
               </a:rPr>
               <a:t> = </a:t>
             </a:r>
             <a:r>
-              <a:rPr lang="en-US" sz="1600" b="1" dirty="0" err="1">
-                <a:solidFill>
-                  <a:srgbClr val="7030A0"/>
-                </a:solidFill>
+              <a:rPr lang="en-US" sz="1400" dirty="0" err="1">
                 <a:latin typeface="Courier New" panose="02070309020205020404" pitchFamily="49" charset="0"/>
                 <a:cs typeface="Courier New" panose="02070309020205020404" pitchFamily="49" charset="0"/>
               </a:rPr>
               <a:t>info.data</a:t>
             </a:r>
             <a:r>
-              <a:rPr lang="en-US" sz="1600" b="1" dirty="0">
-                <a:solidFill>
-                  <a:srgbClr val="7030A0"/>
-                </a:solidFill>
+              <a:rPr lang="en-US" sz="1400" dirty="0">
                 <a:latin typeface="Courier New" panose="02070309020205020404" pitchFamily="49" charset="0"/>
                 <a:cs typeface="Courier New" panose="02070309020205020404" pitchFamily="49" charset="0"/>
               </a:rPr>
               <a:t> &amp; ~ </a:t>
             </a:r>
             <a:r>
-              <a:rPr lang="en-US" sz="1600" b="1" dirty="0" err="1">
-                <a:solidFill>
-                  <a:srgbClr val="7030A0"/>
-                </a:solidFill>
+              <a:rPr lang="en-US" sz="1400" dirty="0" err="1">
                 <a:latin typeface="Courier New" panose="02070309020205020404" pitchFamily="49" charset="0"/>
                 <a:cs typeface="Courier New" panose="02070309020205020404" pitchFamily="49" charset="0"/>
               </a:rPr>
               <a:t>info.mask</a:t>
             </a:r>
             <a:r>
-              <a:rPr lang="en-US" sz="1600" b="1" dirty="0">
-                <a:solidFill>
-                  <a:srgbClr val="7030A0"/>
-                </a:solidFill>
+              <a:rPr lang="en-US" sz="1400" dirty="0">
                 <a:latin typeface="Courier New" panose="02070309020205020404" pitchFamily="49" charset="0"/>
                 <a:cs typeface="Courier New" panose="02070309020205020404" pitchFamily="49" charset="0"/>
               </a:rPr>
@@ -11138,7 +11125,7 @@
           </a:p>
           <a:p>
             <a:r>
-              <a:rPr lang="en-US" sz="1600" dirty="0">
+              <a:rPr lang="en-US" sz="1400" dirty="0">
                 <a:latin typeface="Courier New" panose="02070309020205020404" pitchFamily="49" charset="0"/>
                 <a:cs typeface="Courier New" panose="02070309020205020404" pitchFamily="49" charset="0"/>
               </a:rPr>
@@ -11147,7 +11134,7 @@
           </a:p>
           <a:p>
             <a:r>
-              <a:rPr lang="en-US" sz="1600" dirty="0">
+              <a:rPr lang="en-US" sz="1400" dirty="0">
                 <a:latin typeface="Courier New" panose="02070309020205020404" pitchFamily="49" charset="0"/>
                 <a:cs typeface="Courier New" panose="02070309020205020404" pitchFamily="49" charset="0"/>
               </a:rPr>
@@ -11155,20 +11142,20 @@
             </a:r>
           </a:p>
           <a:p>
-            <a:endParaRPr lang="en-US" sz="1600" dirty="0">
+            <a:endParaRPr lang="en-US" sz="1400" dirty="0">
               <a:latin typeface="Courier New" panose="02070309020205020404" pitchFamily="49" charset="0"/>
               <a:cs typeface="Courier New" panose="02070309020205020404" pitchFamily="49" charset="0"/>
             </a:endParaRPr>
           </a:p>
           <a:p>
             <a:r>
-              <a:rPr lang="en-US" sz="1600" dirty="0">
+              <a:rPr lang="en-US" sz="1400" dirty="0">
                 <a:latin typeface="Courier New" panose="02070309020205020404" pitchFamily="49" charset="0"/>
                 <a:cs typeface="Courier New" panose="02070309020205020404" pitchFamily="49" charset="0"/>
               </a:rPr>
               <a:t>};</a:t>
             </a:r>
-            <a:endParaRPr lang="nl-NL" sz="1600" dirty="0">
+            <a:endParaRPr lang="nl-NL" sz="1400" dirty="0">
               <a:latin typeface="Courier New" panose="02070309020205020404" pitchFamily="49" charset="0"/>
               <a:cs typeface="Courier New" panose="02070309020205020404" pitchFamily="49" charset="0"/>
             </a:endParaRPr>
@@ -11865,7 +11852,7 @@
             </a:pPr>
             <a:r>
               <a:rPr lang="nl-NL" dirty="0"/>
-              <a:t>A LED is a Light Emitting Diode, a </a:t>
+              <a:t>LED: a Light Emitting Diode; a </a:t>
             </a:r>
             <a:r>
               <a:rPr lang="nl-NL" dirty="0" err="1"/>
@@ -12676,7 +12663,7 @@
         </p:nvSpPr>
         <p:spPr>
           <a:xfrm>
-            <a:off x="1117037" y="1080296"/>
+            <a:off x="1190928" y="1054959"/>
             <a:ext cx="8478982" cy="5693866"/>
           </a:xfrm>
           <a:prstGeom prst="rect">
@@ -13462,7 +13449,7 @@
             </a:r>
             <a:r>
               <a:rPr lang="nl-NL" dirty="0"/>
-              <a:t> passing </a:t>
+              <a:t> GPIO passing </a:t>
             </a:r>
             <a:r>
               <a:rPr lang="nl-NL" dirty="0" err="1"/>
@@ -13487,7 +13474,7 @@
           <p:nvPr>
             <p:extLst>
               <p:ext uri="{D42A27DB-BD31-4B8C-83A1-F6EECF244321}">
-                <p14:modId xmlns:p14="http://schemas.microsoft.com/office/powerpoint/2010/main" val="1950096547"/>
+                <p14:modId xmlns:p14="http://schemas.microsoft.com/office/powerpoint/2010/main" val="3477307403"/>
               </p:ext>
             </p:extLst>
           </p:nvPr>
@@ -13524,14 +13511,14 @@
                     </a:ext>
                   </a:extLst>
                 </a:gridCol>
-                <a:gridCol w="3038667">
+                <a:gridCol w="2881649">
                   <a:extLst>
                     <a:ext uri="{9D8B030D-6E8A-4147-A177-3AD203B41FA5}">
                       <a16:colId xmlns:a16="http://schemas.microsoft.com/office/drawing/2014/main" val="3692811487"/>
                     </a:ext>
                   </a:extLst>
                 </a:gridCol>
-                <a:gridCol w="1209964">
+                <a:gridCol w="1366982">
                   <a:extLst>
                     <a:ext uri="{9D8B030D-6E8A-4147-A177-3AD203B41FA5}">
                       <a16:colId xmlns:a16="http://schemas.microsoft.com/office/drawing/2014/main" val="1606734157"/>
@@ -13783,7 +13770,11 @@
                     <a:p>
                       <a:r>
                         <a:rPr lang="nl-NL" dirty="0"/>
-                        <a:t>No *</a:t>
+                        <a:t>No </a:t>
+                      </a:r>
+                      <a:r>
+                        <a:rPr lang="nl-NL" baseline="30000" dirty="0"/>
+                        <a:t>$</a:t>
                       </a:r>
                     </a:p>
                   </a:txBody>
@@ -13978,7 +13969,7 @@
                     <a:p>
                       <a:r>
                         <a:rPr lang="nl-NL" dirty="0"/>
-                        <a:t>362</a:t>
+                        <a:t>434</a:t>
                       </a:r>
                     </a:p>
                   </a:txBody>
@@ -14156,7 +14147,15 @@
                       </a:r>
                       <a:r>
                         <a:rPr lang="nl-NL" dirty="0"/>
-                        <a:t> weirdo’s (Odin, Wouter, …)</a:t>
+                        <a:t> (Odin Holmes, Wouter van Ooijen, </a:t>
+                      </a:r>
+                      <a:r>
+                        <a:rPr lang="nl-NL" dirty="0" err="1"/>
+                        <a:t>Roboterclub</a:t>
+                      </a:r>
+                      <a:r>
+                        <a:rPr lang="nl-NL" dirty="0"/>
+                        <a:t> Aachen …)</a:t>
                       </a:r>
                     </a:p>
                   </a:txBody>
@@ -14391,8 +14390,12 @@
               <a:buNone/>
             </a:pPr>
             <a:r>
-              <a:rPr lang="nl-NL" dirty="0"/>
-              <a:t>* Depends on </a:t>
+              <a:rPr lang="nl-NL" baseline="30000" dirty="0"/>
+              <a:t>$</a:t>
+            </a:r>
+            <a:r>
+              <a:rPr lang="nl-NL" dirty="0"/>
+              <a:t> Depends on </a:t>
             </a:r>
             <a:r>
               <a:rPr lang="nl-NL" dirty="0" err="1"/>
@@ -14438,7 +14441,15 @@
             </a:r>
             <a:r>
               <a:rPr lang="nl-NL" dirty="0"/>
-              <a:t> change </a:t>
+              <a:t> </a:t>
+            </a:r>
+            <a:r>
+              <a:rPr lang="nl-NL" dirty="0" err="1"/>
+              <a:t>remove</a:t>
+            </a:r>
+            <a:r>
+              <a:rPr lang="nl-NL" dirty="0"/>
+              <a:t> </a:t>
             </a:r>
             <a:r>
               <a:rPr lang="nl-NL" dirty="0" err="1"/>
@@ -14450,7 +14461,7 @@
             </a:r>
             <a:r>
               <a:rPr lang="nl-NL" dirty="0" err="1"/>
-              <a:t>figures</a:t>
+              <a:t>differences</a:t>
             </a:r>
             <a:r>
               <a:rPr lang="nl-NL" dirty="0"/>
@@ -14516,6 +14527,14 @@
             </a:r>
             <a:r>
               <a:rPr lang="nl-NL" dirty="0" err="1"/>
+              <a:t>so</a:t>
+            </a:r>
+            <a:r>
+              <a:rPr lang="nl-NL" dirty="0"/>
+              <a:t> far, </a:t>
+            </a:r>
+            <a:r>
+              <a:rPr lang="nl-NL" dirty="0" err="1"/>
               <a:t>and</a:t>
             </a:r>
             <a:r>
@@ -14528,7 +14547,7 @@
             </a:r>
             <a:r>
               <a:rPr lang="nl-NL" dirty="0"/>
-              <a:t> A?</a:t>
+              <a:t> even A?</a:t>
             </a:r>
           </a:p>
         </p:txBody>
@@ -16377,12 +16396,8 @@
           <a:p>
             <a:pPr lvl="1"/>
             <a:r>
-              <a:rPr lang="nl-NL" dirty="0" err="1"/>
-              <a:t>Hardvard</a:t>
-            </a:r>
-            <a:r>
-              <a:rPr lang="nl-NL" dirty="0"/>
-              <a:t> </a:t>
+              <a:rPr lang="nl-NL" dirty="0"/>
+              <a:t>Harvard </a:t>
             </a:r>
             <a:r>
               <a:rPr lang="nl-NL" dirty="0" err="1"/>

--- a/powerpoint/gpio-abstractions.pptx
+++ b/powerpoint/gpio-abstractions.pptx
@@ -284,7 +284,7 @@
           <a:p>
             <a:fld id="{A68006B4-A719-4B19-A014-00434E01F6E7}" type="datetimeFigureOut">
               <a:rPr lang="nl-NL" smtClean="0"/>
-              <a:t>16-7-2021</a:t>
+              <a:t>11-10-2021</a:t>
             </a:fld>
             <a:endParaRPr lang="nl-NL"/>
           </a:p>
@@ -484,7 +484,7 @@
           <a:p>
             <a:fld id="{A68006B4-A719-4B19-A014-00434E01F6E7}" type="datetimeFigureOut">
               <a:rPr lang="nl-NL" smtClean="0"/>
-              <a:t>16-7-2021</a:t>
+              <a:t>11-10-2021</a:t>
             </a:fld>
             <a:endParaRPr lang="nl-NL"/>
           </a:p>
@@ -694,7 +694,7 @@
           <a:p>
             <a:fld id="{A68006B4-A719-4B19-A014-00434E01F6E7}" type="datetimeFigureOut">
               <a:rPr lang="nl-NL" smtClean="0"/>
-              <a:t>16-7-2021</a:t>
+              <a:t>11-10-2021</a:t>
             </a:fld>
             <a:endParaRPr lang="nl-NL"/>
           </a:p>
@@ -1044,7 +1044,7 @@
           <a:p>
             <a:fld id="{A68006B4-A719-4B19-A014-00434E01F6E7}" type="datetimeFigureOut">
               <a:rPr lang="nl-NL" smtClean="0"/>
-              <a:t>16-7-2021</a:t>
+              <a:t>11-10-2021</a:t>
             </a:fld>
             <a:endParaRPr lang="nl-NL"/>
           </a:p>
@@ -1320,7 +1320,7 @@
           <a:p>
             <a:fld id="{A68006B4-A719-4B19-A014-00434E01F6E7}" type="datetimeFigureOut">
               <a:rPr lang="nl-NL" smtClean="0"/>
-              <a:t>16-7-2021</a:t>
+              <a:t>11-10-2021</a:t>
             </a:fld>
             <a:endParaRPr lang="nl-NL"/>
           </a:p>
@@ -1588,7 +1588,7 @@
           <a:p>
             <a:fld id="{A68006B4-A719-4B19-A014-00434E01F6E7}" type="datetimeFigureOut">
               <a:rPr lang="nl-NL" smtClean="0"/>
-              <a:t>16-7-2021</a:t>
+              <a:t>11-10-2021</a:t>
             </a:fld>
             <a:endParaRPr lang="nl-NL"/>
           </a:p>
@@ -2003,7 +2003,7 @@
           <a:p>
             <a:fld id="{A68006B4-A719-4B19-A014-00434E01F6E7}" type="datetimeFigureOut">
               <a:rPr lang="nl-NL" smtClean="0"/>
-              <a:t>16-7-2021</a:t>
+              <a:t>11-10-2021</a:t>
             </a:fld>
             <a:endParaRPr lang="nl-NL"/>
           </a:p>
@@ -2145,7 +2145,7 @@
           <a:p>
             <a:fld id="{A68006B4-A719-4B19-A014-00434E01F6E7}" type="datetimeFigureOut">
               <a:rPr lang="nl-NL" smtClean="0"/>
-              <a:t>16-7-2021</a:t>
+              <a:t>11-10-2021</a:t>
             </a:fld>
             <a:endParaRPr lang="nl-NL"/>
           </a:p>
@@ -2258,7 +2258,7 @@
           <a:p>
             <a:fld id="{A68006B4-A719-4B19-A014-00434E01F6E7}" type="datetimeFigureOut">
               <a:rPr lang="nl-NL" smtClean="0"/>
-              <a:t>16-7-2021</a:t>
+              <a:t>11-10-2021</a:t>
             </a:fld>
             <a:endParaRPr lang="nl-NL"/>
           </a:p>
@@ -2571,7 +2571,7 @@
           <a:p>
             <a:fld id="{A68006B4-A719-4B19-A014-00434E01F6E7}" type="datetimeFigureOut">
               <a:rPr lang="nl-NL" smtClean="0"/>
-              <a:t>16-7-2021</a:t>
+              <a:t>11-10-2021</a:t>
             </a:fld>
             <a:endParaRPr lang="nl-NL"/>
           </a:p>
@@ -2860,7 +2860,7 @@
           <a:p>
             <a:fld id="{A68006B4-A719-4B19-A014-00434E01F6E7}" type="datetimeFigureOut">
               <a:rPr lang="nl-NL" smtClean="0"/>
-              <a:t>16-7-2021</a:t>
+              <a:t>11-10-2021</a:t>
             </a:fld>
             <a:endParaRPr lang="nl-NL"/>
           </a:p>
@@ -3106,7 +3106,7 @@
           <a:p>
             <a:fld id="{A68006B4-A719-4B19-A014-00434E01F6E7}" type="datetimeFigureOut">
               <a:rPr lang="nl-NL" smtClean="0"/>
-              <a:t>16-7-2021</a:t>
+              <a:t>11-10-2021</a:t>
             </a:fld>
             <a:endParaRPr lang="nl-NL"/>
           </a:p>
@@ -7399,7 +7399,7 @@
             </a:pPr>
             <a:r>
               <a:rPr lang="nl-NL" dirty="0" err="1"/>
-              <a:t>Let’s</a:t>
+              <a:t>Now</a:t>
             </a:r>
             <a:r>
               <a:rPr lang="nl-NL" dirty="0"/>
@@ -7407,6 +7407,14 @@
             </a:r>
             <a:r>
               <a:rPr lang="nl-NL" dirty="0" err="1"/>
+              <a:t>let’s</a:t>
+            </a:r>
+            <a:r>
+              <a:rPr lang="nl-NL" dirty="0"/>
+              <a:t> </a:t>
+            </a:r>
+            <a:r>
+              <a:rPr lang="nl-NL" dirty="0" err="1"/>
               <a:t>write</a:t>
             </a:r>
             <a:r>
@@ -7414,7 +7422,7 @@
               <a:t> a blink </a:t>
             </a:r>
             <a:r>
-              <a:rPr lang="nl-NL" dirty="0" err="1"/>
+              <a:rPr lang="nl-NL" b="1" dirty="0" err="1"/>
               <a:t>function</a:t>
             </a:r>
             <a:r>
@@ -7810,7 +7818,10 @@
           <a:lstStyle/>
           <a:p>
             <a:r>
-              <a:rPr lang="en-US" sz="1600" dirty="0">
+              <a:rPr lang="en-US" sz="1600" b="1" dirty="0">
+                <a:solidFill>
+                  <a:srgbClr val="7030A0"/>
+                </a:solidFill>
                 <a:latin typeface="Courier New" panose="02070309020205020404" pitchFamily="49" charset="0"/>
                 <a:cs typeface="Courier New" panose="02070309020205020404" pitchFamily="49" charset="0"/>
               </a:rPr>
@@ -7819,7 +7830,10 @@
           </a:p>
           <a:p>
             <a:r>
-              <a:rPr lang="en-US" sz="1600" dirty="0">
+              <a:rPr lang="en-US" sz="1600" b="1" dirty="0">
+                <a:solidFill>
+                  <a:srgbClr val="7030A0"/>
+                </a:solidFill>
                 <a:latin typeface="Courier New" panose="02070309020205020404" pitchFamily="49" charset="0"/>
                 <a:cs typeface="Courier New" panose="02070309020205020404" pitchFamily="49" charset="0"/>
               </a:rPr>
@@ -7828,7 +7842,10 @@
           </a:p>
           <a:p>
             <a:r>
-              <a:rPr lang="en-US" sz="1600" dirty="0">
+              <a:rPr lang="en-US" sz="1600" b="1" dirty="0">
+                <a:solidFill>
+                  <a:srgbClr val="7030A0"/>
+                </a:solidFill>
                 <a:latin typeface="Courier New" panose="02070309020205020404" pitchFamily="49" charset="0"/>
                 <a:cs typeface="Courier New" panose="02070309020205020404" pitchFamily="49" charset="0"/>
               </a:rPr>
@@ -9988,7 +10005,15 @@
           <a:p>
             <a:r>
               <a:rPr lang="nl-NL" dirty="0"/>
-              <a:t>Using </a:t>
+              <a:t>OO: </a:t>
+            </a:r>
+            <a:r>
+              <a:rPr lang="nl-NL" dirty="0" err="1"/>
+              <a:t>using</a:t>
+            </a:r>
+            <a:r>
+              <a:rPr lang="nl-NL" dirty="0"/>
+              <a:t> </a:t>
             </a:r>
             <a:r>
               <a:rPr lang="nl-NL" dirty="0" err="1"/>
@@ -18791,7 +18816,15 @@
             </a:r>
             <a:r>
               <a:rPr lang="nl-NL" dirty="0"/>
-              <a:t> </a:t>
+              <a:t> (</a:t>
+            </a:r>
+            <a:r>
+              <a:rPr lang="nl-NL" dirty="0" err="1"/>
+              <a:t>still</a:t>
+            </a:r>
+            <a:r>
+              <a:rPr lang="nl-NL" dirty="0"/>
+              <a:t>…) </a:t>
             </a:r>
             <a:r>
               <a:rPr lang="nl-NL" dirty="0" err="1"/>

--- a/powerpoint/gpio-abstractions.pptx
+++ b/powerpoint/gpio-abstractions.pptx
@@ -25,10 +25,11 @@
     <p:sldId id="276" r:id="rId19"/>
     <p:sldId id="277" r:id="rId20"/>
     <p:sldId id="278" r:id="rId21"/>
-    <p:sldId id="279" r:id="rId22"/>
-    <p:sldId id="280" r:id="rId23"/>
-    <p:sldId id="267" r:id="rId24"/>
-    <p:sldId id="274" r:id="rId25"/>
+    <p:sldId id="282" r:id="rId22"/>
+    <p:sldId id="279" r:id="rId23"/>
+    <p:sldId id="280" r:id="rId24"/>
+    <p:sldId id="267" r:id="rId25"/>
+    <p:sldId id="274" r:id="rId26"/>
   </p:sldIdLst>
   <p:sldSz cx="12192000" cy="6858000"/>
   <p:notesSz cx="6858000" cy="9144000"/>
@@ -284,7 +285,7 @@
           <a:p>
             <a:fld id="{A68006B4-A719-4B19-A014-00434E01F6E7}" type="datetimeFigureOut">
               <a:rPr lang="nl-NL" smtClean="0"/>
-              <a:t>16-7-2021</a:t>
+              <a:t>13-10-2021</a:t>
             </a:fld>
             <a:endParaRPr lang="nl-NL"/>
           </a:p>
@@ -484,7 +485,7 @@
           <a:p>
             <a:fld id="{A68006B4-A719-4B19-A014-00434E01F6E7}" type="datetimeFigureOut">
               <a:rPr lang="nl-NL" smtClean="0"/>
-              <a:t>16-7-2021</a:t>
+              <a:t>13-10-2021</a:t>
             </a:fld>
             <a:endParaRPr lang="nl-NL"/>
           </a:p>
@@ -694,7 +695,7 @@
           <a:p>
             <a:fld id="{A68006B4-A719-4B19-A014-00434E01F6E7}" type="datetimeFigureOut">
               <a:rPr lang="nl-NL" smtClean="0"/>
-              <a:t>16-7-2021</a:t>
+              <a:t>13-10-2021</a:t>
             </a:fld>
             <a:endParaRPr lang="nl-NL"/>
           </a:p>
@@ -1044,7 +1045,7 @@
           <a:p>
             <a:fld id="{A68006B4-A719-4B19-A014-00434E01F6E7}" type="datetimeFigureOut">
               <a:rPr lang="nl-NL" smtClean="0"/>
-              <a:t>16-7-2021</a:t>
+              <a:t>13-10-2021</a:t>
             </a:fld>
             <a:endParaRPr lang="nl-NL"/>
           </a:p>
@@ -1320,7 +1321,7 @@
           <a:p>
             <a:fld id="{A68006B4-A719-4B19-A014-00434E01F6E7}" type="datetimeFigureOut">
               <a:rPr lang="nl-NL" smtClean="0"/>
-              <a:t>16-7-2021</a:t>
+              <a:t>13-10-2021</a:t>
             </a:fld>
             <a:endParaRPr lang="nl-NL"/>
           </a:p>
@@ -1588,7 +1589,7 @@
           <a:p>
             <a:fld id="{A68006B4-A719-4B19-A014-00434E01F6E7}" type="datetimeFigureOut">
               <a:rPr lang="nl-NL" smtClean="0"/>
-              <a:t>16-7-2021</a:t>
+              <a:t>13-10-2021</a:t>
             </a:fld>
             <a:endParaRPr lang="nl-NL"/>
           </a:p>
@@ -2003,7 +2004,7 @@
           <a:p>
             <a:fld id="{A68006B4-A719-4B19-A014-00434E01F6E7}" type="datetimeFigureOut">
               <a:rPr lang="nl-NL" smtClean="0"/>
-              <a:t>16-7-2021</a:t>
+              <a:t>13-10-2021</a:t>
             </a:fld>
             <a:endParaRPr lang="nl-NL"/>
           </a:p>
@@ -2145,7 +2146,7 @@
           <a:p>
             <a:fld id="{A68006B4-A719-4B19-A014-00434E01F6E7}" type="datetimeFigureOut">
               <a:rPr lang="nl-NL" smtClean="0"/>
-              <a:t>16-7-2021</a:t>
+              <a:t>13-10-2021</a:t>
             </a:fld>
             <a:endParaRPr lang="nl-NL"/>
           </a:p>
@@ -2258,7 +2259,7 @@
           <a:p>
             <a:fld id="{A68006B4-A719-4B19-A014-00434E01F6E7}" type="datetimeFigureOut">
               <a:rPr lang="nl-NL" smtClean="0"/>
-              <a:t>16-7-2021</a:t>
+              <a:t>13-10-2021</a:t>
             </a:fld>
             <a:endParaRPr lang="nl-NL"/>
           </a:p>
@@ -2571,7 +2572,7 @@
           <a:p>
             <a:fld id="{A68006B4-A719-4B19-A014-00434E01F6E7}" type="datetimeFigureOut">
               <a:rPr lang="nl-NL" smtClean="0"/>
-              <a:t>16-7-2021</a:t>
+              <a:t>13-10-2021</a:t>
             </a:fld>
             <a:endParaRPr lang="nl-NL"/>
           </a:p>
@@ -2860,7 +2861,7 @@
           <a:p>
             <a:fld id="{A68006B4-A719-4B19-A014-00434E01F6E7}" type="datetimeFigureOut">
               <a:rPr lang="nl-NL" smtClean="0"/>
-              <a:t>16-7-2021</a:t>
+              <a:t>13-10-2021</a:t>
             </a:fld>
             <a:endParaRPr lang="nl-NL"/>
           </a:p>
@@ -3106,7 +3107,7 @@
           <a:p>
             <a:fld id="{A68006B4-A719-4B19-A014-00434E01F6E7}" type="datetimeFigureOut">
               <a:rPr lang="nl-NL" smtClean="0"/>
-              <a:t>16-7-2021</a:t>
+              <a:t>13-10-2021</a:t>
             </a:fld>
             <a:endParaRPr lang="nl-NL"/>
           </a:p>
@@ -6574,13 +6575,28 @@
           </a:bodyPr>
           <a:lstStyle/>
           <a:p>
-            <a:r>
-              <a:rPr lang="nl-NL" dirty="0"/>
-              <a:t>Using </a:t>
-            </a:r>
-            <a:r>
-              <a:rPr lang="nl-NL" dirty="0" err="1"/>
-              <a:t>the</a:t>
+            <a:pPr marL="0" indent="0">
+              <a:buNone/>
+            </a:pPr>
+            <a:r>
+              <a:rPr lang="nl-NL" dirty="0" err="1"/>
+              <a:t>Who</a:t>
+            </a:r>
+            <a:r>
+              <a:rPr lang="nl-NL" dirty="0"/>
+              <a:t> wants </a:t>
+            </a:r>
+            <a:r>
+              <a:rPr lang="nl-NL" dirty="0" err="1"/>
+              <a:t>to</a:t>
+            </a:r>
+            <a:r>
+              <a:rPr lang="nl-NL" dirty="0"/>
+              <a:t> type in </a:t>
+            </a:r>
+            <a:r>
+              <a:rPr lang="nl-NL" dirty="0" err="1"/>
+              <a:t>all</a:t>
             </a:r>
             <a:r>
               <a:rPr lang="nl-NL" dirty="0"/>
@@ -6588,11 +6604,19 @@
             </a:r>
             <a:r>
               <a:rPr lang="nl-NL" dirty="0" err="1"/>
-              <a:t>manufacturers</a:t>
-            </a:r>
-            <a:r>
-              <a:rPr lang="nl-NL" dirty="0"/>
-              <a:t> header</a:t>
+              <a:t>those</a:t>
+            </a:r>
+            <a:r>
+              <a:rPr lang="nl-NL" dirty="0"/>
+              <a:t> </a:t>
+            </a:r>
+            <a:r>
+              <a:rPr lang="nl-NL" dirty="0" err="1"/>
+              <a:t>addresses</a:t>
+            </a:r>
+            <a:r>
+              <a:rPr lang="nl-NL" dirty="0"/>
+              <a:t>?</a:t>
             </a:r>
           </a:p>
         </p:txBody>
@@ -7267,23 +7291,7 @@
             </a:pPr>
             <a:r>
               <a:rPr lang="nl-NL" dirty="0" err="1"/>
-              <a:t>Who</a:t>
-            </a:r>
-            <a:r>
-              <a:rPr lang="nl-NL" dirty="0"/>
-              <a:t> wants </a:t>
-            </a:r>
-            <a:r>
-              <a:rPr lang="nl-NL" dirty="0" err="1"/>
-              <a:t>to</a:t>
-            </a:r>
-            <a:r>
-              <a:rPr lang="nl-NL" dirty="0"/>
-              <a:t> type in </a:t>
-            </a:r>
-            <a:r>
-              <a:rPr lang="nl-NL" dirty="0" err="1"/>
-              <a:t>all</a:t>
+              <a:t>Use</a:t>
             </a:r>
             <a:r>
               <a:rPr lang="nl-NL" dirty="0"/>
@@ -7291,7 +7299,7 @@
             </a:r>
             <a:r>
               <a:rPr lang="nl-NL" dirty="0" err="1"/>
-              <a:t>those</a:t>
+              <a:t>the</a:t>
             </a:r>
             <a:r>
               <a:rPr lang="nl-NL" dirty="0"/>
@@ -7299,11 +7307,11 @@
             </a:r>
             <a:r>
               <a:rPr lang="nl-NL" dirty="0" err="1"/>
-              <a:t>addresses</a:t>
-            </a:r>
-            <a:r>
-              <a:rPr lang="nl-NL" dirty="0"/>
-              <a:t>?</a:t>
+              <a:t>manufactur-supplied</a:t>
+            </a:r>
+            <a:r>
+              <a:rPr lang="nl-NL" dirty="0"/>
+              <a:t> header</a:t>
             </a:r>
           </a:p>
         </p:txBody>
@@ -7419,7 +7427,16 @@
             </a:r>
             <a:r>
               <a:rPr lang="nl-NL" dirty="0"/>
-              <a:t>! - But </a:t>
+              <a:t>! </a:t>
+            </a:r>
+          </a:p>
+          <a:p>
+            <a:pPr marL="0" indent="0">
+              <a:buNone/>
+            </a:pPr>
+            <a:r>
+              <a:rPr lang="nl-NL" dirty="0"/>
+              <a:t>- But </a:t>
             </a:r>
             <a:r>
               <a:rPr lang="nl-NL" dirty="0" err="1"/>
@@ -7810,7 +7827,10 @@
           <a:lstStyle/>
           <a:p>
             <a:r>
-              <a:rPr lang="en-US" sz="1600" dirty="0">
+              <a:rPr lang="en-US" sz="1600" b="1" dirty="0">
+                <a:solidFill>
+                  <a:srgbClr val="7030A0"/>
+                </a:solidFill>
                 <a:latin typeface="Courier New" panose="02070309020205020404" pitchFamily="49" charset="0"/>
                 <a:cs typeface="Courier New" panose="02070309020205020404" pitchFamily="49" charset="0"/>
               </a:rPr>
@@ -7819,7 +7839,10 @@
           </a:p>
           <a:p>
             <a:r>
-              <a:rPr lang="en-US" sz="1600" dirty="0">
+              <a:rPr lang="en-US" sz="1600" b="1" dirty="0">
+                <a:solidFill>
+                  <a:srgbClr val="7030A0"/>
+                </a:solidFill>
                 <a:latin typeface="Courier New" panose="02070309020205020404" pitchFamily="49" charset="0"/>
                 <a:cs typeface="Courier New" panose="02070309020205020404" pitchFamily="49" charset="0"/>
               </a:rPr>
@@ -7828,7 +7851,10 @@
           </a:p>
           <a:p>
             <a:r>
-              <a:rPr lang="en-US" sz="1600" dirty="0">
+              <a:rPr lang="en-US" sz="1600" b="1" dirty="0">
+                <a:solidFill>
+                  <a:srgbClr val="7030A0"/>
+                </a:solidFill>
                 <a:latin typeface="Courier New" panose="02070309020205020404" pitchFamily="49" charset="0"/>
                 <a:cs typeface="Courier New" panose="02070309020205020404" pitchFamily="49" charset="0"/>
               </a:rPr>
@@ -7865,7 +7891,58 @@
                 <a:latin typeface="Courier New" panose="02070309020205020404" pitchFamily="49" charset="0"/>
                 <a:cs typeface="Courier New" panose="02070309020205020404" pitchFamily="49" charset="0"/>
               </a:rPr>
-              <a:t>   LED_DDR = LED_DDR| ( 0b01 &lt;&lt; 5 );</a:t>
+              <a:t>   </a:t>
+            </a:r>
+            <a:r>
+              <a:rPr lang="en-US" sz="1600" b="1" dirty="0">
+                <a:solidFill>
+                  <a:srgbClr val="7030A0"/>
+                </a:solidFill>
+                <a:latin typeface="Courier New" panose="02070309020205020404" pitchFamily="49" charset="0"/>
+                <a:cs typeface="Courier New" panose="02070309020205020404" pitchFamily="49" charset="0"/>
+              </a:rPr>
+              <a:t>LED_DDR </a:t>
+            </a:r>
+            <a:r>
+              <a:rPr lang="en-US" sz="1600" dirty="0">
+                <a:latin typeface="Courier New" panose="02070309020205020404" pitchFamily="49" charset="0"/>
+                <a:cs typeface="Courier New" panose="02070309020205020404" pitchFamily="49" charset="0"/>
+              </a:rPr>
+              <a:t>= </a:t>
+            </a:r>
+            <a:r>
+              <a:rPr lang="en-US" sz="1600" b="1" dirty="0">
+                <a:solidFill>
+                  <a:srgbClr val="7030A0"/>
+                </a:solidFill>
+                <a:latin typeface="Courier New" panose="02070309020205020404" pitchFamily="49" charset="0"/>
+                <a:cs typeface="Courier New" panose="02070309020205020404" pitchFamily="49" charset="0"/>
+              </a:rPr>
+              <a:t>LED_DDR </a:t>
+            </a:r>
+            <a:r>
+              <a:rPr lang="en-US" sz="1600" dirty="0">
+                <a:latin typeface="Courier New" panose="02070309020205020404" pitchFamily="49" charset="0"/>
+                <a:cs typeface="Courier New" panose="02070309020205020404" pitchFamily="49" charset="0"/>
+              </a:rPr>
+              <a:t>| </a:t>
+            </a:r>
+            <a:r>
+              <a:rPr lang="en-US" sz="1600" b="1" dirty="0">
+                <a:solidFill>
+                  <a:srgbClr val="7030A0"/>
+                </a:solidFill>
+                <a:latin typeface="Courier New" panose="02070309020205020404" pitchFamily="49" charset="0"/>
+                <a:cs typeface="Courier New" panose="02070309020205020404" pitchFamily="49" charset="0"/>
+              </a:rPr>
+              <a:t>LED_MASK</a:t>
+            </a:r>
+            <a:r>
+              <a:rPr lang="en-US" sz="1600" dirty="0">
+                <a:latin typeface="Courier New" panose="02070309020205020404" pitchFamily="49" charset="0"/>
+                <a:cs typeface="Courier New" panose="02070309020205020404" pitchFamily="49" charset="0"/>
+              </a:rPr>
+              <a:t>;</a:t>
             </a:r>
           </a:p>
           <a:p>
@@ -7898,15 +7975,66 @@
                 <a:latin typeface="Courier New" panose="02070309020205020404" pitchFamily="49" charset="0"/>
                 <a:cs typeface="Courier New" panose="02070309020205020404" pitchFamily="49" charset="0"/>
               </a:rPr>
-              <a:t>      LED_PORT = LED_PORT | LED_MASK;</a:t>
-            </a:r>
-          </a:p>
-          <a:p>
+              <a:t>      </a:t>
+            </a:r>
+            <a:r>
+              <a:rPr lang="en-US" sz="1600" b="1" dirty="0">
+                <a:solidFill>
+                  <a:srgbClr val="7030A0"/>
+                </a:solidFill>
+                <a:latin typeface="Courier New" panose="02070309020205020404" pitchFamily="49" charset="0"/>
+                <a:cs typeface="Courier New" panose="02070309020205020404" pitchFamily="49" charset="0"/>
+              </a:rPr>
+              <a:t>LED_PORT </a:t>
+            </a:r>
             <a:r>
               <a:rPr lang="en-US" sz="1600" dirty="0">
                 <a:latin typeface="Courier New" panose="02070309020205020404" pitchFamily="49" charset="0"/>
                 <a:cs typeface="Courier New" panose="02070309020205020404" pitchFamily="49" charset="0"/>
               </a:rPr>
+              <a:t>= </a:t>
+            </a:r>
+            <a:r>
+              <a:rPr lang="en-US" sz="1600" b="1" dirty="0">
+                <a:solidFill>
+                  <a:srgbClr val="7030A0"/>
+                </a:solidFill>
+                <a:latin typeface="Courier New" panose="02070309020205020404" pitchFamily="49" charset="0"/>
+                <a:cs typeface="Courier New" panose="02070309020205020404" pitchFamily="49" charset="0"/>
+              </a:rPr>
+              <a:t>LED_PORT </a:t>
+            </a:r>
+            <a:r>
+              <a:rPr lang="en-US" sz="1600" dirty="0">
+                <a:latin typeface="Courier New" panose="02070309020205020404" pitchFamily="49" charset="0"/>
+                <a:cs typeface="Courier New" panose="02070309020205020404" pitchFamily="49" charset="0"/>
+              </a:rPr>
+              <a:t>| </a:t>
+            </a:r>
+            <a:r>
+              <a:rPr lang="en-US" sz="1600" b="1" dirty="0">
+                <a:solidFill>
+                  <a:srgbClr val="7030A0"/>
+                </a:solidFill>
+                <a:latin typeface="Courier New" panose="02070309020205020404" pitchFamily="49" charset="0"/>
+                <a:cs typeface="Courier New" panose="02070309020205020404" pitchFamily="49" charset="0"/>
+              </a:rPr>
+              <a:t>LED_MASK</a:t>
+            </a:r>
+            <a:r>
+              <a:rPr lang="en-US" sz="1600" dirty="0">
+                <a:latin typeface="Courier New" panose="02070309020205020404" pitchFamily="49" charset="0"/>
+                <a:cs typeface="Courier New" panose="02070309020205020404" pitchFamily="49" charset="0"/>
+              </a:rPr>
+              <a:t>;</a:t>
+            </a:r>
+          </a:p>
+          <a:p>
+            <a:r>
+              <a:rPr lang="en-US" sz="1600" dirty="0">
+                <a:latin typeface="Courier New" panose="02070309020205020404" pitchFamily="49" charset="0"/>
+                <a:cs typeface="Courier New" panose="02070309020205020404" pitchFamily="49" charset="0"/>
+              </a:rPr>
               <a:t>      </a:t>
             </a:r>
           </a:p>
@@ -8004,7 +8132,58 @@
                 <a:latin typeface="Courier New" panose="02070309020205020404" pitchFamily="49" charset="0"/>
                 <a:cs typeface="Courier New" panose="02070309020205020404" pitchFamily="49" charset="0"/>
               </a:rPr>
-              <a:t>      LED_PORT = LED_PORT &amp; ~ LED_MASK;</a:t>
+              <a:t>      </a:t>
+            </a:r>
+            <a:r>
+              <a:rPr lang="en-US" sz="1600" b="1" dirty="0">
+                <a:solidFill>
+                  <a:srgbClr val="7030A0"/>
+                </a:solidFill>
+                <a:latin typeface="Courier New" panose="02070309020205020404" pitchFamily="49" charset="0"/>
+                <a:cs typeface="Courier New" panose="02070309020205020404" pitchFamily="49" charset="0"/>
+              </a:rPr>
+              <a:t>LED_PORT </a:t>
+            </a:r>
+            <a:r>
+              <a:rPr lang="en-US" sz="1600" dirty="0">
+                <a:latin typeface="Courier New" panose="02070309020205020404" pitchFamily="49" charset="0"/>
+                <a:cs typeface="Courier New" panose="02070309020205020404" pitchFamily="49" charset="0"/>
+              </a:rPr>
+              <a:t>= </a:t>
+            </a:r>
+            <a:r>
+              <a:rPr lang="en-US" sz="1600" b="1" dirty="0">
+                <a:solidFill>
+                  <a:srgbClr val="7030A0"/>
+                </a:solidFill>
+                <a:latin typeface="Courier New" panose="02070309020205020404" pitchFamily="49" charset="0"/>
+                <a:cs typeface="Courier New" panose="02070309020205020404" pitchFamily="49" charset="0"/>
+              </a:rPr>
+              <a:t>LED_PORT </a:t>
+            </a:r>
+            <a:r>
+              <a:rPr lang="en-US" sz="1600" dirty="0">
+                <a:latin typeface="Courier New" panose="02070309020205020404" pitchFamily="49" charset="0"/>
+                <a:cs typeface="Courier New" panose="02070309020205020404" pitchFamily="49" charset="0"/>
+              </a:rPr>
+              <a:t>&amp; ~ </a:t>
+            </a:r>
+            <a:r>
+              <a:rPr lang="en-US" sz="1600" b="1" dirty="0">
+                <a:solidFill>
+                  <a:srgbClr val="7030A0"/>
+                </a:solidFill>
+                <a:latin typeface="Courier New" panose="02070309020205020404" pitchFamily="49" charset="0"/>
+                <a:cs typeface="Courier New" panose="02070309020205020404" pitchFamily="49" charset="0"/>
+              </a:rPr>
+              <a:t>LED_MASK</a:t>
+            </a:r>
+            <a:r>
+              <a:rPr lang="en-US" sz="1600" dirty="0">
+                <a:latin typeface="Courier New" panose="02070309020205020404" pitchFamily="49" charset="0"/>
+                <a:cs typeface="Courier New" panose="02070309020205020404" pitchFamily="49" charset="0"/>
+              </a:rPr>
+              <a:t>;</a:t>
             </a:r>
           </a:p>
           <a:p>
@@ -10911,21 +11090,44 @@
                 <a:latin typeface="Courier New" panose="02070309020205020404" pitchFamily="49" charset="0"/>
                 <a:cs typeface="Courier New" panose="02070309020205020404" pitchFamily="49" charset="0"/>
               </a:rPr>
-              <a:t>   void </a:t>
-            </a:r>
-            <a:r>
-              <a:rPr lang="en-US" sz="1400" dirty="0" err="1">
+              <a:t>   </a:t>
+            </a:r>
+            <a:r>
+              <a:rPr lang="en-US" sz="1400" b="1" dirty="0">
+                <a:solidFill>
+                  <a:srgbClr val="7030A0"/>
+                </a:solidFill>
+                <a:latin typeface="Courier New" panose="02070309020205020404" pitchFamily="49" charset="0"/>
+                <a:cs typeface="Courier New" panose="02070309020205020404" pitchFamily="49" charset="0"/>
+              </a:rPr>
+              <a:t>void </a:t>
+            </a:r>
+            <a:r>
+              <a:rPr lang="en-US" sz="1400" b="1" dirty="0" err="1">
+                <a:solidFill>
+                  <a:srgbClr val="7030A0"/>
+                </a:solidFill>
                 <a:latin typeface="Courier New" panose="02070309020205020404" pitchFamily="49" charset="0"/>
                 <a:cs typeface="Courier New" panose="02070309020205020404" pitchFamily="49" charset="0"/>
               </a:rPr>
               <a:t>mode_output</a:t>
             </a:r>
             <a:r>
+              <a:rPr lang="en-US" sz="1400" b="1" dirty="0">
+                <a:solidFill>
+                  <a:srgbClr val="7030A0"/>
+                </a:solidFill>
+                <a:latin typeface="Courier New" panose="02070309020205020404" pitchFamily="49" charset="0"/>
+                <a:cs typeface="Courier New" panose="02070309020205020404" pitchFamily="49" charset="0"/>
+              </a:rPr>
+              <a:t>() override </a:t>
+            </a:r>
+            <a:r>
               <a:rPr lang="en-US" sz="1400" dirty="0">
                 <a:latin typeface="Courier New" panose="02070309020205020404" pitchFamily="49" charset="0"/>
                 <a:cs typeface="Courier New" panose="02070309020205020404" pitchFamily="49" charset="0"/>
               </a:rPr>
-              <a:t>() override {</a:t>
+              <a:t>{</a:t>
             </a:r>
           </a:p>
           <a:p>
@@ -11000,7 +11202,24 @@
                 <a:latin typeface="Courier New" panose="02070309020205020404" pitchFamily="49" charset="0"/>
                 <a:cs typeface="Courier New" panose="02070309020205020404" pitchFamily="49" charset="0"/>
               </a:rPr>
-              <a:t>   void write( bool value ) override {</a:t>
+              <a:t>   </a:t>
+            </a:r>
+            <a:r>
+              <a:rPr lang="en-US" sz="1400" b="1" dirty="0">
+                <a:solidFill>
+                  <a:srgbClr val="7030A0"/>
+                </a:solidFill>
+                <a:latin typeface="Courier New" panose="02070309020205020404" pitchFamily="49" charset="0"/>
+                <a:cs typeface="Courier New" panose="02070309020205020404" pitchFamily="49" charset="0"/>
+              </a:rPr>
+              <a:t>void write( bool value ) override </a:t>
+            </a:r>
+            <a:r>
+              <a:rPr lang="en-US" sz="1400" dirty="0">
+                <a:latin typeface="Courier New" panose="02070309020205020404" pitchFamily="49" charset="0"/>
+                <a:cs typeface="Courier New" panose="02070309020205020404" pitchFamily="49" charset="0"/>
+              </a:rPr>
+              <a:t>{</a:t>
             </a:r>
           </a:p>
           <a:p>
@@ -11354,7 +11573,7 @@
             </a:r>
             <a:r>
               <a:rPr lang="nl-NL" dirty="0"/>
-              <a:t> blink a LED?</a:t>
+              <a:t> blink a LED*?</a:t>
             </a:r>
           </a:p>
         </p:txBody>
@@ -11852,7 +12071,7 @@
             </a:pPr>
             <a:r>
               <a:rPr lang="nl-NL" dirty="0"/>
-              <a:t>LED: a Light Emitting Diode; a </a:t>
+              <a:t>*LED: a Light Emitting Diode; a </a:t>
             </a:r>
             <a:r>
               <a:rPr lang="nl-NL" dirty="0" err="1"/>
@@ -12013,7 +12232,31 @@
           <a:p>
             <a:r>
               <a:rPr lang="nl-NL" dirty="0"/>
-              <a:t>Using a class</a:t>
+              <a:t>Using </a:t>
+            </a:r>
+            <a:r>
+              <a:rPr lang="nl-NL" dirty="0" err="1"/>
+              <a:t>an</a:t>
+            </a:r>
+            <a:r>
+              <a:rPr lang="nl-NL" dirty="0"/>
+              <a:t> object – </a:t>
+            </a:r>
+            <a:r>
+              <a:rPr lang="nl-NL" dirty="0" err="1"/>
+              <a:t>behind</a:t>
+            </a:r>
+            <a:r>
+              <a:rPr lang="nl-NL" dirty="0"/>
+              <a:t> </a:t>
+            </a:r>
+            <a:r>
+              <a:rPr lang="nl-NL" dirty="0" err="1"/>
+              <a:t>the</a:t>
+            </a:r>
+            <a:r>
+              <a:rPr lang="nl-NL" dirty="0"/>
+              <a:t> scenes</a:t>
             </a:r>
           </a:p>
         </p:txBody>
@@ -12032,8 +12275,8 @@
         </p:nvSpPr>
         <p:spPr>
           <a:xfrm>
-            <a:off x="966117" y="1197018"/>
-            <a:ext cx="8478982" cy="3539430"/>
+            <a:off x="938408" y="1080296"/>
+            <a:ext cx="6665962" cy="4616648"/>
           </a:xfrm>
           <a:prstGeom prst="rect">
             <a:avLst/>
@@ -12052,328 +12295,369 @@
           <a:lstStyle/>
           <a:p>
             <a:r>
-              <a:rPr lang="en-US" sz="1600" dirty="0">
-                <a:latin typeface="Courier New" panose="02070309020205020404" pitchFamily="49" charset="0"/>
-                <a:cs typeface="Courier New" panose="02070309020205020404" pitchFamily="49" charset="0"/>
-              </a:rPr>
-              <a:t>template&lt; </a:t>
-            </a:r>
-            <a:r>
-              <a:rPr lang="en-US" sz="1600" dirty="0" err="1">
-                <a:latin typeface="Courier New" panose="02070309020205020404" pitchFamily="49" charset="0"/>
-                <a:cs typeface="Courier New" panose="02070309020205020404" pitchFamily="49" charset="0"/>
-              </a:rPr>
-              <a:t>is_gpio</a:t>
-            </a:r>
-            <a:r>
-              <a:rPr lang="en-US" sz="1600" dirty="0">
-                <a:latin typeface="Courier New" panose="02070309020205020404" pitchFamily="49" charset="0"/>
-                <a:cs typeface="Courier New" panose="02070309020205020404" pitchFamily="49" charset="0"/>
-              </a:rPr>
-              <a:t> P &gt;</a:t>
-            </a:r>
-          </a:p>
-          <a:p>
-            <a:r>
-              <a:rPr lang="en-US" sz="1600" dirty="0">
-                <a:latin typeface="Courier New" panose="02070309020205020404" pitchFamily="49" charset="0"/>
-                <a:cs typeface="Courier New" panose="02070309020205020404" pitchFamily="49" charset="0"/>
-              </a:rPr>
-              <a:t>void blink(){    </a:t>
-            </a:r>
-          </a:p>
-          <a:p>
-            <a:r>
-              <a:rPr lang="en-US" sz="1600" dirty="0">
-                <a:latin typeface="Courier New" panose="02070309020205020404" pitchFamily="49" charset="0"/>
-                <a:cs typeface="Courier New" panose="02070309020205020404" pitchFamily="49" charset="0"/>
-              </a:rPr>
-              <a:t>   </a:t>
-            </a:r>
-            <a:r>
-              <a:rPr lang="en-US" sz="1600" b="1" dirty="0">
+              <a:rPr lang="en-US" sz="1400" b="1" dirty="0">
                 <a:solidFill>
                   <a:srgbClr val="7030A0"/>
                 </a:solidFill>
                 <a:latin typeface="Courier New" panose="02070309020205020404" pitchFamily="49" charset="0"/>
                 <a:cs typeface="Courier New" panose="02070309020205020404" pitchFamily="49" charset="0"/>
               </a:rPr>
-              <a:t>P::mode_output();</a:t>
-            </a:r>
-          </a:p>
-          <a:p>
-            <a:r>
-              <a:rPr lang="en-US" sz="1600" dirty="0">
-                <a:latin typeface="Courier New" panose="02070309020205020404" pitchFamily="49" charset="0"/>
-                <a:cs typeface="Courier New" panose="02070309020205020404" pitchFamily="49" charset="0"/>
-              </a:rPr>
-              <a:t>   for(;;){</a:t>
-            </a:r>
-          </a:p>
-          <a:p>
-            <a:r>
-              <a:rPr lang="en-US" sz="1600" dirty="0">
-                <a:latin typeface="Courier New" panose="02070309020205020404" pitchFamily="49" charset="0"/>
-                <a:cs typeface="Courier New" panose="02070309020205020404" pitchFamily="49" charset="0"/>
-              </a:rPr>
-              <a:t>      </a:t>
-            </a:r>
-            <a:r>
-              <a:rPr lang="en-US" sz="1600" b="1" dirty="0">
+              <a:t>struct </a:t>
+            </a:r>
+            <a:r>
+              <a:rPr lang="en-US" sz="1400" b="1" dirty="0" err="1">
                 <a:solidFill>
                   <a:srgbClr val="7030A0"/>
                 </a:solidFill>
                 <a:latin typeface="Courier New" panose="02070309020205020404" pitchFamily="49" charset="0"/>
                 <a:cs typeface="Courier New" panose="02070309020205020404" pitchFamily="49" charset="0"/>
               </a:rPr>
-              <a:t>P::write( 1 );</a:t>
-            </a:r>
-          </a:p>
-          <a:p>
-            <a:r>
-              <a:rPr lang="en-US" sz="1600" dirty="0">
-                <a:latin typeface="Courier New" panose="02070309020205020404" pitchFamily="49" charset="0"/>
-                <a:cs typeface="Courier New" panose="02070309020205020404" pitchFamily="49" charset="0"/>
-              </a:rPr>
-              <a:t>      for( uint32_t </a:t>
-            </a:r>
-            <a:r>
-              <a:rPr lang="en-US" sz="1600" dirty="0" err="1">
-                <a:latin typeface="Courier New" panose="02070309020205020404" pitchFamily="49" charset="0"/>
-                <a:cs typeface="Courier New" panose="02070309020205020404" pitchFamily="49" charset="0"/>
-              </a:rPr>
-              <a:t>i</a:t>
-            </a:r>
-            <a:r>
-              <a:rPr lang="en-US" sz="1600" dirty="0">
-                <a:latin typeface="Courier New" panose="02070309020205020404" pitchFamily="49" charset="0"/>
-                <a:cs typeface="Courier New" panose="02070309020205020404" pitchFamily="49" charset="0"/>
-              </a:rPr>
-              <a:t> = 0; </a:t>
-            </a:r>
-            <a:r>
-              <a:rPr lang="en-US" sz="1600" dirty="0" err="1">
-                <a:latin typeface="Courier New" panose="02070309020205020404" pitchFamily="49" charset="0"/>
-                <a:cs typeface="Courier New" panose="02070309020205020404" pitchFamily="49" charset="0"/>
-              </a:rPr>
-              <a:t>i</a:t>
-            </a:r>
-            <a:r>
-              <a:rPr lang="en-US" sz="1600" dirty="0">
-                <a:latin typeface="Courier New" panose="02070309020205020404" pitchFamily="49" charset="0"/>
-                <a:cs typeface="Courier New" panose="02070309020205020404" pitchFamily="49" charset="0"/>
-              </a:rPr>
-              <a:t> &lt; 500'000; ++</a:t>
-            </a:r>
-            <a:r>
-              <a:rPr lang="en-US" sz="1600" dirty="0" err="1">
-                <a:latin typeface="Courier New" panose="02070309020205020404" pitchFamily="49" charset="0"/>
-                <a:cs typeface="Courier New" panose="02070309020205020404" pitchFamily="49" charset="0"/>
-              </a:rPr>
-              <a:t>i</a:t>
-            </a:r>
-            <a:r>
-              <a:rPr lang="en-US" sz="1600" dirty="0">
-                <a:latin typeface="Courier New" panose="02070309020205020404" pitchFamily="49" charset="0"/>
-                <a:cs typeface="Courier New" panose="02070309020205020404" pitchFamily="49" charset="0"/>
-              </a:rPr>
-              <a:t> ){ </a:t>
-            </a:r>
-            <a:r>
-              <a:rPr lang="en-US" sz="1600" dirty="0" err="1">
-                <a:latin typeface="Courier New" panose="02070309020205020404" pitchFamily="49" charset="0"/>
-                <a:cs typeface="Courier New" panose="02070309020205020404" pitchFamily="49" charset="0"/>
-              </a:rPr>
-              <a:t>asm</a:t>
-            </a:r>
-            <a:r>
-              <a:rPr lang="en-US" sz="1600" dirty="0">
-                <a:latin typeface="Courier New" panose="02070309020205020404" pitchFamily="49" charset="0"/>
-                <a:cs typeface="Courier New" panose="02070309020205020404" pitchFamily="49" charset="0"/>
-              </a:rPr>
-              <a:t>( "</a:t>
-            </a:r>
-            <a:r>
-              <a:rPr lang="en-US" sz="1600" dirty="0" err="1">
-                <a:latin typeface="Courier New" panose="02070309020205020404" pitchFamily="49" charset="0"/>
-                <a:cs typeface="Courier New" panose="02070309020205020404" pitchFamily="49" charset="0"/>
-              </a:rPr>
-              <a:t>nop</a:t>
-            </a:r>
-            <a:r>
-              <a:rPr lang="en-US" sz="1600" dirty="0">
-                <a:latin typeface="Courier New" panose="02070309020205020404" pitchFamily="49" charset="0"/>
-                <a:cs typeface="Courier New" panose="02070309020205020404" pitchFamily="49" charset="0"/>
-              </a:rPr>
-              <a:t>" ); }</a:t>
-            </a:r>
-          </a:p>
-          <a:p>
-            <a:r>
-              <a:rPr lang="en-US" sz="1600" dirty="0">
-                <a:latin typeface="Courier New" panose="02070309020205020404" pitchFamily="49" charset="0"/>
-                <a:cs typeface="Courier New" panose="02070309020205020404" pitchFamily="49" charset="0"/>
-              </a:rPr>
-              <a:t>      </a:t>
-            </a:r>
-            <a:r>
-              <a:rPr lang="en-US" sz="1600" b="1" dirty="0">
+              <a:t>gpio_vtable</a:t>
+            </a:r>
+            <a:r>
+              <a:rPr lang="en-US" sz="1400" b="1" dirty="0">
                 <a:solidFill>
                   <a:srgbClr val="7030A0"/>
                 </a:solidFill>
                 <a:latin typeface="Courier New" panose="02070309020205020404" pitchFamily="49" charset="0"/>
                 <a:cs typeface="Courier New" panose="02070309020205020404" pitchFamily="49" charset="0"/>
               </a:rPr>
-              <a:t>P::write( 0 );</a:t>
-            </a:r>
-          </a:p>
-          <a:p>
-            <a:r>
-              <a:rPr lang="en-US" sz="1600" dirty="0">
-                <a:latin typeface="Courier New" panose="02070309020205020404" pitchFamily="49" charset="0"/>
-                <a:cs typeface="Courier New" panose="02070309020205020404" pitchFamily="49" charset="0"/>
-              </a:rPr>
-              <a:t>      for( uint32_t </a:t>
-            </a:r>
-            <a:r>
-              <a:rPr lang="en-US" sz="1600" dirty="0" err="1">
-                <a:latin typeface="Courier New" panose="02070309020205020404" pitchFamily="49" charset="0"/>
-                <a:cs typeface="Courier New" panose="02070309020205020404" pitchFamily="49" charset="0"/>
-              </a:rPr>
-              <a:t>i</a:t>
-            </a:r>
-            <a:r>
-              <a:rPr lang="en-US" sz="1600" dirty="0">
-                <a:latin typeface="Courier New" panose="02070309020205020404" pitchFamily="49" charset="0"/>
-                <a:cs typeface="Courier New" panose="02070309020205020404" pitchFamily="49" charset="0"/>
-              </a:rPr>
-              <a:t> = 0; </a:t>
-            </a:r>
-            <a:r>
-              <a:rPr lang="en-US" sz="1600" dirty="0" err="1">
-                <a:latin typeface="Courier New" panose="02070309020205020404" pitchFamily="49" charset="0"/>
-                <a:cs typeface="Courier New" panose="02070309020205020404" pitchFamily="49" charset="0"/>
-              </a:rPr>
-              <a:t>i</a:t>
-            </a:r>
-            <a:r>
-              <a:rPr lang="en-US" sz="1600" dirty="0">
-                <a:latin typeface="Courier New" panose="02070309020205020404" pitchFamily="49" charset="0"/>
-                <a:cs typeface="Courier New" panose="02070309020205020404" pitchFamily="49" charset="0"/>
-              </a:rPr>
-              <a:t> &lt; 500'000; ++</a:t>
-            </a:r>
-            <a:r>
-              <a:rPr lang="en-US" sz="1600" dirty="0" err="1">
-                <a:latin typeface="Courier New" panose="02070309020205020404" pitchFamily="49" charset="0"/>
-                <a:cs typeface="Courier New" panose="02070309020205020404" pitchFamily="49" charset="0"/>
-              </a:rPr>
-              <a:t>i</a:t>
-            </a:r>
-            <a:r>
-              <a:rPr lang="en-US" sz="1600" dirty="0">
-                <a:latin typeface="Courier New" panose="02070309020205020404" pitchFamily="49" charset="0"/>
-                <a:cs typeface="Courier New" panose="02070309020205020404" pitchFamily="49" charset="0"/>
-              </a:rPr>
-              <a:t> ){ </a:t>
-            </a:r>
-            <a:r>
-              <a:rPr lang="en-US" sz="1600" dirty="0" err="1">
-                <a:latin typeface="Courier New" panose="02070309020205020404" pitchFamily="49" charset="0"/>
-                <a:cs typeface="Courier New" panose="02070309020205020404" pitchFamily="49" charset="0"/>
-              </a:rPr>
-              <a:t>asm</a:t>
-            </a:r>
-            <a:r>
-              <a:rPr lang="en-US" sz="1600" dirty="0">
-                <a:latin typeface="Courier New" panose="02070309020205020404" pitchFamily="49" charset="0"/>
-                <a:cs typeface="Courier New" panose="02070309020205020404" pitchFamily="49" charset="0"/>
-              </a:rPr>
-              <a:t>( "</a:t>
-            </a:r>
-            <a:r>
-              <a:rPr lang="en-US" sz="1600" dirty="0" err="1">
-                <a:latin typeface="Courier New" panose="02070309020205020404" pitchFamily="49" charset="0"/>
-                <a:cs typeface="Courier New" panose="02070309020205020404" pitchFamily="49" charset="0"/>
-              </a:rPr>
-              <a:t>nop</a:t>
-            </a:r>
-            <a:r>
-              <a:rPr lang="en-US" sz="1600" dirty="0">
-                <a:latin typeface="Courier New" panose="02070309020205020404" pitchFamily="49" charset="0"/>
-                <a:cs typeface="Courier New" panose="02070309020205020404" pitchFamily="49" charset="0"/>
-              </a:rPr>
-              <a:t>" ); }</a:t>
-            </a:r>
-          </a:p>
-          <a:p>
-            <a:r>
-              <a:rPr lang="en-US" sz="1600" dirty="0">
-                <a:latin typeface="Courier New" panose="02070309020205020404" pitchFamily="49" charset="0"/>
-                <a:cs typeface="Courier New" panose="02070309020205020404" pitchFamily="49" charset="0"/>
-              </a:rPr>
-              <a:t>   }    </a:t>
-            </a:r>
-          </a:p>
-          <a:p>
-            <a:r>
-              <a:rPr lang="en-US" sz="1600" dirty="0">
-                <a:latin typeface="Courier New" panose="02070309020205020404" pitchFamily="49" charset="0"/>
-                <a:cs typeface="Courier New" panose="02070309020205020404" pitchFamily="49" charset="0"/>
-              </a:rPr>
-              <a:t>}</a:t>
-            </a:r>
-          </a:p>
-          <a:p>
-            <a:endParaRPr lang="en-US" sz="1600" dirty="0">
+              <a:t> {</a:t>
+            </a:r>
+          </a:p>
+          <a:p>
+            <a:r>
+              <a:rPr lang="en-US" sz="1400" b="1" dirty="0">
+                <a:solidFill>
+                  <a:srgbClr val="7030A0"/>
+                </a:solidFill>
+                <a:latin typeface="Courier New" panose="02070309020205020404" pitchFamily="49" charset="0"/>
+                <a:cs typeface="Courier New" panose="02070309020205020404" pitchFamily="49" charset="0"/>
+              </a:rPr>
+              <a:t>   void ( * </a:t>
+            </a:r>
+            <a:r>
+              <a:rPr lang="en-US" sz="1400" b="1" dirty="0" err="1">
+                <a:solidFill>
+                  <a:srgbClr val="7030A0"/>
+                </a:solidFill>
+                <a:latin typeface="Courier New" panose="02070309020205020404" pitchFamily="49" charset="0"/>
+                <a:cs typeface="Courier New" panose="02070309020205020404" pitchFamily="49" charset="0"/>
+              </a:rPr>
+              <a:t>mode_output</a:t>
+            </a:r>
+            <a:r>
+              <a:rPr lang="en-US" sz="1400" b="1" dirty="0">
+                <a:solidFill>
+                  <a:srgbClr val="7030A0"/>
+                </a:solidFill>
+                <a:latin typeface="Courier New" panose="02070309020205020404" pitchFamily="49" charset="0"/>
+                <a:cs typeface="Courier New" panose="02070309020205020404" pitchFamily="49" charset="0"/>
+              </a:rPr>
+              <a:t> )( void * this);</a:t>
+            </a:r>
+          </a:p>
+          <a:p>
+            <a:r>
+              <a:rPr lang="en-US" sz="1400" b="1" dirty="0">
+                <a:solidFill>
+                  <a:srgbClr val="7030A0"/>
+                </a:solidFill>
+                <a:latin typeface="Courier New" panose="02070309020205020404" pitchFamily="49" charset="0"/>
+                <a:cs typeface="Courier New" panose="02070309020205020404" pitchFamily="49" charset="0"/>
+              </a:rPr>
+              <a:t>   void ( * write )( void * this, bool value );</a:t>
+            </a:r>
+          </a:p>
+          <a:p>
+            <a:r>
+              <a:rPr lang="en-US" sz="1400" b="1" dirty="0">
+                <a:solidFill>
+                  <a:srgbClr val="7030A0"/>
+                </a:solidFill>
+                <a:latin typeface="Courier New" panose="02070309020205020404" pitchFamily="49" charset="0"/>
+                <a:cs typeface="Courier New" panose="02070309020205020404" pitchFamily="49" charset="0"/>
+              </a:rPr>
+              <a:t>};</a:t>
+            </a:r>
+          </a:p>
+          <a:p>
+            <a:endParaRPr lang="en-US" sz="1400" dirty="0">
               <a:latin typeface="Courier New" panose="02070309020205020404" pitchFamily="49" charset="0"/>
               <a:cs typeface="Courier New" panose="02070309020205020404" pitchFamily="49" charset="0"/>
             </a:endParaRPr>
           </a:p>
           <a:p>
             <a:r>
-              <a:rPr lang="en-US" sz="1600" dirty="0">
-                <a:latin typeface="Courier New" panose="02070309020205020404" pitchFamily="49" charset="0"/>
-                <a:cs typeface="Courier New" panose="02070309020205020404" pitchFamily="49" charset="0"/>
-              </a:rPr>
-              <a:t>int main( void ){	</a:t>
-            </a:r>
-          </a:p>
-          <a:p>
-            <a:r>
-              <a:rPr lang="en-US" sz="1600" dirty="0">
-                <a:latin typeface="Courier New" panose="02070309020205020404" pitchFamily="49" charset="0"/>
-                <a:cs typeface="Courier New" panose="02070309020205020404" pitchFamily="49" charset="0"/>
-              </a:rPr>
-              <a:t>   blink&lt; </a:t>
-            </a:r>
-            <a:r>
-              <a:rPr lang="en-US" sz="1600" b="1" dirty="0">
+              <a:rPr lang="en-US" sz="1400" dirty="0">
+                <a:latin typeface="Courier New" panose="02070309020205020404" pitchFamily="49" charset="0"/>
+                <a:cs typeface="Courier New" panose="02070309020205020404" pitchFamily="49" charset="0"/>
+              </a:rPr>
+              <a:t>class gpio {</a:t>
+            </a:r>
+          </a:p>
+          <a:p>
+            <a:r>
+              <a:rPr lang="en-US" sz="1400" b="1" dirty="0">
                 <a:solidFill>
                   <a:srgbClr val="7030A0"/>
                 </a:solidFill>
                 <a:latin typeface="Courier New" panose="02070309020205020404" pitchFamily="49" charset="0"/>
                 <a:cs typeface="Courier New" panose="02070309020205020404" pitchFamily="49" charset="0"/>
               </a:rPr>
-              <a:t>gpio&lt; pin::b5 &gt; </a:t>
-            </a:r>
-            <a:r>
-              <a:rPr lang="en-US" sz="1600" dirty="0">
-                <a:latin typeface="Courier New" panose="02070309020205020404" pitchFamily="49" charset="0"/>
-                <a:cs typeface="Courier New" panose="02070309020205020404" pitchFamily="49" charset="0"/>
-              </a:rPr>
-              <a:t>&gt;();</a:t>
-            </a:r>
-          </a:p>
-          <a:p>
-            <a:r>
-              <a:rPr lang="en-US" sz="1600" dirty="0">
-                <a:latin typeface="Courier New" panose="02070309020205020404" pitchFamily="49" charset="0"/>
-                <a:cs typeface="Courier New" panose="02070309020205020404" pitchFamily="49" charset="0"/>
-              </a:rPr>
-              <a:t>} </a:t>
-            </a:r>
-            <a:endParaRPr lang="nl-NL" sz="1600" dirty="0">
+              <a:t>   </a:t>
+            </a:r>
+            <a:r>
+              <a:rPr lang="en-US" sz="1400" b="1" dirty="0" err="1">
+                <a:solidFill>
+                  <a:srgbClr val="7030A0"/>
+                </a:solidFill>
+                <a:latin typeface="Courier New" panose="02070309020205020404" pitchFamily="49" charset="0"/>
+                <a:cs typeface="Courier New" panose="02070309020205020404" pitchFamily="49" charset="0"/>
+              </a:rPr>
+              <a:t>gpio_vtable</a:t>
+            </a:r>
+            <a:r>
+              <a:rPr lang="en-US" sz="1400" b="1" dirty="0">
+                <a:solidFill>
+                  <a:srgbClr val="7030A0"/>
+                </a:solidFill>
+                <a:latin typeface="Courier New" panose="02070309020205020404" pitchFamily="49" charset="0"/>
+                <a:cs typeface="Courier New" panose="02070309020205020404" pitchFamily="49" charset="0"/>
+              </a:rPr>
+              <a:t> * </a:t>
+            </a:r>
+            <a:r>
+              <a:rPr lang="en-US" sz="1400" b="1" dirty="0" err="1">
+                <a:solidFill>
+                  <a:srgbClr val="7030A0"/>
+                </a:solidFill>
+                <a:latin typeface="Courier New" panose="02070309020205020404" pitchFamily="49" charset="0"/>
+                <a:cs typeface="Courier New" panose="02070309020205020404" pitchFamily="49" charset="0"/>
+              </a:rPr>
+              <a:t>vtable</a:t>
+            </a:r>
+            <a:r>
+              <a:rPr lang="en-US" sz="1400" b="1" dirty="0">
+                <a:solidFill>
+                  <a:srgbClr val="7030A0"/>
+                </a:solidFill>
+                <a:latin typeface="Courier New" panose="02070309020205020404" pitchFamily="49" charset="0"/>
+                <a:cs typeface="Courier New" panose="02070309020205020404" pitchFamily="49" charset="0"/>
+              </a:rPr>
+              <a:t>;</a:t>
+            </a:r>
+          </a:p>
+          <a:p>
+            <a:r>
+              <a:rPr lang="en-US" sz="1400" b="1" dirty="0">
+                <a:solidFill>
+                  <a:srgbClr val="7030A0"/>
+                </a:solidFill>
+                <a:latin typeface="Courier New" panose="02070309020205020404" pitchFamily="49" charset="0"/>
+                <a:cs typeface="Courier New" panose="02070309020205020404" pitchFamily="49" charset="0"/>
+              </a:rPr>
+              <a:t>   . . .</a:t>
+            </a:r>
+          </a:p>
+          <a:p>
+            <a:r>
+              <a:rPr lang="en-US" sz="1400" dirty="0">
+                <a:latin typeface="Courier New" panose="02070309020205020404" pitchFamily="49" charset="0"/>
+                <a:cs typeface="Courier New" panose="02070309020205020404" pitchFamily="49" charset="0"/>
+              </a:rPr>
+              <a:t>};</a:t>
+            </a:r>
+          </a:p>
+          <a:p>
+            <a:endParaRPr lang="en-US" sz="1400" dirty="0">
+              <a:latin typeface="Courier New" panose="02070309020205020404" pitchFamily="49" charset="0"/>
+              <a:cs typeface="Courier New" panose="02070309020205020404" pitchFamily="49" charset="0"/>
+            </a:endParaRPr>
+          </a:p>
+          <a:p>
+            <a:r>
+              <a:rPr lang="en-US" sz="1400" b="1" dirty="0" err="1">
+                <a:solidFill>
+                  <a:srgbClr val="7030A0"/>
+                </a:solidFill>
+                <a:latin typeface="Courier New" panose="02070309020205020404" pitchFamily="49" charset="0"/>
+                <a:cs typeface="Courier New" panose="02070309020205020404" pitchFamily="49" charset="0"/>
+              </a:rPr>
+              <a:t>gpio_vtable</a:t>
+            </a:r>
+            <a:r>
+              <a:rPr lang="en-US" sz="1400" b="1" dirty="0">
+                <a:solidFill>
+                  <a:srgbClr val="7030A0"/>
+                </a:solidFill>
+                <a:latin typeface="Courier New" panose="02070309020205020404" pitchFamily="49" charset="0"/>
+                <a:cs typeface="Courier New" panose="02070309020205020404" pitchFamily="49" charset="0"/>
+              </a:rPr>
+              <a:t> atmega328_gpio_table( </a:t>
+            </a:r>
+          </a:p>
+          <a:p>
+            <a:r>
+              <a:rPr lang="en-US" sz="1400" b="1" dirty="0">
+                <a:solidFill>
+                  <a:srgbClr val="7030A0"/>
+                </a:solidFill>
+                <a:latin typeface="Courier New" panose="02070309020205020404" pitchFamily="49" charset="0"/>
+                <a:cs typeface="Courier New" panose="02070309020205020404" pitchFamily="49" charset="0"/>
+              </a:rPr>
+              <a:t>   atmega328_gpio::</a:t>
+            </a:r>
+            <a:r>
+              <a:rPr lang="en-US" sz="1400" b="1" dirty="0" err="1">
+                <a:solidFill>
+                  <a:srgbClr val="7030A0"/>
+                </a:solidFill>
+                <a:latin typeface="Courier New" panose="02070309020205020404" pitchFamily="49" charset="0"/>
+                <a:cs typeface="Courier New" panose="02070309020205020404" pitchFamily="49" charset="0"/>
+              </a:rPr>
+              <a:t>mode_output</a:t>
+            </a:r>
+            <a:r>
+              <a:rPr lang="en-US" sz="1400" b="1" dirty="0">
+                <a:solidFill>
+                  <a:srgbClr val="7030A0"/>
+                </a:solidFill>
+                <a:latin typeface="Courier New" panose="02070309020205020404" pitchFamily="49" charset="0"/>
+                <a:cs typeface="Courier New" panose="02070309020205020404" pitchFamily="49" charset="0"/>
+              </a:rPr>
+              <a:t>, </a:t>
+            </a:r>
+          </a:p>
+          <a:p>
+            <a:r>
+              <a:rPr lang="en-US" sz="1400" b="1" dirty="0">
+                <a:solidFill>
+                  <a:srgbClr val="7030A0"/>
+                </a:solidFill>
+                <a:latin typeface="Courier New" panose="02070309020205020404" pitchFamily="49" charset="0"/>
+                <a:cs typeface="Courier New" panose="02070309020205020404" pitchFamily="49" charset="0"/>
+              </a:rPr>
+              <a:t>   atmega328_gpio::write </a:t>
+            </a:r>
+          </a:p>
+          <a:p>
+            <a:r>
+              <a:rPr lang="en-US" sz="1400" b="1" dirty="0">
+                <a:solidFill>
+                  <a:srgbClr val="7030A0"/>
+                </a:solidFill>
+                <a:latin typeface="Courier New" panose="02070309020205020404" pitchFamily="49" charset="0"/>
+                <a:cs typeface="Courier New" panose="02070309020205020404" pitchFamily="49" charset="0"/>
+              </a:rPr>
+              <a:t>);</a:t>
+            </a:r>
+            <a:endParaRPr lang="en-US" sz="1400" dirty="0">
+              <a:latin typeface="Courier New" panose="02070309020205020404" pitchFamily="49" charset="0"/>
+              <a:cs typeface="Courier New" panose="02070309020205020404" pitchFamily="49" charset="0"/>
+            </a:endParaRPr>
+          </a:p>
+          <a:p>
+            <a:endParaRPr lang="en-US" sz="1400" dirty="0">
+              <a:latin typeface="Courier New" panose="02070309020205020404" pitchFamily="49" charset="0"/>
+              <a:cs typeface="Courier New" panose="02070309020205020404" pitchFamily="49" charset="0"/>
+            </a:endParaRPr>
+          </a:p>
+          <a:p>
+            <a:r>
+              <a:rPr lang="en-US" sz="1400" dirty="0">
+                <a:latin typeface="Courier New" panose="02070309020205020404" pitchFamily="49" charset="0"/>
+                <a:cs typeface="Courier New" panose="02070309020205020404" pitchFamily="49" charset="0"/>
+              </a:rPr>
+              <a:t>class atmega328_gpio : public gpio {</a:t>
+            </a:r>
+          </a:p>
+          <a:p>
+            <a:r>
+              <a:rPr lang="en-US" sz="1400" dirty="0">
+                <a:latin typeface="Courier New" panose="02070309020205020404" pitchFamily="49" charset="0"/>
+                <a:cs typeface="Courier New" panose="02070309020205020404" pitchFamily="49" charset="0"/>
+              </a:rPr>
+              <a:t>   atmega328_gpio( pin p ): </a:t>
+            </a:r>
+            <a:r>
+              <a:rPr lang="en-US" sz="1400" b="1" dirty="0" err="1">
+                <a:solidFill>
+                  <a:srgbClr val="7030A0"/>
+                </a:solidFill>
+                <a:latin typeface="Courier New" panose="02070309020205020404" pitchFamily="49" charset="0"/>
+                <a:cs typeface="Courier New" panose="02070309020205020404" pitchFamily="49" charset="0"/>
+              </a:rPr>
+              <a:t>vtable</a:t>
+            </a:r>
+            <a:r>
+              <a:rPr lang="en-US" sz="1400" b="1" dirty="0">
+                <a:solidFill>
+                  <a:srgbClr val="7030A0"/>
+                </a:solidFill>
+                <a:latin typeface="Courier New" panose="02070309020205020404" pitchFamily="49" charset="0"/>
+                <a:cs typeface="Courier New" panose="02070309020205020404" pitchFamily="49" charset="0"/>
+              </a:rPr>
+              <a:t>( atmega328_gpio_table )</a:t>
+            </a:r>
+            <a:r>
+              <a:rPr lang="en-US" sz="1400" dirty="0">
+                <a:latin typeface="Courier New" panose="02070309020205020404" pitchFamily="49" charset="0"/>
+                <a:cs typeface="Courier New" panose="02070309020205020404" pitchFamily="49" charset="0"/>
+              </a:rPr>
+              <a:t> { </a:t>
+            </a:r>
+          </a:p>
+          <a:p>
+            <a:r>
+              <a:rPr lang="en-US" sz="1400" dirty="0">
+                <a:latin typeface="Courier New" panose="02070309020205020404" pitchFamily="49" charset="0"/>
+                <a:cs typeface="Courier New" panose="02070309020205020404" pitchFamily="49" charset="0"/>
+              </a:rPr>
+              <a:t>      . . . }</a:t>
+            </a:r>
+          </a:p>
+          <a:p>
+            <a:r>
+              <a:rPr lang="en-US" sz="1400" dirty="0">
+                <a:latin typeface="Courier New" panose="02070309020205020404" pitchFamily="49" charset="0"/>
+                <a:cs typeface="Courier New" panose="02070309020205020404" pitchFamily="49" charset="0"/>
+              </a:rPr>
+              <a:t>   void </a:t>
+            </a:r>
+            <a:r>
+              <a:rPr lang="en-US" sz="1400" dirty="0" err="1">
+                <a:latin typeface="Courier New" panose="02070309020205020404" pitchFamily="49" charset="0"/>
+                <a:cs typeface="Courier New" panose="02070309020205020404" pitchFamily="49" charset="0"/>
+              </a:rPr>
+              <a:t>mode_output</a:t>
+            </a:r>
+            <a:r>
+              <a:rPr lang="en-US" sz="1400" dirty="0">
+                <a:latin typeface="Courier New" panose="02070309020205020404" pitchFamily="49" charset="0"/>
+                <a:cs typeface="Courier New" panose="02070309020205020404" pitchFamily="49" charset="0"/>
+              </a:rPr>
+              <a:t>() . . .</a:t>
+            </a:r>
+          </a:p>
+          <a:p>
+            <a:r>
+              <a:rPr lang="en-US" sz="1400" dirty="0">
+                <a:latin typeface="Courier New" panose="02070309020205020404" pitchFamily="49" charset="0"/>
+                <a:cs typeface="Courier New" panose="02070309020205020404" pitchFamily="49" charset="0"/>
+              </a:rPr>
+              <a:t>   void write( bool value ) . . .</a:t>
+            </a:r>
+          </a:p>
+          <a:p>
+            <a:r>
+              <a:rPr lang="en-US" sz="1400" dirty="0">
+                <a:latin typeface="Courier New" panose="02070309020205020404" pitchFamily="49" charset="0"/>
+                <a:cs typeface="Courier New" panose="02070309020205020404" pitchFamily="49" charset="0"/>
+              </a:rPr>
+              <a:t>};</a:t>
+            </a:r>
+            <a:endParaRPr lang="nl-NL" sz="1400" dirty="0">
               <a:latin typeface="Courier New" panose="02070309020205020404" pitchFamily="49" charset="0"/>
               <a:cs typeface="Courier New" panose="02070309020205020404" pitchFamily="49" charset="0"/>
             </a:endParaRPr>
@@ -12385,7 +12669,7 @@
           <p:cNvPr id="5" name="Slide Number Placeholder 5">
             <a:extLst>
               <a:ext uri="{FF2B5EF4-FFF2-40B4-BE49-F238E27FC236}">
-                <a16:creationId xmlns:a16="http://schemas.microsoft.com/office/drawing/2014/main" id="{7756DBA5-F7DA-4A99-82D4-A0FD7F366AD7}"/>
+                <a16:creationId xmlns:a16="http://schemas.microsoft.com/office/drawing/2014/main" id="{3BBB5FED-5341-4CA0-ABCE-1E5542614BCA}"/>
               </a:ext>
             </a:extLst>
           </p:cNvPr>
@@ -12517,72 +12801,219 @@
       </p:sp>
       <p:sp>
         <p:nvSpPr>
-          <p:cNvPr id="6" name="Content Placeholder 2">
+          <p:cNvPr id="6" name="TextBox 5">
             <a:extLst>
               <a:ext uri="{FF2B5EF4-FFF2-40B4-BE49-F238E27FC236}">
-                <a16:creationId xmlns:a16="http://schemas.microsoft.com/office/drawing/2014/main" id="{46B313D5-883D-46EB-B68E-B06B49CD1BC8}"/>
+                <a16:creationId xmlns:a16="http://schemas.microsoft.com/office/drawing/2014/main" id="{D12287A9-9407-44A4-9D4B-06A99874ECE1}"/>
               </a:ext>
             </a:extLst>
           </p:cNvPr>
-          <p:cNvSpPr>
-            <a:spLocks noGrp="1"/>
-          </p:cNvSpPr>
-          <p:nvPr>
-            <p:ph idx="1"/>
-          </p:nvPr>
+          <p:cNvSpPr txBox="1"/>
+          <p:nvPr/>
         </p:nvSpPr>
         <p:spPr>
           <a:xfrm>
-            <a:off x="966117" y="6245420"/>
-            <a:ext cx="10515600" cy="477153"/>
+            <a:off x="8115019" y="1910182"/>
+            <a:ext cx="3318889" cy="738664"/>
           </a:xfrm>
+          <a:prstGeom prst="rect">
+            <a:avLst/>
+          </a:prstGeom>
+          <a:solidFill>
+            <a:schemeClr val="accent6">
+              <a:lumMod val="20000"/>
+              <a:lumOff val="80000"/>
+            </a:schemeClr>
+          </a:solidFill>
         </p:spPr>
         <p:txBody>
-          <a:bodyPr/>
+          <a:bodyPr wrap="square" rtlCol="0">
+            <a:spAutoFit/>
+          </a:bodyPr>
           <a:lstStyle/>
           <a:p>
-            <a:pPr marL="0" indent="0">
-              <a:buNone/>
-            </a:pPr>
-            <a:r>
-              <a:rPr lang="nl-NL" dirty="0" err="1"/>
-              <a:t>Much</a:t>
-            </a:r>
-            <a:r>
-              <a:rPr lang="nl-NL" dirty="0"/>
-              <a:t> like </a:t>
-            </a:r>
-            <a:r>
-              <a:rPr lang="nl-NL" dirty="0" err="1"/>
-              <a:t>an</a:t>
-            </a:r>
-            <a:r>
-              <a:rPr lang="nl-NL" dirty="0"/>
-              <a:t> object, but </a:t>
-            </a:r>
-            <a:r>
-              <a:rPr lang="nl-NL" dirty="0" err="1"/>
-              <a:t>everything</a:t>
-            </a:r>
-            <a:r>
-              <a:rPr lang="nl-NL" dirty="0"/>
-              <a:t> is </a:t>
-            </a:r>
-            <a:r>
-              <a:rPr lang="nl-NL" dirty="0" err="1"/>
-              <a:t>static</a:t>
-            </a:r>
-            <a:r>
-              <a:rPr lang="nl-NL" dirty="0"/>
-              <a:t>.</a:t>
-            </a:r>
+            <a:r>
+              <a:rPr lang="en-US" sz="1400" dirty="0">
+                <a:latin typeface="Courier New" panose="02070309020205020404" pitchFamily="49" charset="0"/>
+                <a:cs typeface="Courier New" panose="02070309020205020404" pitchFamily="49" charset="0"/>
+              </a:rPr>
+              <a:t>void blink( gpio &amp; p ){    </a:t>
+            </a:r>
+          </a:p>
+          <a:p>
+            <a:r>
+              <a:rPr lang="en-US" sz="1400" dirty="0">
+                <a:latin typeface="Courier New" panose="02070309020205020404" pitchFamily="49" charset="0"/>
+                <a:cs typeface="Courier New" panose="02070309020205020404" pitchFamily="49" charset="0"/>
+              </a:rPr>
+              <a:t>   </a:t>
+            </a:r>
+            <a:r>
+              <a:rPr lang="en-US" sz="1400" b="1" dirty="0" err="1">
+                <a:solidFill>
+                  <a:srgbClr val="7030A0"/>
+                </a:solidFill>
+                <a:latin typeface="Courier New" panose="02070309020205020404" pitchFamily="49" charset="0"/>
+                <a:cs typeface="Courier New" panose="02070309020205020404" pitchFamily="49" charset="0"/>
+              </a:rPr>
+              <a:t>p.write</a:t>
+            </a:r>
+            <a:r>
+              <a:rPr lang="en-US" sz="1400" b="1" dirty="0">
+                <a:solidFill>
+                  <a:srgbClr val="7030A0"/>
+                </a:solidFill>
+                <a:latin typeface="Courier New" panose="02070309020205020404" pitchFamily="49" charset="0"/>
+                <a:cs typeface="Courier New" panose="02070309020205020404" pitchFamily="49" charset="0"/>
+              </a:rPr>
+              <a:t>( 1 );</a:t>
+            </a:r>
+          </a:p>
+          <a:p>
+            <a:r>
+              <a:rPr lang="en-US" sz="1400" dirty="0">
+                <a:latin typeface="Courier New" panose="02070309020205020404" pitchFamily="49" charset="0"/>
+                <a:cs typeface="Courier New" panose="02070309020205020404" pitchFamily="49" charset="0"/>
+              </a:rPr>
+              <a:t>}</a:t>
+            </a:r>
+          </a:p>
+        </p:txBody>
+      </p:sp>
+      <p:sp>
+        <p:nvSpPr>
+          <p:cNvPr id="7" name="TextBox 6">
+            <a:extLst>
+              <a:ext uri="{FF2B5EF4-FFF2-40B4-BE49-F238E27FC236}">
+                <a16:creationId xmlns:a16="http://schemas.microsoft.com/office/drawing/2014/main" id="{2F553696-6767-4DEF-9E72-ACD714E8CE35}"/>
+              </a:ext>
+            </a:extLst>
+          </p:cNvPr>
+          <p:cNvSpPr txBox="1"/>
+          <p:nvPr/>
+        </p:nvSpPr>
+        <p:spPr>
+          <a:xfrm>
+            <a:off x="8115019" y="4034508"/>
+            <a:ext cx="3318889" cy="738664"/>
+          </a:xfrm>
+          <a:prstGeom prst="rect">
+            <a:avLst/>
+          </a:prstGeom>
+          <a:solidFill>
+            <a:schemeClr val="accent6">
+              <a:lumMod val="20000"/>
+              <a:lumOff val="80000"/>
+            </a:schemeClr>
+          </a:solidFill>
+        </p:spPr>
+        <p:txBody>
+          <a:bodyPr wrap="square" rtlCol="0">
+            <a:spAutoFit/>
+          </a:bodyPr>
+          <a:lstStyle/>
+          <a:p>
+            <a:r>
+              <a:rPr lang="en-US" sz="1400" dirty="0">
+                <a:latin typeface="Courier New" panose="02070309020205020404" pitchFamily="49" charset="0"/>
+                <a:cs typeface="Courier New" panose="02070309020205020404" pitchFamily="49" charset="0"/>
+              </a:rPr>
+              <a:t>void blink( gpio &amp; p ){    </a:t>
+            </a:r>
+          </a:p>
+          <a:p>
+            <a:r>
+              <a:rPr lang="en-US" sz="1400" b="1" dirty="0">
+                <a:solidFill>
+                  <a:srgbClr val="7030A0"/>
+                </a:solidFill>
+                <a:latin typeface="Courier New" panose="02070309020205020404" pitchFamily="49" charset="0"/>
+                <a:cs typeface="Courier New" panose="02070309020205020404" pitchFamily="49" charset="0"/>
+              </a:rPr>
+              <a:t>   p-&gt;</a:t>
+            </a:r>
+            <a:r>
+              <a:rPr lang="en-US" sz="1400" b="1" dirty="0" err="1">
+                <a:solidFill>
+                  <a:srgbClr val="7030A0"/>
+                </a:solidFill>
+                <a:latin typeface="Courier New" panose="02070309020205020404" pitchFamily="49" charset="0"/>
+                <a:cs typeface="Courier New" panose="02070309020205020404" pitchFamily="49" charset="0"/>
+              </a:rPr>
+              <a:t>vtable</a:t>
+            </a:r>
+            <a:r>
+              <a:rPr lang="en-US" sz="1400" b="1" dirty="0">
+                <a:solidFill>
+                  <a:srgbClr val="7030A0"/>
+                </a:solidFill>
+                <a:latin typeface="Courier New" panose="02070309020205020404" pitchFamily="49" charset="0"/>
+                <a:cs typeface="Courier New" panose="02070309020205020404" pitchFamily="49" charset="0"/>
+              </a:rPr>
+              <a:t>-&gt;write( p, 1 );</a:t>
+            </a:r>
+          </a:p>
+          <a:p>
+            <a:r>
+              <a:rPr lang="nl-NL" sz="1400" dirty="0">
+                <a:latin typeface="Courier New" panose="02070309020205020404" pitchFamily="49" charset="0"/>
+                <a:cs typeface="Courier New" panose="02070309020205020404" pitchFamily="49" charset="0"/>
+              </a:rPr>
+              <a:t>}</a:t>
+            </a:r>
+          </a:p>
+        </p:txBody>
+      </p:sp>
+      <p:sp>
+        <p:nvSpPr>
+          <p:cNvPr id="3" name="Arrow: Down 2">
+            <a:extLst>
+              <a:ext uri="{FF2B5EF4-FFF2-40B4-BE49-F238E27FC236}">
+                <a16:creationId xmlns:a16="http://schemas.microsoft.com/office/drawing/2014/main" id="{4284F09B-17E5-469A-B367-C916470C4E1E}"/>
+              </a:ext>
+            </a:extLst>
+          </p:cNvPr>
+          <p:cNvSpPr/>
+          <p:nvPr/>
+        </p:nvSpPr>
+        <p:spPr>
+          <a:xfrm>
+            <a:off x="9579079" y="2885460"/>
+            <a:ext cx="195384" cy="922216"/>
+          </a:xfrm>
+          <a:prstGeom prst="downArrow">
+            <a:avLst/>
+          </a:prstGeom>
+        </p:spPr>
+        <p:style>
+          <a:lnRef idx="2">
+            <a:schemeClr val="accent1">
+              <a:shade val="50000"/>
+            </a:schemeClr>
+          </a:lnRef>
+          <a:fillRef idx="1">
+            <a:schemeClr val="accent1"/>
+          </a:fillRef>
+          <a:effectRef idx="0">
+            <a:schemeClr val="accent1"/>
+          </a:effectRef>
+          <a:fontRef idx="minor">
+            <a:schemeClr val="lt1"/>
+          </a:fontRef>
+        </p:style>
+        <p:txBody>
+          <a:bodyPr rtlCol="0" anchor="ctr"/>
+          <a:lstStyle/>
+          <a:p>
+            <a:pPr algn="ctr"/>
+            <a:endParaRPr lang="nl-NL"/>
           </a:p>
         </p:txBody>
       </p:sp>
     </p:spTree>
     <p:extLst>
       <p:ext uri="{BB962C8B-B14F-4D97-AF65-F5344CB8AC3E}">
-        <p14:creationId xmlns:p14="http://schemas.microsoft.com/office/powerpoint/2010/main" val="795629368"/>
+        <p14:creationId xmlns:p14="http://schemas.microsoft.com/office/powerpoint/2010/main" val="2153916201"/>
       </p:ext>
     </p:extLst>
   </p:cSld>
@@ -12639,6 +13070,632 @@
           <a:p>
             <a:r>
               <a:rPr lang="nl-NL" dirty="0"/>
+              <a:t>Using a class</a:t>
+            </a:r>
+          </a:p>
+        </p:txBody>
+      </p:sp>
+      <p:sp>
+        <p:nvSpPr>
+          <p:cNvPr id="4" name="TextBox 3">
+            <a:extLst>
+              <a:ext uri="{FF2B5EF4-FFF2-40B4-BE49-F238E27FC236}">
+                <a16:creationId xmlns:a16="http://schemas.microsoft.com/office/drawing/2014/main" id="{BC3D3FDC-96C4-469A-B3F0-6AFDDB4088F2}"/>
+              </a:ext>
+            </a:extLst>
+          </p:cNvPr>
+          <p:cNvSpPr txBox="1"/>
+          <p:nvPr/>
+        </p:nvSpPr>
+        <p:spPr>
+          <a:xfrm>
+            <a:off x="966117" y="1197018"/>
+            <a:ext cx="8478982" cy="3539430"/>
+          </a:xfrm>
+          <a:prstGeom prst="rect">
+            <a:avLst/>
+          </a:prstGeom>
+          <a:solidFill>
+            <a:schemeClr val="accent6">
+              <a:lumMod val="20000"/>
+              <a:lumOff val="80000"/>
+            </a:schemeClr>
+          </a:solidFill>
+        </p:spPr>
+        <p:txBody>
+          <a:bodyPr wrap="square" rtlCol="0">
+            <a:spAutoFit/>
+          </a:bodyPr>
+          <a:lstStyle/>
+          <a:p>
+            <a:r>
+              <a:rPr lang="en-US" sz="1600" dirty="0">
+                <a:latin typeface="Courier New" panose="02070309020205020404" pitchFamily="49" charset="0"/>
+                <a:cs typeface="Courier New" panose="02070309020205020404" pitchFamily="49" charset="0"/>
+              </a:rPr>
+              <a:t>template&lt; </a:t>
+            </a:r>
+            <a:r>
+              <a:rPr lang="en-US" sz="1600" dirty="0" err="1">
+                <a:latin typeface="Courier New" panose="02070309020205020404" pitchFamily="49" charset="0"/>
+                <a:cs typeface="Courier New" panose="02070309020205020404" pitchFamily="49" charset="0"/>
+              </a:rPr>
+              <a:t>is_gpio</a:t>
+            </a:r>
+            <a:r>
+              <a:rPr lang="en-US" sz="1600" dirty="0">
+                <a:latin typeface="Courier New" panose="02070309020205020404" pitchFamily="49" charset="0"/>
+                <a:cs typeface="Courier New" panose="02070309020205020404" pitchFamily="49" charset="0"/>
+              </a:rPr>
+              <a:t> P &gt;</a:t>
+            </a:r>
+          </a:p>
+          <a:p>
+            <a:r>
+              <a:rPr lang="en-US" sz="1600" dirty="0">
+                <a:latin typeface="Courier New" panose="02070309020205020404" pitchFamily="49" charset="0"/>
+                <a:cs typeface="Courier New" panose="02070309020205020404" pitchFamily="49" charset="0"/>
+              </a:rPr>
+              <a:t>void blink(){    </a:t>
+            </a:r>
+          </a:p>
+          <a:p>
+            <a:r>
+              <a:rPr lang="en-US" sz="1600" dirty="0">
+                <a:latin typeface="Courier New" panose="02070309020205020404" pitchFamily="49" charset="0"/>
+                <a:cs typeface="Courier New" panose="02070309020205020404" pitchFamily="49" charset="0"/>
+              </a:rPr>
+              <a:t>   </a:t>
+            </a:r>
+            <a:r>
+              <a:rPr lang="en-US" sz="1600" b="1" dirty="0">
+                <a:solidFill>
+                  <a:srgbClr val="7030A0"/>
+                </a:solidFill>
+                <a:latin typeface="Courier New" panose="02070309020205020404" pitchFamily="49" charset="0"/>
+                <a:cs typeface="Courier New" panose="02070309020205020404" pitchFamily="49" charset="0"/>
+              </a:rPr>
+              <a:t>P::mode_output();</a:t>
+            </a:r>
+          </a:p>
+          <a:p>
+            <a:r>
+              <a:rPr lang="en-US" sz="1600" dirty="0">
+                <a:latin typeface="Courier New" panose="02070309020205020404" pitchFamily="49" charset="0"/>
+                <a:cs typeface="Courier New" panose="02070309020205020404" pitchFamily="49" charset="0"/>
+              </a:rPr>
+              <a:t>   for(;;){</a:t>
+            </a:r>
+          </a:p>
+          <a:p>
+            <a:r>
+              <a:rPr lang="en-US" sz="1600" dirty="0">
+                <a:latin typeface="Courier New" panose="02070309020205020404" pitchFamily="49" charset="0"/>
+                <a:cs typeface="Courier New" panose="02070309020205020404" pitchFamily="49" charset="0"/>
+              </a:rPr>
+              <a:t>      </a:t>
+            </a:r>
+            <a:r>
+              <a:rPr lang="en-US" sz="1600" b="1" dirty="0">
+                <a:solidFill>
+                  <a:srgbClr val="7030A0"/>
+                </a:solidFill>
+                <a:latin typeface="Courier New" panose="02070309020205020404" pitchFamily="49" charset="0"/>
+                <a:cs typeface="Courier New" panose="02070309020205020404" pitchFamily="49" charset="0"/>
+              </a:rPr>
+              <a:t>P::write( 1 );</a:t>
+            </a:r>
+          </a:p>
+          <a:p>
+            <a:r>
+              <a:rPr lang="en-US" sz="1600" dirty="0">
+                <a:latin typeface="Courier New" panose="02070309020205020404" pitchFamily="49" charset="0"/>
+                <a:cs typeface="Courier New" panose="02070309020205020404" pitchFamily="49" charset="0"/>
+              </a:rPr>
+              <a:t>      for( uint32_t </a:t>
+            </a:r>
+            <a:r>
+              <a:rPr lang="en-US" sz="1600" dirty="0" err="1">
+                <a:latin typeface="Courier New" panose="02070309020205020404" pitchFamily="49" charset="0"/>
+                <a:cs typeface="Courier New" panose="02070309020205020404" pitchFamily="49" charset="0"/>
+              </a:rPr>
+              <a:t>i</a:t>
+            </a:r>
+            <a:r>
+              <a:rPr lang="en-US" sz="1600" dirty="0">
+                <a:latin typeface="Courier New" panose="02070309020205020404" pitchFamily="49" charset="0"/>
+                <a:cs typeface="Courier New" panose="02070309020205020404" pitchFamily="49" charset="0"/>
+              </a:rPr>
+              <a:t> = 0; </a:t>
+            </a:r>
+            <a:r>
+              <a:rPr lang="en-US" sz="1600" dirty="0" err="1">
+                <a:latin typeface="Courier New" panose="02070309020205020404" pitchFamily="49" charset="0"/>
+                <a:cs typeface="Courier New" panose="02070309020205020404" pitchFamily="49" charset="0"/>
+              </a:rPr>
+              <a:t>i</a:t>
+            </a:r>
+            <a:r>
+              <a:rPr lang="en-US" sz="1600" dirty="0">
+                <a:latin typeface="Courier New" panose="02070309020205020404" pitchFamily="49" charset="0"/>
+                <a:cs typeface="Courier New" panose="02070309020205020404" pitchFamily="49" charset="0"/>
+              </a:rPr>
+              <a:t> &lt; 500'000; ++</a:t>
+            </a:r>
+            <a:r>
+              <a:rPr lang="en-US" sz="1600" dirty="0" err="1">
+                <a:latin typeface="Courier New" panose="02070309020205020404" pitchFamily="49" charset="0"/>
+                <a:cs typeface="Courier New" panose="02070309020205020404" pitchFamily="49" charset="0"/>
+              </a:rPr>
+              <a:t>i</a:t>
+            </a:r>
+            <a:r>
+              <a:rPr lang="en-US" sz="1600" dirty="0">
+                <a:latin typeface="Courier New" panose="02070309020205020404" pitchFamily="49" charset="0"/>
+                <a:cs typeface="Courier New" panose="02070309020205020404" pitchFamily="49" charset="0"/>
+              </a:rPr>
+              <a:t> ){ </a:t>
+            </a:r>
+            <a:r>
+              <a:rPr lang="en-US" sz="1600" dirty="0" err="1">
+                <a:latin typeface="Courier New" panose="02070309020205020404" pitchFamily="49" charset="0"/>
+                <a:cs typeface="Courier New" panose="02070309020205020404" pitchFamily="49" charset="0"/>
+              </a:rPr>
+              <a:t>asm</a:t>
+            </a:r>
+            <a:r>
+              <a:rPr lang="en-US" sz="1600" dirty="0">
+                <a:latin typeface="Courier New" panose="02070309020205020404" pitchFamily="49" charset="0"/>
+                <a:cs typeface="Courier New" panose="02070309020205020404" pitchFamily="49" charset="0"/>
+              </a:rPr>
+              <a:t>( "</a:t>
+            </a:r>
+            <a:r>
+              <a:rPr lang="en-US" sz="1600" dirty="0" err="1">
+                <a:latin typeface="Courier New" panose="02070309020205020404" pitchFamily="49" charset="0"/>
+                <a:cs typeface="Courier New" panose="02070309020205020404" pitchFamily="49" charset="0"/>
+              </a:rPr>
+              <a:t>nop</a:t>
+            </a:r>
+            <a:r>
+              <a:rPr lang="en-US" sz="1600" dirty="0">
+                <a:latin typeface="Courier New" panose="02070309020205020404" pitchFamily="49" charset="0"/>
+                <a:cs typeface="Courier New" panose="02070309020205020404" pitchFamily="49" charset="0"/>
+              </a:rPr>
+              <a:t>" ); }</a:t>
+            </a:r>
+          </a:p>
+          <a:p>
+            <a:r>
+              <a:rPr lang="en-US" sz="1600" dirty="0">
+                <a:latin typeface="Courier New" panose="02070309020205020404" pitchFamily="49" charset="0"/>
+                <a:cs typeface="Courier New" panose="02070309020205020404" pitchFamily="49" charset="0"/>
+              </a:rPr>
+              <a:t>      </a:t>
+            </a:r>
+            <a:r>
+              <a:rPr lang="en-US" sz="1600" b="1" dirty="0">
+                <a:solidFill>
+                  <a:srgbClr val="7030A0"/>
+                </a:solidFill>
+                <a:latin typeface="Courier New" panose="02070309020205020404" pitchFamily="49" charset="0"/>
+                <a:cs typeface="Courier New" panose="02070309020205020404" pitchFamily="49" charset="0"/>
+              </a:rPr>
+              <a:t>P::write( 0 );</a:t>
+            </a:r>
+          </a:p>
+          <a:p>
+            <a:r>
+              <a:rPr lang="en-US" sz="1600" dirty="0">
+                <a:latin typeface="Courier New" panose="02070309020205020404" pitchFamily="49" charset="0"/>
+                <a:cs typeface="Courier New" panose="02070309020205020404" pitchFamily="49" charset="0"/>
+              </a:rPr>
+              <a:t>      for( uint32_t </a:t>
+            </a:r>
+            <a:r>
+              <a:rPr lang="en-US" sz="1600" dirty="0" err="1">
+                <a:latin typeface="Courier New" panose="02070309020205020404" pitchFamily="49" charset="0"/>
+                <a:cs typeface="Courier New" panose="02070309020205020404" pitchFamily="49" charset="0"/>
+              </a:rPr>
+              <a:t>i</a:t>
+            </a:r>
+            <a:r>
+              <a:rPr lang="en-US" sz="1600" dirty="0">
+                <a:latin typeface="Courier New" panose="02070309020205020404" pitchFamily="49" charset="0"/>
+                <a:cs typeface="Courier New" panose="02070309020205020404" pitchFamily="49" charset="0"/>
+              </a:rPr>
+              <a:t> = 0; </a:t>
+            </a:r>
+            <a:r>
+              <a:rPr lang="en-US" sz="1600" dirty="0" err="1">
+                <a:latin typeface="Courier New" panose="02070309020205020404" pitchFamily="49" charset="0"/>
+                <a:cs typeface="Courier New" panose="02070309020205020404" pitchFamily="49" charset="0"/>
+              </a:rPr>
+              <a:t>i</a:t>
+            </a:r>
+            <a:r>
+              <a:rPr lang="en-US" sz="1600" dirty="0">
+                <a:latin typeface="Courier New" panose="02070309020205020404" pitchFamily="49" charset="0"/>
+                <a:cs typeface="Courier New" panose="02070309020205020404" pitchFamily="49" charset="0"/>
+              </a:rPr>
+              <a:t> &lt; 500'000; ++</a:t>
+            </a:r>
+            <a:r>
+              <a:rPr lang="en-US" sz="1600" dirty="0" err="1">
+                <a:latin typeface="Courier New" panose="02070309020205020404" pitchFamily="49" charset="0"/>
+                <a:cs typeface="Courier New" panose="02070309020205020404" pitchFamily="49" charset="0"/>
+              </a:rPr>
+              <a:t>i</a:t>
+            </a:r>
+            <a:r>
+              <a:rPr lang="en-US" sz="1600" dirty="0">
+                <a:latin typeface="Courier New" panose="02070309020205020404" pitchFamily="49" charset="0"/>
+                <a:cs typeface="Courier New" panose="02070309020205020404" pitchFamily="49" charset="0"/>
+              </a:rPr>
+              <a:t> ){ </a:t>
+            </a:r>
+            <a:r>
+              <a:rPr lang="en-US" sz="1600" dirty="0" err="1">
+                <a:latin typeface="Courier New" panose="02070309020205020404" pitchFamily="49" charset="0"/>
+                <a:cs typeface="Courier New" panose="02070309020205020404" pitchFamily="49" charset="0"/>
+              </a:rPr>
+              <a:t>asm</a:t>
+            </a:r>
+            <a:r>
+              <a:rPr lang="en-US" sz="1600" dirty="0">
+                <a:latin typeface="Courier New" panose="02070309020205020404" pitchFamily="49" charset="0"/>
+                <a:cs typeface="Courier New" panose="02070309020205020404" pitchFamily="49" charset="0"/>
+              </a:rPr>
+              <a:t>( "</a:t>
+            </a:r>
+            <a:r>
+              <a:rPr lang="en-US" sz="1600" dirty="0" err="1">
+                <a:latin typeface="Courier New" panose="02070309020205020404" pitchFamily="49" charset="0"/>
+                <a:cs typeface="Courier New" panose="02070309020205020404" pitchFamily="49" charset="0"/>
+              </a:rPr>
+              <a:t>nop</a:t>
+            </a:r>
+            <a:r>
+              <a:rPr lang="en-US" sz="1600" dirty="0">
+                <a:latin typeface="Courier New" panose="02070309020205020404" pitchFamily="49" charset="0"/>
+                <a:cs typeface="Courier New" panose="02070309020205020404" pitchFamily="49" charset="0"/>
+              </a:rPr>
+              <a:t>" ); }</a:t>
+            </a:r>
+          </a:p>
+          <a:p>
+            <a:r>
+              <a:rPr lang="en-US" sz="1600" dirty="0">
+                <a:latin typeface="Courier New" panose="02070309020205020404" pitchFamily="49" charset="0"/>
+                <a:cs typeface="Courier New" panose="02070309020205020404" pitchFamily="49" charset="0"/>
+              </a:rPr>
+              <a:t>   }    </a:t>
+            </a:r>
+          </a:p>
+          <a:p>
+            <a:r>
+              <a:rPr lang="en-US" sz="1600" dirty="0">
+                <a:latin typeface="Courier New" panose="02070309020205020404" pitchFamily="49" charset="0"/>
+                <a:cs typeface="Courier New" panose="02070309020205020404" pitchFamily="49" charset="0"/>
+              </a:rPr>
+              <a:t>}</a:t>
+            </a:r>
+          </a:p>
+          <a:p>
+            <a:endParaRPr lang="en-US" sz="1600" dirty="0">
+              <a:latin typeface="Courier New" panose="02070309020205020404" pitchFamily="49" charset="0"/>
+              <a:cs typeface="Courier New" panose="02070309020205020404" pitchFamily="49" charset="0"/>
+            </a:endParaRPr>
+          </a:p>
+          <a:p>
+            <a:r>
+              <a:rPr lang="en-US" sz="1600" dirty="0">
+                <a:latin typeface="Courier New" panose="02070309020205020404" pitchFamily="49" charset="0"/>
+                <a:cs typeface="Courier New" panose="02070309020205020404" pitchFamily="49" charset="0"/>
+              </a:rPr>
+              <a:t>int main( void ){	</a:t>
+            </a:r>
+          </a:p>
+          <a:p>
+            <a:r>
+              <a:rPr lang="en-US" sz="1600" dirty="0">
+                <a:latin typeface="Courier New" panose="02070309020205020404" pitchFamily="49" charset="0"/>
+                <a:cs typeface="Courier New" panose="02070309020205020404" pitchFamily="49" charset="0"/>
+              </a:rPr>
+              <a:t>   blink&lt; </a:t>
+            </a:r>
+            <a:r>
+              <a:rPr lang="en-US" sz="1600" b="1" dirty="0">
+                <a:solidFill>
+                  <a:srgbClr val="7030A0"/>
+                </a:solidFill>
+                <a:latin typeface="Courier New" panose="02070309020205020404" pitchFamily="49" charset="0"/>
+                <a:cs typeface="Courier New" panose="02070309020205020404" pitchFamily="49" charset="0"/>
+              </a:rPr>
+              <a:t>gpio&lt; pin::b5 &gt; </a:t>
+            </a:r>
+            <a:r>
+              <a:rPr lang="en-US" sz="1600" dirty="0">
+                <a:latin typeface="Courier New" panose="02070309020205020404" pitchFamily="49" charset="0"/>
+                <a:cs typeface="Courier New" panose="02070309020205020404" pitchFamily="49" charset="0"/>
+              </a:rPr>
+              <a:t>&gt;();</a:t>
+            </a:r>
+          </a:p>
+          <a:p>
+            <a:r>
+              <a:rPr lang="en-US" sz="1600" dirty="0">
+                <a:latin typeface="Courier New" panose="02070309020205020404" pitchFamily="49" charset="0"/>
+                <a:cs typeface="Courier New" panose="02070309020205020404" pitchFamily="49" charset="0"/>
+              </a:rPr>
+              <a:t>} </a:t>
+            </a:r>
+            <a:endParaRPr lang="nl-NL" sz="1600" dirty="0">
+              <a:latin typeface="Courier New" panose="02070309020205020404" pitchFamily="49" charset="0"/>
+              <a:cs typeface="Courier New" panose="02070309020205020404" pitchFamily="49" charset="0"/>
+            </a:endParaRPr>
+          </a:p>
+        </p:txBody>
+      </p:sp>
+      <p:sp>
+        <p:nvSpPr>
+          <p:cNvPr id="5" name="Slide Number Placeholder 5">
+            <a:extLst>
+              <a:ext uri="{FF2B5EF4-FFF2-40B4-BE49-F238E27FC236}">
+                <a16:creationId xmlns:a16="http://schemas.microsoft.com/office/drawing/2014/main" id="{7756DBA5-F7DA-4A99-82D4-A0FD7F366AD7}"/>
+              </a:ext>
+            </a:extLst>
+          </p:cNvPr>
+          <p:cNvSpPr txBox="1">
+            <a:spLocks/>
+          </p:cNvSpPr>
+          <p:nvPr/>
+        </p:nvSpPr>
+        <p:spPr>
+          <a:xfrm>
+            <a:off x="9162675" y="6384059"/>
+            <a:ext cx="2743200" cy="365125"/>
+          </a:xfrm>
+          <a:prstGeom prst="rect">
+            <a:avLst/>
+          </a:prstGeom>
+        </p:spPr>
+        <p:txBody>
+          <a:bodyPr vert="horz" lIns="91440" tIns="45720" rIns="91440" bIns="45720" rtlCol="0" anchor="ctr"/>
+          <a:lstStyle>
+            <a:defPPr>
+              <a:defRPr lang="nl-NL"/>
+            </a:defPPr>
+            <a:lvl1pPr marL="0" algn="r" defTabSz="914400" rtl="0" eaLnBrk="1" latinLnBrk="0" hangingPunct="1">
+              <a:defRPr sz="1200" kern="1200">
+                <a:solidFill>
+                  <a:schemeClr val="tx1">
+                    <a:tint val="75000"/>
+                  </a:schemeClr>
+                </a:solidFill>
+                <a:latin typeface="+mn-lt"/>
+                <a:ea typeface="+mn-ea"/>
+                <a:cs typeface="+mn-cs"/>
+              </a:defRPr>
+            </a:lvl1pPr>
+            <a:lvl2pPr marL="457200" algn="l" defTabSz="914400" rtl="0" eaLnBrk="1" latinLnBrk="0" hangingPunct="1">
+              <a:defRPr sz="1800" kern="1200">
+                <a:solidFill>
+                  <a:schemeClr val="tx1"/>
+                </a:solidFill>
+                <a:latin typeface="+mn-lt"/>
+                <a:ea typeface="+mn-ea"/>
+                <a:cs typeface="+mn-cs"/>
+              </a:defRPr>
+            </a:lvl2pPr>
+            <a:lvl3pPr marL="914400" algn="l" defTabSz="914400" rtl="0" eaLnBrk="1" latinLnBrk="0" hangingPunct="1">
+              <a:defRPr sz="1800" kern="1200">
+                <a:solidFill>
+                  <a:schemeClr val="tx1"/>
+                </a:solidFill>
+                <a:latin typeface="+mn-lt"/>
+                <a:ea typeface="+mn-ea"/>
+                <a:cs typeface="+mn-cs"/>
+              </a:defRPr>
+            </a:lvl3pPr>
+            <a:lvl4pPr marL="1371600" algn="l" defTabSz="914400" rtl="0" eaLnBrk="1" latinLnBrk="0" hangingPunct="1">
+              <a:defRPr sz="1800" kern="1200">
+                <a:solidFill>
+                  <a:schemeClr val="tx1"/>
+                </a:solidFill>
+                <a:latin typeface="+mn-lt"/>
+                <a:ea typeface="+mn-ea"/>
+                <a:cs typeface="+mn-cs"/>
+              </a:defRPr>
+            </a:lvl4pPr>
+            <a:lvl5pPr marL="1828800" algn="l" defTabSz="914400" rtl="0" eaLnBrk="1" latinLnBrk="0" hangingPunct="1">
+              <a:defRPr sz="1800" kern="1200">
+                <a:solidFill>
+                  <a:schemeClr val="tx1"/>
+                </a:solidFill>
+                <a:latin typeface="+mn-lt"/>
+                <a:ea typeface="+mn-ea"/>
+                <a:cs typeface="+mn-cs"/>
+              </a:defRPr>
+            </a:lvl5pPr>
+            <a:lvl6pPr marL="2286000" algn="l" defTabSz="914400" rtl="0" eaLnBrk="1" latinLnBrk="0" hangingPunct="1">
+              <a:defRPr sz="1800" kern="1200">
+                <a:solidFill>
+                  <a:schemeClr val="tx1"/>
+                </a:solidFill>
+                <a:latin typeface="+mn-lt"/>
+                <a:ea typeface="+mn-ea"/>
+                <a:cs typeface="+mn-cs"/>
+              </a:defRPr>
+            </a:lvl6pPr>
+            <a:lvl7pPr marL="2743200" algn="l" defTabSz="914400" rtl="0" eaLnBrk="1" latinLnBrk="0" hangingPunct="1">
+              <a:defRPr sz="1800" kern="1200">
+                <a:solidFill>
+                  <a:schemeClr val="tx1"/>
+                </a:solidFill>
+                <a:latin typeface="+mn-lt"/>
+                <a:ea typeface="+mn-ea"/>
+                <a:cs typeface="+mn-cs"/>
+              </a:defRPr>
+            </a:lvl7pPr>
+            <a:lvl8pPr marL="3200400" algn="l" defTabSz="914400" rtl="0" eaLnBrk="1" latinLnBrk="0" hangingPunct="1">
+              <a:defRPr sz="1800" kern="1200">
+                <a:solidFill>
+                  <a:schemeClr val="tx1"/>
+                </a:solidFill>
+                <a:latin typeface="+mn-lt"/>
+                <a:ea typeface="+mn-ea"/>
+                <a:cs typeface="+mn-cs"/>
+              </a:defRPr>
+            </a:lvl8pPr>
+            <a:lvl9pPr marL="3657600" algn="l" defTabSz="914400" rtl="0" eaLnBrk="1" latinLnBrk="0" hangingPunct="1">
+              <a:defRPr sz="1800" kern="1200">
+                <a:solidFill>
+                  <a:schemeClr val="tx1"/>
+                </a:solidFill>
+                <a:latin typeface="+mn-lt"/>
+                <a:ea typeface="+mn-ea"/>
+                <a:cs typeface="+mn-cs"/>
+              </a:defRPr>
+            </a:lvl9pPr>
+          </a:lstStyle>
+          <a:p>
+            <a:fld id="{117E512A-7775-4EA3-AB06-35D1DA2F9E89}" type="slidenum">
+              <a:rPr lang="nl-NL" smtClean="0"/>
+              <a:pPr/>
+              <a:t>21</a:t>
+            </a:fld>
+            <a:r>
+              <a:rPr lang="nl-NL" dirty="0"/>
+              <a:t>/23</a:t>
+            </a:r>
+          </a:p>
+        </p:txBody>
+      </p:sp>
+      <p:sp>
+        <p:nvSpPr>
+          <p:cNvPr id="6" name="Content Placeholder 2">
+            <a:extLst>
+              <a:ext uri="{FF2B5EF4-FFF2-40B4-BE49-F238E27FC236}">
+                <a16:creationId xmlns:a16="http://schemas.microsoft.com/office/drawing/2014/main" id="{46B313D5-883D-46EB-B68E-B06B49CD1BC8}"/>
+              </a:ext>
+            </a:extLst>
+          </p:cNvPr>
+          <p:cNvSpPr>
+            <a:spLocks noGrp="1"/>
+          </p:cNvSpPr>
+          <p:nvPr>
+            <p:ph idx="1"/>
+          </p:nvPr>
+        </p:nvSpPr>
+        <p:spPr>
+          <a:xfrm>
+            <a:off x="966117" y="6245420"/>
+            <a:ext cx="10515600" cy="477153"/>
+          </a:xfrm>
+        </p:spPr>
+        <p:txBody>
+          <a:bodyPr/>
+          <a:lstStyle/>
+          <a:p>
+            <a:pPr marL="0" indent="0">
+              <a:buNone/>
+            </a:pPr>
+            <a:r>
+              <a:rPr lang="nl-NL" dirty="0" err="1"/>
+              <a:t>Much</a:t>
+            </a:r>
+            <a:r>
+              <a:rPr lang="nl-NL" dirty="0"/>
+              <a:t> like </a:t>
+            </a:r>
+            <a:r>
+              <a:rPr lang="nl-NL" dirty="0" err="1"/>
+              <a:t>an</a:t>
+            </a:r>
+            <a:r>
+              <a:rPr lang="nl-NL" dirty="0"/>
+              <a:t> object, but </a:t>
+            </a:r>
+            <a:r>
+              <a:rPr lang="nl-NL" dirty="0" err="1"/>
+              <a:t>everything</a:t>
+            </a:r>
+            <a:r>
+              <a:rPr lang="nl-NL" dirty="0"/>
+              <a:t> is </a:t>
+            </a:r>
+            <a:r>
+              <a:rPr lang="nl-NL" dirty="0" err="1"/>
+              <a:t>static</a:t>
+            </a:r>
+            <a:r>
+              <a:rPr lang="nl-NL" dirty="0"/>
+              <a:t>.</a:t>
+            </a:r>
+          </a:p>
+        </p:txBody>
+      </p:sp>
+    </p:spTree>
+    <p:extLst>
+      <p:ext uri="{BB962C8B-B14F-4D97-AF65-F5344CB8AC3E}">
+        <p14:creationId xmlns:p14="http://schemas.microsoft.com/office/powerpoint/2010/main" val="795629368"/>
+      </p:ext>
+    </p:extLst>
+  </p:cSld>
+  <p:clrMapOvr>
+    <a:masterClrMapping/>
+  </p:clrMapOvr>
+</p:sld>
+</file>
+
+<file path=ppt/slides/slide22.xml><?xml version="1.0" encoding="utf-8"?>
+<p:sld xmlns:a="http://schemas.openxmlformats.org/drawingml/2006/main" xmlns:r="http://schemas.openxmlformats.org/officeDocument/2006/relationships" xmlns:p="http://schemas.openxmlformats.org/presentationml/2006/main">
+  <p:cSld>
+    <p:spTree>
+      <p:nvGrpSpPr>
+        <p:cNvPr id="1" name=""/>
+        <p:cNvGrpSpPr/>
+        <p:nvPr/>
+      </p:nvGrpSpPr>
+      <p:grpSpPr>
+        <a:xfrm>
+          <a:off x="0" y="0"/>
+          <a:ext cx="0" cy="0"/>
+          <a:chOff x="0" y="0"/>
+          <a:chExt cx="0" cy="0"/>
+        </a:xfrm>
+      </p:grpSpPr>
+      <p:sp>
+        <p:nvSpPr>
+          <p:cNvPr id="2" name="Title 1">
+            <a:extLst>
+              <a:ext uri="{FF2B5EF4-FFF2-40B4-BE49-F238E27FC236}">
+                <a16:creationId xmlns:a16="http://schemas.microsoft.com/office/drawing/2014/main" id="{906EAEEB-66CE-429C-8B8C-A6CF5CC519A0}"/>
+              </a:ext>
+            </a:extLst>
+          </p:cNvPr>
+          <p:cNvSpPr>
+            <a:spLocks noGrp="1"/>
+          </p:cNvSpPr>
+          <p:nvPr>
+            <p:ph type="title"/>
+          </p:nvPr>
+        </p:nvSpPr>
+        <p:spPr>
+          <a:xfrm>
+            <a:off x="838200" y="374003"/>
+            <a:ext cx="10515600" cy="706293"/>
+          </a:xfrm>
+        </p:spPr>
+        <p:txBody>
+          <a:bodyPr>
+            <a:normAutofit/>
+          </a:bodyPr>
+          <a:lstStyle/>
+          <a:p>
+            <a:r>
+              <a:rPr lang="nl-NL" dirty="0"/>
               <a:t>Using a class - </a:t>
             </a:r>
             <a:r>
@@ -13381,7 +14438,7 @@
             <a:fld id="{117E512A-7775-4EA3-AB06-35D1DA2F9E89}" type="slidenum">
               <a:rPr lang="nl-NL" smtClean="0"/>
               <a:pPr/>
-              <a:t>21</a:t>
+              <a:t>22</a:t>
             </a:fld>
             <a:r>
               <a:rPr lang="nl-NL" dirty="0"/>
@@ -13403,7 +14460,7 @@
 </p:sld>
 </file>
 
-<file path=ppt/slides/slide22.xml><?xml version="1.0" encoding="utf-8"?>
+<file path=ppt/slides/slide23.xml><?xml version="1.0" encoding="utf-8"?>
 <p:sld xmlns:a="http://schemas.openxmlformats.org/drawingml/2006/main" xmlns:r="http://schemas.openxmlformats.org/officeDocument/2006/relationships" xmlns:p="http://schemas.openxmlformats.org/presentationml/2006/main">
   <p:cSld>
     <p:spTree>
@@ -13474,14 +14531,14 @@
           <p:nvPr>
             <p:extLst>
               <p:ext uri="{D42A27DB-BD31-4B8C-83A1-F6EECF244321}">
-                <p14:modId xmlns:p14="http://schemas.microsoft.com/office/powerpoint/2010/main" val="3477307403"/>
+                <p14:modId xmlns:p14="http://schemas.microsoft.com/office/powerpoint/2010/main" val="1727184968"/>
               </p:ext>
             </p:extLst>
           </p:nvPr>
         </p:nvGraphicFramePr>
         <p:xfrm>
           <a:off x="330535" y="1207624"/>
-          <a:ext cx="11279574" cy="4280220"/>
+          <a:ext cx="11279573" cy="4280220"/>
         </p:xfrm>
         <a:graphic>
           <a:graphicData uri="http://schemas.openxmlformats.org/drawingml/2006/table">
@@ -13490,56 +14547,63 @@
                 <a:tableStyleId>{5C22544A-7EE6-4342-B048-85BDC9FD1C3A}</a:tableStyleId>
               </a:tblPr>
               <a:tblGrid>
-                <a:gridCol w="1132762">
+                <a:gridCol w="1041336">
                   <a:extLst>
                     <a:ext uri="{9D8B030D-6E8A-4147-A177-3AD203B41FA5}">
                       <a16:colId xmlns:a16="http://schemas.microsoft.com/office/drawing/2014/main" val="1483432228"/>
                     </a:ext>
                   </a:extLst>
                 </a:gridCol>
-                <a:gridCol w="990307">
+                <a:gridCol w="667944">
                   <a:extLst>
                     <a:ext uri="{9D8B030D-6E8A-4147-A177-3AD203B41FA5}">
                       <a16:colId xmlns:a16="http://schemas.microsoft.com/office/drawing/2014/main" val="2561776561"/>
                     </a:ext>
                   </a:extLst>
                 </a:gridCol>
-                <a:gridCol w="1167147">
+                <a:gridCol w="984739">
+                  <a:extLst>
+                    <a:ext uri="{9D8B030D-6E8A-4147-A177-3AD203B41FA5}">
+                      <a16:colId xmlns:a16="http://schemas.microsoft.com/office/drawing/2014/main" val="376978773"/>
+                    </a:ext>
+                  </a:extLst>
+                </a:gridCol>
+                <a:gridCol w="1133231">
                   <a:extLst>
                     <a:ext uri="{9D8B030D-6E8A-4147-A177-3AD203B41FA5}">
                       <a16:colId xmlns:a16="http://schemas.microsoft.com/office/drawing/2014/main" val="4150781641"/>
                     </a:ext>
                   </a:extLst>
                 </a:gridCol>
-                <a:gridCol w="2881649">
+                <a:gridCol w="2805723">
                   <a:extLst>
                     <a:ext uri="{9D8B030D-6E8A-4147-A177-3AD203B41FA5}">
                       <a16:colId xmlns:a16="http://schemas.microsoft.com/office/drawing/2014/main" val="3692811487"/>
                     </a:ext>
                   </a:extLst>
                 </a:gridCol>
-                <a:gridCol w="1366982">
+                <a:gridCol w="1172307">
                   <a:extLst>
                     <a:ext uri="{9D8B030D-6E8A-4147-A177-3AD203B41FA5}">
                       <a16:colId xmlns:a16="http://schemas.microsoft.com/office/drawing/2014/main" val="1606734157"/>
                     </a:ext>
                   </a:extLst>
                 </a:gridCol>
-                <a:gridCol w="1246909">
+                <a:gridCol w="1383323">
                   <a:extLst>
                     <a:ext uri="{9D8B030D-6E8A-4147-A177-3AD203B41FA5}">
                       <a16:colId xmlns:a16="http://schemas.microsoft.com/office/drawing/2014/main" val="1008365491"/>
                     </a:ext>
                   </a:extLst>
                 </a:gridCol>
-                <a:gridCol w="1219200">
+                <a:gridCol w="1055077">
                   <a:extLst>
                     <a:ext uri="{9D8B030D-6E8A-4147-A177-3AD203B41FA5}">
                       <a16:colId xmlns:a16="http://schemas.microsoft.com/office/drawing/2014/main" val="1542136971"/>
                     </a:ext>
                   </a:extLst>
                 </a:gridCol>
-                <a:gridCol w="1274618">
+                <a:gridCol w="1035893">
                   <a:extLst>
                     <a:ext uri="{9D8B030D-6E8A-4147-A177-3AD203B41FA5}">
                       <a16:colId xmlns:a16="http://schemas.microsoft.com/office/drawing/2014/main" val="3235842392"/>
@@ -13586,6 +14650,19 @@
                     <a:p>
                       <a:r>
                         <a:rPr lang="nl-NL" dirty="0"/>
+                        <a:t>Write speed</a:t>
+                      </a:r>
+                    </a:p>
+                  </a:txBody>
+                  <a:tcPr/>
+                </a:tc>
+                <a:tc>
+                  <a:txBody>
+                    <a:bodyPr/>
+                    <a:lstStyle/>
+                    <a:p>
+                      <a:r>
+                        <a:rPr lang="nl-NL" dirty="0"/>
                         <a:t>Style</a:t>
                       </a:r>
                     </a:p>
@@ -13617,7 +14694,7 @@
                       </a:r>
                       <a:r>
                         <a:rPr lang="nl-NL" dirty="0"/>
-                        <a:t> *</a:t>
+                        <a:t> </a:t>
                       </a:r>
                     </a:p>
                   </a:txBody>
@@ -13699,6 +14776,19 @@
                       <a:r>
                         <a:rPr lang="nl-NL" dirty="0"/>
                         <a:t>218</a:t>
+                      </a:r>
+                    </a:p>
+                  </a:txBody>
+                  <a:tcPr/>
+                </a:tc>
+                <a:tc>
+                  <a:txBody>
+                    <a:bodyPr/>
+                    <a:lstStyle/>
+                    <a:p>
+                      <a:r>
+                        <a:rPr lang="nl-NL" dirty="0"/>
+                        <a:t>0.125 ms</a:t>
                       </a:r>
                     </a:p>
                   </a:txBody>
@@ -13860,6 +14950,19 @@
                     <a:p>
                       <a:r>
                         <a:rPr lang="nl-NL" dirty="0"/>
+                        <a:t>2.625 ms</a:t>
+                      </a:r>
+                    </a:p>
+                  </a:txBody>
+                  <a:tcPr/>
+                </a:tc>
+                <a:tc>
+                  <a:txBody>
+                    <a:bodyPr/>
+                    <a:lstStyle/>
+                    <a:p>
+                      <a:r>
+                        <a:rPr lang="nl-NL" dirty="0"/>
                         <a:t>C</a:t>
                       </a:r>
                     </a:p>
@@ -13970,6 +15073,19 @@
                       <a:r>
                         <a:rPr lang="nl-NL" dirty="0"/>
                         <a:t>434</a:t>
+                      </a:r>
+                    </a:p>
+                  </a:txBody>
+                  <a:tcPr/>
+                </a:tc>
+                <a:tc>
+                  <a:txBody>
+                    <a:bodyPr/>
+                    <a:lstStyle/>
+                    <a:p>
+                      <a:r>
+                        <a:rPr lang="nl-NL" dirty="0"/>
+                        <a:t>2.750 ms</a:t>
                       </a:r>
                     </a:p>
                   </a:txBody>
@@ -14095,6 +15211,20 @@
                         <a:rPr lang="nl-NL" dirty="0"/>
                         <a:t>218</a:t>
                       </a:r>
+                    </a:p>
+                  </a:txBody>
+                  <a:tcPr/>
+                </a:tc>
+                <a:tc>
+                  <a:txBody>
+                    <a:bodyPr/>
+                    <a:lstStyle/>
+                    <a:p>
+                      <a:r>
+                        <a:rPr lang="nl-NL"/>
+                        <a:t>0.167 ms</a:t>
+                      </a:r>
+                      <a:endParaRPr lang="nl-NL" dirty="0"/>
                     </a:p>
                   </a:txBody>
                   <a:tcPr/>
@@ -14349,7 +15479,7 @@
             <a:fld id="{117E512A-7775-4EA3-AB06-35D1DA2F9E89}" type="slidenum">
               <a:rPr lang="nl-NL" smtClean="0"/>
               <a:pPr/>
-              <a:t>22</a:t>
+              <a:t>23</a:t>
             </a:fld>
             <a:r>
               <a:rPr lang="nl-NL" dirty="0"/>
@@ -14483,7 +15613,7 @@
 </p:sld>
 </file>
 
-<file path=ppt/slides/slide23.xml><?xml version="1.0" encoding="utf-8"?>
+<file path=ppt/slides/slide24.xml><?xml version="1.0" encoding="utf-8"?>
 <p:sld xmlns:a="http://schemas.openxmlformats.org/drawingml/2006/main" xmlns:r="http://schemas.openxmlformats.org/officeDocument/2006/relationships" xmlns:p="http://schemas.openxmlformats.org/presentationml/2006/main">
   <p:cSld>
     <p:spTree>
@@ -14518,7 +15648,9 @@
         </p:nvSpPr>
         <p:spPr/>
         <p:txBody>
-          <a:bodyPr/>
+          <a:bodyPr>
+            <a:normAutofit/>
+          </a:bodyPr>
           <a:lstStyle/>
           <a:p>
             <a:r>
@@ -14535,7 +15667,7 @@
             </a:r>
             <a:r>
               <a:rPr lang="nl-NL" dirty="0" err="1"/>
-              <a:t>and</a:t>
+              <a:t>you</a:t>
             </a:r>
             <a:r>
               <a:rPr lang="nl-NL" dirty="0"/>
@@ -14543,11 +15675,19 @@
             </a:r>
             <a:r>
               <a:rPr lang="nl-NL" dirty="0" err="1"/>
-              <a:t>maybe</a:t>
-            </a:r>
-            <a:r>
-              <a:rPr lang="nl-NL" dirty="0"/>
-              <a:t> even A?</a:t>
+              <a:t>might</a:t>
+            </a:r>
+            <a:r>
+              <a:rPr lang="nl-NL" dirty="0"/>
+              <a:t> even get </a:t>
+            </a:r>
+            <a:r>
+              <a:rPr lang="nl-NL" dirty="0" err="1"/>
+              <a:t>an</a:t>
+            </a:r>
+            <a:r>
+              <a:rPr lang="nl-NL" dirty="0"/>
+              <a:t> A?</a:t>
             </a:r>
           </a:p>
         </p:txBody>
@@ -14725,7 +15865,7 @@
             <a:fld id="{117E512A-7775-4EA3-AB06-35D1DA2F9E89}" type="slidenum">
               <a:rPr lang="nl-NL" smtClean="0"/>
               <a:pPr/>
-              <a:t>23</a:t>
+              <a:t>24</a:t>
             </a:fld>
             <a:r>
               <a:rPr lang="nl-NL" dirty="0"/>
@@ -14867,7 +16007,7 @@
             </a:r>
             <a:r>
               <a:rPr lang="nl-NL" dirty="0"/>
-              <a:t> on a laptop</a:t>
+              <a:t> on a PC/laptop</a:t>
             </a:r>
           </a:p>
           <a:p>
@@ -14881,7 +16021,7 @@
             </a:r>
             <a:r>
               <a:rPr lang="nl-NL" dirty="0"/>
-              <a:t> target micro-controller, run</a:t>
+              <a:t> target micro-controller, (debug), run</a:t>
             </a:r>
           </a:p>
           <a:p>
@@ -16218,6 +17358,36 @@
           </a:fontRef>
         </p:style>
       </p:cxnSp>
+      <p:pic>
+        <p:nvPicPr>
+          <p:cNvPr id="14" name="Picture 13">
+            <a:extLst>
+              <a:ext uri="{FF2B5EF4-FFF2-40B4-BE49-F238E27FC236}">
+                <a16:creationId xmlns:a16="http://schemas.microsoft.com/office/drawing/2014/main" id="{F4CEADBF-BAD5-4B02-BDC1-41C5CE6C6103}"/>
+              </a:ext>
+            </a:extLst>
+          </p:cNvPr>
+          <p:cNvPicPr>
+            <a:picLocks noChangeAspect="1"/>
+          </p:cNvPicPr>
+          <p:nvPr/>
+        </p:nvPicPr>
+        <p:blipFill>
+          <a:blip r:embed="rId3"/>
+          <a:stretch>
+            <a:fillRect/>
+          </a:stretch>
+        </p:blipFill>
+        <p:spPr>
+          <a:xfrm>
+            <a:off x="9781663" y="698058"/>
+            <a:ext cx="1483360" cy="1483360"/>
+          </a:xfrm>
+          <a:prstGeom prst="rect">
+            <a:avLst/>
+          </a:prstGeom>
+        </p:spPr>
+      </p:pic>
     </p:spTree>
     <p:extLst>
       <p:ext uri="{BB962C8B-B14F-4D97-AF65-F5344CB8AC3E}">
@@ -16614,7 +17784,7 @@
         </p:nvGrpSpPr>
         <p:grpSpPr>
           <a:xfrm>
-            <a:off x="8064773" y="365125"/>
+            <a:off x="8042731" y="427813"/>
             <a:ext cx="3841102" cy="3001187"/>
             <a:chOff x="6642171" y="190094"/>
             <a:chExt cx="3841102" cy="3001187"/>
@@ -18144,8 +19314,12 @@
           </a:p>
           <a:p>
             <a:r>
-              <a:rPr lang="nl-NL" dirty="0" err="1"/>
-              <a:t>By</a:t>
+              <a:rPr lang="nl-NL" dirty="0"/>
+              <a:t>AFAIK, </a:t>
+            </a:r>
+            <a:r>
+              <a:rPr lang="nl-NL" dirty="0" err="1"/>
+              <a:t>by</a:t>
             </a:r>
             <a:r>
               <a:rPr lang="nl-NL" dirty="0"/>
@@ -18165,7 +19339,7 @@
             </a:r>
             <a:r>
               <a:rPr lang="nl-NL" dirty="0"/>
-              <a:t> is UB *</a:t>
+              <a:t> is UB*</a:t>
             </a:r>
           </a:p>
           <a:p>
@@ -18767,7 +19941,7 @@
             </a:pPr>
             <a:r>
               <a:rPr lang="nl-NL" dirty="0"/>
-              <a:t>* </a:t>
+              <a:t>*</a:t>
             </a:r>
             <a:r>
               <a:rPr lang="nl-NL" dirty="0" err="1"/>
@@ -18836,6 +20010,41 @@
           </a:p>
         </p:txBody>
       </p:sp>
+      <p:pic>
+        <p:nvPicPr>
+          <p:cNvPr id="7" name="Picture 6">
+            <a:extLst>
+              <a:ext uri="{FF2B5EF4-FFF2-40B4-BE49-F238E27FC236}">
+                <a16:creationId xmlns:a16="http://schemas.microsoft.com/office/drawing/2014/main" id="{F54BE260-57E7-4B5A-9B1D-443279EC907A}"/>
+              </a:ext>
+            </a:extLst>
+          </p:cNvPr>
+          <p:cNvPicPr>
+            <a:picLocks noChangeAspect="1"/>
+          </p:cNvPicPr>
+          <p:nvPr/>
+        </p:nvPicPr>
+        <p:blipFill>
+          <a:blip r:embed="rId2"/>
+          <a:stretch>
+            <a:fillRect/>
+          </a:stretch>
+        </p:blipFill>
+        <p:spPr>
+          <a:xfrm>
+            <a:off x="3652545" y="1746904"/>
+            <a:ext cx="2571372" cy="878989"/>
+          </a:xfrm>
+          <a:prstGeom prst="rect">
+            <a:avLst/>
+          </a:prstGeom>
+          <a:ln w="12700">
+            <a:solidFill>
+              <a:srgbClr val="002060"/>
+            </a:solidFill>
+          </a:ln>
+        </p:spPr>
+      </p:pic>
     </p:spTree>
     <p:extLst>
       <p:ext uri="{BB962C8B-B14F-4D97-AF65-F5344CB8AC3E}">

--- a/powerpoint/gpio-abstractions.pptx
+++ b/powerpoint/gpio-abstractions.pptx
@@ -25,10 +25,11 @@
     <p:sldId id="276" r:id="rId19"/>
     <p:sldId id="277" r:id="rId20"/>
     <p:sldId id="278" r:id="rId21"/>
-    <p:sldId id="279" r:id="rId22"/>
-    <p:sldId id="280" r:id="rId23"/>
-    <p:sldId id="267" r:id="rId24"/>
-    <p:sldId id="274" r:id="rId25"/>
+    <p:sldId id="282" r:id="rId22"/>
+    <p:sldId id="279" r:id="rId23"/>
+    <p:sldId id="280" r:id="rId24"/>
+    <p:sldId id="267" r:id="rId25"/>
+    <p:sldId id="274" r:id="rId26"/>
   </p:sldIdLst>
   <p:sldSz cx="12192000" cy="6858000"/>
   <p:notesSz cx="6858000" cy="9144000"/>
@@ -284,7 +285,7 @@
           <a:p>
             <a:fld id="{A68006B4-A719-4B19-A014-00434E01F6E7}" type="datetimeFigureOut">
               <a:rPr lang="nl-NL" smtClean="0"/>
-              <a:t>11-10-2021</a:t>
+              <a:t>13-10-2021</a:t>
             </a:fld>
             <a:endParaRPr lang="nl-NL"/>
           </a:p>
@@ -484,7 +485,7 @@
           <a:p>
             <a:fld id="{A68006B4-A719-4B19-A014-00434E01F6E7}" type="datetimeFigureOut">
               <a:rPr lang="nl-NL" smtClean="0"/>
-              <a:t>11-10-2021</a:t>
+              <a:t>13-10-2021</a:t>
             </a:fld>
             <a:endParaRPr lang="nl-NL"/>
           </a:p>
@@ -694,7 +695,7 @@
           <a:p>
             <a:fld id="{A68006B4-A719-4B19-A014-00434E01F6E7}" type="datetimeFigureOut">
               <a:rPr lang="nl-NL" smtClean="0"/>
-              <a:t>11-10-2021</a:t>
+              <a:t>13-10-2021</a:t>
             </a:fld>
             <a:endParaRPr lang="nl-NL"/>
           </a:p>
@@ -1044,7 +1045,7 @@
           <a:p>
             <a:fld id="{A68006B4-A719-4B19-A014-00434E01F6E7}" type="datetimeFigureOut">
               <a:rPr lang="nl-NL" smtClean="0"/>
-              <a:t>11-10-2021</a:t>
+              <a:t>13-10-2021</a:t>
             </a:fld>
             <a:endParaRPr lang="nl-NL"/>
           </a:p>
@@ -1320,7 +1321,7 @@
           <a:p>
             <a:fld id="{A68006B4-A719-4B19-A014-00434E01F6E7}" type="datetimeFigureOut">
               <a:rPr lang="nl-NL" smtClean="0"/>
-              <a:t>11-10-2021</a:t>
+              <a:t>13-10-2021</a:t>
             </a:fld>
             <a:endParaRPr lang="nl-NL"/>
           </a:p>
@@ -1588,7 +1589,7 @@
           <a:p>
             <a:fld id="{A68006B4-A719-4B19-A014-00434E01F6E7}" type="datetimeFigureOut">
               <a:rPr lang="nl-NL" smtClean="0"/>
-              <a:t>11-10-2021</a:t>
+              <a:t>13-10-2021</a:t>
             </a:fld>
             <a:endParaRPr lang="nl-NL"/>
           </a:p>
@@ -2003,7 +2004,7 @@
           <a:p>
             <a:fld id="{A68006B4-A719-4B19-A014-00434E01F6E7}" type="datetimeFigureOut">
               <a:rPr lang="nl-NL" smtClean="0"/>
-              <a:t>11-10-2021</a:t>
+              <a:t>13-10-2021</a:t>
             </a:fld>
             <a:endParaRPr lang="nl-NL"/>
           </a:p>
@@ -2145,7 +2146,7 @@
           <a:p>
             <a:fld id="{A68006B4-A719-4B19-A014-00434E01F6E7}" type="datetimeFigureOut">
               <a:rPr lang="nl-NL" smtClean="0"/>
-              <a:t>11-10-2021</a:t>
+              <a:t>13-10-2021</a:t>
             </a:fld>
             <a:endParaRPr lang="nl-NL"/>
           </a:p>
@@ -2258,7 +2259,7 @@
           <a:p>
             <a:fld id="{A68006B4-A719-4B19-A014-00434E01F6E7}" type="datetimeFigureOut">
               <a:rPr lang="nl-NL" smtClean="0"/>
-              <a:t>11-10-2021</a:t>
+              <a:t>13-10-2021</a:t>
             </a:fld>
             <a:endParaRPr lang="nl-NL"/>
           </a:p>
@@ -2571,7 +2572,7 @@
           <a:p>
             <a:fld id="{A68006B4-A719-4B19-A014-00434E01F6E7}" type="datetimeFigureOut">
               <a:rPr lang="nl-NL" smtClean="0"/>
-              <a:t>11-10-2021</a:t>
+              <a:t>13-10-2021</a:t>
             </a:fld>
             <a:endParaRPr lang="nl-NL"/>
           </a:p>
@@ -2860,7 +2861,7 @@
           <a:p>
             <a:fld id="{A68006B4-A719-4B19-A014-00434E01F6E7}" type="datetimeFigureOut">
               <a:rPr lang="nl-NL" smtClean="0"/>
-              <a:t>11-10-2021</a:t>
+              <a:t>13-10-2021</a:t>
             </a:fld>
             <a:endParaRPr lang="nl-NL"/>
           </a:p>
@@ -3106,7 +3107,7 @@
           <a:p>
             <a:fld id="{A68006B4-A719-4B19-A014-00434E01F6E7}" type="datetimeFigureOut">
               <a:rPr lang="nl-NL" smtClean="0"/>
-              <a:t>11-10-2021</a:t>
+              <a:t>13-10-2021</a:t>
             </a:fld>
             <a:endParaRPr lang="nl-NL"/>
           </a:p>
@@ -6574,13 +6575,28 @@
           </a:bodyPr>
           <a:lstStyle/>
           <a:p>
-            <a:r>
-              <a:rPr lang="nl-NL" dirty="0"/>
-              <a:t>Using </a:t>
-            </a:r>
-            <a:r>
-              <a:rPr lang="nl-NL" dirty="0" err="1"/>
-              <a:t>the</a:t>
+            <a:pPr marL="0" indent="0">
+              <a:buNone/>
+            </a:pPr>
+            <a:r>
+              <a:rPr lang="nl-NL" dirty="0" err="1"/>
+              <a:t>Who</a:t>
+            </a:r>
+            <a:r>
+              <a:rPr lang="nl-NL" dirty="0"/>
+              <a:t> wants </a:t>
+            </a:r>
+            <a:r>
+              <a:rPr lang="nl-NL" dirty="0" err="1"/>
+              <a:t>to</a:t>
+            </a:r>
+            <a:r>
+              <a:rPr lang="nl-NL" dirty="0"/>
+              <a:t> type in </a:t>
+            </a:r>
+            <a:r>
+              <a:rPr lang="nl-NL" dirty="0" err="1"/>
+              <a:t>all</a:t>
             </a:r>
             <a:r>
               <a:rPr lang="nl-NL" dirty="0"/>
@@ -6588,11 +6604,19 @@
             </a:r>
             <a:r>
               <a:rPr lang="nl-NL" dirty="0" err="1"/>
-              <a:t>manufacturers</a:t>
-            </a:r>
-            <a:r>
-              <a:rPr lang="nl-NL" dirty="0"/>
-              <a:t> header</a:t>
+              <a:t>those</a:t>
+            </a:r>
+            <a:r>
+              <a:rPr lang="nl-NL" dirty="0"/>
+              <a:t> </a:t>
+            </a:r>
+            <a:r>
+              <a:rPr lang="nl-NL" dirty="0" err="1"/>
+              <a:t>addresses</a:t>
+            </a:r>
+            <a:r>
+              <a:rPr lang="nl-NL" dirty="0"/>
+              <a:t>?</a:t>
             </a:r>
           </a:p>
         </p:txBody>
@@ -7267,23 +7291,7 @@
             </a:pPr>
             <a:r>
               <a:rPr lang="nl-NL" dirty="0" err="1"/>
-              <a:t>Who</a:t>
-            </a:r>
-            <a:r>
-              <a:rPr lang="nl-NL" dirty="0"/>
-              <a:t> wants </a:t>
-            </a:r>
-            <a:r>
-              <a:rPr lang="nl-NL" dirty="0" err="1"/>
-              <a:t>to</a:t>
-            </a:r>
-            <a:r>
-              <a:rPr lang="nl-NL" dirty="0"/>
-              <a:t> type in </a:t>
-            </a:r>
-            <a:r>
-              <a:rPr lang="nl-NL" dirty="0" err="1"/>
-              <a:t>all</a:t>
+              <a:t>Use</a:t>
             </a:r>
             <a:r>
               <a:rPr lang="nl-NL" dirty="0"/>
@@ -7291,7 +7299,7 @@
             </a:r>
             <a:r>
               <a:rPr lang="nl-NL" dirty="0" err="1"/>
-              <a:t>those</a:t>
+              <a:t>the</a:t>
             </a:r>
             <a:r>
               <a:rPr lang="nl-NL" dirty="0"/>
@@ -7299,11 +7307,11 @@
             </a:r>
             <a:r>
               <a:rPr lang="nl-NL" dirty="0" err="1"/>
-              <a:t>addresses</a:t>
-            </a:r>
-            <a:r>
-              <a:rPr lang="nl-NL" dirty="0"/>
-              <a:t>?</a:t>
+              <a:t>manufactur-supplied</a:t>
+            </a:r>
+            <a:r>
+              <a:rPr lang="nl-NL" dirty="0"/>
+              <a:t> header</a:t>
             </a:r>
           </a:p>
         </p:txBody>
@@ -7399,7 +7407,7 @@
             </a:pPr>
             <a:r>
               <a:rPr lang="nl-NL" dirty="0" err="1"/>
-              <a:t>Now</a:t>
+              <a:t>Let’s</a:t>
             </a:r>
             <a:r>
               <a:rPr lang="nl-NL" dirty="0"/>
@@ -7407,14 +7415,6 @@
             </a:r>
             <a:r>
               <a:rPr lang="nl-NL" dirty="0" err="1"/>
-              <a:t>let’s</a:t>
-            </a:r>
-            <a:r>
-              <a:rPr lang="nl-NL" dirty="0"/>
-              <a:t> </a:t>
-            </a:r>
-            <a:r>
-              <a:rPr lang="nl-NL" dirty="0" err="1"/>
               <a:t>write</a:t>
             </a:r>
             <a:r>
@@ -7422,12 +7422,21 @@
               <a:t> a blink </a:t>
             </a:r>
             <a:r>
-              <a:rPr lang="nl-NL" b="1" dirty="0" err="1"/>
+              <a:rPr lang="nl-NL" dirty="0" err="1"/>
               <a:t>function</a:t>
             </a:r>
             <a:r>
               <a:rPr lang="nl-NL" dirty="0"/>
-              <a:t>! - But </a:t>
+              <a:t>! </a:t>
+            </a:r>
+          </a:p>
+          <a:p>
+            <a:pPr marL="0" indent="0">
+              <a:buNone/>
+            </a:pPr>
+            <a:r>
+              <a:rPr lang="nl-NL" dirty="0"/>
+              <a:t>- But </a:t>
             </a:r>
             <a:r>
               <a:rPr lang="nl-NL" dirty="0" err="1"/>
@@ -7882,7 +7891,58 @@
                 <a:latin typeface="Courier New" panose="02070309020205020404" pitchFamily="49" charset="0"/>
                 <a:cs typeface="Courier New" panose="02070309020205020404" pitchFamily="49" charset="0"/>
               </a:rPr>
-              <a:t>   LED_DDR = LED_DDR| ( 0b01 &lt;&lt; 5 );</a:t>
+              <a:t>   </a:t>
+            </a:r>
+            <a:r>
+              <a:rPr lang="en-US" sz="1600" b="1" dirty="0">
+                <a:solidFill>
+                  <a:srgbClr val="7030A0"/>
+                </a:solidFill>
+                <a:latin typeface="Courier New" panose="02070309020205020404" pitchFamily="49" charset="0"/>
+                <a:cs typeface="Courier New" panose="02070309020205020404" pitchFamily="49" charset="0"/>
+              </a:rPr>
+              <a:t>LED_DDR </a:t>
+            </a:r>
+            <a:r>
+              <a:rPr lang="en-US" sz="1600" dirty="0">
+                <a:latin typeface="Courier New" panose="02070309020205020404" pitchFamily="49" charset="0"/>
+                <a:cs typeface="Courier New" panose="02070309020205020404" pitchFamily="49" charset="0"/>
+              </a:rPr>
+              <a:t>= </a:t>
+            </a:r>
+            <a:r>
+              <a:rPr lang="en-US" sz="1600" b="1" dirty="0">
+                <a:solidFill>
+                  <a:srgbClr val="7030A0"/>
+                </a:solidFill>
+                <a:latin typeface="Courier New" panose="02070309020205020404" pitchFamily="49" charset="0"/>
+                <a:cs typeface="Courier New" panose="02070309020205020404" pitchFamily="49" charset="0"/>
+              </a:rPr>
+              <a:t>LED_DDR </a:t>
+            </a:r>
+            <a:r>
+              <a:rPr lang="en-US" sz="1600" dirty="0">
+                <a:latin typeface="Courier New" panose="02070309020205020404" pitchFamily="49" charset="0"/>
+                <a:cs typeface="Courier New" panose="02070309020205020404" pitchFamily="49" charset="0"/>
+              </a:rPr>
+              <a:t>| </a:t>
+            </a:r>
+            <a:r>
+              <a:rPr lang="en-US" sz="1600" b="1" dirty="0">
+                <a:solidFill>
+                  <a:srgbClr val="7030A0"/>
+                </a:solidFill>
+                <a:latin typeface="Courier New" panose="02070309020205020404" pitchFamily="49" charset="0"/>
+                <a:cs typeface="Courier New" panose="02070309020205020404" pitchFamily="49" charset="0"/>
+              </a:rPr>
+              <a:t>LED_MASK</a:t>
+            </a:r>
+            <a:r>
+              <a:rPr lang="en-US" sz="1600" dirty="0">
+                <a:latin typeface="Courier New" panose="02070309020205020404" pitchFamily="49" charset="0"/>
+                <a:cs typeface="Courier New" panose="02070309020205020404" pitchFamily="49" charset="0"/>
+              </a:rPr>
+              <a:t>;</a:t>
             </a:r>
           </a:p>
           <a:p>
@@ -7915,15 +7975,66 @@
                 <a:latin typeface="Courier New" panose="02070309020205020404" pitchFamily="49" charset="0"/>
                 <a:cs typeface="Courier New" panose="02070309020205020404" pitchFamily="49" charset="0"/>
               </a:rPr>
-              <a:t>      LED_PORT = LED_PORT | LED_MASK;</a:t>
-            </a:r>
-          </a:p>
-          <a:p>
+              <a:t>      </a:t>
+            </a:r>
+            <a:r>
+              <a:rPr lang="en-US" sz="1600" b="1" dirty="0">
+                <a:solidFill>
+                  <a:srgbClr val="7030A0"/>
+                </a:solidFill>
+                <a:latin typeface="Courier New" panose="02070309020205020404" pitchFamily="49" charset="0"/>
+                <a:cs typeface="Courier New" panose="02070309020205020404" pitchFamily="49" charset="0"/>
+              </a:rPr>
+              <a:t>LED_PORT </a:t>
+            </a:r>
             <a:r>
               <a:rPr lang="en-US" sz="1600" dirty="0">
                 <a:latin typeface="Courier New" panose="02070309020205020404" pitchFamily="49" charset="0"/>
                 <a:cs typeface="Courier New" panose="02070309020205020404" pitchFamily="49" charset="0"/>
               </a:rPr>
+              <a:t>= </a:t>
+            </a:r>
+            <a:r>
+              <a:rPr lang="en-US" sz="1600" b="1" dirty="0">
+                <a:solidFill>
+                  <a:srgbClr val="7030A0"/>
+                </a:solidFill>
+                <a:latin typeface="Courier New" panose="02070309020205020404" pitchFamily="49" charset="0"/>
+                <a:cs typeface="Courier New" panose="02070309020205020404" pitchFamily="49" charset="0"/>
+              </a:rPr>
+              <a:t>LED_PORT </a:t>
+            </a:r>
+            <a:r>
+              <a:rPr lang="en-US" sz="1600" dirty="0">
+                <a:latin typeface="Courier New" panose="02070309020205020404" pitchFamily="49" charset="0"/>
+                <a:cs typeface="Courier New" panose="02070309020205020404" pitchFamily="49" charset="0"/>
+              </a:rPr>
+              <a:t>| </a:t>
+            </a:r>
+            <a:r>
+              <a:rPr lang="en-US" sz="1600" b="1" dirty="0">
+                <a:solidFill>
+                  <a:srgbClr val="7030A0"/>
+                </a:solidFill>
+                <a:latin typeface="Courier New" panose="02070309020205020404" pitchFamily="49" charset="0"/>
+                <a:cs typeface="Courier New" panose="02070309020205020404" pitchFamily="49" charset="0"/>
+              </a:rPr>
+              <a:t>LED_MASK</a:t>
+            </a:r>
+            <a:r>
+              <a:rPr lang="en-US" sz="1600" dirty="0">
+                <a:latin typeface="Courier New" panose="02070309020205020404" pitchFamily="49" charset="0"/>
+                <a:cs typeface="Courier New" panose="02070309020205020404" pitchFamily="49" charset="0"/>
+              </a:rPr>
+              <a:t>;</a:t>
+            </a:r>
+          </a:p>
+          <a:p>
+            <a:r>
+              <a:rPr lang="en-US" sz="1600" dirty="0">
+                <a:latin typeface="Courier New" panose="02070309020205020404" pitchFamily="49" charset="0"/>
+                <a:cs typeface="Courier New" panose="02070309020205020404" pitchFamily="49" charset="0"/>
+              </a:rPr>
               <a:t>      </a:t>
             </a:r>
           </a:p>
@@ -8021,7 +8132,58 @@
                 <a:latin typeface="Courier New" panose="02070309020205020404" pitchFamily="49" charset="0"/>
                 <a:cs typeface="Courier New" panose="02070309020205020404" pitchFamily="49" charset="0"/>
               </a:rPr>
-              <a:t>      LED_PORT = LED_PORT &amp; ~ LED_MASK;</a:t>
+              <a:t>      </a:t>
+            </a:r>
+            <a:r>
+              <a:rPr lang="en-US" sz="1600" b="1" dirty="0">
+                <a:solidFill>
+                  <a:srgbClr val="7030A0"/>
+                </a:solidFill>
+                <a:latin typeface="Courier New" panose="02070309020205020404" pitchFamily="49" charset="0"/>
+                <a:cs typeface="Courier New" panose="02070309020205020404" pitchFamily="49" charset="0"/>
+              </a:rPr>
+              <a:t>LED_PORT </a:t>
+            </a:r>
+            <a:r>
+              <a:rPr lang="en-US" sz="1600" dirty="0">
+                <a:latin typeface="Courier New" panose="02070309020205020404" pitchFamily="49" charset="0"/>
+                <a:cs typeface="Courier New" panose="02070309020205020404" pitchFamily="49" charset="0"/>
+              </a:rPr>
+              <a:t>= </a:t>
+            </a:r>
+            <a:r>
+              <a:rPr lang="en-US" sz="1600" b="1" dirty="0">
+                <a:solidFill>
+                  <a:srgbClr val="7030A0"/>
+                </a:solidFill>
+                <a:latin typeface="Courier New" panose="02070309020205020404" pitchFamily="49" charset="0"/>
+                <a:cs typeface="Courier New" panose="02070309020205020404" pitchFamily="49" charset="0"/>
+              </a:rPr>
+              <a:t>LED_PORT </a:t>
+            </a:r>
+            <a:r>
+              <a:rPr lang="en-US" sz="1600" dirty="0">
+                <a:latin typeface="Courier New" panose="02070309020205020404" pitchFamily="49" charset="0"/>
+                <a:cs typeface="Courier New" panose="02070309020205020404" pitchFamily="49" charset="0"/>
+              </a:rPr>
+              <a:t>&amp; ~ </a:t>
+            </a:r>
+            <a:r>
+              <a:rPr lang="en-US" sz="1600" b="1" dirty="0">
+                <a:solidFill>
+                  <a:srgbClr val="7030A0"/>
+                </a:solidFill>
+                <a:latin typeface="Courier New" panose="02070309020205020404" pitchFamily="49" charset="0"/>
+                <a:cs typeface="Courier New" panose="02070309020205020404" pitchFamily="49" charset="0"/>
+              </a:rPr>
+              <a:t>LED_MASK</a:t>
+            </a:r>
+            <a:r>
+              <a:rPr lang="en-US" sz="1600" dirty="0">
+                <a:latin typeface="Courier New" panose="02070309020205020404" pitchFamily="49" charset="0"/>
+                <a:cs typeface="Courier New" panose="02070309020205020404" pitchFamily="49" charset="0"/>
+              </a:rPr>
+              <a:t>;</a:t>
             </a:r>
           </a:p>
           <a:p>
@@ -10005,15 +10167,7 @@
           <a:p>
             <a:r>
               <a:rPr lang="nl-NL" dirty="0"/>
-              <a:t>OO: </a:t>
-            </a:r>
-            <a:r>
-              <a:rPr lang="nl-NL" dirty="0" err="1"/>
-              <a:t>using</a:t>
-            </a:r>
-            <a:r>
-              <a:rPr lang="nl-NL" dirty="0"/>
-              <a:t> </a:t>
+              <a:t>Using </a:t>
             </a:r>
             <a:r>
               <a:rPr lang="nl-NL" dirty="0" err="1"/>
@@ -10936,21 +11090,44 @@
                 <a:latin typeface="Courier New" panose="02070309020205020404" pitchFamily="49" charset="0"/>
                 <a:cs typeface="Courier New" panose="02070309020205020404" pitchFamily="49" charset="0"/>
               </a:rPr>
-              <a:t>   void </a:t>
-            </a:r>
-            <a:r>
-              <a:rPr lang="en-US" sz="1400" dirty="0" err="1">
+              <a:t>   </a:t>
+            </a:r>
+            <a:r>
+              <a:rPr lang="en-US" sz="1400" b="1" dirty="0">
+                <a:solidFill>
+                  <a:srgbClr val="7030A0"/>
+                </a:solidFill>
+                <a:latin typeface="Courier New" panose="02070309020205020404" pitchFamily="49" charset="0"/>
+                <a:cs typeface="Courier New" panose="02070309020205020404" pitchFamily="49" charset="0"/>
+              </a:rPr>
+              <a:t>void </a:t>
+            </a:r>
+            <a:r>
+              <a:rPr lang="en-US" sz="1400" b="1" dirty="0" err="1">
+                <a:solidFill>
+                  <a:srgbClr val="7030A0"/>
+                </a:solidFill>
                 <a:latin typeface="Courier New" panose="02070309020205020404" pitchFamily="49" charset="0"/>
                 <a:cs typeface="Courier New" panose="02070309020205020404" pitchFamily="49" charset="0"/>
               </a:rPr>
               <a:t>mode_output</a:t>
             </a:r>
             <a:r>
+              <a:rPr lang="en-US" sz="1400" b="1" dirty="0">
+                <a:solidFill>
+                  <a:srgbClr val="7030A0"/>
+                </a:solidFill>
+                <a:latin typeface="Courier New" panose="02070309020205020404" pitchFamily="49" charset="0"/>
+                <a:cs typeface="Courier New" panose="02070309020205020404" pitchFamily="49" charset="0"/>
+              </a:rPr>
+              <a:t>() override </a:t>
+            </a:r>
+            <a:r>
               <a:rPr lang="en-US" sz="1400" dirty="0">
                 <a:latin typeface="Courier New" panose="02070309020205020404" pitchFamily="49" charset="0"/>
                 <a:cs typeface="Courier New" panose="02070309020205020404" pitchFamily="49" charset="0"/>
               </a:rPr>
-              <a:t>() override {</a:t>
+              <a:t>{</a:t>
             </a:r>
           </a:p>
           <a:p>
@@ -11025,7 +11202,24 @@
                 <a:latin typeface="Courier New" panose="02070309020205020404" pitchFamily="49" charset="0"/>
                 <a:cs typeface="Courier New" panose="02070309020205020404" pitchFamily="49" charset="0"/>
               </a:rPr>
-              <a:t>   void write( bool value ) override {</a:t>
+              <a:t>   </a:t>
+            </a:r>
+            <a:r>
+              <a:rPr lang="en-US" sz="1400" b="1" dirty="0">
+                <a:solidFill>
+                  <a:srgbClr val="7030A0"/>
+                </a:solidFill>
+                <a:latin typeface="Courier New" panose="02070309020205020404" pitchFamily="49" charset="0"/>
+                <a:cs typeface="Courier New" panose="02070309020205020404" pitchFamily="49" charset="0"/>
+              </a:rPr>
+              <a:t>void write( bool value ) override </a:t>
+            </a:r>
+            <a:r>
+              <a:rPr lang="en-US" sz="1400" dirty="0">
+                <a:latin typeface="Courier New" panose="02070309020205020404" pitchFamily="49" charset="0"/>
+                <a:cs typeface="Courier New" panose="02070309020205020404" pitchFamily="49" charset="0"/>
+              </a:rPr>
+              <a:t>{</a:t>
             </a:r>
           </a:p>
           <a:p>
@@ -11379,7 +11573,7 @@
             </a:r>
             <a:r>
               <a:rPr lang="nl-NL" dirty="0"/>
-              <a:t> blink a LED?</a:t>
+              <a:t> blink a LED*?</a:t>
             </a:r>
           </a:p>
         </p:txBody>
@@ -11877,7 +12071,7 @@
             </a:pPr>
             <a:r>
               <a:rPr lang="nl-NL" dirty="0"/>
-              <a:t>LED: a Light Emitting Diode; a </a:t>
+              <a:t>*LED: a Light Emitting Diode; a </a:t>
             </a:r>
             <a:r>
               <a:rPr lang="nl-NL" dirty="0" err="1"/>
@@ -12038,7 +12232,31 @@
           <a:p>
             <a:r>
               <a:rPr lang="nl-NL" dirty="0"/>
-              <a:t>Using a class</a:t>
+              <a:t>Using </a:t>
+            </a:r>
+            <a:r>
+              <a:rPr lang="nl-NL" dirty="0" err="1"/>
+              <a:t>an</a:t>
+            </a:r>
+            <a:r>
+              <a:rPr lang="nl-NL" dirty="0"/>
+              <a:t> object – </a:t>
+            </a:r>
+            <a:r>
+              <a:rPr lang="nl-NL" dirty="0" err="1"/>
+              <a:t>behind</a:t>
+            </a:r>
+            <a:r>
+              <a:rPr lang="nl-NL" dirty="0"/>
+              <a:t> </a:t>
+            </a:r>
+            <a:r>
+              <a:rPr lang="nl-NL" dirty="0" err="1"/>
+              <a:t>the</a:t>
+            </a:r>
+            <a:r>
+              <a:rPr lang="nl-NL" dirty="0"/>
+              <a:t> scenes</a:t>
             </a:r>
           </a:p>
         </p:txBody>
@@ -12057,8 +12275,8 @@
         </p:nvSpPr>
         <p:spPr>
           <a:xfrm>
-            <a:off x="966117" y="1197018"/>
-            <a:ext cx="8478982" cy="3539430"/>
+            <a:off x="938408" y="1080296"/>
+            <a:ext cx="6665962" cy="4616648"/>
           </a:xfrm>
           <a:prstGeom prst="rect">
             <a:avLst/>
@@ -12077,328 +12295,369 @@
           <a:lstStyle/>
           <a:p>
             <a:r>
-              <a:rPr lang="en-US" sz="1600" dirty="0">
-                <a:latin typeface="Courier New" panose="02070309020205020404" pitchFamily="49" charset="0"/>
-                <a:cs typeface="Courier New" panose="02070309020205020404" pitchFamily="49" charset="0"/>
-              </a:rPr>
-              <a:t>template&lt; </a:t>
-            </a:r>
-            <a:r>
-              <a:rPr lang="en-US" sz="1600" dirty="0" err="1">
-                <a:latin typeface="Courier New" panose="02070309020205020404" pitchFamily="49" charset="0"/>
-                <a:cs typeface="Courier New" panose="02070309020205020404" pitchFamily="49" charset="0"/>
-              </a:rPr>
-              <a:t>is_gpio</a:t>
-            </a:r>
-            <a:r>
-              <a:rPr lang="en-US" sz="1600" dirty="0">
-                <a:latin typeface="Courier New" panose="02070309020205020404" pitchFamily="49" charset="0"/>
-                <a:cs typeface="Courier New" panose="02070309020205020404" pitchFamily="49" charset="0"/>
-              </a:rPr>
-              <a:t> P &gt;</a:t>
-            </a:r>
-          </a:p>
-          <a:p>
-            <a:r>
-              <a:rPr lang="en-US" sz="1600" dirty="0">
-                <a:latin typeface="Courier New" panose="02070309020205020404" pitchFamily="49" charset="0"/>
-                <a:cs typeface="Courier New" panose="02070309020205020404" pitchFamily="49" charset="0"/>
-              </a:rPr>
-              <a:t>void blink(){    </a:t>
-            </a:r>
-          </a:p>
-          <a:p>
-            <a:r>
-              <a:rPr lang="en-US" sz="1600" dirty="0">
-                <a:latin typeface="Courier New" panose="02070309020205020404" pitchFamily="49" charset="0"/>
-                <a:cs typeface="Courier New" panose="02070309020205020404" pitchFamily="49" charset="0"/>
-              </a:rPr>
-              <a:t>   </a:t>
-            </a:r>
-            <a:r>
-              <a:rPr lang="en-US" sz="1600" b="1" dirty="0">
+              <a:rPr lang="en-US" sz="1400" b="1" dirty="0">
                 <a:solidFill>
                   <a:srgbClr val="7030A0"/>
                 </a:solidFill>
                 <a:latin typeface="Courier New" panose="02070309020205020404" pitchFamily="49" charset="0"/>
                 <a:cs typeface="Courier New" panose="02070309020205020404" pitchFamily="49" charset="0"/>
               </a:rPr>
-              <a:t>P::mode_output();</a:t>
-            </a:r>
-          </a:p>
-          <a:p>
-            <a:r>
-              <a:rPr lang="en-US" sz="1600" dirty="0">
-                <a:latin typeface="Courier New" panose="02070309020205020404" pitchFamily="49" charset="0"/>
-                <a:cs typeface="Courier New" panose="02070309020205020404" pitchFamily="49" charset="0"/>
-              </a:rPr>
-              <a:t>   for(;;){</a:t>
-            </a:r>
-          </a:p>
-          <a:p>
-            <a:r>
-              <a:rPr lang="en-US" sz="1600" dirty="0">
-                <a:latin typeface="Courier New" panose="02070309020205020404" pitchFamily="49" charset="0"/>
-                <a:cs typeface="Courier New" panose="02070309020205020404" pitchFamily="49" charset="0"/>
-              </a:rPr>
-              <a:t>      </a:t>
-            </a:r>
-            <a:r>
-              <a:rPr lang="en-US" sz="1600" b="1" dirty="0">
+              <a:t>struct </a:t>
+            </a:r>
+            <a:r>
+              <a:rPr lang="en-US" sz="1400" b="1" dirty="0" err="1">
                 <a:solidFill>
                   <a:srgbClr val="7030A0"/>
                 </a:solidFill>
                 <a:latin typeface="Courier New" panose="02070309020205020404" pitchFamily="49" charset="0"/>
                 <a:cs typeface="Courier New" panose="02070309020205020404" pitchFamily="49" charset="0"/>
               </a:rPr>
-              <a:t>P::write( 1 );</a:t>
-            </a:r>
-          </a:p>
-          <a:p>
-            <a:r>
-              <a:rPr lang="en-US" sz="1600" dirty="0">
-                <a:latin typeface="Courier New" panose="02070309020205020404" pitchFamily="49" charset="0"/>
-                <a:cs typeface="Courier New" panose="02070309020205020404" pitchFamily="49" charset="0"/>
-              </a:rPr>
-              <a:t>      for( uint32_t </a:t>
-            </a:r>
-            <a:r>
-              <a:rPr lang="en-US" sz="1600" dirty="0" err="1">
-                <a:latin typeface="Courier New" panose="02070309020205020404" pitchFamily="49" charset="0"/>
-                <a:cs typeface="Courier New" panose="02070309020205020404" pitchFamily="49" charset="0"/>
-              </a:rPr>
-              <a:t>i</a:t>
-            </a:r>
-            <a:r>
-              <a:rPr lang="en-US" sz="1600" dirty="0">
-                <a:latin typeface="Courier New" panose="02070309020205020404" pitchFamily="49" charset="0"/>
-                <a:cs typeface="Courier New" panose="02070309020205020404" pitchFamily="49" charset="0"/>
-              </a:rPr>
-              <a:t> = 0; </a:t>
-            </a:r>
-            <a:r>
-              <a:rPr lang="en-US" sz="1600" dirty="0" err="1">
-                <a:latin typeface="Courier New" panose="02070309020205020404" pitchFamily="49" charset="0"/>
-                <a:cs typeface="Courier New" panose="02070309020205020404" pitchFamily="49" charset="0"/>
-              </a:rPr>
-              <a:t>i</a:t>
-            </a:r>
-            <a:r>
-              <a:rPr lang="en-US" sz="1600" dirty="0">
-                <a:latin typeface="Courier New" panose="02070309020205020404" pitchFamily="49" charset="0"/>
-                <a:cs typeface="Courier New" panose="02070309020205020404" pitchFamily="49" charset="0"/>
-              </a:rPr>
-              <a:t> &lt; 500'000; ++</a:t>
-            </a:r>
-            <a:r>
-              <a:rPr lang="en-US" sz="1600" dirty="0" err="1">
-                <a:latin typeface="Courier New" panose="02070309020205020404" pitchFamily="49" charset="0"/>
-                <a:cs typeface="Courier New" panose="02070309020205020404" pitchFamily="49" charset="0"/>
-              </a:rPr>
-              <a:t>i</a:t>
-            </a:r>
-            <a:r>
-              <a:rPr lang="en-US" sz="1600" dirty="0">
-                <a:latin typeface="Courier New" panose="02070309020205020404" pitchFamily="49" charset="0"/>
-                <a:cs typeface="Courier New" panose="02070309020205020404" pitchFamily="49" charset="0"/>
-              </a:rPr>
-              <a:t> ){ </a:t>
-            </a:r>
-            <a:r>
-              <a:rPr lang="en-US" sz="1600" dirty="0" err="1">
-                <a:latin typeface="Courier New" panose="02070309020205020404" pitchFamily="49" charset="0"/>
-                <a:cs typeface="Courier New" panose="02070309020205020404" pitchFamily="49" charset="0"/>
-              </a:rPr>
-              <a:t>asm</a:t>
-            </a:r>
-            <a:r>
-              <a:rPr lang="en-US" sz="1600" dirty="0">
-                <a:latin typeface="Courier New" panose="02070309020205020404" pitchFamily="49" charset="0"/>
-                <a:cs typeface="Courier New" panose="02070309020205020404" pitchFamily="49" charset="0"/>
-              </a:rPr>
-              <a:t>( "</a:t>
-            </a:r>
-            <a:r>
-              <a:rPr lang="en-US" sz="1600" dirty="0" err="1">
-                <a:latin typeface="Courier New" panose="02070309020205020404" pitchFamily="49" charset="0"/>
-                <a:cs typeface="Courier New" panose="02070309020205020404" pitchFamily="49" charset="0"/>
-              </a:rPr>
-              <a:t>nop</a:t>
-            </a:r>
-            <a:r>
-              <a:rPr lang="en-US" sz="1600" dirty="0">
-                <a:latin typeface="Courier New" panose="02070309020205020404" pitchFamily="49" charset="0"/>
-                <a:cs typeface="Courier New" panose="02070309020205020404" pitchFamily="49" charset="0"/>
-              </a:rPr>
-              <a:t>" ); }</a:t>
-            </a:r>
-          </a:p>
-          <a:p>
-            <a:r>
-              <a:rPr lang="en-US" sz="1600" dirty="0">
-                <a:latin typeface="Courier New" panose="02070309020205020404" pitchFamily="49" charset="0"/>
-                <a:cs typeface="Courier New" panose="02070309020205020404" pitchFamily="49" charset="0"/>
-              </a:rPr>
-              <a:t>      </a:t>
-            </a:r>
-            <a:r>
-              <a:rPr lang="en-US" sz="1600" b="1" dirty="0">
+              <a:t>gpio_vtable</a:t>
+            </a:r>
+            <a:r>
+              <a:rPr lang="en-US" sz="1400" b="1" dirty="0">
                 <a:solidFill>
                   <a:srgbClr val="7030A0"/>
                 </a:solidFill>
                 <a:latin typeface="Courier New" panose="02070309020205020404" pitchFamily="49" charset="0"/>
                 <a:cs typeface="Courier New" panose="02070309020205020404" pitchFamily="49" charset="0"/>
               </a:rPr>
-              <a:t>P::write( 0 );</a:t>
-            </a:r>
-          </a:p>
-          <a:p>
-            <a:r>
-              <a:rPr lang="en-US" sz="1600" dirty="0">
-                <a:latin typeface="Courier New" panose="02070309020205020404" pitchFamily="49" charset="0"/>
-                <a:cs typeface="Courier New" panose="02070309020205020404" pitchFamily="49" charset="0"/>
-              </a:rPr>
-              <a:t>      for( uint32_t </a:t>
-            </a:r>
-            <a:r>
-              <a:rPr lang="en-US" sz="1600" dirty="0" err="1">
-                <a:latin typeface="Courier New" panose="02070309020205020404" pitchFamily="49" charset="0"/>
-                <a:cs typeface="Courier New" panose="02070309020205020404" pitchFamily="49" charset="0"/>
-              </a:rPr>
-              <a:t>i</a:t>
-            </a:r>
-            <a:r>
-              <a:rPr lang="en-US" sz="1600" dirty="0">
-                <a:latin typeface="Courier New" panose="02070309020205020404" pitchFamily="49" charset="0"/>
-                <a:cs typeface="Courier New" panose="02070309020205020404" pitchFamily="49" charset="0"/>
-              </a:rPr>
-              <a:t> = 0; </a:t>
-            </a:r>
-            <a:r>
-              <a:rPr lang="en-US" sz="1600" dirty="0" err="1">
-                <a:latin typeface="Courier New" panose="02070309020205020404" pitchFamily="49" charset="0"/>
-                <a:cs typeface="Courier New" panose="02070309020205020404" pitchFamily="49" charset="0"/>
-              </a:rPr>
-              <a:t>i</a:t>
-            </a:r>
-            <a:r>
-              <a:rPr lang="en-US" sz="1600" dirty="0">
-                <a:latin typeface="Courier New" panose="02070309020205020404" pitchFamily="49" charset="0"/>
-                <a:cs typeface="Courier New" panose="02070309020205020404" pitchFamily="49" charset="0"/>
-              </a:rPr>
-              <a:t> &lt; 500'000; ++</a:t>
-            </a:r>
-            <a:r>
-              <a:rPr lang="en-US" sz="1600" dirty="0" err="1">
-                <a:latin typeface="Courier New" panose="02070309020205020404" pitchFamily="49" charset="0"/>
-                <a:cs typeface="Courier New" panose="02070309020205020404" pitchFamily="49" charset="0"/>
-              </a:rPr>
-              <a:t>i</a:t>
-            </a:r>
-            <a:r>
-              <a:rPr lang="en-US" sz="1600" dirty="0">
-                <a:latin typeface="Courier New" panose="02070309020205020404" pitchFamily="49" charset="0"/>
-                <a:cs typeface="Courier New" panose="02070309020205020404" pitchFamily="49" charset="0"/>
-              </a:rPr>
-              <a:t> ){ </a:t>
-            </a:r>
-            <a:r>
-              <a:rPr lang="en-US" sz="1600" dirty="0" err="1">
-                <a:latin typeface="Courier New" panose="02070309020205020404" pitchFamily="49" charset="0"/>
-                <a:cs typeface="Courier New" panose="02070309020205020404" pitchFamily="49" charset="0"/>
-              </a:rPr>
-              <a:t>asm</a:t>
-            </a:r>
-            <a:r>
-              <a:rPr lang="en-US" sz="1600" dirty="0">
-                <a:latin typeface="Courier New" panose="02070309020205020404" pitchFamily="49" charset="0"/>
-                <a:cs typeface="Courier New" panose="02070309020205020404" pitchFamily="49" charset="0"/>
-              </a:rPr>
-              <a:t>( "</a:t>
-            </a:r>
-            <a:r>
-              <a:rPr lang="en-US" sz="1600" dirty="0" err="1">
-                <a:latin typeface="Courier New" panose="02070309020205020404" pitchFamily="49" charset="0"/>
-                <a:cs typeface="Courier New" panose="02070309020205020404" pitchFamily="49" charset="0"/>
-              </a:rPr>
-              <a:t>nop</a:t>
-            </a:r>
-            <a:r>
-              <a:rPr lang="en-US" sz="1600" dirty="0">
-                <a:latin typeface="Courier New" panose="02070309020205020404" pitchFamily="49" charset="0"/>
-                <a:cs typeface="Courier New" panose="02070309020205020404" pitchFamily="49" charset="0"/>
-              </a:rPr>
-              <a:t>" ); }</a:t>
-            </a:r>
-          </a:p>
-          <a:p>
-            <a:r>
-              <a:rPr lang="en-US" sz="1600" dirty="0">
-                <a:latin typeface="Courier New" panose="02070309020205020404" pitchFamily="49" charset="0"/>
-                <a:cs typeface="Courier New" panose="02070309020205020404" pitchFamily="49" charset="0"/>
-              </a:rPr>
-              <a:t>   }    </a:t>
-            </a:r>
-          </a:p>
-          <a:p>
-            <a:r>
-              <a:rPr lang="en-US" sz="1600" dirty="0">
-                <a:latin typeface="Courier New" panose="02070309020205020404" pitchFamily="49" charset="0"/>
-                <a:cs typeface="Courier New" panose="02070309020205020404" pitchFamily="49" charset="0"/>
-              </a:rPr>
-              <a:t>}</a:t>
-            </a:r>
-          </a:p>
-          <a:p>
-            <a:endParaRPr lang="en-US" sz="1600" dirty="0">
+              <a:t> {</a:t>
+            </a:r>
+          </a:p>
+          <a:p>
+            <a:r>
+              <a:rPr lang="en-US" sz="1400" b="1" dirty="0">
+                <a:solidFill>
+                  <a:srgbClr val="7030A0"/>
+                </a:solidFill>
+                <a:latin typeface="Courier New" panose="02070309020205020404" pitchFamily="49" charset="0"/>
+                <a:cs typeface="Courier New" panose="02070309020205020404" pitchFamily="49" charset="0"/>
+              </a:rPr>
+              <a:t>   void ( * </a:t>
+            </a:r>
+            <a:r>
+              <a:rPr lang="en-US" sz="1400" b="1" dirty="0" err="1">
+                <a:solidFill>
+                  <a:srgbClr val="7030A0"/>
+                </a:solidFill>
+                <a:latin typeface="Courier New" panose="02070309020205020404" pitchFamily="49" charset="0"/>
+                <a:cs typeface="Courier New" panose="02070309020205020404" pitchFamily="49" charset="0"/>
+              </a:rPr>
+              <a:t>mode_output</a:t>
+            </a:r>
+            <a:r>
+              <a:rPr lang="en-US" sz="1400" b="1" dirty="0">
+                <a:solidFill>
+                  <a:srgbClr val="7030A0"/>
+                </a:solidFill>
+                <a:latin typeface="Courier New" panose="02070309020205020404" pitchFamily="49" charset="0"/>
+                <a:cs typeface="Courier New" panose="02070309020205020404" pitchFamily="49" charset="0"/>
+              </a:rPr>
+              <a:t> )( void * this);</a:t>
+            </a:r>
+          </a:p>
+          <a:p>
+            <a:r>
+              <a:rPr lang="en-US" sz="1400" b="1" dirty="0">
+                <a:solidFill>
+                  <a:srgbClr val="7030A0"/>
+                </a:solidFill>
+                <a:latin typeface="Courier New" panose="02070309020205020404" pitchFamily="49" charset="0"/>
+                <a:cs typeface="Courier New" panose="02070309020205020404" pitchFamily="49" charset="0"/>
+              </a:rPr>
+              <a:t>   void ( * write )( void * this, bool value );</a:t>
+            </a:r>
+          </a:p>
+          <a:p>
+            <a:r>
+              <a:rPr lang="en-US" sz="1400" b="1" dirty="0">
+                <a:solidFill>
+                  <a:srgbClr val="7030A0"/>
+                </a:solidFill>
+                <a:latin typeface="Courier New" panose="02070309020205020404" pitchFamily="49" charset="0"/>
+                <a:cs typeface="Courier New" panose="02070309020205020404" pitchFamily="49" charset="0"/>
+              </a:rPr>
+              <a:t>};</a:t>
+            </a:r>
+          </a:p>
+          <a:p>
+            <a:endParaRPr lang="en-US" sz="1400" dirty="0">
               <a:latin typeface="Courier New" panose="02070309020205020404" pitchFamily="49" charset="0"/>
               <a:cs typeface="Courier New" panose="02070309020205020404" pitchFamily="49" charset="0"/>
             </a:endParaRPr>
           </a:p>
           <a:p>
             <a:r>
-              <a:rPr lang="en-US" sz="1600" dirty="0">
-                <a:latin typeface="Courier New" panose="02070309020205020404" pitchFamily="49" charset="0"/>
-                <a:cs typeface="Courier New" panose="02070309020205020404" pitchFamily="49" charset="0"/>
-              </a:rPr>
-              <a:t>int main( void ){	</a:t>
-            </a:r>
-          </a:p>
-          <a:p>
-            <a:r>
-              <a:rPr lang="en-US" sz="1600" dirty="0">
-                <a:latin typeface="Courier New" panose="02070309020205020404" pitchFamily="49" charset="0"/>
-                <a:cs typeface="Courier New" panose="02070309020205020404" pitchFamily="49" charset="0"/>
-              </a:rPr>
-              <a:t>   blink&lt; </a:t>
-            </a:r>
-            <a:r>
-              <a:rPr lang="en-US" sz="1600" b="1" dirty="0">
+              <a:rPr lang="en-US" sz="1400" dirty="0">
+                <a:latin typeface="Courier New" panose="02070309020205020404" pitchFamily="49" charset="0"/>
+                <a:cs typeface="Courier New" panose="02070309020205020404" pitchFamily="49" charset="0"/>
+              </a:rPr>
+              <a:t>class gpio {</a:t>
+            </a:r>
+          </a:p>
+          <a:p>
+            <a:r>
+              <a:rPr lang="en-US" sz="1400" b="1" dirty="0">
                 <a:solidFill>
                   <a:srgbClr val="7030A0"/>
                 </a:solidFill>
                 <a:latin typeface="Courier New" panose="02070309020205020404" pitchFamily="49" charset="0"/>
                 <a:cs typeface="Courier New" panose="02070309020205020404" pitchFamily="49" charset="0"/>
               </a:rPr>
-              <a:t>gpio&lt; pin::b5 &gt; </a:t>
-            </a:r>
-            <a:r>
-              <a:rPr lang="en-US" sz="1600" dirty="0">
-                <a:latin typeface="Courier New" panose="02070309020205020404" pitchFamily="49" charset="0"/>
-                <a:cs typeface="Courier New" panose="02070309020205020404" pitchFamily="49" charset="0"/>
-              </a:rPr>
-              <a:t>&gt;();</a:t>
-            </a:r>
-          </a:p>
-          <a:p>
-            <a:r>
-              <a:rPr lang="en-US" sz="1600" dirty="0">
-                <a:latin typeface="Courier New" panose="02070309020205020404" pitchFamily="49" charset="0"/>
-                <a:cs typeface="Courier New" panose="02070309020205020404" pitchFamily="49" charset="0"/>
-              </a:rPr>
-              <a:t>} </a:t>
-            </a:r>
-            <a:endParaRPr lang="nl-NL" sz="1600" dirty="0">
+              <a:t>   </a:t>
+            </a:r>
+            <a:r>
+              <a:rPr lang="en-US" sz="1400" b="1" dirty="0" err="1">
+                <a:solidFill>
+                  <a:srgbClr val="7030A0"/>
+                </a:solidFill>
+                <a:latin typeface="Courier New" panose="02070309020205020404" pitchFamily="49" charset="0"/>
+                <a:cs typeface="Courier New" panose="02070309020205020404" pitchFamily="49" charset="0"/>
+              </a:rPr>
+              <a:t>gpio_vtable</a:t>
+            </a:r>
+            <a:r>
+              <a:rPr lang="en-US" sz="1400" b="1" dirty="0">
+                <a:solidFill>
+                  <a:srgbClr val="7030A0"/>
+                </a:solidFill>
+                <a:latin typeface="Courier New" panose="02070309020205020404" pitchFamily="49" charset="0"/>
+                <a:cs typeface="Courier New" panose="02070309020205020404" pitchFamily="49" charset="0"/>
+              </a:rPr>
+              <a:t> * </a:t>
+            </a:r>
+            <a:r>
+              <a:rPr lang="en-US" sz="1400" b="1" dirty="0" err="1">
+                <a:solidFill>
+                  <a:srgbClr val="7030A0"/>
+                </a:solidFill>
+                <a:latin typeface="Courier New" panose="02070309020205020404" pitchFamily="49" charset="0"/>
+                <a:cs typeface="Courier New" panose="02070309020205020404" pitchFamily="49" charset="0"/>
+              </a:rPr>
+              <a:t>vtable</a:t>
+            </a:r>
+            <a:r>
+              <a:rPr lang="en-US" sz="1400" b="1" dirty="0">
+                <a:solidFill>
+                  <a:srgbClr val="7030A0"/>
+                </a:solidFill>
+                <a:latin typeface="Courier New" panose="02070309020205020404" pitchFamily="49" charset="0"/>
+                <a:cs typeface="Courier New" panose="02070309020205020404" pitchFamily="49" charset="0"/>
+              </a:rPr>
+              <a:t>;</a:t>
+            </a:r>
+          </a:p>
+          <a:p>
+            <a:r>
+              <a:rPr lang="en-US" sz="1400" b="1" dirty="0">
+                <a:solidFill>
+                  <a:srgbClr val="7030A0"/>
+                </a:solidFill>
+                <a:latin typeface="Courier New" panose="02070309020205020404" pitchFamily="49" charset="0"/>
+                <a:cs typeface="Courier New" panose="02070309020205020404" pitchFamily="49" charset="0"/>
+              </a:rPr>
+              <a:t>   . . .</a:t>
+            </a:r>
+          </a:p>
+          <a:p>
+            <a:r>
+              <a:rPr lang="en-US" sz="1400" dirty="0">
+                <a:latin typeface="Courier New" panose="02070309020205020404" pitchFamily="49" charset="0"/>
+                <a:cs typeface="Courier New" panose="02070309020205020404" pitchFamily="49" charset="0"/>
+              </a:rPr>
+              <a:t>};</a:t>
+            </a:r>
+          </a:p>
+          <a:p>
+            <a:endParaRPr lang="en-US" sz="1400" dirty="0">
+              <a:latin typeface="Courier New" panose="02070309020205020404" pitchFamily="49" charset="0"/>
+              <a:cs typeface="Courier New" panose="02070309020205020404" pitchFamily="49" charset="0"/>
+            </a:endParaRPr>
+          </a:p>
+          <a:p>
+            <a:r>
+              <a:rPr lang="en-US" sz="1400" b="1" dirty="0" err="1">
+                <a:solidFill>
+                  <a:srgbClr val="7030A0"/>
+                </a:solidFill>
+                <a:latin typeface="Courier New" panose="02070309020205020404" pitchFamily="49" charset="0"/>
+                <a:cs typeface="Courier New" panose="02070309020205020404" pitchFamily="49" charset="0"/>
+              </a:rPr>
+              <a:t>gpio_vtable</a:t>
+            </a:r>
+            <a:r>
+              <a:rPr lang="en-US" sz="1400" b="1" dirty="0">
+                <a:solidFill>
+                  <a:srgbClr val="7030A0"/>
+                </a:solidFill>
+                <a:latin typeface="Courier New" panose="02070309020205020404" pitchFamily="49" charset="0"/>
+                <a:cs typeface="Courier New" panose="02070309020205020404" pitchFamily="49" charset="0"/>
+              </a:rPr>
+              <a:t> atmega328_gpio_table( </a:t>
+            </a:r>
+          </a:p>
+          <a:p>
+            <a:r>
+              <a:rPr lang="en-US" sz="1400" b="1" dirty="0">
+                <a:solidFill>
+                  <a:srgbClr val="7030A0"/>
+                </a:solidFill>
+                <a:latin typeface="Courier New" panose="02070309020205020404" pitchFamily="49" charset="0"/>
+                <a:cs typeface="Courier New" panose="02070309020205020404" pitchFamily="49" charset="0"/>
+              </a:rPr>
+              <a:t>   atmega328_gpio::</a:t>
+            </a:r>
+            <a:r>
+              <a:rPr lang="en-US" sz="1400" b="1" dirty="0" err="1">
+                <a:solidFill>
+                  <a:srgbClr val="7030A0"/>
+                </a:solidFill>
+                <a:latin typeface="Courier New" panose="02070309020205020404" pitchFamily="49" charset="0"/>
+                <a:cs typeface="Courier New" panose="02070309020205020404" pitchFamily="49" charset="0"/>
+              </a:rPr>
+              <a:t>mode_output</a:t>
+            </a:r>
+            <a:r>
+              <a:rPr lang="en-US" sz="1400" b="1" dirty="0">
+                <a:solidFill>
+                  <a:srgbClr val="7030A0"/>
+                </a:solidFill>
+                <a:latin typeface="Courier New" panose="02070309020205020404" pitchFamily="49" charset="0"/>
+                <a:cs typeface="Courier New" panose="02070309020205020404" pitchFamily="49" charset="0"/>
+              </a:rPr>
+              <a:t>, </a:t>
+            </a:r>
+          </a:p>
+          <a:p>
+            <a:r>
+              <a:rPr lang="en-US" sz="1400" b="1" dirty="0">
+                <a:solidFill>
+                  <a:srgbClr val="7030A0"/>
+                </a:solidFill>
+                <a:latin typeface="Courier New" panose="02070309020205020404" pitchFamily="49" charset="0"/>
+                <a:cs typeface="Courier New" panose="02070309020205020404" pitchFamily="49" charset="0"/>
+              </a:rPr>
+              <a:t>   atmega328_gpio::write </a:t>
+            </a:r>
+          </a:p>
+          <a:p>
+            <a:r>
+              <a:rPr lang="en-US" sz="1400" b="1" dirty="0">
+                <a:solidFill>
+                  <a:srgbClr val="7030A0"/>
+                </a:solidFill>
+                <a:latin typeface="Courier New" panose="02070309020205020404" pitchFamily="49" charset="0"/>
+                <a:cs typeface="Courier New" panose="02070309020205020404" pitchFamily="49" charset="0"/>
+              </a:rPr>
+              <a:t>);</a:t>
+            </a:r>
+            <a:endParaRPr lang="en-US" sz="1400" dirty="0">
+              <a:latin typeface="Courier New" panose="02070309020205020404" pitchFamily="49" charset="0"/>
+              <a:cs typeface="Courier New" panose="02070309020205020404" pitchFamily="49" charset="0"/>
+            </a:endParaRPr>
+          </a:p>
+          <a:p>
+            <a:endParaRPr lang="en-US" sz="1400" dirty="0">
+              <a:latin typeface="Courier New" panose="02070309020205020404" pitchFamily="49" charset="0"/>
+              <a:cs typeface="Courier New" panose="02070309020205020404" pitchFamily="49" charset="0"/>
+            </a:endParaRPr>
+          </a:p>
+          <a:p>
+            <a:r>
+              <a:rPr lang="en-US" sz="1400" dirty="0">
+                <a:latin typeface="Courier New" panose="02070309020205020404" pitchFamily="49" charset="0"/>
+                <a:cs typeface="Courier New" panose="02070309020205020404" pitchFamily="49" charset="0"/>
+              </a:rPr>
+              <a:t>class atmega328_gpio : public gpio {</a:t>
+            </a:r>
+          </a:p>
+          <a:p>
+            <a:r>
+              <a:rPr lang="en-US" sz="1400" dirty="0">
+                <a:latin typeface="Courier New" panose="02070309020205020404" pitchFamily="49" charset="0"/>
+                <a:cs typeface="Courier New" panose="02070309020205020404" pitchFamily="49" charset="0"/>
+              </a:rPr>
+              <a:t>   atmega328_gpio( pin p ): </a:t>
+            </a:r>
+            <a:r>
+              <a:rPr lang="en-US" sz="1400" b="1" dirty="0" err="1">
+                <a:solidFill>
+                  <a:srgbClr val="7030A0"/>
+                </a:solidFill>
+                <a:latin typeface="Courier New" panose="02070309020205020404" pitchFamily="49" charset="0"/>
+                <a:cs typeface="Courier New" panose="02070309020205020404" pitchFamily="49" charset="0"/>
+              </a:rPr>
+              <a:t>vtable</a:t>
+            </a:r>
+            <a:r>
+              <a:rPr lang="en-US" sz="1400" b="1" dirty="0">
+                <a:solidFill>
+                  <a:srgbClr val="7030A0"/>
+                </a:solidFill>
+                <a:latin typeface="Courier New" panose="02070309020205020404" pitchFamily="49" charset="0"/>
+                <a:cs typeface="Courier New" panose="02070309020205020404" pitchFamily="49" charset="0"/>
+              </a:rPr>
+              <a:t>( atmega328_gpio_table )</a:t>
+            </a:r>
+            <a:r>
+              <a:rPr lang="en-US" sz="1400" dirty="0">
+                <a:latin typeface="Courier New" panose="02070309020205020404" pitchFamily="49" charset="0"/>
+                <a:cs typeface="Courier New" panose="02070309020205020404" pitchFamily="49" charset="0"/>
+              </a:rPr>
+              <a:t> { </a:t>
+            </a:r>
+          </a:p>
+          <a:p>
+            <a:r>
+              <a:rPr lang="en-US" sz="1400" dirty="0">
+                <a:latin typeface="Courier New" panose="02070309020205020404" pitchFamily="49" charset="0"/>
+                <a:cs typeface="Courier New" panose="02070309020205020404" pitchFamily="49" charset="0"/>
+              </a:rPr>
+              <a:t>      . . . }</a:t>
+            </a:r>
+          </a:p>
+          <a:p>
+            <a:r>
+              <a:rPr lang="en-US" sz="1400" dirty="0">
+                <a:latin typeface="Courier New" panose="02070309020205020404" pitchFamily="49" charset="0"/>
+                <a:cs typeface="Courier New" panose="02070309020205020404" pitchFamily="49" charset="0"/>
+              </a:rPr>
+              <a:t>   void </a:t>
+            </a:r>
+            <a:r>
+              <a:rPr lang="en-US" sz="1400" dirty="0" err="1">
+                <a:latin typeface="Courier New" panose="02070309020205020404" pitchFamily="49" charset="0"/>
+                <a:cs typeface="Courier New" panose="02070309020205020404" pitchFamily="49" charset="0"/>
+              </a:rPr>
+              <a:t>mode_output</a:t>
+            </a:r>
+            <a:r>
+              <a:rPr lang="en-US" sz="1400" dirty="0">
+                <a:latin typeface="Courier New" panose="02070309020205020404" pitchFamily="49" charset="0"/>
+                <a:cs typeface="Courier New" panose="02070309020205020404" pitchFamily="49" charset="0"/>
+              </a:rPr>
+              <a:t>() . . .</a:t>
+            </a:r>
+          </a:p>
+          <a:p>
+            <a:r>
+              <a:rPr lang="en-US" sz="1400" dirty="0">
+                <a:latin typeface="Courier New" panose="02070309020205020404" pitchFamily="49" charset="0"/>
+                <a:cs typeface="Courier New" panose="02070309020205020404" pitchFamily="49" charset="0"/>
+              </a:rPr>
+              <a:t>   void write( bool value ) . . .</a:t>
+            </a:r>
+          </a:p>
+          <a:p>
+            <a:r>
+              <a:rPr lang="en-US" sz="1400" dirty="0">
+                <a:latin typeface="Courier New" panose="02070309020205020404" pitchFamily="49" charset="0"/>
+                <a:cs typeface="Courier New" panose="02070309020205020404" pitchFamily="49" charset="0"/>
+              </a:rPr>
+              <a:t>};</a:t>
+            </a:r>
+            <a:endParaRPr lang="nl-NL" sz="1400" dirty="0">
               <a:latin typeface="Courier New" panose="02070309020205020404" pitchFamily="49" charset="0"/>
               <a:cs typeface="Courier New" panose="02070309020205020404" pitchFamily="49" charset="0"/>
             </a:endParaRPr>
@@ -12410,7 +12669,7 @@
           <p:cNvPr id="5" name="Slide Number Placeholder 5">
             <a:extLst>
               <a:ext uri="{FF2B5EF4-FFF2-40B4-BE49-F238E27FC236}">
-                <a16:creationId xmlns:a16="http://schemas.microsoft.com/office/drawing/2014/main" id="{7756DBA5-F7DA-4A99-82D4-A0FD7F366AD7}"/>
+                <a16:creationId xmlns:a16="http://schemas.microsoft.com/office/drawing/2014/main" id="{3BBB5FED-5341-4CA0-ABCE-1E5542614BCA}"/>
               </a:ext>
             </a:extLst>
           </p:cNvPr>
@@ -12542,72 +12801,219 @@
       </p:sp>
       <p:sp>
         <p:nvSpPr>
-          <p:cNvPr id="6" name="Content Placeholder 2">
+          <p:cNvPr id="6" name="TextBox 5">
             <a:extLst>
               <a:ext uri="{FF2B5EF4-FFF2-40B4-BE49-F238E27FC236}">
-                <a16:creationId xmlns:a16="http://schemas.microsoft.com/office/drawing/2014/main" id="{46B313D5-883D-46EB-B68E-B06B49CD1BC8}"/>
+                <a16:creationId xmlns:a16="http://schemas.microsoft.com/office/drawing/2014/main" id="{D12287A9-9407-44A4-9D4B-06A99874ECE1}"/>
               </a:ext>
             </a:extLst>
           </p:cNvPr>
-          <p:cNvSpPr>
-            <a:spLocks noGrp="1"/>
-          </p:cNvSpPr>
-          <p:nvPr>
-            <p:ph idx="1"/>
-          </p:nvPr>
+          <p:cNvSpPr txBox="1"/>
+          <p:nvPr/>
         </p:nvSpPr>
         <p:spPr>
           <a:xfrm>
-            <a:off x="966117" y="6245420"/>
-            <a:ext cx="10515600" cy="477153"/>
+            <a:off x="8115019" y="1910182"/>
+            <a:ext cx="3318889" cy="738664"/>
           </a:xfrm>
+          <a:prstGeom prst="rect">
+            <a:avLst/>
+          </a:prstGeom>
+          <a:solidFill>
+            <a:schemeClr val="accent6">
+              <a:lumMod val="20000"/>
+              <a:lumOff val="80000"/>
+            </a:schemeClr>
+          </a:solidFill>
         </p:spPr>
         <p:txBody>
-          <a:bodyPr/>
+          <a:bodyPr wrap="square" rtlCol="0">
+            <a:spAutoFit/>
+          </a:bodyPr>
           <a:lstStyle/>
           <a:p>
-            <a:pPr marL="0" indent="0">
-              <a:buNone/>
-            </a:pPr>
-            <a:r>
-              <a:rPr lang="nl-NL" dirty="0" err="1"/>
-              <a:t>Much</a:t>
-            </a:r>
-            <a:r>
-              <a:rPr lang="nl-NL" dirty="0"/>
-              <a:t> like </a:t>
-            </a:r>
-            <a:r>
-              <a:rPr lang="nl-NL" dirty="0" err="1"/>
-              <a:t>an</a:t>
-            </a:r>
-            <a:r>
-              <a:rPr lang="nl-NL" dirty="0"/>
-              <a:t> object, but </a:t>
-            </a:r>
-            <a:r>
-              <a:rPr lang="nl-NL" dirty="0" err="1"/>
-              <a:t>everything</a:t>
-            </a:r>
-            <a:r>
-              <a:rPr lang="nl-NL" dirty="0"/>
-              <a:t> is </a:t>
-            </a:r>
-            <a:r>
-              <a:rPr lang="nl-NL" dirty="0" err="1"/>
-              <a:t>static</a:t>
-            </a:r>
-            <a:r>
-              <a:rPr lang="nl-NL" dirty="0"/>
-              <a:t>.</a:t>
-            </a:r>
+            <a:r>
+              <a:rPr lang="en-US" sz="1400" dirty="0">
+                <a:latin typeface="Courier New" panose="02070309020205020404" pitchFamily="49" charset="0"/>
+                <a:cs typeface="Courier New" panose="02070309020205020404" pitchFamily="49" charset="0"/>
+              </a:rPr>
+              <a:t>void blink( gpio &amp; p ){    </a:t>
+            </a:r>
+          </a:p>
+          <a:p>
+            <a:r>
+              <a:rPr lang="en-US" sz="1400" dirty="0">
+                <a:latin typeface="Courier New" panose="02070309020205020404" pitchFamily="49" charset="0"/>
+                <a:cs typeface="Courier New" panose="02070309020205020404" pitchFamily="49" charset="0"/>
+              </a:rPr>
+              <a:t>   </a:t>
+            </a:r>
+            <a:r>
+              <a:rPr lang="en-US" sz="1400" b="1" dirty="0" err="1">
+                <a:solidFill>
+                  <a:srgbClr val="7030A0"/>
+                </a:solidFill>
+                <a:latin typeface="Courier New" panose="02070309020205020404" pitchFamily="49" charset="0"/>
+                <a:cs typeface="Courier New" panose="02070309020205020404" pitchFamily="49" charset="0"/>
+              </a:rPr>
+              <a:t>p.write</a:t>
+            </a:r>
+            <a:r>
+              <a:rPr lang="en-US" sz="1400" b="1" dirty="0">
+                <a:solidFill>
+                  <a:srgbClr val="7030A0"/>
+                </a:solidFill>
+                <a:latin typeface="Courier New" panose="02070309020205020404" pitchFamily="49" charset="0"/>
+                <a:cs typeface="Courier New" panose="02070309020205020404" pitchFamily="49" charset="0"/>
+              </a:rPr>
+              <a:t>( 1 );</a:t>
+            </a:r>
+          </a:p>
+          <a:p>
+            <a:r>
+              <a:rPr lang="en-US" sz="1400" dirty="0">
+                <a:latin typeface="Courier New" panose="02070309020205020404" pitchFamily="49" charset="0"/>
+                <a:cs typeface="Courier New" panose="02070309020205020404" pitchFamily="49" charset="0"/>
+              </a:rPr>
+              <a:t>}</a:t>
+            </a:r>
+          </a:p>
+        </p:txBody>
+      </p:sp>
+      <p:sp>
+        <p:nvSpPr>
+          <p:cNvPr id="7" name="TextBox 6">
+            <a:extLst>
+              <a:ext uri="{FF2B5EF4-FFF2-40B4-BE49-F238E27FC236}">
+                <a16:creationId xmlns:a16="http://schemas.microsoft.com/office/drawing/2014/main" id="{2F553696-6767-4DEF-9E72-ACD714E8CE35}"/>
+              </a:ext>
+            </a:extLst>
+          </p:cNvPr>
+          <p:cNvSpPr txBox="1"/>
+          <p:nvPr/>
+        </p:nvSpPr>
+        <p:spPr>
+          <a:xfrm>
+            <a:off x="8115019" y="4034508"/>
+            <a:ext cx="3318889" cy="738664"/>
+          </a:xfrm>
+          <a:prstGeom prst="rect">
+            <a:avLst/>
+          </a:prstGeom>
+          <a:solidFill>
+            <a:schemeClr val="accent6">
+              <a:lumMod val="20000"/>
+              <a:lumOff val="80000"/>
+            </a:schemeClr>
+          </a:solidFill>
+        </p:spPr>
+        <p:txBody>
+          <a:bodyPr wrap="square" rtlCol="0">
+            <a:spAutoFit/>
+          </a:bodyPr>
+          <a:lstStyle/>
+          <a:p>
+            <a:r>
+              <a:rPr lang="en-US" sz="1400" dirty="0">
+                <a:latin typeface="Courier New" panose="02070309020205020404" pitchFamily="49" charset="0"/>
+                <a:cs typeface="Courier New" panose="02070309020205020404" pitchFamily="49" charset="0"/>
+              </a:rPr>
+              <a:t>void blink( gpio &amp; p ){    </a:t>
+            </a:r>
+          </a:p>
+          <a:p>
+            <a:r>
+              <a:rPr lang="en-US" sz="1400" b="1" dirty="0">
+                <a:solidFill>
+                  <a:srgbClr val="7030A0"/>
+                </a:solidFill>
+                <a:latin typeface="Courier New" panose="02070309020205020404" pitchFamily="49" charset="0"/>
+                <a:cs typeface="Courier New" panose="02070309020205020404" pitchFamily="49" charset="0"/>
+              </a:rPr>
+              <a:t>   p-&gt;</a:t>
+            </a:r>
+            <a:r>
+              <a:rPr lang="en-US" sz="1400" b="1" dirty="0" err="1">
+                <a:solidFill>
+                  <a:srgbClr val="7030A0"/>
+                </a:solidFill>
+                <a:latin typeface="Courier New" panose="02070309020205020404" pitchFamily="49" charset="0"/>
+                <a:cs typeface="Courier New" panose="02070309020205020404" pitchFamily="49" charset="0"/>
+              </a:rPr>
+              <a:t>vtable</a:t>
+            </a:r>
+            <a:r>
+              <a:rPr lang="en-US" sz="1400" b="1" dirty="0">
+                <a:solidFill>
+                  <a:srgbClr val="7030A0"/>
+                </a:solidFill>
+                <a:latin typeface="Courier New" panose="02070309020205020404" pitchFamily="49" charset="0"/>
+                <a:cs typeface="Courier New" panose="02070309020205020404" pitchFamily="49" charset="0"/>
+              </a:rPr>
+              <a:t>-&gt;write( p, 1 );</a:t>
+            </a:r>
+          </a:p>
+          <a:p>
+            <a:r>
+              <a:rPr lang="nl-NL" sz="1400" dirty="0">
+                <a:latin typeface="Courier New" panose="02070309020205020404" pitchFamily="49" charset="0"/>
+                <a:cs typeface="Courier New" panose="02070309020205020404" pitchFamily="49" charset="0"/>
+              </a:rPr>
+              <a:t>}</a:t>
+            </a:r>
+          </a:p>
+        </p:txBody>
+      </p:sp>
+      <p:sp>
+        <p:nvSpPr>
+          <p:cNvPr id="3" name="Arrow: Down 2">
+            <a:extLst>
+              <a:ext uri="{FF2B5EF4-FFF2-40B4-BE49-F238E27FC236}">
+                <a16:creationId xmlns:a16="http://schemas.microsoft.com/office/drawing/2014/main" id="{4284F09B-17E5-469A-B367-C916470C4E1E}"/>
+              </a:ext>
+            </a:extLst>
+          </p:cNvPr>
+          <p:cNvSpPr/>
+          <p:nvPr/>
+        </p:nvSpPr>
+        <p:spPr>
+          <a:xfrm>
+            <a:off x="9579079" y="2885460"/>
+            <a:ext cx="195384" cy="922216"/>
+          </a:xfrm>
+          <a:prstGeom prst="downArrow">
+            <a:avLst/>
+          </a:prstGeom>
+        </p:spPr>
+        <p:style>
+          <a:lnRef idx="2">
+            <a:schemeClr val="accent1">
+              <a:shade val="50000"/>
+            </a:schemeClr>
+          </a:lnRef>
+          <a:fillRef idx="1">
+            <a:schemeClr val="accent1"/>
+          </a:fillRef>
+          <a:effectRef idx="0">
+            <a:schemeClr val="accent1"/>
+          </a:effectRef>
+          <a:fontRef idx="minor">
+            <a:schemeClr val="lt1"/>
+          </a:fontRef>
+        </p:style>
+        <p:txBody>
+          <a:bodyPr rtlCol="0" anchor="ctr"/>
+          <a:lstStyle/>
+          <a:p>
+            <a:pPr algn="ctr"/>
+            <a:endParaRPr lang="nl-NL"/>
           </a:p>
         </p:txBody>
       </p:sp>
     </p:spTree>
     <p:extLst>
       <p:ext uri="{BB962C8B-B14F-4D97-AF65-F5344CB8AC3E}">
-        <p14:creationId xmlns:p14="http://schemas.microsoft.com/office/powerpoint/2010/main" val="795629368"/>
+        <p14:creationId xmlns:p14="http://schemas.microsoft.com/office/powerpoint/2010/main" val="2153916201"/>
       </p:ext>
     </p:extLst>
   </p:cSld>
@@ -12664,6 +13070,632 @@
           <a:p>
             <a:r>
               <a:rPr lang="nl-NL" dirty="0"/>
+              <a:t>Using a class</a:t>
+            </a:r>
+          </a:p>
+        </p:txBody>
+      </p:sp>
+      <p:sp>
+        <p:nvSpPr>
+          <p:cNvPr id="4" name="TextBox 3">
+            <a:extLst>
+              <a:ext uri="{FF2B5EF4-FFF2-40B4-BE49-F238E27FC236}">
+                <a16:creationId xmlns:a16="http://schemas.microsoft.com/office/drawing/2014/main" id="{BC3D3FDC-96C4-469A-B3F0-6AFDDB4088F2}"/>
+              </a:ext>
+            </a:extLst>
+          </p:cNvPr>
+          <p:cNvSpPr txBox="1"/>
+          <p:nvPr/>
+        </p:nvSpPr>
+        <p:spPr>
+          <a:xfrm>
+            <a:off x="966117" y="1197018"/>
+            <a:ext cx="8478982" cy="3539430"/>
+          </a:xfrm>
+          <a:prstGeom prst="rect">
+            <a:avLst/>
+          </a:prstGeom>
+          <a:solidFill>
+            <a:schemeClr val="accent6">
+              <a:lumMod val="20000"/>
+              <a:lumOff val="80000"/>
+            </a:schemeClr>
+          </a:solidFill>
+        </p:spPr>
+        <p:txBody>
+          <a:bodyPr wrap="square" rtlCol="0">
+            <a:spAutoFit/>
+          </a:bodyPr>
+          <a:lstStyle/>
+          <a:p>
+            <a:r>
+              <a:rPr lang="en-US" sz="1600" dirty="0">
+                <a:latin typeface="Courier New" panose="02070309020205020404" pitchFamily="49" charset="0"/>
+                <a:cs typeface="Courier New" panose="02070309020205020404" pitchFamily="49" charset="0"/>
+              </a:rPr>
+              <a:t>template&lt; </a:t>
+            </a:r>
+            <a:r>
+              <a:rPr lang="en-US" sz="1600" dirty="0" err="1">
+                <a:latin typeface="Courier New" panose="02070309020205020404" pitchFamily="49" charset="0"/>
+                <a:cs typeface="Courier New" panose="02070309020205020404" pitchFamily="49" charset="0"/>
+              </a:rPr>
+              <a:t>is_gpio</a:t>
+            </a:r>
+            <a:r>
+              <a:rPr lang="en-US" sz="1600" dirty="0">
+                <a:latin typeface="Courier New" panose="02070309020205020404" pitchFamily="49" charset="0"/>
+                <a:cs typeface="Courier New" panose="02070309020205020404" pitchFamily="49" charset="0"/>
+              </a:rPr>
+              <a:t> P &gt;</a:t>
+            </a:r>
+          </a:p>
+          <a:p>
+            <a:r>
+              <a:rPr lang="en-US" sz="1600" dirty="0">
+                <a:latin typeface="Courier New" panose="02070309020205020404" pitchFamily="49" charset="0"/>
+                <a:cs typeface="Courier New" panose="02070309020205020404" pitchFamily="49" charset="0"/>
+              </a:rPr>
+              <a:t>void blink(){    </a:t>
+            </a:r>
+          </a:p>
+          <a:p>
+            <a:r>
+              <a:rPr lang="en-US" sz="1600" dirty="0">
+                <a:latin typeface="Courier New" panose="02070309020205020404" pitchFamily="49" charset="0"/>
+                <a:cs typeface="Courier New" panose="02070309020205020404" pitchFamily="49" charset="0"/>
+              </a:rPr>
+              <a:t>   </a:t>
+            </a:r>
+            <a:r>
+              <a:rPr lang="en-US" sz="1600" b="1" dirty="0">
+                <a:solidFill>
+                  <a:srgbClr val="7030A0"/>
+                </a:solidFill>
+                <a:latin typeface="Courier New" panose="02070309020205020404" pitchFamily="49" charset="0"/>
+                <a:cs typeface="Courier New" panose="02070309020205020404" pitchFamily="49" charset="0"/>
+              </a:rPr>
+              <a:t>P::mode_output();</a:t>
+            </a:r>
+          </a:p>
+          <a:p>
+            <a:r>
+              <a:rPr lang="en-US" sz="1600" dirty="0">
+                <a:latin typeface="Courier New" panose="02070309020205020404" pitchFamily="49" charset="0"/>
+                <a:cs typeface="Courier New" panose="02070309020205020404" pitchFamily="49" charset="0"/>
+              </a:rPr>
+              <a:t>   for(;;){</a:t>
+            </a:r>
+          </a:p>
+          <a:p>
+            <a:r>
+              <a:rPr lang="en-US" sz="1600" dirty="0">
+                <a:latin typeface="Courier New" panose="02070309020205020404" pitchFamily="49" charset="0"/>
+                <a:cs typeface="Courier New" panose="02070309020205020404" pitchFamily="49" charset="0"/>
+              </a:rPr>
+              <a:t>      </a:t>
+            </a:r>
+            <a:r>
+              <a:rPr lang="en-US" sz="1600" b="1" dirty="0">
+                <a:solidFill>
+                  <a:srgbClr val="7030A0"/>
+                </a:solidFill>
+                <a:latin typeface="Courier New" panose="02070309020205020404" pitchFamily="49" charset="0"/>
+                <a:cs typeface="Courier New" panose="02070309020205020404" pitchFamily="49" charset="0"/>
+              </a:rPr>
+              <a:t>P::write( 1 );</a:t>
+            </a:r>
+          </a:p>
+          <a:p>
+            <a:r>
+              <a:rPr lang="en-US" sz="1600" dirty="0">
+                <a:latin typeface="Courier New" panose="02070309020205020404" pitchFamily="49" charset="0"/>
+                <a:cs typeface="Courier New" panose="02070309020205020404" pitchFamily="49" charset="0"/>
+              </a:rPr>
+              <a:t>      for( uint32_t </a:t>
+            </a:r>
+            <a:r>
+              <a:rPr lang="en-US" sz="1600" dirty="0" err="1">
+                <a:latin typeface="Courier New" panose="02070309020205020404" pitchFamily="49" charset="0"/>
+                <a:cs typeface="Courier New" panose="02070309020205020404" pitchFamily="49" charset="0"/>
+              </a:rPr>
+              <a:t>i</a:t>
+            </a:r>
+            <a:r>
+              <a:rPr lang="en-US" sz="1600" dirty="0">
+                <a:latin typeface="Courier New" panose="02070309020205020404" pitchFamily="49" charset="0"/>
+                <a:cs typeface="Courier New" panose="02070309020205020404" pitchFamily="49" charset="0"/>
+              </a:rPr>
+              <a:t> = 0; </a:t>
+            </a:r>
+            <a:r>
+              <a:rPr lang="en-US" sz="1600" dirty="0" err="1">
+                <a:latin typeface="Courier New" panose="02070309020205020404" pitchFamily="49" charset="0"/>
+                <a:cs typeface="Courier New" panose="02070309020205020404" pitchFamily="49" charset="0"/>
+              </a:rPr>
+              <a:t>i</a:t>
+            </a:r>
+            <a:r>
+              <a:rPr lang="en-US" sz="1600" dirty="0">
+                <a:latin typeface="Courier New" panose="02070309020205020404" pitchFamily="49" charset="0"/>
+                <a:cs typeface="Courier New" panose="02070309020205020404" pitchFamily="49" charset="0"/>
+              </a:rPr>
+              <a:t> &lt; 500'000; ++</a:t>
+            </a:r>
+            <a:r>
+              <a:rPr lang="en-US" sz="1600" dirty="0" err="1">
+                <a:latin typeface="Courier New" panose="02070309020205020404" pitchFamily="49" charset="0"/>
+                <a:cs typeface="Courier New" panose="02070309020205020404" pitchFamily="49" charset="0"/>
+              </a:rPr>
+              <a:t>i</a:t>
+            </a:r>
+            <a:r>
+              <a:rPr lang="en-US" sz="1600" dirty="0">
+                <a:latin typeface="Courier New" panose="02070309020205020404" pitchFamily="49" charset="0"/>
+                <a:cs typeface="Courier New" panose="02070309020205020404" pitchFamily="49" charset="0"/>
+              </a:rPr>
+              <a:t> ){ </a:t>
+            </a:r>
+            <a:r>
+              <a:rPr lang="en-US" sz="1600" dirty="0" err="1">
+                <a:latin typeface="Courier New" panose="02070309020205020404" pitchFamily="49" charset="0"/>
+                <a:cs typeface="Courier New" panose="02070309020205020404" pitchFamily="49" charset="0"/>
+              </a:rPr>
+              <a:t>asm</a:t>
+            </a:r>
+            <a:r>
+              <a:rPr lang="en-US" sz="1600" dirty="0">
+                <a:latin typeface="Courier New" panose="02070309020205020404" pitchFamily="49" charset="0"/>
+                <a:cs typeface="Courier New" panose="02070309020205020404" pitchFamily="49" charset="0"/>
+              </a:rPr>
+              <a:t>( "</a:t>
+            </a:r>
+            <a:r>
+              <a:rPr lang="en-US" sz="1600" dirty="0" err="1">
+                <a:latin typeface="Courier New" panose="02070309020205020404" pitchFamily="49" charset="0"/>
+                <a:cs typeface="Courier New" panose="02070309020205020404" pitchFamily="49" charset="0"/>
+              </a:rPr>
+              <a:t>nop</a:t>
+            </a:r>
+            <a:r>
+              <a:rPr lang="en-US" sz="1600" dirty="0">
+                <a:latin typeface="Courier New" panose="02070309020205020404" pitchFamily="49" charset="0"/>
+                <a:cs typeface="Courier New" panose="02070309020205020404" pitchFamily="49" charset="0"/>
+              </a:rPr>
+              <a:t>" ); }</a:t>
+            </a:r>
+          </a:p>
+          <a:p>
+            <a:r>
+              <a:rPr lang="en-US" sz="1600" dirty="0">
+                <a:latin typeface="Courier New" panose="02070309020205020404" pitchFamily="49" charset="0"/>
+                <a:cs typeface="Courier New" panose="02070309020205020404" pitchFamily="49" charset="0"/>
+              </a:rPr>
+              <a:t>      </a:t>
+            </a:r>
+            <a:r>
+              <a:rPr lang="en-US" sz="1600" b="1" dirty="0">
+                <a:solidFill>
+                  <a:srgbClr val="7030A0"/>
+                </a:solidFill>
+                <a:latin typeface="Courier New" panose="02070309020205020404" pitchFamily="49" charset="0"/>
+                <a:cs typeface="Courier New" panose="02070309020205020404" pitchFamily="49" charset="0"/>
+              </a:rPr>
+              <a:t>P::write( 0 );</a:t>
+            </a:r>
+          </a:p>
+          <a:p>
+            <a:r>
+              <a:rPr lang="en-US" sz="1600" dirty="0">
+                <a:latin typeface="Courier New" panose="02070309020205020404" pitchFamily="49" charset="0"/>
+                <a:cs typeface="Courier New" panose="02070309020205020404" pitchFamily="49" charset="0"/>
+              </a:rPr>
+              <a:t>      for( uint32_t </a:t>
+            </a:r>
+            <a:r>
+              <a:rPr lang="en-US" sz="1600" dirty="0" err="1">
+                <a:latin typeface="Courier New" panose="02070309020205020404" pitchFamily="49" charset="0"/>
+                <a:cs typeface="Courier New" panose="02070309020205020404" pitchFamily="49" charset="0"/>
+              </a:rPr>
+              <a:t>i</a:t>
+            </a:r>
+            <a:r>
+              <a:rPr lang="en-US" sz="1600" dirty="0">
+                <a:latin typeface="Courier New" panose="02070309020205020404" pitchFamily="49" charset="0"/>
+                <a:cs typeface="Courier New" panose="02070309020205020404" pitchFamily="49" charset="0"/>
+              </a:rPr>
+              <a:t> = 0; </a:t>
+            </a:r>
+            <a:r>
+              <a:rPr lang="en-US" sz="1600" dirty="0" err="1">
+                <a:latin typeface="Courier New" panose="02070309020205020404" pitchFamily="49" charset="0"/>
+                <a:cs typeface="Courier New" panose="02070309020205020404" pitchFamily="49" charset="0"/>
+              </a:rPr>
+              <a:t>i</a:t>
+            </a:r>
+            <a:r>
+              <a:rPr lang="en-US" sz="1600" dirty="0">
+                <a:latin typeface="Courier New" panose="02070309020205020404" pitchFamily="49" charset="0"/>
+                <a:cs typeface="Courier New" panose="02070309020205020404" pitchFamily="49" charset="0"/>
+              </a:rPr>
+              <a:t> &lt; 500'000; ++</a:t>
+            </a:r>
+            <a:r>
+              <a:rPr lang="en-US" sz="1600" dirty="0" err="1">
+                <a:latin typeface="Courier New" panose="02070309020205020404" pitchFamily="49" charset="0"/>
+                <a:cs typeface="Courier New" panose="02070309020205020404" pitchFamily="49" charset="0"/>
+              </a:rPr>
+              <a:t>i</a:t>
+            </a:r>
+            <a:r>
+              <a:rPr lang="en-US" sz="1600" dirty="0">
+                <a:latin typeface="Courier New" panose="02070309020205020404" pitchFamily="49" charset="0"/>
+                <a:cs typeface="Courier New" panose="02070309020205020404" pitchFamily="49" charset="0"/>
+              </a:rPr>
+              <a:t> ){ </a:t>
+            </a:r>
+            <a:r>
+              <a:rPr lang="en-US" sz="1600" dirty="0" err="1">
+                <a:latin typeface="Courier New" panose="02070309020205020404" pitchFamily="49" charset="0"/>
+                <a:cs typeface="Courier New" panose="02070309020205020404" pitchFamily="49" charset="0"/>
+              </a:rPr>
+              <a:t>asm</a:t>
+            </a:r>
+            <a:r>
+              <a:rPr lang="en-US" sz="1600" dirty="0">
+                <a:latin typeface="Courier New" panose="02070309020205020404" pitchFamily="49" charset="0"/>
+                <a:cs typeface="Courier New" panose="02070309020205020404" pitchFamily="49" charset="0"/>
+              </a:rPr>
+              <a:t>( "</a:t>
+            </a:r>
+            <a:r>
+              <a:rPr lang="en-US" sz="1600" dirty="0" err="1">
+                <a:latin typeface="Courier New" panose="02070309020205020404" pitchFamily="49" charset="0"/>
+                <a:cs typeface="Courier New" panose="02070309020205020404" pitchFamily="49" charset="0"/>
+              </a:rPr>
+              <a:t>nop</a:t>
+            </a:r>
+            <a:r>
+              <a:rPr lang="en-US" sz="1600" dirty="0">
+                <a:latin typeface="Courier New" panose="02070309020205020404" pitchFamily="49" charset="0"/>
+                <a:cs typeface="Courier New" panose="02070309020205020404" pitchFamily="49" charset="0"/>
+              </a:rPr>
+              <a:t>" ); }</a:t>
+            </a:r>
+          </a:p>
+          <a:p>
+            <a:r>
+              <a:rPr lang="en-US" sz="1600" dirty="0">
+                <a:latin typeface="Courier New" panose="02070309020205020404" pitchFamily="49" charset="0"/>
+                <a:cs typeface="Courier New" panose="02070309020205020404" pitchFamily="49" charset="0"/>
+              </a:rPr>
+              <a:t>   }    </a:t>
+            </a:r>
+          </a:p>
+          <a:p>
+            <a:r>
+              <a:rPr lang="en-US" sz="1600" dirty="0">
+                <a:latin typeface="Courier New" panose="02070309020205020404" pitchFamily="49" charset="0"/>
+                <a:cs typeface="Courier New" panose="02070309020205020404" pitchFamily="49" charset="0"/>
+              </a:rPr>
+              <a:t>}</a:t>
+            </a:r>
+          </a:p>
+          <a:p>
+            <a:endParaRPr lang="en-US" sz="1600" dirty="0">
+              <a:latin typeface="Courier New" panose="02070309020205020404" pitchFamily="49" charset="0"/>
+              <a:cs typeface="Courier New" panose="02070309020205020404" pitchFamily="49" charset="0"/>
+            </a:endParaRPr>
+          </a:p>
+          <a:p>
+            <a:r>
+              <a:rPr lang="en-US" sz="1600" dirty="0">
+                <a:latin typeface="Courier New" panose="02070309020205020404" pitchFamily="49" charset="0"/>
+                <a:cs typeface="Courier New" panose="02070309020205020404" pitchFamily="49" charset="0"/>
+              </a:rPr>
+              <a:t>int main( void ){	</a:t>
+            </a:r>
+          </a:p>
+          <a:p>
+            <a:r>
+              <a:rPr lang="en-US" sz="1600" dirty="0">
+                <a:latin typeface="Courier New" panose="02070309020205020404" pitchFamily="49" charset="0"/>
+                <a:cs typeface="Courier New" panose="02070309020205020404" pitchFamily="49" charset="0"/>
+              </a:rPr>
+              <a:t>   blink&lt; </a:t>
+            </a:r>
+            <a:r>
+              <a:rPr lang="en-US" sz="1600" b="1" dirty="0">
+                <a:solidFill>
+                  <a:srgbClr val="7030A0"/>
+                </a:solidFill>
+                <a:latin typeface="Courier New" panose="02070309020205020404" pitchFamily="49" charset="0"/>
+                <a:cs typeface="Courier New" panose="02070309020205020404" pitchFamily="49" charset="0"/>
+              </a:rPr>
+              <a:t>gpio&lt; pin::b5 &gt; </a:t>
+            </a:r>
+            <a:r>
+              <a:rPr lang="en-US" sz="1600" dirty="0">
+                <a:latin typeface="Courier New" panose="02070309020205020404" pitchFamily="49" charset="0"/>
+                <a:cs typeface="Courier New" panose="02070309020205020404" pitchFamily="49" charset="0"/>
+              </a:rPr>
+              <a:t>&gt;();</a:t>
+            </a:r>
+          </a:p>
+          <a:p>
+            <a:r>
+              <a:rPr lang="en-US" sz="1600" dirty="0">
+                <a:latin typeface="Courier New" panose="02070309020205020404" pitchFamily="49" charset="0"/>
+                <a:cs typeface="Courier New" panose="02070309020205020404" pitchFamily="49" charset="0"/>
+              </a:rPr>
+              <a:t>} </a:t>
+            </a:r>
+            <a:endParaRPr lang="nl-NL" sz="1600" dirty="0">
+              <a:latin typeface="Courier New" panose="02070309020205020404" pitchFamily="49" charset="0"/>
+              <a:cs typeface="Courier New" panose="02070309020205020404" pitchFamily="49" charset="0"/>
+            </a:endParaRPr>
+          </a:p>
+        </p:txBody>
+      </p:sp>
+      <p:sp>
+        <p:nvSpPr>
+          <p:cNvPr id="5" name="Slide Number Placeholder 5">
+            <a:extLst>
+              <a:ext uri="{FF2B5EF4-FFF2-40B4-BE49-F238E27FC236}">
+                <a16:creationId xmlns:a16="http://schemas.microsoft.com/office/drawing/2014/main" id="{7756DBA5-F7DA-4A99-82D4-A0FD7F366AD7}"/>
+              </a:ext>
+            </a:extLst>
+          </p:cNvPr>
+          <p:cNvSpPr txBox="1">
+            <a:spLocks/>
+          </p:cNvSpPr>
+          <p:nvPr/>
+        </p:nvSpPr>
+        <p:spPr>
+          <a:xfrm>
+            <a:off x="9162675" y="6384059"/>
+            <a:ext cx="2743200" cy="365125"/>
+          </a:xfrm>
+          <a:prstGeom prst="rect">
+            <a:avLst/>
+          </a:prstGeom>
+        </p:spPr>
+        <p:txBody>
+          <a:bodyPr vert="horz" lIns="91440" tIns="45720" rIns="91440" bIns="45720" rtlCol="0" anchor="ctr"/>
+          <a:lstStyle>
+            <a:defPPr>
+              <a:defRPr lang="nl-NL"/>
+            </a:defPPr>
+            <a:lvl1pPr marL="0" algn="r" defTabSz="914400" rtl="0" eaLnBrk="1" latinLnBrk="0" hangingPunct="1">
+              <a:defRPr sz="1200" kern="1200">
+                <a:solidFill>
+                  <a:schemeClr val="tx1">
+                    <a:tint val="75000"/>
+                  </a:schemeClr>
+                </a:solidFill>
+                <a:latin typeface="+mn-lt"/>
+                <a:ea typeface="+mn-ea"/>
+                <a:cs typeface="+mn-cs"/>
+              </a:defRPr>
+            </a:lvl1pPr>
+            <a:lvl2pPr marL="457200" algn="l" defTabSz="914400" rtl="0" eaLnBrk="1" latinLnBrk="0" hangingPunct="1">
+              <a:defRPr sz="1800" kern="1200">
+                <a:solidFill>
+                  <a:schemeClr val="tx1"/>
+                </a:solidFill>
+                <a:latin typeface="+mn-lt"/>
+                <a:ea typeface="+mn-ea"/>
+                <a:cs typeface="+mn-cs"/>
+              </a:defRPr>
+            </a:lvl2pPr>
+            <a:lvl3pPr marL="914400" algn="l" defTabSz="914400" rtl="0" eaLnBrk="1" latinLnBrk="0" hangingPunct="1">
+              <a:defRPr sz="1800" kern="1200">
+                <a:solidFill>
+                  <a:schemeClr val="tx1"/>
+                </a:solidFill>
+                <a:latin typeface="+mn-lt"/>
+                <a:ea typeface="+mn-ea"/>
+                <a:cs typeface="+mn-cs"/>
+              </a:defRPr>
+            </a:lvl3pPr>
+            <a:lvl4pPr marL="1371600" algn="l" defTabSz="914400" rtl="0" eaLnBrk="1" latinLnBrk="0" hangingPunct="1">
+              <a:defRPr sz="1800" kern="1200">
+                <a:solidFill>
+                  <a:schemeClr val="tx1"/>
+                </a:solidFill>
+                <a:latin typeface="+mn-lt"/>
+                <a:ea typeface="+mn-ea"/>
+                <a:cs typeface="+mn-cs"/>
+              </a:defRPr>
+            </a:lvl4pPr>
+            <a:lvl5pPr marL="1828800" algn="l" defTabSz="914400" rtl="0" eaLnBrk="1" latinLnBrk="0" hangingPunct="1">
+              <a:defRPr sz="1800" kern="1200">
+                <a:solidFill>
+                  <a:schemeClr val="tx1"/>
+                </a:solidFill>
+                <a:latin typeface="+mn-lt"/>
+                <a:ea typeface="+mn-ea"/>
+                <a:cs typeface="+mn-cs"/>
+              </a:defRPr>
+            </a:lvl5pPr>
+            <a:lvl6pPr marL="2286000" algn="l" defTabSz="914400" rtl="0" eaLnBrk="1" latinLnBrk="0" hangingPunct="1">
+              <a:defRPr sz="1800" kern="1200">
+                <a:solidFill>
+                  <a:schemeClr val="tx1"/>
+                </a:solidFill>
+                <a:latin typeface="+mn-lt"/>
+                <a:ea typeface="+mn-ea"/>
+                <a:cs typeface="+mn-cs"/>
+              </a:defRPr>
+            </a:lvl6pPr>
+            <a:lvl7pPr marL="2743200" algn="l" defTabSz="914400" rtl="0" eaLnBrk="1" latinLnBrk="0" hangingPunct="1">
+              <a:defRPr sz="1800" kern="1200">
+                <a:solidFill>
+                  <a:schemeClr val="tx1"/>
+                </a:solidFill>
+                <a:latin typeface="+mn-lt"/>
+                <a:ea typeface="+mn-ea"/>
+                <a:cs typeface="+mn-cs"/>
+              </a:defRPr>
+            </a:lvl7pPr>
+            <a:lvl8pPr marL="3200400" algn="l" defTabSz="914400" rtl="0" eaLnBrk="1" latinLnBrk="0" hangingPunct="1">
+              <a:defRPr sz="1800" kern="1200">
+                <a:solidFill>
+                  <a:schemeClr val="tx1"/>
+                </a:solidFill>
+                <a:latin typeface="+mn-lt"/>
+                <a:ea typeface="+mn-ea"/>
+                <a:cs typeface="+mn-cs"/>
+              </a:defRPr>
+            </a:lvl8pPr>
+            <a:lvl9pPr marL="3657600" algn="l" defTabSz="914400" rtl="0" eaLnBrk="1" latinLnBrk="0" hangingPunct="1">
+              <a:defRPr sz="1800" kern="1200">
+                <a:solidFill>
+                  <a:schemeClr val="tx1"/>
+                </a:solidFill>
+                <a:latin typeface="+mn-lt"/>
+                <a:ea typeface="+mn-ea"/>
+                <a:cs typeface="+mn-cs"/>
+              </a:defRPr>
+            </a:lvl9pPr>
+          </a:lstStyle>
+          <a:p>
+            <a:fld id="{117E512A-7775-4EA3-AB06-35D1DA2F9E89}" type="slidenum">
+              <a:rPr lang="nl-NL" smtClean="0"/>
+              <a:pPr/>
+              <a:t>21</a:t>
+            </a:fld>
+            <a:r>
+              <a:rPr lang="nl-NL" dirty="0"/>
+              <a:t>/23</a:t>
+            </a:r>
+          </a:p>
+        </p:txBody>
+      </p:sp>
+      <p:sp>
+        <p:nvSpPr>
+          <p:cNvPr id="6" name="Content Placeholder 2">
+            <a:extLst>
+              <a:ext uri="{FF2B5EF4-FFF2-40B4-BE49-F238E27FC236}">
+                <a16:creationId xmlns:a16="http://schemas.microsoft.com/office/drawing/2014/main" id="{46B313D5-883D-46EB-B68E-B06B49CD1BC8}"/>
+              </a:ext>
+            </a:extLst>
+          </p:cNvPr>
+          <p:cNvSpPr>
+            <a:spLocks noGrp="1"/>
+          </p:cNvSpPr>
+          <p:nvPr>
+            <p:ph idx="1"/>
+          </p:nvPr>
+        </p:nvSpPr>
+        <p:spPr>
+          <a:xfrm>
+            <a:off x="966117" y="6245420"/>
+            <a:ext cx="10515600" cy="477153"/>
+          </a:xfrm>
+        </p:spPr>
+        <p:txBody>
+          <a:bodyPr/>
+          <a:lstStyle/>
+          <a:p>
+            <a:pPr marL="0" indent="0">
+              <a:buNone/>
+            </a:pPr>
+            <a:r>
+              <a:rPr lang="nl-NL" dirty="0" err="1"/>
+              <a:t>Much</a:t>
+            </a:r>
+            <a:r>
+              <a:rPr lang="nl-NL" dirty="0"/>
+              <a:t> like </a:t>
+            </a:r>
+            <a:r>
+              <a:rPr lang="nl-NL" dirty="0" err="1"/>
+              <a:t>an</a:t>
+            </a:r>
+            <a:r>
+              <a:rPr lang="nl-NL" dirty="0"/>
+              <a:t> object, but </a:t>
+            </a:r>
+            <a:r>
+              <a:rPr lang="nl-NL" dirty="0" err="1"/>
+              <a:t>everything</a:t>
+            </a:r>
+            <a:r>
+              <a:rPr lang="nl-NL" dirty="0"/>
+              <a:t> is </a:t>
+            </a:r>
+            <a:r>
+              <a:rPr lang="nl-NL" dirty="0" err="1"/>
+              <a:t>static</a:t>
+            </a:r>
+            <a:r>
+              <a:rPr lang="nl-NL" dirty="0"/>
+              <a:t>.</a:t>
+            </a:r>
+          </a:p>
+        </p:txBody>
+      </p:sp>
+    </p:spTree>
+    <p:extLst>
+      <p:ext uri="{BB962C8B-B14F-4D97-AF65-F5344CB8AC3E}">
+        <p14:creationId xmlns:p14="http://schemas.microsoft.com/office/powerpoint/2010/main" val="795629368"/>
+      </p:ext>
+    </p:extLst>
+  </p:cSld>
+  <p:clrMapOvr>
+    <a:masterClrMapping/>
+  </p:clrMapOvr>
+</p:sld>
+</file>
+
+<file path=ppt/slides/slide22.xml><?xml version="1.0" encoding="utf-8"?>
+<p:sld xmlns:a="http://schemas.openxmlformats.org/drawingml/2006/main" xmlns:r="http://schemas.openxmlformats.org/officeDocument/2006/relationships" xmlns:p="http://schemas.openxmlformats.org/presentationml/2006/main">
+  <p:cSld>
+    <p:spTree>
+      <p:nvGrpSpPr>
+        <p:cNvPr id="1" name=""/>
+        <p:cNvGrpSpPr/>
+        <p:nvPr/>
+      </p:nvGrpSpPr>
+      <p:grpSpPr>
+        <a:xfrm>
+          <a:off x="0" y="0"/>
+          <a:ext cx="0" cy="0"/>
+          <a:chOff x="0" y="0"/>
+          <a:chExt cx="0" cy="0"/>
+        </a:xfrm>
+      </p:grpSpPr>
+      <p:sp>
+        <p:nvSpPr>
+          <p:cNvPr id="2" name="Title 1">
+            <a:extLst>
+              <a:ext uri="{FF2B5EF4-FFF2-40B4-BE49-F238E27FC236}">
+                <a16:creationId xmlns:a16="http://schemas.microsoft.com/office/drawing/2014/main" id="{906EAEEB-66CE-429C-8B8C-A6CF5CC519A0}"/>
+              </a:ext>
+            </a:extLst>
+          </p:cNvPr>
+          <p:cNvSpPr>
+            <a:spLocks noGrp="1"/>
+          </p:cNvSpPr>
+          <p:nvPr>
+            <p:ph type="title"/>
+          </p:nvPr>
+        </p:nvSpPr>
+        <p:spPr>
+          <a:xfrm>
+            <a:off x="838200" y="374003"/>
+            <a:ext cx="10515600" cy="706293"/>
+          </a:xfrm>
+        </p:spPr>
+        <p:txBody>
+          <a:bodyPr>
+            <a:normAutofit/>
+          </a:bodyPr>
+          <a:lstStyle/>
+          <a:p>
+            <a:r>
+              <a:rPr lang="nl-NL" dirty="0"/>
               <a:t>Using a class - </a:t>
             </a:r>
             <a:r>
@@ -13406,7 +14438,7 @@
             <a:fld id="{117E512A-7775-4EA3-AB06-35D1DA2F9E89}" type="slidenum">
               <a:rPr lang="nl-NL" smtClean="0"/>
               <a:pPr/>
-              <a:t>21</a:t>
+              <a:t>22</a:t>
             </a:fld>
             <a:r>
               <a:rPr lang="nl-NL" dirty="0"/>
@@ -13428,7 +14460,7 @@
 </p:sld>
 </file>
 
-<file path=ppt/slides/slide22.xml><?xml version="1.0" encoding="utf-8"?>
+<file path=ppt/slides/slide23.xml><?xml version="1.0" encoding="utf-8"?>
 <p:sld xmlns:a="http://schemas.openxmlformats.org/drawingml/2006/main" xmlns:r="http://schemas.openxmlformats.org/officeDocument/2006/relationships" xmlns:p="http://schemas.openxmlformats.org/presentationml/2006/main">
   <p:cSld>
     <p:spTree>
@@ -13499,14 +14531,14 @@
           <p:nvPr>
             <p:extLst>
               <p:ext uri="{D42A27DB-BD31-4B8C-83A1-F6EECF244321}">
-                <p14:modId xmlns:p14="http://schemas.microsoft.com/office/powerpoint/2010/main" val="3477307403"/>
+                <p14:modId xmlns:p14="http://schemas.microsoft.com/office/powerpoint/2010/main" val="1727184968"/>
               </p:ext>
             </p:extLst>
           </p:nvPr>
         </p:nvGraphicFramePr>
         <p:xfrm>
           <a:off x="330535" y="1207624"/>
-          <a:ext cx="11279574" cy="4280220"/>
+          <a:ext cx="11279573" cy="4280220"/>
         </p:xfrm>
         <a:graphic>
           <a:graphicData uri="http://schemas.openxmlformats.org/drawingml/2006/table">
@@ -13515,56 +14547,63 @@
                 <a:tableStyleId>{5C22544A-7EE6-4342-B048-85BDC9FD1C3A}</a:tableStyleId>
               </a:tblPr>
               <a:tblGrid>
-                <a:gridCol w="1132762">
+                <a:gridCol w="1041336">
                   <a:extLst>
                     <a:ext uri="{9D8B030D-6E8A-4147-A177-3AD203B41FA5}">
                       <a16:colId xmlns:a16="http://schemas.microsoft.com/office/drawing/2014/main" val="1483432228"/>
                     </a:ext>
                   </a:extLst>
                 </a:gridCol>
-                <a:gridCol w="990307">
+                <a:gridCol w="667944">
                   <a:extLst>
                     <a:ext uri="{9D8B030D-6E8A-4147-A177-3AD203B41FA5}">
                       <a16:colId xmlns:a16="http://schemas.microsoft.com/office/drawing/2014/main" val="2561776561"/>
                     </a:ext>
                   </a:extLst>
                 </a:gridCol>
-                <a:gridCol w="1167147">
+                <a:gridCol w="984739">
+                  <a:extLst>
+                    <a:ext uri="{9D8B030D-6E8A-4147-A177-3AD203B41FA5}">
+                      <a16:colId xmlns:a16="http://schemas.microsoft.com/office/drawing/2014/main" val="376978773"/>
+                    </a:ext>
+                  </a:extLst>
+                </a:gridCol>
+                <a:gridCol w="1133231">
                   <a:extLst>
                     <a:ext uri="{9D8B030D-6E8A-4147-A177-3AD203B41FA5}">
                       <a16:colId xmlns:a16="http://schemas.microsoft.com/office/drawing/2014/main" val="4150781641"/>
                     </a:ext>
                   </a:extLst>
                 </a:gridCol>
-                <a:gridCol w="2881649">
+                <a:gridCol w="2805723">
                   <a:extLst>
                     <a:ext uri="{9D8B030D-6E8A-4147-A177-3AD203B41FA5}">
                       <a16:colId xmlns:a16="http://schemas.microsoft.com/office/drawing/2014/main" val="3692811487"/>
                     </a:ext>
                   </a:extLst>
                 </a:gridCol>
-                <a:gridCol w="1366982">
+                <a:gridCol w="1172307">
                   <a:extLst>
                     <a:ext uri="{9D8B030D-6E8A-4147-A177-3AD203B41FA5}">
                       <a16:colId xmlns:a16="http://schemas.microsoft.com/office/drawing/2014/main" val="1606734157"/>
                     </a:ext>
                   </a:extLst>
                 </a:gridCol>
-                <a:gridCol w="1246909">
+                <a:gridCol w="1383323">
                   <a:extLst>
                     <a:ext uri="{9D8B030D-6E8A-4147-A177-3AD203B41FA5}">
                       <a16:colId xmlns:a16="http://schemas.microsoft.com/office/drawing/2014/main" val="1008365491"/>
                     </a:ext>
                   </a:extLst>
                 </a:gridCol>
-                <a:gridCol w="1219200">
+                <a:gridCol w="1055077">
                   <a:extLst>
                     <a:ext uri="{9D8B030D-6E8A-4147-A177-3AD203B41FA5}">
                       <a16:colId xmlns:a16="http://schemas.microsoft.com/office/drawing/2014/main" val="1542136971"/>
                     </a:ext>
                   </a:extLst>
                 </a:gridCol>
-                <a:gridCol w="1274618">
+                <a:gridCol w="1035893">
                   <a:extLst>
                     <a:ext uri="{9D8B030D-6E8A-4147-A177-3AD203B41FA5}">
                       <a16:colId xmlns:a16="http://schemas.microsoft.com/office/drawing/2014/main" val="3235842392"/>
@@ -13611,6 +14650,19 @@
                     <a:p>
                       <a:r>
                         <a:rPr lang="nl-NL" dirty="0"/>
+                        <a:t>Write speed</a:t>
+                      </a:r>
+                    </a:p>
+                  </a:txBody>
+                  <a:tcPr/>
+                </a:tc>
+                <a:tc>
+                  <a:txBody>
+                    <a:bodyPr/>
+                    <a:lstStyle/>
+                    <a:p>
+                      <a:r>
+                        <a:rPr lang="nl-NL" dirty="0"/>
                         <a:t>Style</a:t>
                       </a:r>
                     </a:p>
@@ -13642,7 +14694,7 @@
                       </a:r>
                       <a:r>
                         <a:rPr lang="nl-NL" dirty="0"/>
-                        <a:t> *</a:t>
+                        <a:t> </a:t>
                       </a:r>
                     </a:p>
                   </a:txBody>
@@ -13724,6 +14776,19 @@
                       <a:r>
                         <a:rPr lang="nl-NL" dirty="0"/>
                         <a:t>218</a:t>
+                      </a:r>
+                    </a:p>
+                  </a:txBody>
+                  <a:tcPr/>
+                </a:tc>
+                <a:tc>
+                  <a:txBody>
+                    <a:bodyPr/>
+                    <a:lstStyle/>
+                    <a:p>
+                      <a:r>
+                        <a:rPr lang="nl-NL" dirty="0"/>
+                        <a:t>0.125 ms</a:t>
                       </a:r>
                     </a:p>
                   </a:txBody>
@@ -13885,6 +14950,19 @@
                     <a:p>
                       <a:r>
                         <a:rPr lang="nl-NL" dirty="0"/>
+                        <a:t>2.625 ms</a:t>
+                      </a:r>
+                    </a:p>
+                  </a:txBody>
+                  <a:tcPr/>
+                </a:tc>
+                <a:tc>
+                  <a:txBody>
+                    <a:bodyPr/>
+                    <a:lstStyle/>
+                    <a:p>
+                      <a:r>
+                        <a:rPr lang="nl-NL" dirty="0"/>
                         <a:t>C</a:t>
                       </a:r>
                     </a:p>
@@ -13995,6 +15073,19 @@
                       <a:r>
                         <a:rPr lang="nl-NL" dirty="0"/>
                         <a:t>434</a:t>
+                      </a:r>
+                    </a:p>
+                  </a:txBody>
+                  <a:tcPr/>
+                </a:tc>
+                <a:tc>
+                  <a:txBody>
+                    <a:bodyPr/>
+                    <a:lstStyle/>
+                    <a:p>
+                      <a:r>
+                        <a:rPr lang="nl-NL" dirty="0"/>
+                        <a:t>2.750 ms</a:t>
                       </a:r>
                     </a:p>
                   </a:txBody>
@@ -14120,6 +15211,20 @@
                         <a:rPr lang="nl-NL" dirty="0"/>
                         <a:t>218</a:t>
                       </a:r>
+                    </a:p>
+                  </a:txBody>
+                  <a:tcPr/>
+                </a:tc>
+                <a:tc>
+                  <a:txBody>
+                    <a:bodyPr/>
+                    <a:lstStyle/>
+                    <a:p>
+                      <a:r>
+                        <a:rPr lang="nl-NL"/>
+                        <a:t>0.167 ms</a:t>
+                      </a:r>
+                      <a:endParaRPr lang="nl-NL" dirty="0"/>
                     </a:p>
                   </a:txBody>
                   <a:tcPr/>
@@ -14374,7 +15479,7 @@
             <a:fld id="{117E512A-7775-4EA3-AB06-35D1DA2F9E89}" type="slidenum">
               <a:rPr lang="nl-NL" smtClean="0"/>
               <a:pPr/>
-              <a:t>22</a:t>
+              <a:t>23</a:t>
             </a:fld>
             <a:r>
               <a:rPr lang="nl-NL" dirty="0"/>
@@ -14508,7 +15613,7 @@
 </p:sld>
 </file>
 
-<file path=ppt/slides/slide23.xml><?xml version="1.0" encoding="utf-8"?>
+<file path=ppt/slides/slide24.xml><?xml version="1.0" encoding="utf-8"?>
 <p:sld xmlns:a="http://schemas.openxmlformats.org/drawingml/2006/main" xmlns:r="http://schemas.openxmlformats.org/officeDocument/2006/relationships" xmlns:p="http://schemas.openxmlformats.org/presentationml/2006/main">
   <p:cSld>
     <p:spTree>
@@ -14543,7 +15648,9 @@
         </p:nvSpPr>
         <p:spPr/>
         <p:txBody>
-          <a:bodyPr/>
+          <a:bodyPr>
+            <a:normAutofit/>
+          </a:bodyPr>
           <a:lstStyle/>
           <a:p>
             <a:r>
@@ -14560,7 +15667,7 @@
             </a:r>
             <a:r>
               <a:rPr lang="nl-NL" dirty="0" err="1"/>
-              <a:t>and</a:t>
+              <a:t>you</a:t>
             </a:r>
             <a:r>
               <a:rPr lang="nl-NL" dirty="0"/>
@@ -14568,11 +15675,19 @@
             </a:r>
             <a:r>
               <a:rPr lang="nl-NL" dirty="0" err="1"/>
-              <a:t>maybe</a:t>
-            </a:r>
-            <a:r>
-              <a:rPr lang="nl-NL" dirty="0"/>
-              <a:t> even A?</a:t>
+              <a:t>might</a:t>
+            </a:r>
+            <a:r>
+              <a:rPr lang="nl-NL" dirty="0"/>
+              <a:t> even get </a:t>
+            </a:r>
+            <a:r>
+              <a:rPr lang="nl-NL" dirty="0" err="1"/>
+              <a:t>an</a:t>
+            </a:r>
+            <a:r>
+              <a:rPr lang="nl-NL" dirty="0"/>
+              <a:t> A?</a:t>
             </a:r>
           </a:p>
         </p:txBody>
@@ -14750,7 +15865,7 @@
             <a:fld id="{117E512A-7775-4EA3-AB06-35D1DA2F9E89}" type="slidenum">
               <a:rPr lang="nl-NL" smtClean="0"/>
               <a:pPr/>
-              <a:t>23</a:t>
+              <a:t>24</a:t>
             </a:fld>
             <a:r>
               <a:rPr lang="nl-NL" dirty="0"/>
@@ -14892,7 +16007,7 @@
             </a:r>
             <a:r>
               <a:rPr lang="nl-NL" dirty="0"/>
-              <a:t> on a laptop</a:t>
+              <a:t> on a PC/laptop</a:t>
             </a:r>
           </a:p>
           <a:p>
@@ -14906,7 +16021,7 @@
             </a:r>
             <a:r>
               <a:rPr lang="nl-NL" dirty="0"/>
-              <a:t> target micro-controller, run</a:t>
+              <a:t> target micro-controller, (debug), run</a:t>
             </a:r>
           </a:p>
           <a:p>
@@ -16243,6 +17358,36 @@
           </a:fontRef>
         </p:style>
       </p:cxnSp>
+      <p:pic>
+        <p:nvPicPr>
+          <p:cNvPr id="14" name="Picture 13">
+            <a:extLst>
+              <a:ext uri="{FF2B5EF4-FFF2-40B4-BE49-F238E27FC236}">
+                <a16:creationId xmlns:a16="http://schemas.microsoft.com/office/drawing/2014/main" id="{F4CEADBF-BAD5-4B02-BDC1-41C5CE6C6103}"/>
+              </a:ext>
+            </a:extLst>
+          </p:cNvPr>
+          <p:cNvPicPr>
+            <a:picLocks noChangeAspect="1"/>
+          </p:cNvPicPr>
+          <p:nvPr/>
+        </p:nvPicPr>
+        <p:blipFill>
+          <a:blip r:embed="rId3"/>
+          <a:stretch>
+            <a:fillRect/>
+          </a:stretch>
+        </p:blipFill>
+        <p:spPr>
+          <a:xfrm>
+            <a:off x="9781663" y="698058"/>
+            <a:ext cx="1483360" cy="1483360"/>
+          </a:xfrm>
+          <a:prstGeom prst="rect">
+            <a:avLst/>
+          </a:prstGeom>
+        </p:spPr>
+      </p:pic>
     </p:spTree>
     <p:extLst>
       <p:ext uri="{BB962C8B-B14F-4D97-AF65-F5344CB8AC3E}">
@@ -16639,7 +17784,7 @@
         </p:nvGrpSpPr>
         <p:grpSpPr>
           <a:xfrm>
-            <a:off x="8064773" y="365125"/>
+            <a:off x="8042731" y="427813"/>
             <a:ext cx="3841102" cy="3001187"/>
             <a:chOff x="6642171" y="190094"/>
             <a:chExt cx="3841102" cy="3001187"/>
@@ -18169,8 +19314,12 @@
           </a:p>
           <a:p>
             <a:r>
-              <a:rPr lang="nl-NL" dirty="0" err="1"/>
-              <a:t>By</a:t>
+              <a:rPr lang="nl-NL" dirty="0"/>
+              <a:t>AFAIK, </a:t>
+            </a:r>
+            <a:r>
+              <a:rPr lang="nl-NL" dirty="0" err="1"/>
+              <a:t>by</a:t>
             </a:r>
             <a:r>
               <a:rPr lang="nl-NL" dirty="0"/>
@@ -18190,7 +19339,7 @@
             </a:r>
             <a:r>
               <a:rPr lang="nl-NL" dirty="0"/>
-              <a:t> is UB *</a:t>
+              <a:t> is UB*</a:t>
             </a:r>
           </a:p>
           <a:p>
@@ -18792,7 +19941,7 @@
             </a:pPr>
             <a:r>
               <a:rPr lang="nl-NL" dirty="0"/>
-              <a:t>* </a:t>
+              <a:t>*</a:t>
             </a:r>
             <a:r>
               <a:rPr lang="nl-NL" dirty="0" err="1"/>
@@ -18816,15 +19965,7 @@
             </a:r>
             <a:r>
               <a:rPr lang="nl-NL" dirty="0"/>
-              <a:t> (</a:t>
-            </a:r>
-            <a:r>
-              <a:rPr lang="nl-NL" dirty="0" err="1"/>
-              <a:t>still</a:t>
-            </a:r>
-            <a:r>
-              <a:rPr lang="nl-NL" dirty="0"/>
-              <a:t>…) </a:t>
+              <a:t> </a:t>
             </a:r>
             <a:r>
               <a:rPr lang="nl-NL" dirty="0" err="1"/>
@@ -18869,6 +20010,41 @@
           </a:p>
         </p:txBody>
       </p:sp>
+      <p:pic>
+        <p:nvPicPr>
+          <p:cNvPr id="7" name="Picture 6">
+            <a:extLst>
+              <a:ext uri="{FF2B5EF4-FFF2-40B4-BE49-F238E27FC236}">
+                <a16:creationId xmlns:a16="http://schemas.microsoft.com/office/drawing/2014/main" id="{F54BE260-57E7-4B5A-9B1D-443279EC907A}"/>
+              </a:ext>
+            </a:extLst>
+          </p:cNvPr>
+          <p:cNvPicPr>
+            <a:picLocks noChangeAspect="1"/>
+          </p:cNvPicPr>
+          <p:nvPr/>
+        </p:nvPicPr>
+        <p:blipFill>
+          <a:blip r:embed="rId2"/>
+          <a:stretch>
+            <a:fillRect/>
+          </a:stretch>
+        </p:blipFill>
+        <p:spPr>
+          <a:xfrm>
+            <a:off x="3652545" y="1746904"/>
+            <a:ext cx="2571372" cy="878989"/>
+          </a:xfrm>
+          <a:prstGeom prst="rect">
+            <a:avLst/>
+          </a:prstGeom>
+          <a:ln w="12700">
+            <a:solidFill>
+              <a:srgbClr val="002060"/>
+            </a:solidFill>
+          </a:ln>
+        </p:spPr>
+      </p:pic>
     </p:spTree>
     <p:extLst>
       <p:ext uri="{BB962C8B-B14F-4D97-AF65-F5344CB8AC3E}">
